--- a/slides/02_conditions_parameterization.pptx
+++ b/slides/02_conditions_parameterization.pptx
@@ -9865,7 +9865,7 @@
             </a:pPr>
             <a:r>
               <a:rPr lang="de"/>
-              <a:t>ACHTUNG: Gleichheit von Strings kann nicht sinnvoll mit dem ==-Operator überprüft werden (warum das so ist klären wir in einer späteren Session). Nutzt hierfür die equals-Methode der String Klasse : </a:t>
+              <a:t>ACHTUNG: Gleichheit von Strings kann nicht in jedem Fall sinnvoll mit dem ==-Operator überprüft werden (warum das so ist klären wir in einer späteren Session). Nutzt hierfür die equals-Methode der String Klasse : </a:t>
             </a:r>
             <a:endParaRPr/>
           </a:p>
@@ -12044,6 +12044,285 @@
 </file>
 
 <file path=ppt/theme/theme1.xml><?xml version="1.0" encoding="utf-8"?>
+<a:theme xmlns:a="http://schemas.openxmlformats.org/drawingml/2006/main" xmlns:r="http://schemas.openxmlformats.org/officeDocument/2006/relationships">
+  <a:themeElements>
+    <a:clrScheme name="Default">
+      <a:dk1>
+        <a:srgbClr val="000000"/>
+      </a:dk1>
+      <a:lt1>
+        <a:srgbClr val="FFFFFF"/>
+      </a:lt1>
+      <a:dk2>
+        <a:srgbClr val="158158"/>
+      </a:dk2>
+      <a:lt2>
+        <a:srgbClr val="F3F3F3"/>
+      </a:lt2>
+      <a:accent1>
+        <a:srgbClr val="058DC7"/>
+      </a:accent1>
+      <a:accent2>
+        <a:srgbClr val="50B432"/>
+      </a:accent2>
+      <a:accent3>
+        <a:srgbClr val="ED561B"/>
+      </a:accent3>
+      <a:accent4>
+        <a:srgbClr val="EDEF00"/>
+      </a:accent4>
+      <a:accent5>
+        <a:srgbClr val="24CBE5"/>
+      </a:accent5>
+      <a:accent6>
+        <a:srgbClr val="64E572"/>
+      </a:accent6>
+      <a:hlink>
+        <a:srgbClr val="2200CC"/>
+      </a:hlink>
+      <a:folHlink>
+        <a:srgbClr val="551A8B"/>
+      </a:folHlink>
+    </a:clrScheme>
+    <a:fontScheme name="Office">
+      <a:majorFont>
+        <a:latin typeface="Arial"/>
+        <a:ea typeface=""/>
+        <a:cs typeface=""/>
+        <a:font script="Jpan" typeface="ＭＳ Ｐゴシック"/>
+        <a:font script="Hang" typeface="맑은 고딕"/>
+        <a:font script="Hans" typeface="宋体"/>
+        <a:font script="Hant" typeface="新細明體"/>
+        <a:font script="Arab" typeface="Times New Roman"/>
+        <a:font script="Hebr" typeface="Times New Roman"/>
+        <a:font script="Thai" typeface="Angsana New"/>
+        <a:font script="Ethi" typeface="Nyala"/>
+        <a:font script="Beng" typeface="Vrinda"/>
+        <a:font script="Gujr" typeface="Shruti"/>
+        <a:font script="Khmr" typeface="MoolBoran"/>
+        <a:font script="Knda" typeface="Tunga"/>
+        <a:font script="Guru" typeface="Raavi"/>
+        <a:font script="Cans" typeface="Euphemia"/>
+        <a:font script="Cher" typeface="Plantagenet Cherokee"/>
+        <a:font script="Yiii" typeface="Microsoft Yi Baiti"/>
+        <a:font script="Tibt" typeface="Microsoft Himalaya"/>
+        <a:font script="Thaa" typeface="MV Boli"/>
+        <a:font script="Deva" typeface="Mangal"/>
+        <a:font script="Telu" typeface="Gautami"/>
+        <a:font script="Taml" typeface="Latha"/>
+        <a:font script="Syrc" typeface="Estrangelo Edessa"/>
+        <a:font script="Orya" typeface="Kalinga"/>
+        <a:font script="Mlym" typeface="Kartika"/>
+        <a:font script="Laoo" typeface="DokChampa"/>
+        <a:font script="Sinh" typeface="Iskoola Pota"/>
+        <a:font script="Mong" typeface="Mongolian Baiti"/>
+        <a:font script="Viet" typeface="Times New Roman"/>
+        <a:font script="Uigh" typeface="Microsoft Uighur"/>
+        <a:font script="Geor" typeface="Sylfaen"/>
+      </a:majorFont>
+      <a:minorFont>
+        <a:latin typeface="Arial"/>
+        <a:ea typeface=""/>
+        <a:cs typeface=""/>
+        <a:font script="Jpan" typeface="ＭＳ Ｐゴシック"/>
+        <a:font script="Hang" typeface="맑은 고딕"/>
+        <a:font script="Hans" typeface="宋体"/>
+        <a:font script="Hant" typeface="新細明體"/>
+        <a:font script="Arab" typeface="Arial"/>
+        <a:font script="Hebr" typeface="Arial"/>
+        <a:font script="Thai" typeface="Cordia New"/>
+        <a:font script="Ethi" typeface="Nyala"/>
+        <a:font script="Beng" typeface="Vrinda"/>
+        <a:font script="Gujr" typeface="Shruti"/>
+        <a:font script="Khmr" typeface="DaunPenh"/>
+        <a:font script="Knda" typeface="Tunga"/>
+        <a:font script="Guru" typeface="Raavi"/>
+        <a:font script="Cans" typeface="Euphemia"/>
+        <a:font script="Cher" typeface="Plantagenet Cherokee"/>
+        <a:font script="Yiii" typeface="Microsoft Yi Baiti"/>
+        <a:font script="Tibt" typeface="Microsoft Himalaya"/>
+        <a:font script="Thaa" typeface="MV Boli"/>
+        <a:font script="Deva" typeface="Mangal"/>
+        <a:font script="Telu" typeface="Gautami"/>
+        <a:font script="Taml" typeface="Latha"/>
+        <a:font script="Syrc" typeface="Estrangelo Edessa"/>
+        <a:font script="Orya" typeface="Kalinga"/>
+        <a:font script="Mlym" typeface="Kartika"/>
+        <a:font script="Laoo" typeface="DokChampa"/>
+        <a:font script="Sinh" typeface="Iskoola Pota"/>
+        <a:font script="Mong" typeface="Mongolian Baiti"/>
+        <a:font script="Viet" typeface="Arial"/>
+        <a:font script="Uigh" typeface="Microsoft Uighur"/>
+        <a:font script="Geor" typeface="Sylfaen"/>
+      </a:minorFont>
+    </a:fontScheme>
+    <a:fmtScheme name="Office">
+      <a:fillStyleLst>
+        <a:solidFill>
+          <a:schemeClr val="phClr"/>
+        </a:solidFill>
+        <a:gradFill rotWithShape="1">
+          <a:gsLst>
+            <a:gs pos="0">
+              <a:schemeClr val="phClr">
+                <a:tint val="50000"/>
+                <a:satMod val="300000"/>
+              </a:schemeClr>
+            </a:gs>
+            <a:gs pos="35000">
+              <a:schemeClr val="phClr">
+                <a:tint val="37000"/>
+                <a:satMod val="300000"/>
+              </a:schemeClr>
+            </a:gs>
+            <a:gs pos="100000">
+              <a:schemeClr val="phClr">
+                <a:tint val="15000"/>
+                <a:satMod val="350000"/>
+              </a:schemeClr>
+            </a:gs>
+          </a:gsLst>
+          <a:lin ang="16200000" scaled="1"/>
+        </a:gradFill>
+        <a:gradFill rotWithShape="1">
+          <a:gsLst>
+            <a:gs pos="0">
+              <a:schemeClr val="phClr">
+                <a:tint val="100000"/>
+                <a:shade val="100000"/>
+                <a:satMod val="130000"/>
+              </a:schemeClr>
+            </a:gs>
+            <a:gs pos="100000">
+              <a:schemeClr val="phClr">
+                <a:tint val="50000"/>
+                <a:shade val="100000"/>
+                <a:satMod val="350000"/>
+              </a:schemeClr>
+            </a:gs>
+          </a:gsLst>
+          <a:lin ang="16200000" scaled="0"/>
+        </a:gradFill>
+      </a:fillStyleLst>
+      <a:lnStyleLst>
+        <a:ln w="9525" cap="flat" cmpd="sng" algn="ctr">
+          <a:solidFill>
+            <a:schemeClr val="phClr">
+              <a:shade val="95000"/>
+              <a:satMod val="105000"/>
+            </a:schemeClr>
+          </a:solidFill>
+          <a:prstDash val="solid"/>
+        </a:ln>
+        <a:ln w="25400" cap="flat" cmpd="sng" algn="ctr">
+          <a:solidFill>
+            <a:schemeClr val="phClr"/>
+          </a:solidFill>
+          <a:prstDash val="solid"/>
+        </a:ln>
+        <a:ln w="38100" cap="flat" cmpd="sng" algn="ctr">
+          <a:solidFill>
+            <a:schemeClr val="phClr"/>
+          </a:solidFill>
+          <a:prstDash val="solid"/>
+        </a:ln>
+      </a:lnStyleLst>
+      <a:effectStyleLst>
+        <a:effectStyle>
+          <a:effectLst>
+            <a:outerShdw blurRad="40000" dist="20000" dir="5400000" rotWithShape="0">
+              <a:srgbClr val="000000">
+                <a:alpha val="38000"/>
+              </a:srgbClr>
+            </a:outerShdw>
+          </a:effectLst>
+        </a:effectStyle>
+        <a:effectStyle>
+          <a:effectLst>
+            <a:outerShdw blurRad="40000" dist="23000" dir="5400000" rotWithShape="0">
+              <a:srgbClr val="000000">
+                <a:alpha val="35000"/>
+              </a:srgbClr>
+            </a:outerShdw>
+          </a:effectLst>
+        </a:effectStyle>
+        <a:effectStyle>
+          <a:effectLst>
+            <a:outerShdw blurRad="40000" dist="23000" dir="5400000" rotWithShape="0">
+              <a:srgbClr val="000000">
+                <a:alpha val="35000"/>
+              </a:srgbClr>
+            </a:outerShdw>
+          </a:effectLst>
+          <a:scene3d>
+            <a:camera prst="orthographicFront">
+              <a:rot lat="0" lon="0" rev="0"/>
+            </a:camera>
+            <a:lightRig rig="threePt" dir="t">
+              <a:rot lat="0" lon="0" rev="1200000"/>
+            </a:lightRig>
+          </a:scene3d>
+          <a:sp3d>
+            <a:bevelT w="63500" h="25400"/>
+          </a:sp3d>
+        </a:effectStyle>
+      </a:effectStyleLst>
+      <a:bgFillStyleLst>
+        <a:solidFill>
+          <a:schemeClr val="phClr"/>
+        </a:solidFill>
+        <a:gradFill rotWithShape="1">
+          <a:gsLst>
+            <a:gs pos="0">
+              <a:schemeClr val="phClr">
+                <a:tint val="40000"/>
+                <a:satMod val="350000"/>
+              </a:schemeClr>
+            </a:gs>
+            <a:gs pos="40000">
+              <a:schemeClr val="phClr">
+                <a:tint val="45000"/>
+                <a:shade val="99000"/>
+                <a:satMod val="350000"/>
+              </a:schemeClr>
+            </a:gs>
+            <a:gs pos="100000">
+              <a:schemeClr val="phClr">
+                <a:shade val="20000"/>
+                <a:satMod val="255000"/>
+              </a:schemeClr>
+            </a:gs>
+          </a:gsLst>
+          <a:path path="circle">
+            <a:fillToRect l="50000" t="-80000" r="50000" b="180000"/>
+          </a:path>
+        </a:gradFill>
+        <a:gradFill rotWithShape="1">
+          <a:gsLst>
+            <a:gs pos="0">
+              <a:schemeClr val="phClr">
+                <a:tint val="80000"/>
+                <a:satMod val="300000"/>
+              </a:schemeClr>
+            </a:gs>
+            <a:gs pos="100000">
+              <a:schemeClr val="phClr">
+                <a:shade val="30000"/>
+                <a:satMod val="200000"/>
+              </a:schemeClr>
+            </a:gs>
+          </a:gsLst>
+          <a:path path="circle">
+            <a:fillToRect l="50000" t="50000" r="50000" b="50000"/>
+          </a:path>
+        </a:gradFill>
+      </a:bgFillStyleLst>
+    </a:fmtScheme>
+  </a:themeElements>
+</a:theme>
+</file>
+
+<file path=ppt/theme/theme2.xml><?xml version="1.0" encoding="utf-8"?>
 <a:theme xmlns:a="http://schemas.openxmlformats.org/drawingml/2006/main" xmlns:r="http://schemas.openxmlformats.org/officeDocument/2006/relationships" name="TUBraunschweig_PPT2007_Folienpool_pptx">
   <a:themeElements>
     <a:clrScheme name="TU Braunschweig">
@@ -12320,283 +12599,4 @@
     </a:fmtScheme>
   </a:themeElements>
 </a:theme>
-</file>
-
-<file path=ppt/theme/theme2.xml><?xml version="1.0" encoding="utf-8"?>
-<a:theme xmlns:a="http://schemas.openxmlformats.org/drawingml/2006/main" xmlns:r="http://schemas.openxmlformats.org/officeDocument/2006/relationships">
-  <a:themeElements>
-    <a:clrScheme name="Default">
-      <a:dk1>
-        <a:srgbClr val="000000"/>
-      </a:dk1>
-      <a:lt1>
-        <a:srgbClr val="FFFFFF"/>
-      </a:lt1>
-      <a:dk2>
-        <a:srgbClr val="158158"/>
-      </a:dk2>
-      <a:lt2>
-        <a:srgbClr val="F3F3F3"/>
-      </a:lt2>
-      <a:accent1>
-        <a:srgbClr val="058DC7"/>
-      </a:accent1>
-      <a:accent2>
-        <a:srgbClr val="50B432"/>
-      </a:accent2>
-      <a:accent3>
-        <a:srgbClr val="ED561B"/>
-      </a:accent3>
-      <a:accent4>
-        <a:srgbClr val="EDEF00"/>
-      </a:accent4>
-      <a:accent5>
-        <a:srgbClr val="24CBE5"/>
-      </a:accent5>
-      <a:accent6>
-        <a:srgbClr val="64E572"/>
-      </a:accent6>
-      <a:hlink>
-        <a:srgbClr val="2200CC"/>
-      </a:hlink>
-      <a:folHlink>
-        <a:srgbClr val="551A8B"/>
-      </a:folHlink>
-    </a:clrScheme>
-    <a:fontScheme name="Office">
-      <a:majorFont>
-        <a:latin typeface="Arial"/>
-        <a:ea typeface=""/>
-        <a:cs typeface=""/>
-        <a:font script="Jpan" typeface="ＭＳ Ｐゴシック"/>
-        <a:font script="Hang" typeface="맑은 고딕"/>
-        <a:font script="Hans" typeface="宋体"/>
-        <a:font script="Hant" typeface="新細明體"/>
-        <a:font script="Arab" typeface="Times New Roman"/>
-        <a:font script="Hebr" typeface="Times New Roman"/>
-        <a:font script="Thai" typeface="Angsana New"/>
-        <a:font script="Ethi" typeface="Nyala"/>
-        <a:font script="Beng" typeface="Vrinda"/>
-        <a:font script="Gujr" typeface="Shruti"/>
-        <a:font script="Khmr" typeface="MoolBoran"/>
-        <a:font script="Knda" typeface="Tunga"/>
-        <a:font script="Guru" typeface="Raavi"/>
-        <a:font script="Cans" typeface="Euphemia"/>
-        <a:font script="Cher" typeface="Plantagenet Cherokee"/>
-        <a:font script="Yiii" typeface="Microsoft Yi Baiti"/>
-        <a:font script="Tibt" typeface="Microsoft Himalaya"/>
-        <a:font script="Thaa" typeface="MV Boli"/>
-        <a:font script="Deva" typeface="Mangal"/>
-        <a:font script="Telu" typeface="Gautami"/>
-        <a:font script="Taml" typeface="Latha"/>
-        <a:font script="Syrc" typeface="Estrangelo Edessa"/>
-        <a:font script="Orya" typeface="Kalinga"/>
-        <a:font script="Mlym" typeface="Kartika"/>
-        <a:font script="Laoo" typeface="DokChampa"/>
-        <a:font script="Sinh" typeface="Iskoola Pota"/>
-        <a:font script="Mong" typeface="Mongolian Baiti"/>
-        <a:font script="Viet" typeface="Times New Roman"/>
-        <a:font script="Uigh" typeface="Microsoft Uighur"/>
-        <a:font script="Geor" typeface="Sylfaen"/>
-      </a:majorFont>
-      <a:minorFont>
-        <a:latin typeface="Arial"/>
-        <a:ea typeface=""/>
-        <a:cs typeface=""/>
-        <a:font script="Jpan" typeface="ＭＳ Ｐゴシック"/>
-        <a:font script="Hang" typeface="맑은 고딕"/>
-        <a:font script="Hans" typeface="宋体"/>
-        <a:font script="Hant" typeface="新細明體"/>
-        <a:font script="Arab" typeface="Arial"/>
-        <a:font script="Hebr" typeface="Arial"/>
-        <a:font script="Thai" typeface="Cordia New"/>
-        <a:font script="Ethi" typeface="Nyala"/>
-        <a:font script="Beng" typeface="Vrinda"/>
-        <a:font script="Gujr" typeface="Shruti"/>
-        <a:font script="Khmr" typeface="DaunPenh"/>
-        <a:font script="Knda" typeface="Tunga"/>
-        <a:font script="Guru" typeface="Raavi"/>
-        <a:font script="Cans" typeface="Euphemia"/>
-        <a:font script="Cher" typeface="Plantagenet Cherokee"/>
-        <a:font script="Yiii" typeface="Microsoft Yi Baiti"/>
-        <a:font script="Tibt" typeface="Microsoft Himalaya"/>
-        <a:font script="Thaa" typeface="MV Boli"/>
-        <a:font script="Deva" typeface="Mangal"/>
-        <a:font script="Telu" typeface="Gautami"/>
-        <a:font script="Taml" typeface="Latha"/>
-        <a:font script="Syrc" typeface="Estrangelo Edessa"/>
-        <a:font script="Orya" typeface="Kalinga"/>
-        <a:font script="Mlym" typeface="Kartika"/>
-        <a:font script="Laoo" typeface="DokChampa"/>
-        <a:font script="Sinh" typeface="Iskoola Pota"/>
-        <a:font script="Mong" typeface="Mongolian Baiti"/>
-        <a:font script="Viet" typeface="Arial"/>
-        <a:font script="Uigh" typeface="Microsoft Uighur"/>
-        <a:font script="Geor" typeface="Sylfaen"/>
-      </a:minorFont>
-    </a:fontScheme>
-    <a:fmtScheme name="Office">
-      <a:fillStyleLst>
-        <a:solidFill>
-          <a:schemeClr val="phClr"/>
-        </a:solidFill>
-        <a:gradFill rotWithShape="1">
-          <a:gsLst>
-            <a:gs pos="0">
-              <a:schemeClr val="phClr">
-                <a:tint val="50000"/>
-                <a:satMod val="300000"/>
-              </a:schemeClr>
-            </a:gs>
-            <a:gs pos="35000">
-              <a:schemeClr val="phClr">
-                <a:tint val="37000"/>
-                <a:satMod val="300000"/>
-              </a:schemeClr>
-            </a:gs>
-            <a:gs pos="100000">
-              <a:schemeClr val="phClr">
-                <a:tint val="15000"/>
-                <a:satMod val="350000"/>
-              </a:schemeClr>
-            </a:gs>
-          </a:gsLst>
-          <a:lin ang="16200000" scaled="1"/>
-        </a:gradFill>
-        <a:gradFill rotWithShape="1">
-          <a:gsLst>
-            <a:gs pos="0">
-              <a:schemeClr val="phClr">
-                <a:tint val="100000"/>
-                <a:shade val="100000"/>
-                <a:satMod val="130000"/>
-              </a:schemeClr>
-            </a:gs>
-            <a:gs pos="100000">
-              <a:schemeClr val="phClr">
-                <a:tint val="50000"/>
-                <a:shade val="100000"/>
-                <a:satMod val="350000"/>
-              </a:schemeClr>
-            </a:gs>
-          </a:gsLst>
-          <a:lin ang="16200000" scaled="0"/>
-        </a:gradFill>
-      </a:fillStyleLst>
-      <a:lnStyleLst>
-        <a:ln w="9525" cap="flat" cmpd="sng" algn="ctr">
-          <a:solidFill>
-            <a:schemeClr val="phClr">
-              <a:shade val="95000"/>
-              <a:satMod val="105000"/>
-            </a:schemeClr>
-          </a:solidFill>
-          <a:prstDash val="solid"/>
-        </a:ln>
-        <a:ln w="25400" cap="flat" cmpd="sng" algn="ctr">
-          <a:solidFill>
-            <a:schemeClr val="phClr"/>
-          </a:solidFill>
-          <a:prstDash val="solid"/>
-        </a:ln>
-        <a:ln w="38100" cap="flat" cmpd="sng" algn="ctr">
-          <a:solidFill>
-            <a:schemeClr val="phClr"/>
-          </a:solidFill>
-          <a:prstDash val="solid"/>
-        </a:ln>
-      </a:lnStyleLst>
-      <a:effectStyleLst>
-        <a:effectStyle>
-          <a:effectLst>
-            <a:outerShdw blurRad="40000" dist="20000" dir="5400000" rotWithShape="0">
-              <a:srgbClr val="000000">
-                <a:alpha val="38000"/>
-              </a:srgbClr>
-            </a:outerShdw>
-          </a:effectLst>
-        </a:effectStyle>
-        <a:effectStyle>
-          <a:effectLst>
-            <a:outerShdw blurRad="40000" dist="23000" dir="5400000" rotWithShape="0">
-              <a:srgbClr val="000000">
-                <a:alpha val="35000"/>
-              </a:srgbClr>
-            </a:outerShdw>
-          </a:effectLst>
-        </a:effectStyle>
-        <a:effectStyle>
-          <a:effectLst>
-            <a:outerShdw blurRad="40000" dist="23000" dir="5400000" rotWithShape="0">
-              <a:srgbClr val="000000">
-                <a:alpha val="35000"/>
-              </a:srgbClr>
-            </a:outerShdw>
-          </a:effectLst>
-          <a:scene3d>
-            <a:camera prst="orthographicFront">
-              <a:rot lat="0" lon="0" rev="0"/>
-            </a:camera>
-            <a:lightRig rig="threePt" dir="t">
-              <a:rot lat="0" lon="0" rev="1200000"/>
-            </a:lightRig>
-          </a:scene3d>
-          <a:sp3d>
-            <a:bevelT w="63500" h="25400"/>
-          </a:sp3d>
-        </a:effectStyle>
-      </a:effectStyleLst>
-      <a:bgFillStyleLst>
-        <a:solidFill>
-          <a:schemeClr val="phClr"/>
-        </a:solidFill>
-        <a:gradFill rotWithShape="1">
-          <a:gsLst>
-            <a:gs pos="0">
-              <a:schemeClr val="phClr">
-                <a:tint val="40000"/>
-                <a:satMod val="350000"/>
-              </a:schemeClr>
-            </a:gs>
-            <a:gs pos="40000">
-              <a:schemeClr val="phClr">
-                <a:tint val="45000"/>
-                <a:shade val="99000"/>
-                <a:satMod val="350000"/>
-              </a:schemeClr>
-            </a:gs>
-            <a:gs pos="100000">
-              <a:schemeClr val="phClr">
-                <a:shade val="20000"/>
-                <a:satMod val="255000"/>
-              </a:schemeClr>
-            </a:gs>
-          </a:gsLst>
-          <a:path path="circle">
-            <a:fillToRect l="50000" t="-80000" r="50000" b="180000"/>
-          </a:path>
-        </a:gradFill>
-        <a:gradFill rotWithShape="1">
-          <a:gsLst>
-            <a:gs pos="0">
-              <a:schemeClr val="phClr">
-                <a:tint val="80000"/>
-                <a:satMod val="300000"/>
-              </a:schemeClr>
-            </a:gs>
-            <a:gs pos="100000">
-              <a:schemeClr val="phClr">
-                <a:shade val="30000"/>
-                <a:satMod val="200000"/>
-              </a:schemeClr>
-            </a:gs>
-          </a:gsLst>
-          <a:path path="circle">
-            <a:fillToRect l="50000" t="50000" r="50000" b="50000"/>
-          </a:path>
-        </a:gradFill>
-      </a:bgFillStyleLst>
-    </a:fmtScheme>
-  </a:themeElements>
-</a:theme>
 </file>
--- a/slides/02_conditions_parameterization.pptx
+++ b/slides/02_conditions_parameterization.pptx
@@ -9756,7 +9756,7 @@
             </a:pPr>
             <a:r>
               <a:rPr lang="de"/>
-              <a:t>Das Alter des Benutzers soll als Kommandozeilenparameter übergeben werden.</a:t>
+              <a:t>Das Alter des Benutzers soll als Kommandozeilenparameter übergeben werden (String kann mit Integer.parseInt(&lt;String&gt;) zu int geparsed werden).</a:t>
             </a:r>
             <a:endParaRPr/>
           </a:p>
@@ -10830,7 +10830,7 @@
             </a:pPr>
             <a:r>
               <a:rPr lang="de"/>
-              <a:t>Nur damit du es mal gesehen hast: Der Ternäre Operator lässt euch ein Bedingtes Statement in einer Zeile verfassen.</a:t>
+              <a:t>Nur damit du es mal gesehen hast: Der Ternäre Operator lässt euch ein bedingtes Statement in einer Zeile verfassen.</a:t>
             </a:r>
             <a:endParaRPr/>
           </a:p>

--- a/slides/02_conditions_parameterization.pptx
+++ b/slides/02_conditions_parameterization.pptx
@@ -799,7 +799,7 @@
   <p:cSld>
     <p:spTree>
       <p:nvGrpSpPr>
-        <p:cNvPr id="143" name="Shape 143"/>
+        <p:cNvPr id="145" name="Shape 145"/>
         <p:cNvGrpSpPr/>
         <p:nvPr/>
       </p:nvGrpSpPr>
@@ -813,7 +813,7 @@
       </p:grpSpPr>
       <p:sp>
         <p:nvSpPr>
-          <p:cNvPr id="144" name="Google Shape;144;gfa47c3c0f8_0_287:notes"/>
+          <p:cNvPr id="146" name="Google Shape;146;gfa47c3c0f8_0_287:notes"/>
           <p:cNvSpPr/>
           <p:nvPr>
             <p:ph idx="2" type="sldImg"/>
@@ -848,7 +848,7 @@
       </p:sp>
       <p:sp>
         <p:nvSpPr>
-          <p:cNvPr id="145" name="Google Shape;145;gfa47c3c0f8_0_287:notes"/>
+          <p:cNvPr id="147" name="Google Shape;147;gfa47c3c0f8_0_287:notes"/>
           <p:cNvSpPr txBox="1"/>
           <p:nvPr>
             <p:ph idx="1" type="body"/>
@@ -1195,7 +1195,7 @@
   <p:cSld>
     <p:spTree>
       <p:nvGrpSpPr>
-        <p:cNvPr id="106" name="Shape 106"/>
+        <p:cNvPr id="108" name="Shape 108"/>
         <p:cNvGrpSpPr/>
         <p:nvPr/>
       </p:nvGrpSpPr>
@@ -1209,7 +1209,7 @@
       </p:grpSpPr>
       <p:sp>
         <p:nvSpPr>
-          <p:cNvPr id="107" name="Google Shape;107;gfa47c3c0f8_0_191:notes"/>
+          <p:cNvPr id="109" name="Google Shape;109;gfa47c3c0f8_0_191:notes"/>
           <p:cNvSpPr/>
           <p:nvPr>
             <p:ph idx="2" type="sldImg"/>
@@ -1244,7 +1244,7 @@
       </p:sp>
       <p:sp>
         <p:nvSpPr>
-          <p:cNvPr id="108" name="Google Shape;108;gfa47c3c0f8_0_191:notes"/>
+          <p:cNvPr id="110" name="Google Shape;110;gfa47c3c0f8_0_191:notes"/>
           <p:cNvSpPr txBox="1"/>
           <p:nvPr>
             <p:ph idx="1" type="body"/>
@@ -1294,7 +1294,7 @@
   <p:cSld>
     <p:spTree>
       <p:nvGrpSpPr>
-        <p:cNvPr id="114" name="Shape 114"/>
+        <p:cNvPr id="116" name="Shape 116"/>
         <p:cNvGrpSpPr/>
         <p:nvPr/>
       </p:nvGrpSpPr>
@@ -1308,7 +1308,7 @@
       </p:grpSpPr>
       <p:sp>
         <p:nvSpPr>
-          <p:cNvPr id="115" name="Google Shape;115;gfa47c3c0f8_0_198:notes"/>
+          <p:cNvPr id="117" name="Google Shape;117;gfa47c3c0f8_0_198:notes"/>
           <p:cNvSpPr/>
           <p:nvPr>
             <p:ph idx="2" type="sldImg"/>
@@ -1343,7 +1343,7 @@
       </p:sp>
       <p:sp>
         <p:nvSpPr>
-          <p:cNvPr id="116" name="Google Shape;116;gfa47c3c0f8_0_198:notes"/>
+          <p:cNvPr id="118" name="Google Shape;118;gfa47c3c0f8_0_198:notes"/>
           <p:cNvSpPr txBox="1"/>
           <p:nvPr>
             <p:ph idx="1" type="body"/>
@@ -1393,7 +1393,7 @@
   <p:cSld>
     <p:spTree>
       <p:nvGrpSpPr>
-        <p:cNvPr id="121" name="Shape 121"/>
+        <p:cNvPr id="123" name="Shape 123"/>
         <p:cNvGrpSpPr/>
         <p:nvPr/>
       </p:nvGrpSpPr>
@@ -1407,7 +1407,7 @@
       </p:grpSpPr>
       <p:sp>
         <p:nvSpPr>
-          <p:cNvPr id="122" name="Google Shape;122;gfa47c3c0f8_0_0:notes"/>
+          <p:cNvPr id="124" name="Google Shape;124;gfa47c3c0f8_0_0:notes"/>
           <p:cNvSpPr/>
           <p:nvPr>
             <p:ph idx="2" type="sldImg"/>
@@ -1452,7 +1452,7 @@
       </p:sp>
       <p:sp>
         <p:nvSpPr>
-          <p:cNvPr id="123" name="Google Shape;123;gfa47c3c0f8_0_0:notes"/>
+          <p:cNvPr id="125" name="Google Shape;125;gfa47c3c0f8_0_0:notes"/>
           <p:cNvSpPr txBox="1"/>
           <p:nvPr>
             <p:ph idx="1" type="body"/>
@@ -1510,7 +1510,7 @@
   <p:cSld>
     <p:spTree>
       <p:nvGrpSpPr>
-        <p:cNvPr id="129" name="Shape 129"/>
+        <p:cNvPr id="131" name="Shape 131"/>
         <p:cNvGrpSpPr/>
         <p:nvPr/>
       </p:nvGrpSpPr>
@@ -1524,7 +1524,7 @@
       </p:grpSpPr>
       <p:sp>
         <p:nvSpPr>
-          <p:cNvPr id="130" name="Google Shape;130;gfa47c3c0f8_0_7:notes"/>
+          <p:cNvPr id="132" name="Google Shape;132;gfa47c3c0f8_0_7:notes"/>
           <p:cNvSpPr/>
           <p:nvPr>
             <p:ph idx="2" type="sldImg"/>
@@ -1569,7 +1569,7 @@
       </p:sp>
       <p:sp>
         <p:nvSpPr>
-          <p:cNvPr id="131" name="Google Shape;131;gfa47c3c0f8_0_7:notes"/>
+          <p:cNvPr id="133" name="Google Shape;133;gfa47c3c0f8_0_7:notes"/>
           <p:cNvSpPr txBox="1"/>
           <p:nvPr>
             <p:ph idx="1" type="body"/>
@@ -1627,7 +1627,7 @@
   <p:cSld>
     <p:spTree>
       <p:nvGrpSpPr>
-        <p:cNvPr id="137" name="Shape 137"/>
+        <p:cNvPr id="139" name="Shape 139"/>
         <p:cNvGrpSpPr/>
         <p:nvPr/>
       </p:nvGrpSpPr>
@@ -1641,7 +1641,7 @@
       </p:grpSpPr>
       <p:sp>
         <p:nvSpPr>
-          <p:cNvPr id="138" name="Google Shape;138;gfa47c3c0f8_0_281:notes"/>
+          <p:cNvPr id="140" name="Google Shape;140;gfa47c3c0f8_0_281:notes"/>
           <p:cNvSpPr/>
           <p:nvPr>
             <p:ph idx="2" type="sldImg"/>
@@ -1676,7 +1676,7 @@
       </p:sp>
       <p:sp>
         <p:nvSpPr>
-          <p:cNvPr id="139" name="Google Shape;139;gfa47c3c0f8_0_281:notes"/>
+          <p:cNvPr id="141" name="Google Shape;141;gfa47c3c0f8_0_281:notes"/>
           <p:cNvSpPr txBox="1"/>
           <p:nvPr>
             <p:ph idx="1" type="body"/>
@@ -9621,7 +9621,7 @@
   <p:cSld>
     <p:spTree>
       <p:nvGrpSpPr>
-        <p:cNvPr id="146" name="Shape 146"/>
+        <p:cNvPr id="148" name="Shape 148"/>
         <p:cNvGrpSpPr/>
         <p:nvPr/>
       </p:nvGrpSpPr>
@@ -9635,7 +9635,7 @@
       </p:grpSpPr>
       <p:sp>
         <p:nvSpPr>
-          <p:cNvPr id="147" name="Google Shape;147;p25"/>
+          <p:cNvPr id="149" name="Google Shape;149;p25"/>
           <p:cNvSpPr txBox="1"/>
           <p:nvPr>
             <p:ph type="title"/>
@@ -9675,7 +9675,7 @@
       </p:sp>
       <p:sp>
         <p:nvSpPr>
-          <p:cNvPr id="148" name="Google Shape;148;p25"/>
+          <p:cNvPr id="150" name="Google Shape;150;p25"/>
           <p:cNvSpPr/>
           <p:nvPr>
             <p:ph idx="2" type="chart"/>
@@ -9712,21 +9712,6 @@
             <a:endParaRPr/>
           </a:p>
           <a:p>
-            <a:pPr indent="0" lvl="0" marL="0" rtl="0" algn="l">
-              <a:spcBef>
-                <a:spcPts val="320"/>
-              </a:spcBef>
-              <a:spcAft>
-                <a:spcPts val="0"/>
-              </a:spcAft>
-              <a:buNone/>
-            </a:pPr>
-            <a:r>
-              <a:t/>
-            </a:r>
-            <a:endParaRPr/>
-          </a:p>
-          <a:p>
             <a:pPr indent="-317500" lvl="0" marL="457200" rtl="0" algn="l">
               <a:spcBef>
                 <a:spcPts val="320"/>
@@ -9773,7 +9758,7 @@
             </a:pPr>
             <a:r>
               <a:rPr lang="de"/>
-              <a:t>Ist das Alter 18 oder höher, so soll “Du kommst rein.” ausgegeben werden</a:t>
+              <a:t>Ist das Alter 18 oder höher, so soll “Du kommst rein.” ausgegeben werden.</a:t>
             </a:r>
             <a:endParaRPr/>
           </a:p>
@@ -9807,7 +9792,7 @@
             </a:pPr>
             <a:r>
               <a:rPr lang="de"/>
-              <a:t>Die Antwort auf die Frage soll über die Scanner-Klasse erhoben werden</a:t>
+              <a:t>Die Antwort auf die Frage soll über die Scanner-Klasse erhoben werden.</a:t>
             </a:r>
             <a:endParaRPr/>
           </a:p>
@@ -9828,7 +9813,7 @@
             </a:r>
             <a:r>
               <a:rPr lang="de"/>
-              <a:t>“Du kommst rein.” ausgegeben werden</a:t>
+              <a:t>“Du kommst rein.” ausgegeben werden.</a:t>
             </a:r>
             <a:endParaRPr/>
           </a:p>
@@ -9845,7 +9830,7 @@
             </a:pPr>
             <a:r>
               <a:rPr lang="de"/>
-              <a:t>Ist die Antwort nicht “ja”, so soll “Du kommst nicht rein.” ausgegeben werden</a:t>
+              <a:t>Ist die Antwort nicht “ja”, so soll “Du kommst nicht rein.” ausgegeben werden.</a:t>
             </a:r>
             <a:br>
               <a:rPr lang="de"/>
@@ -10070,6 +10055,40 @@
             <a:r>
               <a:rPr lang="de"/>
               <a:t>Parametrisierung von Programmen</a:t>
+            </a:r>
+            <a:endParaRPr/>
+          </a:p>
+          <a:p>
+            <a:pPr indent="-330200" lvl="1" marL="914400" rtl="0" algn="l">
+              <a:spcBef>
+                <a:spcPts val="0"/>
+              </a:spcBef>
+              <a:spcAft>
+                <a:spcPts val="0"/>
+              </a:spcAft>
+              <a:buSzPts val="1600"/>
+              <a:buAutoNum type="arabicPeriod"/>
+            </a:pPr>
+            <a:r>
+              <a:rPr lang="de"/>
+              <a:t>Kommandozeilenparameter</a:t>
+            </a:r>
+            <a:endParaRPr/>
+          </a:p>
+          <a:p>
+            <a:pPr indent="-330200" lvl="1" marL="914400" rtl="0" algn="l">
+              <a:spcBef>
+                <a:spcPts val="0"/>
+              </a:spcBef>
+              <a:spcAft>
+                <a:spcPts val="0"/>
+              </a:spcAft>
+              <a:buSzPts val="1600"/>
+              <a:buAutoNum type="arabicPeriod"/>
+            </a:pPr>
+            <a:r>
+              <a:rPr lang="de"/>
+              <a:t>Scanner-Klasse</a:t>
             </a:r>
             <a:br>
               <a:rPr lang="de"/>
@@ -10315,9 +10334,37 @@
           <a:chExt cx="0" cy="0"/>
         </a:xfrm>
       </p:grpSpPr>
+      <p:pic>
+        <p:nvPicPr>
+          <p:cNvPr id="103" name="Google Shape;103;p19"/>
+          <p:cNvPicPr preferRelativeResize="0"/>
+          <p:nvPr/>
+        </p:nvPicPr>
+        <p:blipFill>
+          <a:blip r:embed="rId3">
+            <a:alphaModFix/>
+          </a:blip>
+          <a:stretch>
+            <a:fillRect/>
+          </a:stretch>
+        </p:blipFill>
+        <p:spPr>
+          <a:xfrm>
+            <a:off x="3643319" y="1722675"/>
+            <a:ext cx="4201201" cy="1753300"/>
+          </a:xfrm>
+          <a:prstGeom prst="rect">
+            <a:avLst/>
+          </a:prstGeom>
+          <a:noFill/>
+          <a:ln>
+            <a:noFill/>
+          </a:ln>
+        </p:spPr>
+      </p:pic>
       <p:sp>
         <p:nvSpPr>
-          <p:cNvPr id="103" name="Google Shape;103;p19"/>
+          <p:cNvPr id="104" name="Google Shape;104;p19"/>
           <p:cNvSpPr txBox="1"/>
           <p:nvPr>
             <p:ph type="title"/>
@@ -10361,7 +10408,7 @@
       </p:sp>
       <p:sp>
         <p:nvSpPr>
-          <p:cNvPr id="104" name="Google Shape;104;p19"/>
+          <p:cNvPr id="105" name="Google Shape;105;p19"/>
           <p:cNvSpPr/>
           <p:nvPr>
             <p:ph idx="2" type="chart"/>
@@ -10399,24 +10446,42 @@
           </a:p>
         </p:txBody>
       </p:sp>
-      <p:pic>
-        <p:nvPicPr>
-          <p:cNvPr id="105" name="Google Shape;105;p19"/>
-          <p:cNvPicPr preferRelativeResize="0"/>
+      <p:cxnSp>
+        <p:nvCxnSpPr>
+          <p:cNvPr id="106" name="Google Shape;106;p19"/>
+          <p:cNvCxnSpPr/>
           <p:nvPr/>
-        </p:nvPicPr>
-        <p:blipFill>
-          <a:blip r:embed="rId3">
-            <a:alphaModFix/>
-          </a:blip>
-          <a:stretch>
-            <a:fillRect/>
-          </a:stretch>
-        </p:blipFill>
+        </p:nvCxnSpPr>
+        <p:spPr>
+          <a:xfrm flipH="1" rot="10800000">
+            <a:off x="2632975" y="2252075"/>
+            <a:ext cx="1360800" cy="374100"/>
+          </a:xfrm>
+          <a:prstGeom prst="straightConnector1">
+            <a:avLst/>
+          </a:prstGeom>
+          <a:noFill/>
+          <a:ln cap="flat" cmpd="sng" w="9525">
+            <a:solidFill>
+              <a:schemeClr val="accent1"/>
+            </a:solidFill>
+            <a:prstDash val="solid"/>
+            <a:round/>
+            <a:headEnd len="med" w="med" type="none"/>
+            <a:tailEnd len="med" w="med" type="triangle"/>
+          </a:ln>
+        </p:spPr>
+      </p:cxnSp>
+      <p:sp>
+        <p:nvSpPr>
+          <p:cNvPr id="107" name="Google Shape;107;p19"/>
+          <p:cNvSpPr txBox="1"/>
+          <p:nvPr/>
+        </p:nvSpPr>
         <p:spPr>
           <a:xfrm>
-            <a:off x="2178513" y="1930825"/>
-            <a:ext cx="4786975" cy="1974125"/>
+            <a:off x="653150" y="2374450"/>
+            <a:ext cx="2149800" cy="615600"/>
           </a:xfrm>
           <a:prstGeom prst="rect">
             <a:avLst/>
@@ -10426,7 +10491,45 @@
             <a:noFill/>
           </a:ln>
         </p:spPr>
-      </p:pic>
+        <p:txBody>
+          <a:bodyPr anchorCtr="0" anchor="t" bIns="91425" lIns="91425" spcFirstLastPara="1" rIns="91425" wrap="square" tIns="91425">
+            <a:spAutoFit/>
+          </a:bodyPr>
+          <a:lstStyle/>
+          <a:p>
+            <a:pPr indent="0" lvl="0" marL="0" rtl="0" algn="l">
+              <a:spcBef>
+                <a:spcPts val="0"/>
+              </a:spcBef>
+              <a:spcAft>
+                <a:spcPts val="0"/>
+              </a:spcAft>
+              <a:buNone/>
+            </a:pPr>
+            <a:r>
+              <a:rPr lang="de"/>
+              <a:t>Bedingung kann auch</a:t>
+            </a:r>
+            <a:endParaRPr/>
+          </a:p>
+          <a:p>
+            <a:pPr indent="0" lvl="0" marL="0" rtl="0" algn="l">
+              <a:spcBef>
+                <a:spcPts val="0"/>
+              </a:spcBef>
+              <a:spcAft>
+                <a:spcPts val="0"/>
+              </a:spcAft>
+              <a:buNone/>
+            </a:pPr>
+            <a:r>
+              <a:rPr lang="de"/>
+              <a:t>ein Boolean-Literal sein</a:t>
+            </a:r>
+            <a:endParaRPr/>
+          </a:p>
+        </p:txBody>
+      </p:sp>
     </p:spTree>
   </p:cSld>
   <p:clrMapOvr>
@@ -10440,7 +10543,7 @@
   <p:cSld>
     <p:spTree>
       <p:nvGrpSpPr>
-        <p:cNvPr id="109" name="Shape 109"/>
+        <p:cNvPr id="111" name="Shape 111"/>
         <p:cNvGrpSpPr/>
         <p:nvPr/>
       </p:nvGrpSpPr>
@@ -10454,7 +10557,7 @@
       </p:grpSpPr>
       <p:sp>
         <p:nvSpPr>
-          <p:cNvPr id="110" name="Google Shape;110;p20"/>
+          <p:cNvPr id="112" name="Google Shape;112;p20"/>
           <p:cNvSpPr txBox="1"/>
           <p:nvPr>
             <p:ph type="title"/>
@@ -10498,7 +10601,7 @@
       </p:sp>
       <p:sp>
         <p:nvSpPr>
-          <p:cNvPr id="111" name="Google Shape;111;p20"/>
+          <p:cNvPr id="113" name="Google Shape;113;p20"/>
           <p:cNvSpPr/>
           <p:nvPr>
             <p:ph idx="2" type="chart"/>
@@ -10506,8 +10609,8 @@
         </p:nvSpPr>
         <p:spPr>
           <a:xfrm>
-            <a:off x="431800" y="782241"/>
-            <a:ext cx="8375700" cy="3579000"/>
+            <a:off x="5047700" y="1095375"/>
+            <a:ext cx="3602700" cy="1204500"/>
           </a:xfrm>
           <a:prstGeom prst="rect">
             <a:avLst/>
@@ -10529,126 +10632,6 @@
               <a:buNone/>
             </a:pPr>
             <a:r>
-              <a:t/>
-            </a:r>
-            <a:endParaRPr/>
-          </a:p>
-          <a:p>
-            <a:pPr indent="0" lvl="0" marL="0" rtl="0" algn="l">
-              <a:spcBef>
-                <a:spcPts val="320"/>
-              </a:spcBef>
-              <a:spcAft>
-                <a:spcPts val="0"/>
-              </a:spcAft>
-              <a:buNone/>
-            </a:pPr>
-            <a:r>
-              <a:t/>
-            </a:r>
-            <a:endParaRPr/>
-          </a:p>
-          <a:p>
-            <a:pPr indent="0" lvl="0" marL="0" rtl="0" algn="l">
-              <a:spcBef>
-                <a:spcPts val="320"/>
-              </a:spcBef>
-              <a:spcAft>
-                <a:spcPts val="0"/>
-              </a:spcAft>
-              <a:buNone/>
-            </a:pPr>
-            <a:r>
-              <a:t/>
-            </a:r>
-            <a:endParaRPr/>
-          </a:p>
-          <a:p>
-            <a:pPr indent="0" lvl="0" marL="0" rtl="0" algn="l">
-              <a:spcBef>
-                <a:spcPts val="320"/>
-              </a:spcBef>
-              <a:spcAft>
-                <a:spcPts val="0"/>
-              </a:spcAft>
-              <a:buNone/>
-            </a:pPr>
-            <a:r>
-              <a:t/>
-            </a:r>
-            <a:endParaRPr/>
-          </a:p>
-          <a:p>
-            <a:pPr indent="0" lvl="0" marL="0" rtl="0" algn="l">
-              <a:spcBef>
-                <a:spcPts val="320"/>
-              </a:spcBef>
-              <a:spcAft>
-                <a:spcPts val="0"/>
-              </a:spcAft>
-              <a:buNone/>
-            </a:pPr>
-            <a:r>
-              <a:t/>
-            </a:r>
-            <a:endParaRPr/>
-          </a:p>
-          <a:p>
-            <a:pPr indent="0" lvl="0" marL="0" rtl="0" algn="l">
-              <a:spcBef>
-                <a:spcPts val="320"/>
-              </a:spcBef>
-              <a:spcAft>
-                <a:spcPts val="0"/>
-              </a:spcAft>
-              <a:buNone/>
-            </a:pPr>
-            <a:r>
-              <a:t/>
-            </a:r>
-            <a:endParaRPr/>
-          </a:p>
-          <a:p>
-            <a:pPr indent="0" lvl="0" marL="0" rtl="0" algn="l">
-              <a:spcBef>
-                <a:spcPts val="320"/>
-              </a:spcBef>
-              <a:spcAft>
-                <a:spcPts val="0"/>
-              </a:spcAft>
-              <a:buNone/>
-            </a:pPr>
-            <a:r>
-              <a:t/>
-            </a:r>
-            <a:endParaRPr/>
-          </a:p>
-          <a:p>
-            <a:pPr indent="0" lvl="0" marL="0" rtl="0" algn="l">
-              <a:spcBef>
-                <a:spcPts val="320"/>
-              </a:spcBef>
-              <a:spcAft>
-                <a:spcPts val="0"/>
-              </a:spcAft>
-              <a:buNone/>
-            </a:pPr>
-            <a:r>
-              <a:t/>
-            </a:r>
-            <a:endParaRPr/>
-          </a:p>
-          <a:p>
-            <a:pPr indent="0" lvl="0" marL="0" rtl="0" algn="l">
-              <a:spcBef>
-                <a:spcPts val="320"/>
-              </a:spcBef>
-              <a:spcAft>
-                <a:spcPts val="0"/>
-              </a:spcAft>
-              <a:buNone/>
-            </a:pPr>
-            <a:r>
               <a:rPr lang="de"/>
               <a:t>Die switch-case-Anweisung ist (bis auf wenige Kleinigkeiten) nichts anderes, als eine intuitivere Schreibweise für...</a:t>
             </a:r>
@@ -10673,7 +10656,7 @@
       </p:sp>
       <p:pic>
         <p:nvPicPr>
-          <p:cNvPr id="112" name="Google Shape;112;p20"/>
+          <p:cNvPr id="114" name="Google Shape;114;p20"/>
           <p:cNvPicPr preferRelativeResize="0"/>
           <p:nvPr/>
         </p:nvPicPr>
@@ -10687,7 +10670,7 @@
         </p:blipFill>
         <p:spPr>
           <a:xfrm>
-            <a:off x="3541125" y="3385575"/>
+            <a:off x="5861150" y="2630400"/>
             <a:ext cx="1506575" cy="1107775"/>
           </a:xfrm>
           <a:prstGeom prst="rect">
@@ -10701,7 +10684,7 @@
       </p:pic>
       <p:pic>
         <p:nvPicPr>
-          <p:cNvPr id="113" name="Google Shape;113;p20"/>
+          <p:cNvPr id="115" name="Google Shape;115;p20"/>
           <p:cNvPicPr preferRelativeResize="0"/>
           <p:nvPr/>
         </p:nvPicPr>
@@ -10715,8 +10698,8 @@
         </p:blipFill>
         <p:spPr>
           <a:xfrm>
-            <a:off x="2648963" y="782250"/>
-            <a:ext cx="3290901" cy="2147225"/>
+            <a:off x="112075" y="614350"/>
+            <a:ext cx="3720499" cy="3756874"/>
           </a:xfrm>
           <a:prstGeom prst="rect">
             <a:avLst/>
@@ -10740,7 +10723,7 @@
   <p:cSld>
     <p:spTree>
       <p:nvGrpSpPr>
-        <p:cNvPr id="117" name="Shape 117"/>
+        <p:cNvPr id="119" name="Shape 119"/>
         <p:cNvGrpSpPr/>
         <p:nvPr/>
       </p:nvGrpSpPr>
@@ -10754,7 +10737,7 @@
       </p:grpSpPr>
       <p:sp>
         <p:nvSpPr>
-          <p:cNvPr id="118" name="Google Shape;118;p21"/>
+          <p:cNvPr id="120" name="Google Shape;120;p21"/>
           <p:cNvSpPr txBox="1"/>
           <p:nvPr>
             <p:ph type="title"/>
@@ -10798,7 +10781,7 @@
       </p:sp>
       <p:sp>
         <p:nvSpPr>
-          <p:cNvPr id="119" name="Google Shape;119;p21"/>
+          <p:cNvPr id="121" name="Google Shape;121;p21"/>
           <p:cNvSpPr/>
           <p:nvPr>
             <p:ph idx="2" type="chart"/>
@@ -10830,7 +10813,7 @@
             </a:pPr>
             <a:r>
               <a:rPr lang="de"/>
-              <a:t>Nur damit du es mal gesehen hast: Der Ternäre Operator lässt euch ein bedingtes Statement in einer Zeile verfassen.</a:t>
+              <a:t>Nur um es mal gesehen zu haben: Mit dem ternären Operator kann man ein bedingtes Statement in einer Zeile verfassen.</a:t>
             </a:r>
             <a:endParaRPr/>
           </a:p>
@@ -10929,7 +10912,7 @@
       </p:sp>
       <p:pic>
         <p:nvPicPr>
-          <p:cNvPr id="120" name="Google Shape;120;p21"/>
+          <p:cNvPr id="122" name="Google Shape;122;p21"/>
           <p:cNvPicPr preferRelativeResize="0"/>
           <p:nvPr/>
         </p:nvPicPr>
@@ -10968,7 +10951,7 @@
   <p:cSld>
     <p:spTree>
       <p:nvGrpSpPr>
-        <p:cNvPr id="124" name="Shape 124"/>
+        <p:cNvPr id="126" name="Shape 126"/>
         <p:cNvGrpSpPr/>
         <p:nvPr/>
       </p:nvGrpSpPr>
@@ -10982,7 +10965,7 @@
       </p:grpSpPr>
       <p:sp>
         <p:nvSpPr>
-          <p:cNvPr id="125" name="Google Shape;125;p22"/>
+          <p:cNvPr id="127" name="Google Shape;127;p22"/>
           <p:cNvSpPr txBox="1"/>
           <p:nvPr>
             <p:ph type="title"/>
@@ -11026,7 +11009,11 @@
             </a:r>
             <a:r>
               <a:rPr lang="de"/>
-              <a:t>. Parametrisierung von Programmen</a:t>
+              <a:t>.1. Parametrisierung - </a:t>
+            </a:r>
+            <a:r>
+              <a:rPr lang="de"/>
+              <a:t>Kommandozeilenparameter</a:t>
             </a:r>
             <a:endParaRPr/>
           </a:p>
@@ -11034,7 +11021,7 @@
       </p:sp>
       <p:sp>
         <p:nvSpPr>
-          <p:cNvPr id="126" name="Google Shape;126;p22"/>
+          <p:cNvPr id="128" name="Google Shape;128;p22"/>
           <p:cNvSpPr/>
           <p:nvPr>
             <p:ph idx="2" type="chart"/>
@@ -11059,62 +11046,17 @@
           </a:bodyPr>
           <a:lstStyle/>
           <a:p>
-            <a:pPr indent="-317500" lvl="0" marL="457200" marR="0" rtl="0" algn="l">
-              <a:lnSpc>
-                <a:spcPct val="100000"/>
-              </a:lnSpc>
-              <a:spcBef>
-                <a:spcPts val="320"/>
-              </a:spcBef>
-              <a:spcAft>
-                <a:spcPts val="0"/>
-              </a:spcAft>
-              <a:buClr>
-                <a:srgbClr val="000000"/>
-              </a:buClr>
-              <a:buSzPts val="1400"/>
-              <a:buFont typeface="Arial"/>
-              <a:buChar char="●"/>
-            </a:pPr>
-            <a:r>
-              <a:rPr b="0" i="0" lang="de" sz="1600" u="none" cap="none" strike="noStrike">
-                <a:solidFill>
-                  <a:schemeClr val="dk1"/>
-                </a:solidFill>
-                <a:latin typeface="Arial"/>
-                <a:ea typeface="Arial"/>
-                <a:cs typeface="Arial"/>
-                <a:sym typeface="Arial"/>
-              </a:rPr>
-              <a:t>Kommandozeilen-Parameter</a:t>
-            </a:r>
-            <a:endParaRPr b="0" i="0" sz="1600" u="none" cap="none" strike="noStrike">
-              <a:solidFill>
-                <a:schemeClr val="dk1"/>
-              </a:solidFill>
-              <a:latin typeface="Arial"/>
-              <a:ea typeface="Arial"/>
-              <a:cs typeface="Arial"/>
-              <a:sym typeface="Arial"/>
-            </a:endParaRPr>
-          </a:p>
-          <a:p>
-            <a:pPr indent="-330200" lvl="1" marL="914400" marR="0" rtl="0" algn="l">
-              <a:lnSpc>
-                <a:spcPct val="100000"/>
-              </a:lnSpc>
-              <a:spcBef>
-                <a:spcPts val="0"/>
-              </a:spcBef>
-              <a:spcAft>
-                <a:spcPts val="0"/>
-              </a:spcAft>
-              <a:buClr>
-                <a:schemeClr val="dk1"/>
-              </a:buClr>
-              <a:buSzPts val="1600"/>
-              <a:buFont typeface="Noto Sans Symbols"/>
-              <a:buChar char="-"/>
+            <a:pPr indent="0" lvl="0" marL="0" marR="0" rtl="0" algn="l">
+              <a:lnSpc>
+                <a:spcPct val="100000"/>
+              </a:lnSpc>
+              <a:spcBef>
+                <a:spcPts val="0"/>
+              </a:spcBef>
+              <a:spcAft>
+                <a:spcPts val="0"/>
+              </a:spcAft>
+              <a:buNone/>
             </a:pPr>
             <a:r>
               <a:rPr b="0" i="0" lang="de" sz="1600" u="none" cap="none" strike="noStrike">
@@ -11139,44 +11081,38 @@
                 <a:sym typeface="Arial"/>
               </a:rPr>
             </a:br>
-            <a:br>
-              <a:rPr b="0" i="0" lang="de" sz="1600" u="none" cap="none" strike="noStrike">
-                <a:solidFill>
-                  <a:schemeClr val="dk1"/>
-                </a:solidFill>
-                <a:latin typeface="Arial"/>
-                <a:ea typeface="Arial"/>
-                <a:cs typeface="Arial"/>
-                <a:sym typeface="Arial"/>
-              </a:rPr>
-            </a:br>
-            <a:endParaRPr b="0" i="0" sz="1600" u="none" cap="none" strike="noStrike">
-              <a:solidFill>
-                <a:schemeClr val="dk1"/>
-              </a:solidFill>
-              <a:latin typeface="Arial"/>
-              <a:ea typeface="Arial"/>
-              <a:cs typeface="Arial"/>
-              <a:sym typeface="Arial"/>
-            </a:endParaRPr>
+            <a:endParaRPr/>
           </a:p>
           <a:p>
-            <a:pPr indent="-330200" lvl="1" marL="914400" marR="0" rtl="0" algn="l">
-              <a:lnSpc>
-                <a:spcPct val="100000"/>
-              </a:lnSpc>
-              <a:spcBef>
-                <a:spcPts val="0"/>
-              </a:spcBef>
-              <a:spcAft>
-                <a:spcPts val="0"/>
-              </a:spcAft>
-              <a:buClr>
-                <a:schemeClr val="dk1"/>
-              </a:buClr>
-              <a:buSzPts val="1600"/>
-              <a:buFont typeface="Noto Sans Symbols"/>
-              <a:buChar char="-"/>
+            <a:pPr indent="0" lvl="0" marL="457200" marR="0" rtl="0" algn="l">
+              <a:lnSpc>
+                <a:spcPct val="100000"/>
+              </a:lnSpc>
+              <a:spcBef>
+                <a:spcPts val="0"/>
+              </a:spcBef>
+              <a:spcAft>
+                <a:spcPts val="0"/>
+              </a:spcAft>
+              <a:buNone/>
+            </a:pPr>
+            <a:r>
+              <a:t/>
+            </a:r>
+            <a:endParaRPr/>
+          </a:p>
+          <a:p>
+            <a:pPr indent="0" lvl="0" marL="0" marR="0" rtl="0" algn="l">
+              <a:lnSpc>
+                <a:spcPct val="100000"/>
+              </a:lnSpc>
+              <a:spcBef>
+                <a:spcPts val="0"/>
+              </a:spcBef>
+              <a:spcAft>
+                <a:spcPts val="0"/>
+              </a:spcAft>
+              <a:buNone/>
             </a:pPr>
             <a:r>
               <a:rPr b="0" i="0" lang="de" sz="1600" u="none" cap="none" strike="noStrike">
@@ -11201,22 +11137,17 @@
             </a:endParaRPr>
           </a:p>
           <a:p>
-            <a:pPr indent="-330200" lvl="1" marL="914400" marR="0" rtl="0" algn="l">
-              <a:lnSpc>
-                <a:spcPct val="100000"/>
-              </a:lnSpc>
-              <a:spcBef>
-                <a:spcPts val="0"/>
-              </a:spcBef>
-              <a:spcAft>
-                <a:spcPts val="0"/>
-              </a:spcAft>
-              <a:buClr>
-                <a:schemeClr val="dk1"/>
-              </a:buClr>
-              <a:buSzPts val="1600"/>
-              <a:buFont typeface="Noto Sans Symbols"/>
-              <a:buChar char="-"/>
+            <a:pPr indent="0" lvl="0" marL="0" marR="0" rtl="0" algn="l">
+              <a:lnSpc>
+                <a:spcPct val="100000"/>
+              </a:lnSpc>
+              <a:spcBef>
+                <a:spcPts val="0"/>
+              </a:spcBef>
+              <a:spcAft>
+                <a:spcPts val="0"/>
+              </a:spcAft>
+              <a:buNone/>
             </a:pPr>
             <a:r>
               <a:rPr b="0" i="0" lang="de" sz="1600" u="none" cap="none" strike="noStrike">
@@ -11307,22 +11238,17 @@
             </a:endParaRPr>
           </a:p>
           <a:p>
-            <a:pPr indent="-330200" lvl="1" marL="914400" marR="0" rtl="0" algn="l">
-              <a:lnSpc>
-                <a:spcPct val="100000"/>
-              </a:lnSpc>
-              <a:spcBef>
-                <a:spcPts val="0"/>
-              </a:spcBef>
-              <a:spcAft>
-                <a:spcPts val="0"/>
-              </a:spcAft>
-              <a:buClr>
-                <a:schemeClr val="dk1"/>
-              </a:buClr>
-              <a:buSzPts val="1600"/>
-              <a:buFont typeface="Noto Sans Symbols"/>
-              <a:buChar char="-"/>
+            <a:pPr indent="0" lvl="0" marL="0" marR="0" rtl="0" algn="l">
+              <a:lnSpc>
+                <a:spcPct val="100000"/>
+              </a:lnSpc>
+              <a:spcBef>
+                <a:spcPts val="0"/>
+              </a:spcBef>
+              <a:spcAft>
+                <a:spcPts val="0"/>
+              </a:spcAft>
+              <a:buNone/>
             </a:pPr>
             <a:r>
               <a:rPr b="0" i="0" lang="de" sz="1600" u="none" cap="none" strike="noStrike">
@@ -11350,7 +11276,7 @@
       </p:sp>
       <p:pic>
         <p:nvPicPr>
-          <p:cNvPr id="127" name="Google Shape;127;p22"/>
+          <p:cNvPr id="129" name="Google Shape;129;p22"/>
           <p:cNvPicPr preferRelativeResize="0"/>
           <p:nvPr/>
         </p:nvPicPr>
@@ -11363,7 +11289,7 @@
         </p:blipFill>
         <p:spPr>
           <a:xfrm>
-            <a:off x="1354638" y="1359698"/>
+            <a:off x="1354638" y="1121573"/>
             <a:ext cx="6530024" cy="259625"/>
           </a:xfrm>
           <a:prstGeom prst="rect">
@@ -11377,7 +11303,7 @@
       </p:pic>
       <p:pic>
         <p:nvPicPr>
-          <p:cNvPr id="128" name="Google Shape;128;p22"/>
+          <p:cNvPr id="130" name="Google Shape;130;p22"/>
           <p:cNvPicPr preferRelativeResize="0"/>
           <p:nvPr/>
         </p:nvPicPr>
@@ -11390,7 +11316,7 @@
         </p:blipFill>
         <p:spPr>
           <a:xfrm>
-            <a:off x="2676900" y="2571750"/>
+            <a:off x="2581650" y="2320025"/>
             <a:ext cx="3790200" cy="1259025"/>
           </a:xfrm>
           <a:prstGeom prst="rect">
@@ -11415,7 +11341,7 @@
   <p:cSld>
     <p:spTree>
       <p:nvGrpSpPr>
-        <p:cNvPr id="132" name="Shape 132"/>
+        <p:cNvPr id="134" name="Shape 134"/>
         <p:cNvGrpSpPr/>
         <p:nvPr/>
       </p:nvGrpSpPr>
@@ -11429,7 +11355,7 @@
       </p:grpSpPr>
       <p:sp>
         <p:nvSpPr>
-          <p:cNvPr id="133" name="Google Shape;133;p23"/>
+          <p:cNvPr id="135" name="Google Shape;135;p23"/>
           <p:cNvSpPr txBox="1"/>
           <p:nvPr>
             <p:ph type="title"/>
@@ -11477,7 +11403,11 @@
             </a:r>
             <a:r>
               <a:rPr lang="de"/>
-              <a:t>. Parametrisierung von Programmen</a:t>
+              <a:t>.2. Parametrisierung - </a:t>
+            </a:r>
+            <a:r>
+              <a:rPr lang="de"/>
+              <a:t>Scanner-Klasse</a:t>
             </a:r>
             <a:endParaRPr/>
           </a:p>
@@ -11485,7 +11415,7 @@
       </p:sp>
       <p:sp>
         <p:nvSpPr>
-          <p:cNvPr id="134" name="Google Shape;134;p23"/>
+          <p:cNvPr id="136" name="Google Shape;136;p23"/>
           <p:cNvSpPr/>
           <p:nvPr>
             <p:ph idx="2" type="chart"/>
@@ -11510,7 +11440,7 @@
           </a:bodyPr>
           <a:lstStyle/>
           <a:p>
-            <a:pPr indent="-317500" lvl="0" marL="457200" marR="0" rtl="0" algn="l">
+            <a:pPr indent="0" lvl="0" marL="0" marR="0" rtl="0" algn="l">
               <a:lnSpc>
                 <a:spcPct val="100000"/>
               </a:lnSpc>
@@ -11520,52 +11450,7 @@
               <a:spcAft>
                 <a:spcPts val="0"/>
               </a:spcAft>
-              <a:buClr>
-                <a:srgbClr val="000000"/>
-              </a:buClr>
-              <a:buSzPts val="1400"/>
-              <a:buFont typeface="Arial"/>
-              <a:buChar char="●"/>
-            </a:pPr>
-            <a:r>
-              <a:rPr b="0" i="0" lang="de" sz="1600" u="none" cap="none" strike="noStrike">
-                <a:solidFill>
-                  <a:schemeClr val="dk1"/>
-                </a:solidFill>
-                <a:latin typeface="Arial"/>
-                <a:ea typeface="Arial"/>
-                <a:cs typeface="Arial"/>
-                <a:sym typeface="Arial"/>
-              </a:rPr>
-              <a:t>Scanner-Klasse</a:t>
-            </a:r>
-            <a:endParaRPr b="0" i="0" sz="1600" u="none" cap="none" strike="noStrike">
-              <a:solidFill>
-                <a:schemeClr val="dk1"/>
-              </a:solidFill>
-              <a:latin typeface="Arial"/>
-              <a:ea typeface="Arial"/>
-              <a:cs typeface="Arial"/>
-              <a:sym typeface="Arial"/>
-            </a:endParaRPr>
-          </a:p>
-          <a:p>
-            <a:pPr indent="-330200" lvl="1" marL="914400" marR="0" rtl="0" algn="l">
-              <a:lnSpc>
-                <a:spcPct val="100000"/>
-              </a:lnSpc>
-              <a:spcBef>
-                <a:spcPts val="0"/>
-              </a:spcBef>
-              <a:spcAft>
-                <a:spcPts val="0"/>
-              </a:spcAft>
-              <a:buClr>
-                <a:schemeClr val="dk1"/>
-              </a:buClr>
-              <a:buSzPts val="1600"/>
-              <a:buFont typeface="Noto Sans Symbols"/>
-              <a:buChar char="-"/>
+              <a:buNone/>
             </a:pPr>
             <a:r>
               <a:rPr b="0" i="0" lang="de" sz="1600" u="none" cap="none" strike="noStrike">
@@ -11590,22 +11475,17 @@
             </a:endParaRPr>
           </a:p>
           <a:p>
-            <a:pPr indent="-330200" lvl="1" marL="914400" marR="0" rtl="0" algn="l">
-              <a:lnSpc>
-                <a:spcPct val="100000"/>
-              </a:lnSpc>
-              <a:spcBef>
-                <a:spcPts val="0"/>
-              </a:spcBef>
-              <a:spcAft>
-                <a:spcPts val="0"/>
-              </a:spcAft>
-              <a:buClr>
-                <a:schemeClr val="dk1"/>
-              </a:buClr>
-              <a:buSzPts val="1600"/>
-              <a:buFont typeface="Noto Sans Symbols"/>
-              <a:buChar char="-"/>
+            <a:pPr indent="0" lvl="0" marL="0" marR="0" rtl="0" algn="l">
+              <a:lnSpc>
+                <a:spcPct val="100000"/>
+              </a:lnSpc>
+              <a:spcBef>
+                <a:spcPts val="0"/>
+              </a:spcBef>
+              <a:spcAft>
+                <a:spcPts val="0"/>
+              </a:spcAft>
+              <a:buNone/>
             </a:pPr>
             <a:r>
               <a:rPr b="0" i="0" lang="de" sz="1600" u="none" cap="none" strike="noStrike">
@@ -11674,22 +11554,17 @@
             </a:endParaRPr>
           </a:p>
           <a:p>
-            <a:pPr indent="-330200" lvl="1" marL="914400" marR="0" rtl="0" algn="l">
-              <a:lnSpc>
-                <a:spcPct val="100000"/>
-              </a:lnSpc>
-              <a:spcBef>
-                <a:spcPts val="0"/>
-              </a:spcBef>
-              <a:spcAft>
-                <a:spcPts val="0"/>
-              </a:spcAft>
-              <a:buClr>
-                <a:schemeClr val="dk1"/>
-              </a:buClr>
-              <a:buSzPts val="1600"/>
-              <a:buFont typeface="Noto Sans Symbols"/>
-              <a:buChar char="-"/>
+            <a:pPr indent="0" lvl="0" marL="0" marR="0" rtl="0" algn="l">
+              <a:lnSpc>
+                <a:spcPct val="100000"/>
+              </a:lnSpc>
+              <a:spcBef>
+                <a:spcPts val="0"/>
+              </a:spcBef>
+              <a:spcAft>
+                <a:spcPts val="0"/>
+              </a:spcAft>
+              <a:buNone/>
             </a:pPr>
             <a:r>
               <a:rPr b="0" i="0" lang="de" sz="1600" u="none" cap="none" strike="noStrike">
@@ -11714,18 +11589,17 @@
             </a:endParaRPr>
           </a:p>
           <a:p>
-            <a:pPr indent="-330200" lvl="1" marL="914400" marR="0" rtl="0" algn="l">
-              <a:lnSpc>
-                <a:spcPct val="100000"/>
-              </a:lnSpc>
-              <a:spcBef>
-                <a:spcPts val="0"/>
-              </a:spcBef>
-              <a:spcAft>
-                <a:spcPts val="0"/>
-              </a:spcAft>
-              <a:buSzPts val="1600"/>
-              <a:buChar char="-"/>
+            <a:pPr indent="0" lvl="0" marL="0" marR="0" rtl="0" algn="l">
+              <a:lnSpc>
+                <a:spcPct val="100000"/>
+              </a:lnSpc>
+              <a:spcBef>
+                <a:spcPts val="0"/>
+              </a:spcBef>
+              <a:spcAft>
+                <a:spcPts val="0"/>
+              </a:spcAft>
+              <a:buNone/>
             </a:pPr>
             <a:r>
               <a:rPr lang="de"/>
@@ -11737,7 +11611,7 @@
       </p:sp>
       <p:pic>
         <p:nvPicPr>
-          <p:cNvPr id="135" name="Google Shape;135;p23"/>
+          <p:cNvPr id="137" name="Google Shape;137;p23"/>
           <p:cNvPicPr preferRelativeResize="0"/>
           <p:nvPr/>
         </p:nvPicPr>
@@ -11750,7 +11624,7 @@
         </p:blipFill>
         <p:spPr>
           <a:xfrm>
-            <a:off x="2367876" y="1771625"/>
+            <a:off x="2286226" y="1356600"/>
             <a:ext cx="4408225" cy="757100"/>
           </a:xfrm>
           <a:prstGeom prst="rect">
@@ -11764,7 +11638,7 @@
       </p:pic>
       <p:pic>
         <p:nvPicPr>
-          <p:cNvPr id="136" name="Google Shape;136;p23"/>
+          <p:cNvPr id="138" name="Google Shape;138;p23"/>
           <p:cNvPicPr preferRelativeResize="0"/>
           <p:nvPr/>
         </p:nvPicPr>
@@ -11778,7 +11652,7 @@
         </p:blipFill>
         <p:spPr>
           <a:xfrm>
-            <a:off x="4073600" y="3776800"/>
+            <a:off x="3723500" y="3368600"/>
             <a:ext cx="2970950" cy="584450"/>
           </a:xfrm>
           <a:prstGeom prst="rect">
@@ -11803,7 +11677,7 @@
   <p:cSld>
     <p:spTree>
       <p:nvGrpSpPr>
-        <p:cNvPr id="140" name="Shape 140"/>
+        <p:cNvPr id="142" name="Shape 142"/>
         <p:cNvGrpSpPr/>
         <p:nvPr/>
       </p:nvGrpSpPr>
@@ -11817,7 +11691,7 @@
       </p:grpSpPr>
       <p:sp>
         <p:nvSpPr>
-          <p:cNvPr id="141" name="Google Shape;141;p24"/>
+          <p:cNvPr id="143" name="Google Shape;143;p24"/>
           <p:cNvSpPr txBox="1"/>
           <p:nvPr>
             <p:ph type="title"/>
@@ -11857,7 +11731,7 @@
       </p:sp>
       <p:sp>
         <p:nvSpPr>
-          <p:cNvPr id="142" name="Google Shape;142;p24"/>
+          <p:cNvPr id="144" name="Google Shape;144;p24"/>
           <p:cNvSpPr/>
           <p:nvPr>
             <p:ph idx="2" type="chart"/>

--- a/slides/02_conditions_parameterization.pptx
+++ b/slides/02_conditions_parameterization.pptx
@@ -8662,7 +8662,7 @@
                 <a:cs typeface="Arial"/>
                 <a:sym typeface="Arial"/>
               </a:rPr>
-              <a:t>David Gemen und Andriyan Lapychak | Seite </a:t>
+              <a:t>David Gemen | Seite </a:t>
             </a:r>
             <a:fld id="{00000000-1234-1234-1234-123412341234}" type="slidenum">
               <a:rPr b="0" i="0" lang="de" sz="800" u="none" cap="none" strike="noStrike">

--- a/slides/02_conditions_parameterization.pptx
+++ b/slides/02_conditions_parameterization.pptx
@@ -1,28 +1,30 @@
 
 <file path=ppt/presentation.xml><?xml version="1.0" encoding="utf-8"?>
-<p:presentation xmlns:a="http://schemas.openxmlformats.org/drawingml/2006/main" xmlns:r="http://schemas.openxmlformats.org/officeDocument/2006/relationships" xmlns:mc="http://schemas.openxmlformats.org/markup-compatibility/2006" xmlns:mv="urn:schemas-microsoft-com:mac:vml" xmlns:p="http://schemas.openxmlformats.org/presentationml/2006/main" xmlns:c="http://schemas.openxmlformats.org/drawingml/2006/chart" xmlns:dgm="http://schemas.openxmlformats.org/drawingml/2006/diagram" xmlns:o="urn:schemas-microsoft-com:office:office" xmlns:v="urn:schemas-microsoft-com:vml" xmlns:pvml="urn:schemas-microsoft-com:office:powerpoint" xmlns:com="http://schemas.openxmlformats.org/drawingml/2006/compatibility" xmlns:p14="http://schemas.microsoft.com/office/powerpoint/2010/main" xmlns:p15="http://schemas.microsoft.com/office/powerpoint/2012/main" xmlns:ahyp="http://schemas.microsoft.com/office/drawing/2018/hyperlinkcolor" autoCompressPictures="0" strictFirstAndLastChars="0" saveSubsetFonts="1">
+<p:presentation xmlns:a="http://schemas.openxmlformats.org/drawingml/2006/main" xmlns:r="http://schemas.openxmlformats.org/officeDocument/2006/relationships" xmlns:p="http://schemas.openxmlformats.org/presentationml/2006/main" strictFirstAndLastChars="0" saveSubsetFonts="1" autoCompressPictures="0">
   <p:sldMasterIdLst>
-    <p:sldMasterId id="2147483662" r:id="rId4"/>
+    <p:sldMasterId id="2147483662" r:id="rId1"/>
   </p:sldMasterIdLst>
   <p:notesMasterIdLst>
-    <p:notesMasterId r:id="rId5"/>
+    <p:notesMasterId r:id="rId14"/>
   </p:notesMasterIdLst>
   <p:sldIdLst>
-    <p:sldId id="256" r:id="rId6"/>
-    <p:sldId id="257" r:id="rId7"/>
-    <p:sldId id="258" r:id="rId8"/>
-    <p:sldId id="259" r:id="rId9"/>
-    <p:sldId id="260" r:id="rId10"/>
-    <p:sldId id="261" r:id="rId11"/>
-    <p:sldId id="262" r:id="rId12"/>
-    <p:sldId id="263" r:id="rId13"/>
-    <p:sldId id="264" r:id="rId14"/>
-    <p:sldId id="265" r:id="rId15"/>
+    <p:sldId id="256" r:id="rId2"/>
+    <p:sldId id="257" r:id="rId3"/>
+    <p:sldId id="258" r:id="rId4"/>
+    <p:sldId id="259" r:id="rId5"/>
+    <p:sldId id="266" r:id="rId6"/>
+    <p:sldId id="267" r:id="rId7"/>
+    <p:sldId id="260" r:id="rId8"/>
+    <p:sldId id="261" r:id="rId9"/>
+    <p:sldId id="262" r:id="rId10"/>
+    <p:sldId id="263" r:id="rId11"/>
+    <p:sldId id="264" r:id="rId12"/>
+    <p:sldId id="265" r:id="rId13"/>
   </p:sldIdLst>
-  <p:sldSz cy="5143500" cx="9144000"/>
+  <p:sldSz cx="9144000" cy="5143500" type="screen16x9"/>
   <p:notesSz cx="6858000" cy="9144000"/>
   <p:defaultTextStyle>
-    <a:defPPr lvl="0" marR="0" rtl="0" algn="l">
+    <a:defPPr marR="0" lvl="0" algn="l" rtl="0">
       <a:lnSpc>
         <a:spcPct val="100000"/>
       </a:lnSpc>
@@ -33,7 +35,7 @@
         <a:spcPts val="0"/>
       </a:spcAft>
     </a:defPPr>
-    <a:lvl1pPr lvl="0" marR="0" rtl="0" algn="l">
+    <a:lvl1pPr marR="0" lvl="0" algn="l" rtl="0">
       <a:lnSpc>
         <a:spcPct val="100000"/>
       </a:lnSpc>
@@ -47,7 +49,7 @@
         <a:srgbClr val="000000"/>
       </a:buClr>
       <a:buFont typeface="Arial"/>
-      <a:defRPr b="0" i="0" sz="1400" u="none" cap="none" strike="noStrike">
+      <a:defRPr sz="1400" b="0" i="0" u="none" strike="noStrike" cap="none">
         <a:solidFill>
           <a:srgbClr val="000000"/>
         </a:solidFill>
@@ -57,7 +59,7 @@
         <a:sym typeface="Arial"/>
       </a:defRPr>
     </a:lvl1pPr>
-    <a:lvl2pPr lvl="1" marR="0" rtl="0" algn="l">
+    <a:lvl2pPr marR="0" lvl="1" algn="l" rtl="0">
       <a:lnSpc>
         <a:spcPct val="100000"/>
       </a:lnSpc>
@@ -71,7 +73,7 @@
         <a:srgbClr val="000000"/>
       </a:buClr>
       <a:buFont typeface="Arial"/>
-      <a:defRPr b="0" i="0" sz="1400" u="none" cap="none" strike="noStrike">
+      <a:defRPr sz="1400" b="0" i="0" u="none" strike="noStrike" cap="none">
         <a:solidFill>
           <a:srgbClr val="000000"/>
         </a:solidFill>
@@ -81,7 +83,7 @@
         <a:sym typeface="Arial"/>
       </a:defRPr>
     </a:lvl2pPr>
-    <a:lvl3pPr lvl="2" marR="0" rtl="0" algn="l">
+    <a:lvl3pPr marR="0" lvl="2" algn="l" rtl="0">
       <a:lnSpc>
         <a:spcPct val="100000"/>
       </a:lnSpc>
@@ -95,7 +97,7 @@
         <a:srgbClr val="000000"/>
       </a:buClr>
       <a:buFont typeface="Arial"/>
-      <a:defRPr b="0" i="0" sz="1400" u="none" cap="none" strike="noStrike">
+      <a:defRPr sz="1400" b="0" i="0" u="none" strike="noStrike" cap="none">
         <a:solidFill>
           <a:srgbClr val="000000"/>
         </a:solidFill>
@@ -105,7 +107,7 @@
         <a:sym typeface="Arial"/>
       </a:defRPr>
     </a:lvl3pPr>
-    <a:lvl4pPr lvl="3" marR="0" rtl="0" algn="l">
+    <a:lvl4pPr marR="0" lvl="3" algn="l" rtl="0">
       <a:lnSpc>
         <a:spcPct val="100000"/>
       </a:lnSpc>
@@ -119,7 +121,7 @@
         <a:srgbClr val="000000"/>
       </a:buClr>
       <a:buFont typeface="Arial"/>
-      <a:defRPr b="0" i="0" sz="1400" u="none" cap="none" strike="noStrike">
+      <a:defRPr sz="1400" b="0" i="0" u="none" strike="noStrike" cap="none">
         <a:solidFill>
           <a:srgbClr val="000000"/>
         </a:solidFill>
@@ -129,7 +131,7 @@
         <a:sym typeface="Arial"/>
       </a:defRPr>
     </a:lvl4pPr>
-    <a:lvl5pPr lvl="4" marR="0" rtl="0" algn="l">
+    <a:lvl5pPr marR="0" lvl="4" algn="l" rtl="0">
       <a:lnSpc>
         <a:spcPct val="100000"/>
       </a:lnSpc>
@@ -143,7 +145,7 @@
         <a:srgbClr val="000000"/>
       </a:buClr>
       <a:buFont typeface="Arial"/>
-      <a:defRPr b="0" i="0" sz="1400" u="none" cap="none" strike="noStrike">
+      <a:defRPr sz="1400" b="0" i="0" u="none" strike="noStrike" cap="none">
         <a:solidFill>
           <a:srgbClr val="000000"/>
         </a:solidFill>
@@ -153,7 +155,7 @@
         <a:sym typeface="Arial"/>
       </a:defRPr>
     </a:lvl5pPr>
-    <a:lvl6pPr lvl="5" marR="0" rtl="0" algn="l">
+    <a:lvl6pPr marR="0" lvl="5" algn="l" rtl="0">
       <a:lnSpc>
         <a:spcPct val="100000"/>
       </a:lnSpc>
@@ -167,7 +169,7 @@
         <a:srgbClr val="000000"/>
       </a:buClr>
       <a:buFont typeface="Arial"/>
-      <a:defRPr b="0" i="0" sz="1400" u="none" cap="none" strike="noStrike">
+      <a:defRPr sz="1400" b="0" i="0" u="none" strike="noStrike" cap="none">
         <a:solidFill>
           <a:srgbClr val="000000"/>
         </a:solidFill>
@@ -177,7 +179,7 @@
         <a:sym typeface="Arial"/>
       </a:defRPr>
     </a:lvl6pPr>
-    <a:lvl7pPr lvl="6" marR="0" rtl="0" algn="l">
+    <a:lvl7pPr marR="0" lvl="6" algn="l" rtl="0">
       <a:lnSpc>
         <a:spcPct val="100000"/>
       </a:lnSpc>
@@ -191,7 +193,7 @@
         <a:srgbClr val="000000"/>
       </a:buClr>
       <a:buFont typeface="Arial"/>
-      <a:defRPr b="0" i="0" sz="1400" u="none" cap="none" strike="noStrike">
+      <a:defRPr sz="1400" b="0" i="0" u="none" strike="noStrike" cap="none">
         <a:solidFill>
           <a:srgbClr val="000000"/>
         </a:solidFill>
@@ -201,7 +203,7 @@
         <a:sym typeface="Arial"/>
       </a:defRPr>
     </a:lvl7pPr>
-    <a:lvl8pPr lvl="7" marR="0" rtl="0" algn="l">
+    <a:lvl8pPr marR="0" lvl="7" algn="l" rtl="0">
       <a:lnSpc>
         <a:spcPct val="100000"/>
       </a:lnSpc>
@@ -215,7 +217,7 @@
         <a:srgbClr val="000000"/>
       </a:buClr>
       <a:buFont typeface="Arial"/>
-      <a:defRPr b="0" i="0" sz="1400" u="none" cap="none" strike="noStrike">
+      <a:defRPr sz="1400" b="0" i="0" u="none" strike="noStrike" cap="none">
         <a:solidFill>
           <a:srgbClr val="000000"/>
         </a:solidFill>
@@ -225,7 +227,7 @@
         <a:sym typeface="Arial"/>
       </a:defRPr>
     </a:lvl8pPr>
-    <a:lvl9pPr lvl="8" marR="0" rtl="0" algn="l">
+    <a:lvl9pPr marR="0" lvl="8" algn="l" rtl="0">
       <a:lnSpc>
         <a:spcPct val="100000"/>
       </a:lnSpc>
@@ -239,7 +241,7 @@
         <a:srgbClr val="000000"/>
       </a:buClr>
       <a:buFont typeface="Arial"/>
-      <a:defRPr b="0" i="0" sz="1400" u="none" cap="none" strike="noStrike">
+      <a:defRPr sz="1400" b="0" i="0" u="none" strike="noStrike" cap="none">
         <a:solidFill>
           <a:srgbClr val="000000"/>
         </a:solidFill>
@@ -252,7 +254,7 @@
   </p:defaultTextStyle>
   <p:extLst>
     <p:ext uri="{EFAFB233-063F-42B5-8137-9DF3F51BA10A}">
-      <p15:sldGuideLst>
+      <p15:sldGuideLst xmlns:p15="http://schemas.microsoft.com/office/powerpoint/2012/main">
         <p15:guide id="1" orient="horz" pos="1620">
           <p15:clr>
             <a:srgbClr val="A4A3A4"/>
@@ -270,11 +272,16 @@
 </file>
 
 <file path=ppt/notesMasters/notesMaster1.xml><?xml version="1.0" encoding="utf-8"?>
-<p:notesMaster xmlns:a="http://schemas.openxmlformats.org/drawingml/2006/main" xmlns:r="http://schemas.openxmlformats.org/officeDocument/2006/relationships" xmlns:mc="http://schemas.openxmlformats.org/markup-compatibility/2006" xmlns:mv="urn:schemas-microsoft-com:mac:vml" xmlns:p="http://schemas.openxmlformats.org/presentationml/2006/main" xmlns:c="http://schemas.openxmlformats.org/drawingml/2006/chart" xmlns:dgm="http://schemas.openxmlformats.org/drawingml/2006/diagram" xmlns:o="urn:schemas-microsoft-com:office:office" xmlns:v="urn:schemas-microsoft-com:vml" xmlns:pvml="urn:schemas-microsoft-com:office:powerpoint" xmlns:com="http://schemas.openxmlformats.org/drawingml/2006/compatibility" xmlns:p14="http://schemas.microsoft.com/office/powerpoint/2010/main" xmlns:p15="http://schemas.microsoft.com/office/powerpoint/2012/main" xmlns:ahyp="http://schemas.microsoft.com/office/drawing/2018/hyperlinkcolor">
+<p:notesMaster xmlns:a="http://schemas.openxmlformats.org/drawingml/2006/main" xmlns:r="http://schemas.openxmlformats.org/officeDocument/2006/relationships" xmlns:p="http://schemas.openxmlformats.org/presentationml/2006/main">
   <p:cSld>
+    <p:bg>
+      <p:bgRef idx="1001">
+        <a:schemeClr val="bg1"/>
+      </p:bgRef>
+    </p:bg>
     <p:spTree>
       <p:nvGrpSpPr>
-        <p:cNvPr id="2" name="Shape 2"/>
+        <p:cNvPr id="1" name="Shape 2"/>
         <p:cNvGrpSpPr/>
         <p:nvPr/>
       </p:nvGrpSpPr>
@@ -289,9 +296,11 @@
       <p:sp>
         <p:nvSpPr>
           <p:cNvPr id="3" name="Google Shape;3;n"/>
-          <p:cNvSpPr/>
+          <p:cNvSpPr>
+            <a:spLocks noGrp="1" noRot="1" noChangeAspect="1"/>
+          </p:cNvSpPr>
           <p:nvPr>
-            <p:ph idx="2" type="sldImg"/>
+            <p:ph type="sldImg" idx="2"/>
           </p:nvPr>
         </p:nvSpPr>
         <p:spPr>
@@ -300,9 +309,13 @@
             <a:ext cx="6096075" cy="3429000"/>
           </a:xfrm>
           <a:custGeom>
-            <a:rect b="b" l="l" r="r" t="t"/>
+            <a:avLst/>
+            <a:gdLst/>
+            <a:ahLst/>
+            <a:cxnLst/>
+            <a:rect l="l" t="t" r="r" b="b"/>
             <a:pathLst>
-              <a:path extrusionOk="0" h="120000" w="120000">
+              <a:path w="120000" h="120000" extrusionOk="0">
                 <a:moveTo>
                   <a:pt x="0" y="0"/>
                 </a:moveTo>
@@ -320,23 +333,25 @@
             </a:pathLst>
           </a:custGeom>
           <a:noFill/>
-          <a:ln cap="flat" cmpd="sng" w="9525">
+          <a:ln w="9525" cap="flat" cmpd="sng">
             <a:solidFill>
               <a:srgbClr val="000000"/>
             </a:solidFill>
             <a:prstDash val="solid"/>
             <a:round/>
-            <a:headEnd len="sm" w="sm" type="none"/>
-            <a:tailEnd len="sm" w="sm" type="none"/>
+            <a:headEnd type="none" w="sm" len="sm"/>
+            <a:tailEnd type="none" w="sm" len="sm"/>
           </a:ln>
         </p:spPr>
       </p:sp>
       <p:sp>
         <p:nvSpPr>
           <p:cNvPr id="4" name="Google Shape;4;n"/>
-          <p:cNvSpPr txBox="1"/>
+          <p:cNvSpPr txBox="1">
+            <a:spLocks noGrp="1"/>
+          </p:cNvSpPr>
           <p:nvPr>
-            <p:ph idx="1" type="body"/>
+            <p:ph type="body" idx="1"/>
           </p:nvPr>
         </p:nvSpPr>
         <p:spPr>
@@ -353,11 +368,11 @@
           </a:ln>
         </p:spPr>
         <p:txBody>
-          <a:bodyPr anchorCtr="0" anchor="t" bIns="91425" lIns="91425" spcFirstLastPara="1" rIns="91425" wrap="square" tIns="91425">
+          <a:bodyPr spcFirstLastPara="1" wrap="square" lIns="91425" tIns="91425" rIns="91425" bIns="91425" anchor="t" anchorCtr="0">
             <a:noAutofit/>
           </a:bodyPr>
           <a:lstStyle>
-            <a:lvl1pPr indent="-298450" lvl="0" marL="457200">
+            <a:lvl1pPr marL="457200" lvl="0" indent="-298450">
               <a:spcBef>
                 <a:spcPts val="0"/>
               </a:spcBef>
@@ -368,7 +383,7 @@
               <a:buChar char="●"/>
               <a:defRPr sz="1100"/>
             </a:lvl1pPr>
-            <a:lvl2pPr indent="-298450" lvl="1" marL="914400">
+            <a:lvl2pPr marL="914400" lvl="1" indent="-298450">
               <a:spcBef>
                 <a:spcPts val="0"/>
               </a:spcBef>
@@ -379,7 +394,7 @@
               <a:buChar char="○"/>
               <a:defRPr sz="1100"/>
             </a:lvl2pPr>
-            <a:lvl3pPr indent="-298450" lvl="2" marL="1371600">
+            <a:lvl3pPr marL="1371600" lvl="2" indent="-298450">
               <a:spcBef>
                 <a:spcPts val="0"/>
               </a:spcBef>
@@ -390,7 +405,7 @@
               <a:buChar char="■"/>
               <a:defRPr sz="1100"/>
             </a:lvl3pPr>
-            <a:lvl4pPr indent="-298450" lvl="3" marL="1828800">
+            <a:lvl4pPr marL="1828800" lvl="3" indent="-298450">
               <a:spcBef>
                 <a:spcPts val="0"/>
               </a:spcBef>
@@ -401,7 +416,7 @@
               <a:buChar char="●"/>
               <a:defRPr sz="1100"/>
             </a:lvl4pPr>
-            <a:lvl5pPr indent="-298450" lvl="4" marL="2286000">
+            <a:lvl5pPr marL="2286000" lvl="4" indent="-298450">
               <a:spcBef>
                 <a:spcPts val="0"/>
               </a:spcBef>
@@ -412,7 +427,7 @@
               <a:buChar char="○"/>
               <a:defRPr sz="1100"/>
             </a:lvl5pPr>
-            <a:lvl6pPr indent="-298450" lvl="5" marL="2743200">
+            <a:lvl6pPr marL="2743200" lvl="5" indent="-298450">
               <a:spcBef>
                 <a:spcPts val="0"/>
               </a:spcBef>
@@ -423,7 +438,7 @@
               <a:buChar char="■"/>
               <a:defRPr sz="1100"/>
             </a:lvl6pPr>
-            <a:lvl7pPr indent="-298450" lvl="6" marL="3200400">
+            <a:lvl7pPr marL="3200400" lvl="6" indent="-298450">
               <a:spcBef>
                 <a:spcPts val="0"/>
               </a:spcBef>
@@ -434,7 +449,7 @@
               <a:buChar char="●"/>
               <a:defRPr sz="1100"/>
             </a:lvl7pPr>
-            <a:lvl8pPr indent="-298450" lvl="7" marL="3657600">
+            <a:lvl8pPr marL="3657600" lvl="7" indent="-298450">
               <a:spcBef>
                 <a:spcPts val="0"/>
               </a:spcBef>
@@ -445,7 +460,7 @@
               <a:buChar char="○"/>
               <a:defRPr sz="1100"/>
             </a:lvl8pPr>
-            <a:lvl9pPr indent="-298450" lvl="8" marL="4114800">
+            <a:lvl9pPr marL="4114800" lvl="8" indent="-298450">
               <a:spcBef>
                 <a:spcPts val="0"/>
               </a:spcBef>
@@ -457,14 +472,16 @@
               <a:defRPr sz="1100"/>
             </a:lvl9pPr>
           </a:lstStyle>
-          <a:p/>
+          <a:p>
+            <a:endParaRPr/>
+          </a:p>
         </p:txBody>
       </p:sp>
     </p:spTree>
   </p:cSld>
-  <p:clrMap accent1="accent1" accent2="accent2" accent3="accent3" accent4="accent4" accent5="accent5" accent6="accent6" bg1="lt1" bg2="dk2" tx1="dk1" tx2="lt2" folHlink="folHlink" hlink="hlink"/>
+  <p:clrMap bg1="lt1" tx1="dk1" bg2="dk2" tx2="lt2" accent1="accent1" accent2="accent2" accent3="accent3" accent4="accent4" accent5="accent5" accent6="accent6" hlink="hlink" folHlink="folHlink"/>
   <p:notesStyle>
-    <a:defPPr lvl="0" marR="0" rtl="0" algn="l">
+    <a:defPPr marR="0" lvl="0" algn="l" rtl="0">
       <a:lnSpc>
         <a:spcPct val="100000"/>
       </a:lnSpc>
@@ -475,7 +492,7 @@
         <a:spcPts val="0"/>
       </a:spcAft>
     </a:defPPr>
-    <a:lvl1pPr lvl="0" marR="0" rtl="0" algn="l">
+    <a:lvl1pPr marR="0" lvl="0" algn="l" rtl="0">
       <a:lnSpc>
         <a:spcPct val="100000"/>
       </a:lnSpc>
@@ -489,7 +506,7 @@
         <a:srgbClr val="000000"/>
       </a:buClr>
       <a:buFont typeface="Arial"/>
-      <a:defRPr b="0" i="0" sz="1400" u="none" cap="none" strike="noStrike">
+      <a:defRPr sz="1400" b="0" i="0" u="none" strike="noStrike" cap="none">
         <a:solidFill>
           <a:srgbClr val="000000"/>
         </a:solidFill>
@@ -499,7 +516,7 @@
         <a:sym typeface="Arial"/>
       </a:defRPr>
     </a:lvl1pPr>
-    <a:lvl2pPr lvl="1" marR="0" rtl="0" algn="l">
+    <a:lvl2pPr marR="0" lvl="1" algn="l" rtl="0">
       <a:lnSpc>
         <a:spcPct val="100000"/>
       </a:lnSpc>
@@ -513,7 +530,7 @@
         <a:srgbClr val="000000"/>
       </a:buClr>
       <a:buFont typeface="Arial"/>
-      <a:defRPr b="0" i="0" sz="1400" u="none" cap="none" strike="noStrike">
+      <a:defRPr sz="1400" b="0" i="0" u="none" strike="noStrike" cap="none">
         <a:solidFill>
           <a:srgbClr val="000000"/>
         </a:solidFill>
@@ -523,7 +540,7 @@
         <a:sym typeface="Arial"/>
       </a:defRPr>
     </a:lvl2pPr>
-    <a:lvl3pPr lvl="2" marR="0" rtl="0" algn="l">
+    <a:lvl3pPr marR="0" lvl="2" algn="l" rtl="0">
       <a:lnSpc>
         <a:spcPct val="100000"/>
       </a:lnSpc>
@@ -537,7 +554,7 @@
         <a:srgbClr val="000000"/>
       </a:buClr>
       <a:buFont typeface="Arial"/>
-      <a:defRPr b="0" i="0" sz="1400" u="none" cap="none" strike="noStrike">
+      <a:defRPr sz="1400" b="0" i="0" u="none" strike="noStrike" cap="none">
         <a:solidFill>
           <a:srgbClr val="000000"/>
         </a:solidFill>
@@ -547,7 +564,7 @@
         <a:sym typeface="Arial"/>
       </a:defRPr>
     </a:lvl3pPr>
-    <a:lvl4pPr lvl="3" marR="0" rtl="0" algn="l">
+    <a:lvl4pPr marR="0" lvl="3" algn="l" rtl="0">
       <a:lnSpc>
         <a:spcPct val="100000"/>
       </a:lnSpc>
@@ -561,7 +578,7 @@
         <a:srgbClr val="000000"/>
       </a:buClr>
       <a:buFont typeface="Arial"/>
-      <a:defRPr b="0" i="0" sz="1400" u="none" cap="none" strike="noStrike">
+      <a:defRPr sz="1400" b="0" i="0" u="none" strike="noStrike" cap="none">
         <a:solidFill>
           <a:srgbClr val="000000"/>
         </a:solidFill>
@@ -571,7 +588,7 @@
         <a:sym typeface="Arial"/>
       </a:defRPr>
     </a:lvl4pPr>
-    <a:lvl5pPr lvl="4" marR="0" rtl="0" algn="l">
+    <a:lvl5pPr marR="0" lvl="4" algn="l" rtl="0">
       <a:lnSpc>
         <a:spcPct val="100000"/>
       </a:lnSpc>
@@ -585,7 +602,7 @@
         <a:srgbClr val="000000"/>
       </a:buClr>
       <a:buFont typeface="Arial"/>
-      <a:defRPr b="0" i="0" sz="1400" u="none" cap="none" strike="noStrike">
+      <a:defRPr sz="1400" b="0" i="0" u="none" strike="noStrike" cap="none">
         <a:solidFill>
           <a:srgbClr val="000000"/>
         </a:solidFill>
@@ -595,7 +612,7 @@
         <a:sym typeface="Arial"/>
       </a:defRPr>
     </a:lvl5pPr>
-    <a:lvl6pPr lvl="5" marR="0" rtl="0" algn="l">
+    <a:lvl6pPr marR="0" lvl="5" algn="l" rtl="0">
       <a:lnSpc>
         <a:spcPct val="100000"/>
       </a:lnSpc>
@@ -609,7 +626,7 @@
         <a:srgbClr val="000000"/>
       </a:buClr>
       <a:buFont typeface="Arial"/>
-      <a:defRPr b="0" i="0" sz="1400" u="none" cap="none" strike="noStrike">
+      <a:defRPr sz="1400" b="0" i="0" u="none" strike="noStrike" cap="none">
         <a:solidFill>
           <a:srgbClr val="000000"/>
         </a:solidFill>
@@ -619,7 +636,7 @@
         <a:sym typeface="Arial"/>
       </a:defRPr>
     </a:lvl6pPr>
-    <a:lvl7pPr lvl="6" marR="0" rtl="0" algn="l">
+    <a:lvl7pPr marR="0" lvl="6" algn="l" rtl="0">
       <a:lnSpc>
         <a:spcPct val="100000"/>
       </a:lnSpc>
@@ -633,7 +650,7 @@
         <a:srgbClr val="000000"/>
       </a:buClr>
       <a:buFont typeface="Arial"/>
-      <a:defRPr b="0" i="0" sz="1400" u="none" cap="none" strike="noStrike">
+      <a:defRPr sz="1400" b="0" i="0" u="none" strike="noStrike" cap="none">
         <a:solidFill>
           <a:srgbClr val="000000"/>
         </a:solidFill>
@@ -643,7 +660,7 @@
         <a:sym typeface="Arial"/>
       </a:defRPr>
     </a:lvl7pPr>
-    <a:lvl8pPr lvl="7" marR="0" rtl="0" algn="l">
+    <a:lvl8pPr marR="0" lvl="7" algn="l" rtl="0">
       <a:lnSpc>
         <a:spcPct val="100000"/>
       </a:lnSpc>
@@ -657,7 +674,7 @@
         <a:srgbClr val="000000"/>
       </a:buClr>
       <a:buFont typeface="Arial"/>
-      <a:defRPr b="0" i="0" sz="1400" u="none" cap="none" strike="noStrike">
+      <a:defRPr sz="1400" b="0" i="0" u="none" strike="noStrike" cap="none">
         <a:solidFill>
           <a:srgbClr val="000000"/>
         </a:solidFill>
@@ -667,7 +684,7 @@
         <a:sym typeface="Arial"/>
       </a:defRPr>
     </a:lvl8pPr>
-    <a:lvl9pPr lvl="8" marR="0" rtl="0" algn="l">
+    <a:lvl9pPr marR="0" lvl="8" algn="l" rtl="0">
       <a:lnSpc>
         <a:spcPct val="100000"/>
       </a:lnSpc>
@@ -681,7 +698,7 @@
         <a:srgbClr val="000000"/>
       </a:buClr>
       <a:buFont typeface="Arial"/>
-      <a:defRPr b="0" i="0" sz="1400" u="none" cap="none" strike="noStrike">
+      <a:defRPr sz="1400" b="0" i="0" u="none" strike="noStrike" cap="none">
         <a:solidFill>
           <a:srgbClr val="000000"/>
         </a:solidFill>
@@ -696,11 +713,11 @@
 </file>
 
 <file path=ppt/notesSlides/notesSlide1.xml><?xml version="1.0" encoding="utf-8"?>
-<p:notes xmlns:a="http://schemas.openxmlformats.org/drawingml/2006/main" xmlns:r="http://schemas.openxmlformats.org/officeDocument/2006/relationships" xmlns:mc="http://schemas.openxmlformats.org/markup-compatibility/2006" xmlns:mv="urn:schemas-microsoft-com:mac:vml" xmlns:p="http://schemas.openxmlformats.org/presentationml/2006/main" xmlns:c="http://schemas.openxmlformats.org/drawingml/2006/chart" xmlns:dgm="http://schemas.openxmlformats.org/drawingml/2006/diagram" xmlns:o="urn:schemas-microsoft-com:office:office" xmlns:v="urn:schemas-microsoft-com:vml" xmlns:pvml="urn:schemas-microsoft-com:office:powerpoint" xmlns:com="http://schemas.openxmlformats.org/drawingml/2006/compatibility" xmlns:p14="http://schemas.microsoft.com/office/powerpoint/2010/main" xmlns:p15="http://schemas.microsoft.com/office/powerpoint/2012/main" xmlns:ahyp="http://schemas.microsoft.com/office/drawing/2018/hyperlinkcolor" showMasterPhAnim="0" showMasterSp="0">
+<p:notes xmlns:a="http://schemas.openxmlformats.org/drawingml/2006/main" xmlns:r="http://schemas.openxmlformats.org/officeDocument/2006/relationships" xmlns:p="http://schemas.openxmlformats.org/presentationml/2006/main" showMasterSp="0" showMasterPhAnim="0">
   <p:cSld>
     <p:spTree>
       <p:nvGrpSpPr>
-        <p:cNvPr id="80" name="Shape 80"/>
+        <p:cNvPr id="1" name="Shape 80"/>
         <p:cNvGrpSpPr/>
         <p:nvPr/>
       </p:nvGrpSpPr>
@@ -715,9 +732,11 @@
       <p:sp>
         <p:nvSpPr>
           <p:cNvPr id="81" name="Google Shape;81;gfa47c3c0f8_0_92:notes"/>
-          <p:cNvSpPr/>
+          <p:cNvSpPr>
+            <a:spLocks noGrp="1" noRot="1" noChangeAspect="1"/>
+          </p:cNvSpPr>
           <p:nvPr>
-            <p:ph idx="2" type="sldImg"/>
+            <p:ph type="sldImg" idx="2"/>
           </p:nvPr>
         </p:nvSpPr>
         <p:spPr>
@@ -726,9 +745,13 @@
             <a:ext cx="6096000" cy="3429000"/>
           </a:xfrm>
           <a:custGeom>
-            <a:rect b="b" l="l" r="r" t="t"/>
+            <a:avLst/>
+            <a:gdLst/>
+            <a:ahLst/>
+            <a:cxnLst/>
+            <a:rect l="l" t="t" r="r" b="b"/>
             <a:pathLst>
-              <a:path extrusionOk="0" h="120000" w="120000">
+              <a:path w="120000" h="120000" extrusionOk="0">
                 <a:moveTo>
                   <a:pt x="0" y="0"/>
                 </a:moveTo>
@@ -750,9 +773,11 @@
       <p:sp>
         <p:nvSpPr>
           <p:cNvPr id="82" name="Google Shape;82;gfa47c3c0f8_0_92:notes"/>
-          <p:cNvSpPr txBox="1"/>
+          <p:cNvSpPr txBox="1">
+            <a:spLocks noGrp="1"/>
+          </p:cNvSpPr>
           <p:nvPr>
-            <p:ph idx="1" type="body"/>
+            <p:ph type="body" idx="1"/>
           </p:nvPr>
         </p:nvSpPr>
         <p:spPr>
@@ -765,12 +790,12 @@
           </a:prstGeom>
         </p:spPr>
         <p:txBody>
-          <a:bodyPr anchorCtr="0" anchor="t" bIns="91425" lIns="91425" spcFirstLastPara="1" rIns="91425" wrap="square" tIns="91425">
+          <a:bodyPr spcFirstLastPara="1" wrap="square" lIns="91425" tIns="91425" rIns="91425" bIns="91425" anchor="t" anchorCtr="0">
             <a:noAutofit/>
           </a:bodyPr>
           <a:lstStyle/>
           <a:p>
-            <a:pPr indent="0" lvl="0" marL="0" rtl="0" algn="l">
+            <a:pPr marL="0" lvl="0" indent="0" algn="l" rtl="0">
               <a:spcBef>
                 <a:spcPts val="0"/>
               </a:spcBef>
@@ -779,9 +804,6 @@
               </a:spcAft>
               <a:buNone/>
             </a:pPr>
-            <a:r>
-              <a:t/>
-            </a:r>
             <a:endParaRPr/>
           </a:p>
         </p:txBody>
@@ -795,11 +817,11 @@
 </file>
 
 <file path=ppt/notesSlides/notesSlide10.xml><?xml version="1.0" encoding="utf-8"?>
-<p:notes xmlns:a="http://schemas.openxmlformats.org/drawingml/2006/main" xmlns:r="http://schemas.openxmlformats.org/officeDocument/2006/relationships" xmlns:mc="http://schemas.openxmlformats.org/markup-compatibility/2006" xmlns:mv="urn:schemas-microsoft-com:mac:vml" xmlns:p="http://schemas.openxmlformats.org/presentationml/2006/main" xmlns:c="http://schemas.openxmlformats.org/drawingml/2006/chart" xmlns:dgm="http://schemas.openxmlformats.org/drawingml/2006/diagram" xmlns:o="urn:schemas-microsoft-com:office:office" xmlns:v="urn:schemas-microsoft-com:vml" xmlns:pvml="urn:schemas-microsoft-com:office:powerpoint" xmlns:com="http://schemas.openxmlformats.org/drawingml/2006/compatibility" xmlns:p14="http://schemas.microsoft.com/office/powerpoint/2010/main" xmlns:p15="http://schemas.microsoft.com/office/powerpoint/2012/main" xmlns:ahyp="http://schemas.microsoft.com/office/drawing/2018/hyperlinkcolor" showMasterPhAnim="0" showMasterSp="0">
+<p:notes xmlns:a="http://schemas.openxmlformats.org/drawingml/2006/main" xmlns:r="http://schemas.openxmlformats.org/officeDocument/2006/relationships" xmlns:p="http://schemas.openxmlformats.org/presentationml/2006/main" showMasterSp="0" showMasterPhAnim="0">
   <p:cSld>
     <p:spTree>
       <p:nvGrpSpPr>
-        <p:cNvPr id="145" name="Shape 145"/>
+        <p:cNvPr id="1" name="Shape 145"/>
         <p:cNvGrpSpPr/>
         <p:nvPr/>
       </p:nvGrpSpPr>
@@ -814,9 +836,11 @@
       <p:sp>
         <p:nvSpPr>
           <p:cNvPr id="146" name="Google Shape;146;gfa47c3c0f8_0_287:notes"/>
-          <p:cNvSpPr/>
+          <p:cNvSpPr>
+            <a:spLocks noGrp="1" noRot="1" noChangeAspect="1"/>
+          </p:cNvSpPr>
           <p:nvPr>
-            <p:ph idx="2" type="sldImg"/>
+            <p:ph type="sldImg" idx="2"/>
           </p:nvPr>
         </p:nvSpPr>
         <p:spPr>
@@ -825,9 +849,13 @@
             <a:ext cx="6096000" cy="3429000"/>
           </a:xfrm>
           <a:custGeom>
-            <a:rect b="b" l="l" r="r" t="t"/>
+            <a:avLst/>
+            <a:gdLst/>
+            <a:ahLst/>
+            <a:cxnLst/>
+            <a:rect l="l" t="t" r="r" b="b"/>
             <a:pathLst>
-              <a:path extrusionOk="0" h="120000" w="120000">
+              <a:path w="120000" h="120000" extrusionOk="0">
                 <a:moveTo>
                   <a:pt x="0" y="0"/>
                 </a:moveTo>
@@ -849,9 +877,11 @@
       <p:sp>
         <p:nvSpPr>
           <p:cNvPr id="147" name="Google Shape;147;gfa47c3c0f8_0_287:notes"/>
-          <p:cNvSpPr txBox="1"/>
+          <p:cNvSpPr txBox="1">
+            <a:spLocks noGrp="1"/>
+          </p:cNvSpPr>
           <p:nvPr>
-            <p:ph idx="1" type="body"/>
+            <p:ph type="body" idx="1"/>
           </p:nvPr>
         </p:nvSpPr>
         <p:spPr>
@@ -864,12 +894,12 @@
           </a:prstGeom>
         </p:spPr>
         <p:txBody>
-          <a:bodyPr anchorCtr="0" anchor="t" bIns="91425" lIns="91425" spcFirstLastPara="1" rIns="91425" wrap="square" tIns="91425">
+          <a:bodyPr spcFirstLastPara="1" wrap="square" lIns="91425" tIns="91425" rIns="91425" bIns="91425" anchor="t" anchorCtr="0">
             <a:noAutofit/>
           </a:bodyPr>
           <a:lstStyle/>
           <a:p>
-            <a:pPr indent="0" lvl="0" marL="0" rtl="0" algn="l">
+            <a:pPr marL="0" lvl="0" indent="0" algn="l" rtl="0">
               <a:spcBef>
                 <a:spcPts val="0"/>
               </a:spcBef>
@@ -878,9 +908,6 @@
               </a:spcAft>
               <a:buNone/>
             </a:pPr>
-            <a:r>
-              <a:t/>
-            </a:r>
             <a:endParaRPr/>
           </a:p>
         </p:txBody>
@@ -894,11 +921,11 @@
 </file>
 
 <file path=ppt/notesSlides/notesSlide2.xml><?xml version="1.0" encoding="utf-8"?>
-<p:notes xmlns:a="http://schemas.openxmlformats.org/drawingml/2006/main" xmlns:r="http://schemas.openxmlformats.org/officeDocument/2006/relationships" xmlns:mc="http://schemas.openxmlformats.org/markup-compatibility/2006" xmlns:mv="urn:schemas-microsoft-com:mac:vml" xmlns:p="http://schemas.openxmlformats.org/presentationml/2006/main" xmlns:c="http://schemas.openxmlformats.org/drawingml/2006/chart" xmlns:dgm="http://schemas.openxmlformats.org/drawingml/2006/diagram" xmlns:o="urn:schemas-microsoft-com:office:office" xmlns:v="urn:schemas-microsoft-com:vml" xmlns:pvml="urn:schemas-microsoft-com:office:powerpoint" xmlns:com="http://schemas.openxmlformats.org/drawingml/2006/compatibility" xmlns:p14="http://schemas.microsoft.com/office/powerpoint/2010/main" xmlns:p15="http://schemas.microsoft.com/office/powerpoint/2012/main" xmlns:ahyp="http://schemas.microsoft.com/office/drawing/2018/hyperlinkcolor" showMasterPhAnim="0" showMasterSp="0">
+<p:notes xmlns:a="http://schemas.openxmlformats.org/drawingml/2006/main" xmlns:r="http://schemas.openxmlformats.org/officeDocument/2006/relationships" xmlns:p="http://schemas.openxmlformats.org/presentationml/2006/main" showMasterSp="0" showMasterPhAnim="0">
   <p:cSld>
     <p:spTree>
       <p:nvGrpSpPr>
-        <p:cNvPr id="86" name="Shape 86"/>
+        <p:cNvPr id="1" name="Shape 86"/>
         <p:cNvGrpSpPr/>
         <p:nvPr/>
       </p:nvGrpSpPr>
@@ -913,9 +940,11 @@
       <p:sp>
         <p:nvSpPr>
           <p:cNvPr id="87" name="Google Shape;87;gfa47c3c0f8_0_173:notes"/>
-          <p:cNvSpPr/>
+          <p:cNvSpPr>
+            <a:spLocks noGrp="1" noRot="1" noChangeAspect="1"/>
+          </p:cNvSpPr>
           <p:nvPr>
-            <p:ph idx="2" type="sldImg"/>
+            <p:ph type="sldImg" idx="2"/>
           </p:nvPr>
         </p:nvSpPr>
         <p:spPr>
@@ -924,9 +953,13 @@
             <a:ext cx="6096000" cy="3429000"/>
           </a:xfrm>
           <a:custGeom>
-            <a:rect b="b" l="l" r="r" t="t"/>
+            <a:avLst/>
+            <a:gdLst/>
+            <a:ahLst/>
+            <a:cxnLst/>
+            <a:rect l="l" t="t" r="r" b="b"/>
             <a:pathLst>
-              <a:path extrusionOk="0" h="120000" w="120000">
+              <a:path w="120000" h="120000" extrusionOk="0">
                 <a:moveTo>
                   <a:pt x="0" y="0"/>
                 </a:moveTo>
@@ -948,9 +981,11 @@
       <p:sp>
         <p:nvSpPr>
           <p:cNvPr id="88" name="Google Shape;88;gfa47c3c0f8_0_173:notes"/>
-          <p:cNvSpPr txBox="1"/>
+          <p:cNvSpPr txBox="1">
+            <a:spLocks noGrp="1"/>
+          </p:cNvSpPr>
           <p:nvPr>
-            <p:ph idx="1" type="body"/>
+            <p:ph type="body" idx="1"/>
           </p:nvPr>
         </p:nvSpPr>
         <p:spPr>
@@ -963,12 +998,12 @@
           </a:prstGeom>
         </p:spPr>
         <p:txBody>
-          <a:bodyPr anchorCtr="0" anchor="t" bIns="91425" lIns="91425" spcFirstLastPara="1" rIns="91425" wrap="square" tIns="91425">
+          <a:bodyPr spcFirstLastPara="1" wrap="square" lIns="91425" tIns="91425" rIns="91425" bIns="91425" anchor="t" anchorCtr="0">
             <a:noAutofit/>
           </a:bodyPr>
           <a:lstStyle/>
           <a:p>
-            <a:pPr indent="0" lvl="0" marL="0" rtl="0" algn="l">
+            <a:pPr marL="0" lvl="0" indent="0" algn="l" rtl="0">
               <a:spcBef>
                 <a:spcPts val="0"/>
               </a:spcBef>
@@ -977,9 +1012,6 @@
               </a:spcAft>
               <a:buNone/>
             </a:pPr>
-            <a:r>
-              <a:t/>
-            </a:r>
             <a:endParaRPr/>
           </a:p>
         </p:txBody>
@@ -993,11 +1025,11 @@
 </file>
 
 <file path=ppt/notesSlides/notesSlide3.xml><?xml version="1.0" encoding="utf-8"?>
-<p:notes xmlns:a="http://schemas.openxmlformats.org/drawingml/2006/main" xmlns:r="http://schemas.openxmlformats.org/officeDocument/2006/relationships" xmlns:mc="http://schemas.openxmlformats.org/markup-compatibility/2006" xmlns:mv="urn:schemas-microsoft-com:mac:vml" xmlns:p="http://schemas.openxmlformats.org/presentationml/2006/main" xmlns:c="http://schemas.openxmlformats.org/drawingml/2006/chart" xmlns:dgm="http://schemas.openxmlformats.org/drawingml/2006/diagram" xmlns:o="urn:schemas-microsoft-com:office:office" xmlns:v="urn:schemas-microsoft-com:vml" xmlns:pvml="urn:schemas-microsoft-com:office:powerpoint" xmlns:com="http://schemas.openxmlformats.org/drawingml/2006/compatibility" xmlns:p14="http://schemas.microsoft.com/office/powerpoint/2010/main" xmlns:p15="http://schemas.microsoft.com/office/powerpoint/2012/main" xmlns:ahyp="http://schemas.microsoft.com/office/drawing/2018/hyperlinkcolor" showMasterPhAnim="0" showMasterSp="0">
+<p:notes xmlns:a="http://schemas.openxmlformats.org/drawingml/2006/main" xmlns:r="http://schemas.openxmlformats.org/officeDocument/2006/relationships" xmlns:p="http://schemas.openxmlformats.org/presentationml/2006/main" showMasterSp="0" showMasterPhAnim="0">
   <p:cSld>
     <p:spTree>
       <p:nvGrpSpPr>
-        <p:cNvPr id="92" name="Shape 92"/>
+        <p:cNvPr id="1" name="Shape 92"/>
         <p:cNvGrpSpPr/>
         <p:nvPr/>
       </p:nvGrpSpPr>
@@ -1012,9 +1044,11 @@
       <p:sp>
         <p:nvSpPr>
           <p:cNvPr id="93" name="Google Shape;93;gfa47c3c0f8_0_179:notes"/>
-          <p:cNvSpPr/>
+          <p:cNvSpPr>
+            <a:spLocks noGrp="1" noRot="1" noChangeAspect="1"/>
+          </p:cNvSpPr>
           <p:nvPr>
-            <p:ph idx="2" type="sldImg"/>
+            <p:ph type="sldImg" idx="2"/>
           </p:nvPr>
         </p:nvSpPr>
         <p:spPr>
@@ -1023,9 +1057,13 @@
             <a:ext cx="6096000" cy="3429000"/>
           </a:xfrm>
           <a:custGeom>
-            <a:rect b="b" l="l" r="r" t="t"/>
+            <a:avLst/>
+            <a:gdLst/>
+            <a:ahLst/>
+            <a:cxnLst/>
+            <a:rect l="l" t="t" r="r" b="b"/>
             <a:pathLst>
-              <a:path extrusionOk="0" h="120000" w="120000">
+              <a:path w="120000" h="120000" extrusionOk="0">
                 <a:moveTo>
                   <a:pt x="0" y="0"/>
                 </a:moveTo>
@@ -1047,9 +1085,11 @@
       <p:sp>
         <p:nvSpPr>
           <p:cNvPr id="94" name="Google Shape;94;gfa47c3c0f8_0_179:notes"/>
-          <p:cNvSpPr txBox="1"/>
+          <p:cNvSpPr txBox="1">
+            <a:spLocks noGrp="1"/>
+          </p:cNvSpPr>
           <p:nvPr>
-            <p:ph idx="1" type="body"/>
+            <p:ph type="body" idx="1"/>
           </p:nvPr>
         </p:nvSpPr>
         <p:spPr>
@@ -1062,12 +1102,12 @@
           </a:prstGeom>
         </p:spPr>
         <p:txBody>
-          <a:bodyPr anchorCtr="0" anchor="t" bIns="91425" lIns="91425" spcFirstLastPara="1" rIns="91425" wrap="square" tIns="91425">
+          <a:bodyPr spcFirstLastPara="1" wrap="square" lIns="91425" tIns="91425" rIns="91425" bIns="91425" anchor="t" anchorCtr="0">
             <a:noAutofit/>
           </a:bodyPr>
           <a:lstStyle/>
           <a:p>
-            <a:pPr indent="0" lvl="0" marL="0" rtl="0" algn="l">
+            <a:pPr marL="0" lvl="0" indent="0" algn="l" rtl="0">
               <a:spcBef>
                 <a:spcPts val="0"/>
               </a:spcBef>
@@ -1076,9 +1116,6 @@
               </a:spcAft>
               <a:buNone/>
             </a:pPr>
-            <a:r>
-              <a:t/>
-            </a:r>
             <a:endParaRPr/>
           </a:p>
         </p:txBody>
@@ -1092,11 +1129,11 @@
 </file>
 
 <file path=ppt/notesSlides/notesSlide4.xml><?xml version="1.0" encoding="utf-8"?>
-<p:notes xmlns:a="http://schemas.openxmlformats.org/drawingml/2006/main" xmlns:r="http://schemas.openxmlformats.org/officeDocument/2006/relationships" xmlns:mc="http://schemas.openxmlformats.org/markup-compatibility/2006" xmlns:mv="urn:schemas-microsoft-com:mac:vml" xmlns:p="http://schemas.openxmlformats.org/presentationml/2006/main" xmlns:c="http://schemas.openxmlformats.org/drawingml/2006/chart" xmlns:dgm="http://schemas.openxmlformats.org/drawingml/2006/diagram" xmlns:o="urn:schemas-microsoft-com:office:office" xmlns:v="urn:schemas-microsoft-com:vml" xmlns:pvml="urn:schemas-microsoft-com:office:powerpoint" xmlns:com="http://schemas.openxmlformats.org/drawingml/2006/compatibility" xmlns:p14="http://schemas.microsoft.com/office/powerpoint/2010/main" xmlns:p15="http://schemas.microsoft.com/office/powerpoint/2012/main" xmlns:ahyp="http://schemas.microsoft.com/office/drawing/2018/hyperlinkcolor" showMasterPhAnim="0" showMasterSp="0">
+<p:notes xmlns:a="http://schemas.openxmlformats.org/drawingml/2006/main" xmlns:r="http://schemas.openxmlformats.org/officeDocument/2006/relationships" xmlns:p="http://schemas.openxmlformats.org/presentationml/2006/main" showMasterSp="0" showMasterPhAnim="0">
   <p:cSld>
     <p:spTree>
       <p:nvGrpSpPr>
-        <p:cNvPr id="99" name="Shape 99"/>
+        <p:cNvPr id="1" name="Shape 99"/>
         <p:cNvGrpSpPr/>
         <p:nvPr/>
       </p:nvGrpSpPr>
@@ -1111,9 +1148,11 @@
       <p:sp>
         <p:nvSpPr>
           <p:cNvPr id="100" name="Google Shape;100;gfa47c3c0f8_0_185:notes"/>
-          <p:cNvSpPr/>
+          <p:cNvSpPr>
+            <a:spLocks noGrp="1" noRot="1" noChangeAspect="1"/>
+          </p:cNvSpPr>
           <p:nvPr>
-            <p:ph idx="2" type="sldImg"/>
+            <p:ph type="sldImg" idx="2"/>
           </p:nvPr>
         </p:nvSpPr>
         <p:spPr>
@@ -1122,9 +1161,13 @@
             <a:ext cx="6096000" cy="3429000"/>
           </a:xfrm>
           <a:custGeom>
-            <a:rect b="b" l="l" r="r" t="t"/>
+            <a:avLst/>
+            <a:gdLst/>
+            <a:ahLst/>
+            <a:cxnLst/>
+            <a:rect l="l" t="t" r="r" b="b"/>
             <a:pathLst>
-              <a:path extrusionOk="0" h="120000" w="120000">
+              <a:path w="120000" h="120000" extrusionOk="0">
                 <a:moveTo>
                   <a:pt x="0" y="0"/>
                 </a:moveTo>
@@ -1146,9 +1189,11 @@
       <p:sp>
         <p:nvSpPr>
           <p:cNvPr id="101" name="Google Shape;101;gfa47c3c0f8_0_185:notes"/>
-          <p:cNvSpPr txBox="1"/>
+          <p:cNvSpPr txBox="1">
+            <a:spLocks noGrp="1"/>
+          </p:cNvSpPr>
           <p:nvPr>
-            <p:ph idx="1" type="body"/>
+            <p:ph type="body" idx="1"/>
           </p:nvPr>
         </p:nvSpPr>
         <p:spPr>
@@ -1161,12 +1206,12 @@
           </a:prstGeom>
         </p:spPr>
         <p:txBody>
-          <a:bodyPr anchorCtr="0" anchor="t" bIns="91425" lIns="91425" spcFirstLastPara="1" rIns="91425" wrap="square" tIns="91425">
+          <a:bodyPr spcFirstLastPara="1" wrap="square" lIns="91425" tIns="91425" rIns="91425" bIns="91425" anchor="t" anchorCtr="0">
             <a:noAutofit/>
           </a:bodyPr>
           <a:lstStyle/>
           <a:p>
-            <a:pPr indent="0" lvl="0" marL="0" rtl="0" algn="l">
+            <a:pPr marL="0" lvl="0" indent="0" algn="l" rtl="0">
               <a:spcBef>
                 <a:spcPts val="0"/>
               </a:spcBef>
@@ -1175,9 +1220,6 @@
               </a:spcAft>
               <a:buNone/>
             </a:pPr>
-            <a:r>
-              <a:t/>
-            </a:r>
             <a:endParaRPr/>
           </a:p>
         </p:txBody>
@@ -1191,11 +1233,11 @@
 </file>
 
 <file path=ppt/notesSlides/notesSlide5.xml><?xml version="1.0" encoding="utf-8"?>
-<p:notes xmlns:a="http://schemas.openxmlformats.org/drawingml/2006/main" xmlns:r="http://schemas.openxmlformats.org/officeDocument/2006/relationships" xmlns:mc="http://schemas.openxmlformats.org/markup-compatibility/2006" xmlns:mv="urn:schemas-microsoft-com:mac:vml" xmlns:p="http://schemas.openxmlformats.org/presentationml/2006/main" xmlns:c="http://schemas.openxmlformats.org/drawingml/2006/chart" xmlns:dgm="http://schemas.openxmlformats.org/drawingml/2006/diagram" xmlns:o="urn:schemas-microsoft-com:office:office" xmlns:v="urn:schemas-microsoft-com:vml" xmlns:pvml="urn:schemas-microsoft-com:office:powerpoint" xmlns:com="http://schemas.openxmlformats.org/drawingml/2006/compatibility" xmlns:p14="http://schemas.microsoft.com/office/powerpoint/2010/main" xmlns:p15="http://schemas.microsoft.com/office/powerpoint/2012/main" xmlns:ahyp="http://schemas.microsoft.com/office/drawing/2018/hyperlinkcolor" showMasterPhAnim="0" showMasterSp="0">
+<p:notes xmlns:a="http://schemas.openxmlformats.org/drawingml/2006/main" xmlns:r="http://schemas.openxmlformats.org/officeDocument/2006/relationships" xmlns:p="http://schemas.openxmlformats.org/presentationml/2006/main" showMasterSp="0" showMasterPhAnim="0">
   <p:cSld>
     <p:spTree>
       <p:nvGrpSpPr>
-        <p:cNvPr id="108" name="Shape 108"/>
+        <p:cNvPr id="1" name="Shape 108"/>
         <p:cNvGrpSpPr/>
         <p:nvPr/>
       </p:nvGrpSpPr>
@@ -1210,9 +1252,11 @@
       <p:sp>
         <p:nvSpPr>
           <p:cNvPr id="109" name="Google Shape;109;gfa47c3c0f8_0_191:notes"/>
-          <p:cNvSpPr/>
+          <p:cNvSpPr>
+            <a:spLocks noGrp="1" noRot="1" noChangeAspect="1"/>
+          </p:cNvSpPr>
           <p:nvPr>
-            <p:ph idx="2" type="sldImg"/>
+            <p:ph type="sldImg" idx="2"/>
           </p:nvPr>
         </p:nvSpPr>
         <p:spPr>
@@ -1221,9 +1265,13 @@
             <a:ext cx="6096000" cy="3429000"/>
           </a:xfrm>
           <a:custGeom>
-            <a:rect b="b" l="l" r="r" t="t"/>
+            <a:avLst/>
+            <a:gdLst/>
+            <a:ahLst/>
+            <a:cxnLst/>
+            <a:rect l="l" t="t" r="r" b="b"/>
             <a:pathLst>
-              <a:path extrusionOk="0" h="120000" w="120000">
+              <a:path w="120000" h="120000" extrusionOk="0">
                 <a:moveTo>
                   <a:pt x="0" y="0"/>
                 </a:moveTo>
@@ -1245,9 +1293,11 @@
       <p:sp>
         <p:nvSpPr>
           <p:cNvPr id="110" name="Google Shape;110;gfa47c3c0f8_0_191:notes"/>
-          <p:cNvSpPr txBox="1"/>
+          <p:cNvSpPr txBox="1">
+            <a:spLocks noGrp="1"/>
+          </p:cNvSpPr>
           <p:nvPr>
-            <p:ph idx="1" type="body"/>
+            <p:ph type="body" idx="1"/>
           </p:nvPr>
         </p:nvSpPr>
         <p:spPr>
@@ -1260,12 +1310,12 @@
           </a:prstGeom>
         </p:spPr>
         <p:txBody>
-          <a:bodyPr anchorCtr="0" anchor="t" bIns="91425" lIns="91425" spcFirstLastPara="1" rIns="91425" wrap="square" tIns="91425">
+          <a:bodyPr spcFirstLastPara="1" wrap="square" lIns="91425" tIns="91425" rIns="91425" bIns="91425" anchor="t" anchorCtr="0">
             <a:noAutofit/>
           </a:bodyPr>
           <a:lstStyle/>
           <a:p>
-            <a:pPr indent="0" lvl="0" marL="0" rtl="0" algn="l">
+            <a:pPr marL="0" lvl="0" indent="0" algn="l" rtl="0">
               <a:spcBef>
                 <a:spcPts val="0"/>
               </a:spcBef>
@@ -1274,9 +1324,6 @@
               </a:spcAft>
               <a:buNone/>
             </a:pPr>
-            <a:r>
-              <a:t/>
-            </a:r>
             <a:endParaRPr/>
           </a:p>
         </p:txBody>
@@ -1290,11 +1337,11 @@
 </file>
 
 <file path=ppt/notesSlides/notesSlide6.xml><?xml version="1.0" encoding="utf-8"?>
-<p:notes xmlns:a="http://schemas.openxmlformats.org/drawingml/2006/main" xmlns:r="http://schemas.openxmlformats.org/officeDocument/2006/relationships" xmlns:mc="http://schemas.openxmlformats.org/markup-compatibility/2006" xmlns:mv="urn:schemas-microsoft-com:mac:vml" xmlns:p="http://schemas.openxmlformats.org/presentationml/2006/main" xmlns:c="http://schemas.openxmlformats.org/drawingml/2006/chart" xmlns:dgm="http://schemas.openxmlformats.org/drawingml/2006/diagram" xmlns:o="urn:schemas-microsoft-com:office:office" xmlns:v="urn:schemas-microsoft-com:vml" xmlns:pvml="urn:schemas-microsoft-com:office:powerpoint" xmlns:com="http://schemas.openxmlformats.org/drawingml/2006/compatibility" xmlns:p14="http://schemas.microsoft.com/office/powerpoint/2010/main" xmlns:p15="http://schemas.microsoft.com/office/powerpoint/2012/main" xmlns:ahyp="http://schemas.microsoft.com/office/drawing/2018/hyperlinkcolor" showMasterPhAnim="0" showMasterSp="0">
+<p:notes xmlns:a="http://schemas.openxmlformats.org/drawingml/2006/main" xmlns:r="http://schemas.openxmlformats.org/officeDocument/2006/relationships" xmlns:p="http://schemas.openxmlformats.org/presentationml/2006/main" showMasterSp="0" showMasterPhAnim="0">
   <p:cSld>
     <p:spTree>
       <p:nvGrpSpPr>
-        <p:cNvPr id="116" name="Shape 116"/>
+        <p:cNvPr id="1" name="Shape 116"/>
         <p:cNvGrpSpPr/>
         <p:nvPr/>
       </p:nvGrpSpPr>
@@ -1309,9 +1356,11 @@
       <p:sp>
         <p:nvSpPr>
           <p:cNvPr id="117" name="Google Shape;117;gfa47c3c0f8_0_198:notes"/>
-          <p:cNvSpPr/>
+          <p:cNvSpPr>
+            <a:spLocks noGrp="1" noRot="1" noChangeAspect="1"/>
+          </p:cNvSpPr>
           <p:nvPr>
-            <p:ph idx="2" type="sldImg"/>
+            <p:ph type="sldImg" idx="2"/>
           </p:nvPr>
         </p:nvSpPr>
         <p:spPr>
@@ -1320,9 +1369,13 @@
             <a:ext cx="6096000" cy="3429000"/>
           </a:xfrm>
           <a:custGeom>
-            <a:rect b="b" l="l" r="r" t="t"/>
+            <a:avLst/>
+            <a:gdLst/>
+            <a:ahLst/>
+            <a:cxnLst/>
+            <a:rect l="l" t="t" r="r" b="b"/>
             <a:pathLst>
-              <a:path extrusionOk="0" h="120000" w="120000">
+              <a:path w="120000" h="120000" extrusionOk="0">
                 <a:moveTo>
                   <a:pt x="0" y="0"/>
                 </a:moveTo>
@@ -1344,9 +1397,11 @@
       <p:sp>
         <p:nvSpPr>
           <p:cNvPr id="118" name="Google Shape;118;gfa47c3c0f8_0_198:notes"/>
-          <p:cNvSpPr txBox="1"/>
+          <p:cNvSpPr txBox="1">
+            <a:spLocks noGrp="1"/>
+          </p:cNvSpPr>
           <p:nvPr>
-            <p:ph idx="1" type="body"/>
+            <p:ph type="body" idx="1"/>
           </p:nvPr>
         </p:nvSpPr>
         <p:spPr>
@@ -1359,12 +1414,12 @@
           </a:prstGeom>
         </p:spPr>
         <p:txBody>
-          <a:bodyPr anchorCtr="0" anchor="t" bIns="91425" lIns="91425" spcFirstLastPara="1" rIns="91425" wrap="square" tIns="91425">
+          <a:bodyPr spcFirstLastPara="1" wrap="square" lIns="91425" tIns="91425" rIns="91425" bIns="91425" anchor="t" anchorCtr="0">
             <a:noAutofit/>
           </a:bodyPr>
           <a:lstStyle/>
           <a:p>
-            <a:pPr indent="0" lvl="0" marL="0" rtl="0" algn="l">
+            <a:pPr marL="0" lvl="0" indent="0" algn="l" rtl="0">
               <a:spcBef>
                 <a:spcPts val="0"/>
               </a:spcBef>
@@ -1373,9 +1428,6 @@
               </a:spcAft>
               <a:buNone/>
             </a:pPr>
-            <a:r>
-              <a:t/>
-            </a:r>
             <a:endParaRPr/>
           </a:p>
         </p:txBody>
@@ -1389,11 +1441,11 @@
 </file>
 
 <file path=ppt/notesSlides/notesSlide7.xml><?xml version="1.0" encoding="utf-8"?>
-<p:notes xmlns:a="http://schemas.openxmlformats.org/drawingml/2006/main" xmlns:r="http://schemas.openxmlformats.org/officeDocument/2006/relationships" xmlns:mc="http://schemas.openxmlformats.org/markup-compatibility/2006" xmlns:mv="urn:schemas-microsoft-com:mac:vml" xmlns:p="http://schemas.openxmlformats.org/presentationml/2006/main" xmlns:c="http://schemas.openxmlformats.org/drawingml/2006/chart" xmlns:dgm="http://schemas.openxmlformats.org/drawingml/2006/diagram" xmlns:o="urn:schemas-microsoft-com:office:office" xmlns:v="urn:schemas-microsoft-com:vml" xmlns:pvml="urn:schemas-microsoft-com:office:powerpoint" xmlns:com="http://schemas.openxmlformats.org/drawingml/2006/compatibility" xmlns:p14="http://schemas.microsoft.com/office/powerpoint/2010/main" xmlns:p15="http://schemas.microsoft.com/office/powerpoint/2012/main" xmlns:ahyp="http://schemas.microsoft.com/office/drawing/2018/hyperlinkcolor" showMasterPhAnim="0" showMasterSp="0">
+<p:notes xmlns:a="http://schemas.openxmlformats.org/drawingml/2006/main" xmlns:r="http://schemas.openxmlformats.org/officeDocument/2006/relationships" xmlns:p="http://schemas.openxmlformats.org/presentationml/2006/main" showMasterSp="0" showMasterPhAnim="0">
   <p:cSld>
     <p:spTree>
       <p:nvGrpSpPr>
-        <p:cNvPr id="123" name="Shape 123"/>
+        <p:cNvPr id="1" name="Shape 123"/>
         <p:cNvGrpSpPr/>
         <p:nvPr/>
       </p:nvGrpSpPr>
@@ -1408,9 +1460,11 @@
       <p:sp>
         <p:nvSpPr>
           <p:cNvPr id="124" name="Google Shape;124;gfa47c3c0f8_0_0:notes"/>
-          <p:cNvSpPr/>
+          <p:cNvSpPr>
+            <a:spLocks noGrp="1" noRot="1" noChangeAspect="1"/>
+          </p:cNvSpPr>
           <p:nvPr>
-            <p:ph idx="2" type="sldImg"/>
+            <p:ph type="sldImg" idx="2"/>
           </p:nvPr>
         </p:nvSpPr>
         <p:spPr>
@@ -1419,9 +1473,13 @@
             <a:ext cx="6096000" cy="3429000"/>
           </a:xfrm>
           <a:custGeom>
-            <a:rect b="b" l="l" r="r" t="t"/>
+            <a:avLst/>
+            <a:gdLst/>
+            <a:ahLst/>
+            <a:cxnLst/>
+            <a:rect l="l" t="t" r="r" b="b"/>
             <a:pathLst>
-              <a:path extrusionOk="0" h="120000" w="120000">
+              <a:path w="120000" h="120000" extrusionOk="0">
                 <a:moveTo>
                   <a:pt x="0" y="0"/>
                 </a:moveTo>
@@ -1439,23 +1497,25 @@
             </a:pathLst>
           </a:custGeom>
           <a:noFill/>
-          <a:ln cap="flat" cmpd="sng" w="9525">
+          <a:ln w="9525" cap="flat" cmpd="sng">
             <a:solidFill>
               <a:srgbClr val="000000"/>
             </a:solidFill>
             <a:prstDash val="solid"/>
             <a:round/>
-            <a:headEnd len="sm" w="sm" type="none"/>
-            <a:tailEnd len="sm" w="sm" type="none"/>
+            <a:headEnd type="none" w="sm" len="sm"/>
+            <a:tailEnd type="none" w="sm" len="sm"/>
           </a:ln>
         </p:spPr>
       </p:sp>
       <p:sp>
         <p:nvSpPr>
           <p:cNvPr id="125" name="Google Shape;125;gfa47c3c0f8_0_0:notes"/>
-          <p:cNvSpPr txBox="1"/>
+          <p:cNvSpPr txBox="1">
+            <a:spLocks noGrp="1"/>
+          </p:cNvSpPr>
           <p:nvPr>
-            <p:ph idx="1" type="body"/>
+            <p:ph type="body" idx="1"/>
           </p:nvPr>
         </p:nvSpPr>
         <p:spPr>
@@ -1472,12 +1532,12 @@
           </a:ln>
         </p:spPr>
         <p:txBody>
-          <a:bodyPr anchorCtr="0" anchor="t" bIns="91425" lIns="91425" spcFirstLastPara="1" rIns="91425" wrap="square" tIns="91425">
+          <a:bodyPr spcFirstLastPara="1" wrap="square" lIns="91425" tIns="91425" rIns="91425" bIns="91425" anchor="t" anchorCtr="0">
             <a:noAutofit/>
           </a:bodyPr>
           <a:lstStyle/>
           <a:p>
-            <a:pPr indent="0" lvl="0" marL="0" rtl="0" algn="l">
+            <a:pPr marL="0" lvl="0" indent="0" algn="l" rtl="0">
               <a:lnSpc>
                 <a:spcPct val="100000"/>
               </a:lnSpc>
@@ -1490,9 +1550,6 @@
               <a:buSzPts val="1100"/>
               <a:buNone/>
             </a:pPr>
-            <a:r>
-              <a:t/>
-            </a:r>
             <a:endParaRPr/>
           </a:p>
         </p:txBody>
@@ -1506,11 +1563,11 @@
 </file>
 
 <file path=ppt/notesSlides/notesSlide8.xml><?xml version="1.0" encoding="utf-8"?>
-<p:notes xmlns:a="http://schemas.openxmlformats.org/drawingml/2006/main" xmlns:r="http://schemas.openxmlformats.org/officeDocument/2006/relationships" xmlns:mc="http://schemas.openxmlformats.org/markup-compatibility/2006" xmlns:mv="urn:schemas-microsoft-com:mac:vml" xmlns:p="http://schemas.openxmlformats.org/presentationml/2006/main" xmlns:c="http://schemas.openxmlformats.org/drawingml/2006/chart" xmlns:dgm="http://schemas.openxmlformats.org/drawingml/2006/diagram" xmlns:o="urn:schemas-microsoft-com:office:office" xmlns:v="urn:schemas-microsoft-com:vml" xmlns:pvml="urn:schemas-microsoft-com:office:powerpoint" xmlns:com="http://schemas.openxmlformats.org/drawingml/2006/compatibility" xmlns:p14="http://schemas.microsoft.com/office/powerpoint/2010/main" xmlns:p15="http://schemas.microsoft.com/office/powerpoint/2012/main" xmlns:ahyp="http://schemas.microsoft.com/office/drawing/2018/hyperlinkcolor" showMasterPhAnim="0" showMasterSp="0">
+<p:notes xmlns:a="http://schemas.openxmlformats.org/drawingml/2006/main" xmlns:r="http://schemas.openxmlformats.org/officeDocument/2006/relationships" xmlns:p="http://schemas.openxmlformats.org/presentationml/2006/main" showMasterSp="0" showMasterPhAnim="0">
   <p:cSld>
     <p:spTree>
       <p:nvGrpSpPr>
-        <p:cNvPr id="131" name="Shape 131"/>
+        <p:cNvPr id="1" name="Shape 131"/>
         <p:cNvGrpSpPr/>
         <p:nvPr/>
       </p:nvGrpSpPr>
@@ -1525,9 +1582,11 @@
       <p:sp>
         <p:nvSpPr>
           <p:cNvPr id="132" name="Google Shape;132;gfa47c3c0f8_0_7:notes"/>
-          <p:cNvSpPr/>
+          <p:cNvSpPr>
+            <a:spLocks noGrp="1" noRot="1" noChangeAspect="1"/>
+          </p:cNvSpPr>
           <p:nvPr>
-            <p:ph idx="2" type="sldImg"/>
+            <p:ph type="sldImg" idx="2"/>
           </p:nvPr>
         </p:nvSpPr>
         <p:spPr>
@@ -1536,9 +1595,13 @@
             <a:ext cx="6096000" cy="3429000"/>
           </a:xfrm>
           <a:custGeom>
-            <a:rect b="b" l="l" r="r" t="t"/>
+            <a:avLst/>
+            <a:gdLst/>
+            <a:ahLst/>
+            <a:cxnLst/>
+            <a:rect l="l" t="t" r="r" b="b"/>
             <a:pathLst>
-              <a:path extrusionOk="0" h="120000" w="120000">
+              <a:path w="120000" h="120000" extrusionOk="0">
                 <a:moveTo>
                   <a:pt x="0" y="0"/>
                 </a:moveTo>
@@ -1556,23 +1619,25 @@
             </a:pathLst>
           </a:custGeom>
           <a:noFill/>
-          <a:ln cap="flat" cmpd="sng" w="9525">
+          <a:ln w="9525" cap="flat" cmpd="sng">
             <a:solidFill>
               <a:srgbClr val="000000"/>
             </a:solidFill>
             <a:prstDash val="solid"/>
             <a:round/>
-            <a:headEnd len="sm" w="sm" type="none"/>
-            <a:tailEnd len="sm" w="sm" type="none"/>
+            <a:headEnd type="none" w="sm" len="sm"/>
+            <a:tailEnd type="none" w="sm" len="sm"/>
           </a:ln>
         </p:spPr>
       </p:sp>
       <p:sp>
         <p:nvSpPr>
           <p:cNvPr id="133" name="Google Shape;133;gfa47c3c0f8_0_7:notes"/>
-          <p:cNvSpPr txBox="1"/>
+          <p:cNvSpPr txBox="1">
+            <a:spLocks noGrp="1"/>
+          </p:cNvSpPr>
           <p:nvPr>
-            <p:ph idx="1" type="body"/>
+            <p:ph type="body" idx="1"/>
           </p:nvPr>
         </p:nvSpPr>
         <p:spPr>
@@ -1589,12 +1654,12 @@
           </a:ln>
         </p:spPr>
         <p:txBody>
-          <a:bodyPr anchorCtr="0" anchor="t" bIns="91425" lIns="91425" spcFirstLastPara="1" rIns="91425" wrap="square" tIns="91425">
+          <a:bodyPr spcFirstLastPara="1" wrap="square" lIns="91425" tIns="91425" rIns="91425" bIns="91425" anchor="t" anchorCtr="0">
             <a:noAutofit/>
           </a:bodyPr>
           <a:lstStyle/>
           <a:p>
-            <a:pPr indent="0" lvl="0" marL="0" rtl="0" algn="l">
+            <a:pPr marL="0" lvl="0" indent="0" algn="l" rtl="0">
               <a:lnSpc>
                 <a:spcPct val="100000"/>
               </a:lnSpc>
@@ -1607,9 +1672,6 @@
               <a:buSzPts val="1100"/>
               <a:buNone/>
             </a:pPr>
-            <a:r>
-              <a:t/>
-            </a:r>
             <a:endParaRPr/>
           </a:p>
         </p:txBody>
@@ -1623,11 +1685,11 @@
 </file>
 
 <file path=ppt/notesSlides/notesSlide9.xml><?xml version="1.0" encoding="utf-8"?>
-<p:notes xmlns:a="http://schemas.openxmlformats.org/drawingml/2006/main" xmlns:r="http://schemas.openxmlformats.org/officeDocument/2006/relationships" xmlns:mc="http://schemas.openxmlformats.org/markup-compatibility/2006" xmlns:mv="urn:schemas-microsoft-com:mac:vml" xmlns:p="http://schemas.openxmlformats.org/presentationml/2006/main" xmlns:c="http://schemas.openxmlformats.org/drawingml/2006/chart" xmlns:dgm="http://schemas.openxmlformats.org/drawingml/2006/diagram" xmlns:o="urn:schemas-microsoft-com:office:office" xmlns:v="urn:schemas-microsoft-com:vml" xmlns:pvml="urn:schemas-microsoft-com:office:powerpoint" xmlns:com="http://schemas.openxmlformats.org/drawingml/2006/compatibility" xmlns:p14="http://schemas.microsoft.com/office/powerpoint/2010/main" xmlns:p15="http://schemas.microsoft.com/office/powerpoint/2012/main" xmlns:ahyp="http://schemas.microsoft.com/office/drawing/2018/hyperlinkcolor" showMasterPhAnim="0" showMasterSp="0">
+<p:notes xmlns:a="http://schemas.openxmlformats.org/drawingml/2006/main" xmlns:r="http://schemas.openxmlformats.org/officeDocument/2006/relationships" xmlns:p="http://schemas.openxmlformats.org/presentationml/2006/main" showMasterSp="0" showMasterPhAnim="0">
   <p:cSld>
     <p:spTree>
       <p:nvGrpSpPr>
-        <p:cNvPr id="139" name="Shape 139"/>
+        <p:cNvPr id="1" name="Shape 139"/>
         <p:cNvGrpSpPr/>
         <p:nvPr/>
       </p:nvGrpSpPr>
@@ -1642,9 +1704,11 @@
       <p:sp>
         <p:nvSpPr>
           <p:cNvPr id="140" name="Google Shape;140;gfa47c3c0f8_0_281:notes"/>
-          <p:cNvSpPr/>
+          <p:cNvSpPr>
+            <a:spLocks noGrp="1" noRot="1" noChangeAspect="1"/>
+          </p:cNvSpPr>
           <p:nvPr>
-            <p:ph idx="2" type="sldImg"/>
+            <p:ph type="sldImg" idx="2"/>
           </p:nvPr>
         </p:nvSpPr>
         <p:spPr>
@@ -1653,9 +1717,13 @@
             <a:ext cx="6096000" cy="3429000"/>
           </a:xfrm>
           <a:custGeom>
-            <a:rect b="b" l="l" r="r" t="t"/>
+            <a:avLst/>
+            <a:gdLst/>
+            <a:ahLst/>
+            <a:cxnLst/>
+            <a:rect l="l" t="t" r="r" b="b"/>
             <a:pathLst>
-              <a:path extrusionOk="0" h="120000" w="120000">
+              <a:path w="120000" h="120000" extrusionOk="0">
                 <a:moveTo>
                   <a:pt x="0" y="0"/>
                 </a:moveTo>
@@ -1677,9 +1745,11 @@
       <p:sp>
         <p:nvSpPr>
           <p:cNvPr id="141" name="Google Shape;141;gfa47c3c0f8_0_281:notes"/>
-          <p:cNvSpPr txBox="1"/>
+          <p:cNvSpPr txBox="1">
+            <a:spLocks noGrp="1"/>
+          </p:cNvSpPr>
           <p:nvPr>
-            <p:ph idx="1" type="body"/>
+            <p:ph type="body" idx="1"/>
           </p:nvPr>
         </p:nvSpPr>
         <p:spPr>
@@ -1692,12 +1762,12 @@
           </a:prstGeom>
         </p:spPr>
         <p:txBody>
-          <a:bodyPr anchorCtr="0" anchor="t" bIns="91425" lIns="91425" spcFirstLastPara="1" rIns="91425" wrap="square" tIns="91425">
+          <a:bodyPr spcFirstLastPara="1" wrap="square" lIns="91425" tIns="91425" rIns="91425" bIns="91425" anchor="t" anchorCtr="0">
             <a:noAutofit/>
           </a:bodyPr>
           <a:lstStyle/>
           <a:p>
-            <a:pPr indent="0" lvl="0" marL="0" rtl="0" algn="l">
+            <a:pPr marL="0" lvl="0" indent="0" algn="l" rtl="0">
               <a:spcBef>
                 <a:spcPts val="0"/>
               </a:spcBef>
@@ -1706,9 +1776,6 @@
               </a:spcAft>
               <a:buNone/>
             </a:pPr>
-            <a:r>
-              <a:t/>
-            </a:r>
             <a:endParaRPr/>
           </a:p>
         </p:txBody>
@@ -1722,11 +1789,11 @@
 </file>
 
 <file path=ppt/slideLayouts/slideLayout1.xml><?xml version="1.0" encoding="utf-8"?>
-<p:sldLayout xmlns:a="http://schemas.openxmlformats.org/drawingml/2006/main" xmlns:r="http://schemas.openxmlformats.org/officeDocument/2006/relationships" xmlns:mc="http://schemas.openxmlformats.org/markup-compatibility/2006" xmlns:mv="urn:schemas-microsoft-com:mac:vml" xmlns:p="http://schemas.openxmlformats.org/presentationml/2006/main" xmlns:c="http://schemas.openxmlformats.org/drawingml/2006/chart" xmlns:dgm="http://schemas.openxmlformats.org/drawingml/2006/diagram" xmlns:o="urn:schemas-microsoft-com:office:office" xmlns:v="urn:schemas-microsoft-com:vml" xmlns:pvml="urn:schemas-microsoft-com:office:powerpoint" xmlns:com="http://schemas.openxmlformats.org/drawingml/2006/compatibility" xmlns:p14="http://schemas.microsoft.com/office/powerpoint/2010/main" xmlns:p15="http://schemas.microsoft.com/office/powerpoint/2012/main" xmlns:ahyp="http://schemas.microsoft.com/office/drawing/2018/hyperlinkcolor" matchingName="Titelfolie" showMasterSp="0" type="title">
+<p:sldLayout xmlns:a="http://schemas.openxmlformats.org/drawingml/2006/main" xmlns:r="http://schemas.openxmlformats.org/officeDocument/2006/relationships" xmlns:p="http://schemas.openxmlformats.org/presentationml/2006/main" showMasterSp="0" matchingName="Titelfolie" type="title">
   <p:cSld name="TITLE">
     <p:spTree>
       <p:nvGrpSpPr>
-        <p:cNvPr id="12" name="Shape 12"/>
+        <p:cNvPr id="1" name="Shape 12"/>
         <p:cNvGrpSpPr/>
         <p:nvPr/>
       </p:nvGrpSpPr>
@@ -1760,12 +1827,12 @@
           </a:ln>
         </p:spPr>
         <p:txBody>
-          <a:bodyPr anchorCtr="0" anchor="ctr" bIns="45700" lIns="91425" spcFirstLastPara="1" rIns="91425" wrap="square" tIns="45700">
+          <a:bodyPr spcFirstLastPara="1" wrap="square" lIns="91425" tIns="45700" rIns="91425" bIns="45700" anchor="ctr" anchorCtr="0">
             <a:noAutofit/>
           </a:bodyPr>
           <a:lstStyle/>
           <a:p>
-            <a:pPr indent="0" lvl="0" marL="0" marR="0" rtl="0" algn="ctr">
+            <a:pPr marL="0" marR="0" lvl="0" indent="0" algn="ctr" rtl="0">
               <a:lnSpc>
                 <a:spcPct val="100000"/>
               </a:lnSpc>
@@ -1783,7 +1850,7 @@
               <a:buNone/>
             </a:pPr>
             <a:r>
-              <a:rPr b="0" i="0" lang="de" sz="1800" u="none" cap="none" strike="noStrike">
+              <a:rPr lang="de" sz="1800" b="0" i="0" u="none" strike="noStrike" cap="none">
                 <a:solidFill>
                   <a:schemeClr val="dk1"/>
                 </a:solidFill>
@@ -1794,7 +1861,7 @@
               </a:rPr>
               <a:t>   </a:t>
             </a:r>
-            <a:endParaRPr b="0" i="0" sz="1400" u="none" cap="none" strike="noStrike">
+            <a:endParaRPr sz="1400" b="0" i="0" u="none" strike="noStrike" cap="none">
               <a:solidFill>
                 <a:srgbClr val="000000"/>
               </a:solidFill>
@@ -1808,7 +1875,7 @@
       </p:sp>
       <p:pic>
         <p:nvPicPr>
-          <p:cNvPr descr="TU_Braunschweig_02" id="14" name="Google Shape;14;p2"/>
+          <p:cNvPr id="14" name="Google Shape;14;p2" descr="TU_Braunschweig_02"/>
           <p:cNvPicPr preferRelativeResize="0"/>
           <p:nvPr/>
         </p:nvPicPr>
@@ -1816,7 +1883,7 @@
           <a:blip r:embed="rId2">
             <a:alphaModFix/>
           </a:blip>
-          <a:srcRect b="0" l="0" r="0" t="0"/>
+          <a:srcRect/>
           <a:stretch/>
         </p:blipFill>
         <p:spPr>
@@ -1835,7 +1902,7 @@
       </p:pic>
       <p:pic>
         <p:nvPicPr>
-          <p:cNvPr descr="TUBS_CO_150dpi" id="15" name="Google Shape;15;p2"/>
+          <p:cNvPr id="15" name="Google Shape;15;p2" descr="TUBS_CO_150dpi"/>
           <p:cNvPicPr preferRelativeResize="0"/>
           <p:nvPr/>
         </p:nvPicPr>
@@ -1843,7 +1910,7 @@
           <a:blip r:embed="rId3">
             <a:alphaModFix/>
           </a:blip>
-          <a:srcRect b="0" l="0" r="0" t="0"/>
+          <a:srcRect/>
           <a:stretch/>
         </p:blipFill>
         <p:spPr>
@@ -1882,12 +1949,12 @@
           </a:ln>
         </p:spPr>
         <p:txBody>
-          <a:bodyPr anchorCtr="0" anchor="ctr" bIns="45700" lIns="91425" spcFirstLastPara="1" rIns="91425" wrap="square" tIns="45700">
+          <a:bodyPr spcFirstLastPara="1" wrap="square" lIns="91425" tIns="45700" rIns="91425" bIns="45700" anchor="ctr" anchorCtr="0">
             <a:noAutofit/>
           </a:bodyPr>
           <a:lstStyle/>
           <a:p>
-            <a:pPr indent="0" lvl="0" marL="0" marR="0" rtl="0" algn="l">
+            <a:pPr marL="0" marR="0" lvl="0" indent="0" algn="l" rtl="0">
               <a:lnSpc>
                 <a:spcPct val="100000"/>
               </a:lnSpc>
@@ -1904,10 +1971,7 @@
               <a:buFont typeface="Arial"/>
               <a:buNone/>
             </a:pPr>
-            <a:r>
-              <a:t/>
-            </a:r>
-            <a:endParaRPr b="0" i="0" sz="1800" u="none" cap="none" strike="noStrike">
+            <a:endParaRPr sz="1800" b="0" i="0" u="none" strike="noStrike" cap="none">
               <a:solidFill>
                 <a:schemeClr val="dk1"/>
               </a:solidFill>
@@ -1922,7 +1986,9 @@
       <p:sp>
         <p:nvSpPr>
           <p:cNvPr id="17" name="Google Shape;17;p2"/>
-          <p:cNvSpPr txBox="1"/>
+          <p:cNvSpPr txBox="1">
+            <a:spLocks noGrp="1"/>
+          </p:cNvSpPr>
           <p:nvPr>
             <p:ph type="ctrTitle"/>
           </p:nvPr>
@@ -1941,7 +2007,7 @@
           </a:ln>
         </p:spPr>
         <p:txBody>
-          <a:bodyPr anchorCtr="0" anchor="b" bIns="0" lIns="0" spcFirstLastPara="1" rIns="0" wrap="square" tIns="0">
+          <a:bodyPr spcFirstLastPara="1" wrap="square" lIns="0" tIns="0" rIns="0" bIns="0" anchor="b" anchorCtr="0">
             <a:noAutofit/>
           </a:bodyPr>
           <a:lstStyle>
@@ -2072,15 +2138,19 @@
               <a:defRPr/>
             </a:lvl9pPr>
           </a:lstStyle>
-          <a:p/>
+          <a:p>
+            <a:endParaRPr/>
+          </a:p>
         </p:txBody>
       </p:sp>
       <p:sp>
         <p:nvSpPr>
           <p:cNvPr id="18" name="Google Shape;18;p2"/>
-          <p:cNvSpPr txBox="1"/>
+          <p:cNvSpPr txBox="1">
+            <a:spLocks noGrp="1"/>
+          </p:cNvSpPr>
           <p:nvPr>
-            <p:ph idx="1" type="subTitle"/>
+            <p:ph type="subTitle" idx="1"/>
           </p:nvPr>
         </p:nvSpPr>
         <p:spPr>
@@ -2097,11 +2167,11 @@
           </a:ln>
         </p:spPr>
         <p:txBody>
-          <a:bodyPr anchorCtr="0" anchor="t" bIns="0" lIns="0" spcFirstLastPara="1" rIns="0" wrap="square" tIns="0">
+          <a:bodyPr spcFirstLastPara="1" wrap="square" lIns="0" tIns="0" rIns="0" bIns="0" anchor="t" anchorCtr="0">
             <a:noAutofit/>
           </a:bodyPr>
           <a:lstStyle>
-            <a:lvl1pPr lvl="0" marR="0" algn="l">
+            <a:lvl1pPr marR="0" lvl="0" algn="l">
               <a:lnSpc>
                 <a:spcPct val="100000"/>
               </a:lnSpc>
@@ -2244,7 +2314,9 @@
               <a:defRPr/>
             </a:lvl9pPr>
           </a:lstStyle>
-          <a:p/>
+          <a:p>
+            <a:endParaRPr/>
+          </a:p>
         </p:txBody>
       </p:sp>
       <p:pic>
@@ -2257,7 +2329,7 @@
           <a:blip r:embed="rId4">
             <a:alphaModFix/>
           </a:blip>
-          <a:srcRect b="0" l="0" r="0" t="0"/>
+          <a:srcRect/>
           <a:stretch/>
         </p:blipFill>
         <p:spPr>
@@ -2283,11 +2355,11 @@
 </file>
 
 <file path=ppt/slideLayouts/slideLayout10.xml><?xml version="1.0" encoding="utf-8"?>
-<p:sldLayout xmlns:a="http://schemas.openxmlformats.org/drawingml/2006/main" xmlns:r="http://schemas.openxmlformats.org/officeDocument/2006/relationships" xmlns:mc="http://schemas.openxmlformats.org/markup-compatibility/2006" xmlns:mv="urn:schemas-microsoft-com:mac:vml" xmlns:p="http://schemas.openxmlformats.org/presentationml/2006/main" xmlns:c="http://schemas.openxmlformats.org/drawingml/2006/chart" xmlns:dgm="http://schemas.openxmlformats.org/drawingml/2006/diagram" xmlns:o="urn:schemas-microsoft-com:office:office" xmlns:v="urn:schemas-microsoft-com:vml" xmlns:pvml="urn:schemas-microsoft-com:office:powerpoint" xmlns:com="http://schemas.openxmlformats.org/drawingml/2006/compatibility" xmlns:p14="http://schemas.microsoft.com/office/powerpoint/2010/main" xmlns:p15="http://schemas.microsoft.com/office/powerpoint/2012/main" xmlns:ahyp="http://schemas.microsoft.com/office/drawing/2018/hyperlinkcolor" matchingName="Zwischentitel_1">
+<p:sldLayout xmlns:a="http://schemas.openxmlformats.org/drawingml/2006/main" xmlns:r="http://schemas.openxmlformats.org/officeDocument/2006/relationships" xmlns:p="http://schemas.openxmlformats.org/presentationml/2006/main" matchingName="Zwischentitel_1">
   <p:cSld name="Zwischentitel_1">
     <p:spTree>
       <p:nvGrpSpPr>
-        <p:cNvPr id="49" name="Shape 49"/>
+        <p:cNvPr id="1" name="Shape 49"/>
         <p:cNvGrpSpPr/>
         <p:nvPr/>
       </p:nvGrpSpPr>
@@ -2321,12 +2393,12 @@
           </a:ln>
         </p:spPr>
         <p:txBody>
-          <a:bodyPr anchorCtr="0" anchor="ctr" bIns="45700" lIns="91425" spcFirstLastPara="1" rIns="91425" wrap="square" tIns="45700">
+          <a:bodyPr spcFirstLastPara="1" wrap="square" lIns="91425" tIns="45700" rIns="91425" bIns="45700" anchor="ctr" anchorCtr="0">
             <a:noAutofit/>
           </a:bodyPr>
           <a:lstStyle/>
           <a:p>
-            <a:pPr indent="0" lvl="0" marL="0" marR="0" rtl="0" algn="ctr">
+            <a:pPr marL="0" marR="0" lvl="0" indent="0" algn="ctr" rtl="0">
               <a:lnSpc>
                 <a:spcPct val="100000"/>
               </a:lnSpc>
@@ -2344,7 +2416,7 @@
               <a:buNone/>
             </a:pPr>
             <a:r>
-              <a:rPr b="0" i="0" lang="de" sz="1800" u="none" cap="none" strike="noStrike">
+              <a:rPr lang="de" sz="1800" b="0" i="0" u="none" strike="noStrike" cap="none">
                 <a:solidFill>
                   <a:schemeClr val="dk1"/>
                 </a:solidFill>
@@ -2355,7 +2427,7 @@
               </a:rPr>
               <a:t>   </a:t>
             </a:r>
-            <a:endParaRPr b="0" i="0" sz="1400" u="none" cap="none" strike="noStrike">
+            <a:endParaRPr sz="1400" b="0" i="0" u="none" strike="noStrike" cap="none">
               <a:solidFill>
                 <a:srgbClr val="000000"/>
               </a:solidFill>
@@ -2370,7 +2442,9 @@
       <p:sp>
         <p:nvSpPr>
           <p:cNvPr id="51" name="Google Shape;51;p11"/>
-          <p:cNvSpPr txBox="1"/>
+          <p:cNvSpPr txBox="1">
+            <a:spLocks noGrp="1"/>
+          </p:cNvSpPr>
           <p:nvPr>
             <p:ph type="ctrTitle"/>
           </p:nvPr>
@@ -2389,7 +2463,7 @@
           </a:ln>
         </p:spPr>
         <p:txBody>
-          <a:bodyPr anchorCtr="0" anchor="b" bIns="0" lIns="0" spcFirstLastPara="1" rIns="0" wrap="square" tIns="0">
+          <a:bodyPr spcFirstLastPara="1" wrap="square" lIns="0" tIns="0" rIns="0" bIns="0" anchor="b" anchorCtr="0">
             <a:noAutofit/>
           </a:bodyPr>
           <a:lstStyle>
@@ -2524,15 +2598,19 @@
               <a:defRPr/>
             </a:lvl9pPr>
           </a:lstStyle>
-          <a:p/>
+          <a:p>
+            <a:endParaRPr/>
+          </a:p>
         </p:txBody>
       </p:sp>
       <p:sp>
         <p:nvSpPr>
           <p:cNvPr id="52" name="Google Shape;52;p11"/>
-          <p:cNvSpPr txBox="1"/>
+          <p:cNvSpPr txBox="1">
+            <a:spLocks noGrp="1"/>
+          </p:cNvSpPr>
           <p:nvPr>
-            <p:ph idx="1" type="subTitle"/>
+            <p:ph type="subTitle" idx="1"/>
           </p:nvPr>
         </p:nvSpPr>
         <p:spPr>
@@ -2549,7 +2627,7 @@
           </a:ln>
         </p:spPr>
         <p:txBody>
-          <a:bodyPr anchorCtr="0" anchor="t" bIns="0" lIns="0" spcFirstLastPara="1" rIns="0" wrap="square" tIns="0">
+          <a:bodyPr spcFirstLastPara="1" wrap="square" lIns="0" tIns="0" rIns="0" bIns="0" anchor="t" anchorCtr="0">
             <a:noAutofit/>
           </a:bodyPr>
           <a:lstStyle>
@@ -2696,12 +2774,14 @@
               <a:defRPr/>
             </a:lvl9pPr>
           </a:lstStyle>
-          <a:p/>
+          <a:p>
+            <a:endParaRPr/>
+          </a:p>
         </p:txBody>
       </p:sp>
       <p:pic>
         <p:nvPicPr>
-          <p:cNvPr descr="TUBS_CO_70vH_150dpi" id="53" name="Google Shape;53;p11"/>
+          <p:cNvPr id="53" name="Google Shape;53;p11" descr="TUBS_CO_70vH_150dpi"/>
           <p:cNvPicPr preferRelativeResize="0"/>
           <p:nvPr/>
         </p:nvPicPr>
@@ -2709,7 +2789,7 @@
           <a:blip r:embed="rId2">
             <a:alphaModFix/>
           </a:blip>
-          <a:srcRect b="0" l="0" r="0" t="0"/>
+          <a:srcRect/>
           <a:stretch/>
         </p:blipFill>
         <p:spPr>
@@ -2748,12 +2828,12 @@
           </a:ln>
         </p:spPr>
         <p:txBody>
-          <a:bodyPr anchorCtr="0" anchor="ctr" bIns="45700" lIns="91425" spcFirstLastPara="1" rIns="91425" wrap="square" tIns="45700">
+          <a:bodyPr spcFirstLastPara="1" wrap="square" lIns="91425" tIns="45700" rIns="91425" bIns="45700" anchor="ctr" anchorCtr="0">
             <a:noAutofit/>
           </a:bodyPr>
           <a:lstStyle/>
           <a:p>
-            <a:pPr indent="0" lvl="0" marL="0" marR="0" rtl="0" algn="ctr">
+            <a:pPr marL="0" marR="0" lvl="0" indent="0" algn="ctr" rtl="0">
               <a:lnSpc>
                 <a:spcPct val="100000"/>
               </a:lnSpc>
@@ -2770,10 +2850,7 @@
               <a:buFont typeface="Arial"/>
               <a:buNone/>
             </a:pPr>
-            <a:r>
-              <a:t/>
-            </a:r>
-            <a:endParaRPr b="0" i="0" sz="1800" u="none" cap="none" strike="noStrike">
+            <a:endParaRPr sz="1800" b="0" i="0" u="none" strike="noStrike" cap="none">
               <a:solidFill>
                 <a:schemeClr val="lt1"/>
               </a:solidFill>
@@ -2795,7 +2872,7 @@
           <a:blip r:embed="rId3">
             <a:alphaModFix/>
           </a:blip>
-          <a:srcRect b="645" l="0" r="0" t="0"/>
+          <a:srcRect b="645"/>
           <a:stretch/>
         </p:blipFill>
         <p:spPr>
@@ -2821,11 +2898,11 @@
 </file>
 
 <file path=ppt/slideLayouts/slideLayout11.xml><?xml version="1.0" encoding="utf-8"?>
-<p:sldLayout xmlns:a="http://schemas.openxmlformats.org/drawingml/2006/main" xmlns:r="http://schemas.openxmlformats.org/officeDocument/2006/relationships" xmlns:mc="http://schemas.openxmlformats.org/markup-compatibility/2006" xmlns:mv="urn:schemas-microsoft-com:mac:vml" xmlns:p="http://schemas.openxmlformats.org/presentationml/2006/main" xmlns:c="http://schemas.openxmlformats.org/drawingml/2006/chart" xmlns:dgm="http://schemas.openxmlformats.org/drawingml/2006/diagram" xmlns:o="urn:schemas-microsoft-com:office:office" xmlns:v="urn:schemas-microsoft-com:vml" xmlns:pvml="urn:schemas-microsoft-com:office:powerpoint" xmlns:com="http://schemas.openxmlformats.org/drawingml/2006/compatibility" xmlns:p14="http://schemas.microsoft.com/office/powerpoint/2010/main" xmlns:p15="http://schemas.microsoft.com/office/powerpoint/2012/main" xmlns:ahyp="http://schemas.microsoft.com/office/drawing/2018/hyperlinkcolor" matchingName="Zwischentitel_1_eigenes Foto">
+<p:sldLayout xmlns:a="http://schemas.openxmlformats.org/drawingml/2006/main" xmlns:r="http://schemas.openxmlformats.org/officeDocument/2006/relationships" xmlns:p="http://schemas.openxmlformats.org/presentationml/2006/main" matchingName="Zwischentitel_1_eigenes Foto">
   <p:cSld name="Zwischentitel_1_eigenes Foto">
     <p:spTree>
       <p:nvGrpSpPr>
-        <p:cNvPr id="56" name="Shape 56"/>
+        <p:cNvPr id="1" name="Shape 56"/>
         <p:cNvGrpSpPr/>
         <p:nvPr/>
       </p:nvGrpSpPr>
@@ -2859,12 +2936,12 @@
           </a:ln>
         </p:spPr>
         <p:txBody>
-          <a:bodyPr anchorCtr="0" anchor="ctr" bIns="45700" lIns="91425" spcFirstLastPara="1" rIns="91425" wrap="square" tIns="45700">
+          <a:bodyPr spcFirstLastPara="1" wrap="square" lIns="91425" tIns="45700" rIns="91425" bIns="45700" anchor="ctr" anchorCtr="0">
             <a:noAutofit/>
           </a:bodyPr>
           <a:lstStyle/>
           <a:p>
-            <a:pPr indent="0" lvl="0" marL="0" marR="0" rtl="0" algn="ctr">
+            <a:pPr marL="0" marR="0" lvl="0" indent="0" algn="ctr" rtl="0">
               <a:lnSpc>
                 <a:spcPct val="100000"/>
               </a:lnSpc>
@@ -2882,7 +2959,7 @@
               <a:buNone/>
             </a:pPr>
             <a:r>
-              <a:rPr b="0" i="0" lang="de" sz="1800" u="none" cap="none" strike="noStrike">
+              <a:rPr lang="de" sz="1800" b="0" i="0" u="none" strike="noStrike" cap="none">
                 <a:solidFill>
                   <a:schemeClr val="dk1"/>
                 </a:solidFill>
@@ -2893,7 +2970,7 @@
               </a:rPr>
               <a:t>   </a:t>
             </a:r>
-            <a:endParaRPr b="0" i="0" sz="1400" u="none" cap="none" strike="noStrike">
+            <a:endParaRPr sz="1400" b="0" i="0" u="none" strike="noStrike" cap="none">
               <a:solidFill>
                 <a:srgbClr val="000000"/>
               </a:solidFill>
@@ -2908,7 +2985,9 @@
       <p:sp>
         <p:nvSpPr>
           <p:cNvPr id="58" name="Google Shape;58;p12"/>
-          <p:cNvSpPr txBox="1"/>
+          <p:cNvSpPr txBox="1">
+            <a:spLocks noGrp="1"/>
+          </p:cNvSpPr>
           <p:nvPr>
             <p:ph type="ctrTitle"/>
           </p:nvPr>
@@ -2927,7 +3006,7 @@
           </a:ln>
         </p:spPr>
         <p:txBody>
-          <a:bodyPr anchorCtr="0" anchor="b" bIns="0" lIns="0" spcFirstLastPara="1" rIns="0" wrap="square" tIns="0">
+          <a:bodyPr spcFirstLastPara="1" wrap="square" lIns="0" tIns="0" rIns="0" bIns="0" anchor="b" anchorCtr="0">
             <a:noAutofit/>
           </a:bodyPr>
           <a:lstStyle>
@@ -3062,15 +3141,19 @@
               <a:defRPr/>
             </a:lvl9pPr>
           </a:lstStyle>
-          <a:p/>
+          <a:p>
+            <a:endParaRPr/>
+          </a:p>
         </p:txBody>
       </p:sp>
       <p:sp>
         <p:nvSpPr>
           <p:cNvPr id="59" name="Google Shape;59;p12"/>
-          <p:cNvSpPr txBox="1"/>
+          <p:cNvSpPr txBox="1">
+            <a:spLocks noGrp="1"/>
+          </p:cNvSpPr>
           <p:nvPr>
-            <p:ph idx="1" type="subTitle"/>
+            <p:ph type="subTitle" idx="1"/>
           </p:nvPr>
         </p:nvSpPr>
         <p:spPr>
@@ -3087,7 +3170,7 @@
           </a:ln>
         </p:spPr>
         <p:txBody>
-          <a:bodyPr anchorCtr="0" anchor="t" bIns="0" lIns="0" spcFirstLastPara="1" rIns="0" wrap="square" tIns="0">
+          <a:bodyPr spcFirstLastPara="1" wrap="square" lIns="0" tIns="0" rIns="0" bIns="0" anchor="t" anchorCtr="0">
             <a:noAutofit/>
           </a:bodyPr>
           <a:lstStyle>
@@ -3234,12 +3317,14 @@
               <a:defRPr/>
             </a:lvl9pPr>
           </a:lstStyle>
-          <a:p/>
+          <a:p>
+            <a:endParaRPr/>
+          </a:p>
         </p:txBody>
       </p:sp>
       <p:pic>
         <p:nvPicPr>
-          <p:cNvPr descr="TUBS_CO_70vH_150dpi" id="60" name="Google Shape;60;p12"/>
+          <p:cNvPr id="60" name="Google Shape;60;p12" descr="TUBS_CO_70vH_150dpi"/>
           <p:cNvPicPr preferRelativeResize="0"/>
           <p:nvPr/>
         </p:nvPicPr>
@@ -3247,7 +3332,7 @@
           <a:blip r:embed="rId2">
             <a:alphaModFix/>
           </a:blip>
-          <a:srcRect b="0" l="0" r="0" t="0"/>
+          <a:srcRect/>
           <a:stretch/>
         </p:blipFill>
         <p:spPr>
@@ -3267,9 +3352,11 @@
       <p:sp>
         <p:nvSpPr>
           <p:cNvPr id="61" name="Google Shape;61;p12"/>
-          <p:cNvSpPr/>
+          <p:cNvSpPr>
+            <a:spLocks noGrp="1"/>
+          </p:cNvSpPr>
           <p:nvPr>
-            <p:ph idx="2" type="pic"/>
+            <p:ph type="pic" idx="2"/>
           </p:nvPr>
         </p:nvSpPr>
         <p:spPr>
@@ -3308,12 +3395,12 @@
           </a:ln>
         </p:spPr>
         <p:txBody>
-          <a:bodyPr anchorCtr="0" anchor="ctr" bIns="45700" lIns="91425" spcFirstLastPara="1" rIns="91425" wrap="square" tIns="45700">
+          <a:bodyPr spcFirstLastPara="1" wrap="square" lIns="91425" tIns="45700" rIns="91425" bIns="45700" anchor="ctr" anchorCtr="0">
             <a:noAutofit/>
           </a:bodyPr>
           <a:lstStyle/>
           <a:p>
-            <a:pPr indent="0" lvl="0" marL="0" marR="0" rtl="0" algn="ctr">
+            <a:pPr marL="0" marR="0" lvl="0" indent="0" algn="ctr" rtl="0">
               <a:lnSpc>
                 <a:spcPct val="100000"/>
               </a:lnSpc>
@@ -3330,10 +3417,7 @@
               <a:buFont typeface="Arial"/>
               <a:buNone/>
             </a:pPr>
-            <a:r>
-              <a:t/>
-            </a:r>
-            <a:endParaRPr b="0" i="0" sz="1800" u="none" cap="none" strike="noStrike">
+            <a:endParaRPr sz="1800" b="0" i="0" u="none" strike="noStrike" cap="none">
               <a:solidFill>
                 <a:schemeClr val="lt1"/>
               </a:solidFill>
@@ -3354,11 +3438,11 @@
 </file>
 
 <file path=ppt/slideLayouts/slideLayout12.xml><?xml version="1.0" encoding="utf-8"?>
-<p:sldLayout xmlns:a="http://schemas.openxmlformats.org/drawingml/2006/main" xmlns:r="http://schemas.openxmlformats.org/officeDocument/2006/relationships" xmlns:mc="http://schemas.openxmlformats.org/markup-compatibility/2006" xmlns:mv="urn:schemas-microsoft-com:mac:vml" xmlns:p="http://schemas.openxmlformats.org/presentationml/2006/main" xmlns:c="http://schemas.openxmlformats.org/drawingml/2006/chart" xmlns:dgm="http://schemas.openxmlformats.org/drawingml/2006/diagram" xmlns:o="urn:schemas-microsoft-com:office:office" xmlns:v="urn:schemas-microsoft-com:vml" xmlns:pvml="urn:schemas-microsoft-com:office:powerpoint" xmlns:com="http://schemas.openxmlformats.org/drawingml/2006/compatibility" xmlns:p14="http://schemas.microsoft.com/office/powerpoint/2010/main" xmlns:p15="http://schemas.microsoft.com/office/powerpoint/2012/main" xmlns:ahyp="http://schemas.microsoft.com/office/drawing/2018/hyperlinkcolor" matchingName="Zwischentitel_2_eigenes Foto">
+<p:sldLayout xmlns:a="http://schemas.openxmlformats.org/drawingml/2006/main" xmlns:r="http://schemas.openxmlformats.org/officeDocument/2006/relationships" xmlns:p="http://schemas.openxmlformats.org/presentationml/2006/main" matchingName="Zwischentitel_2_eigenes Foto">
   <p:cSld name="Zwischentitel_2_eigenes Foto">
     <p:spTree>
       <p:nvGrpSpPr>
-        <p:cNvPr id="63" name="Shape 63"/>
+        <p:cNvPr id="1" name="Shape 63"/>
         <p:cNvGrpSpPr/>
         <p:nvPr/>
       </p:nvGrpSpPr>
@@ -3392,12 +3476,12 @@
           </a:ln>
         </p:spPr>
         <p:txBody>
-          <a:bodyPr anchorCtr="0" anchor="ctr" bIns="45700" lIns="91425" spcFirstLastPara="1" rIns="91425" wrap="square" tIns="45700">
+          <a:bodyPr spcFirstLastPara="1" wrap="square" lIns="91425" tIns="45700" rIns="91425" bIns="45700" anchor="ctr" anchorCtr="0">
             <a:noAutofit/>
           </a:bodyPr>
           <a:lstStyle/>
           <a:p>
-            <a:pPr indent="0" lvl="0" marL="0" marR="0" rtl="0" algn="ctr">
+            <a:pPr marL="0" marR="0" lvl="0" indent="0" algn="ctr" rtl="0">
               <a:lnSpc>
                 <a:spcPct val="100000"/>
               </a:lnSpc>
@@ -3415,7 +3499,7 @@
               <a:buNone/>
             </a:pPr>
             <a:r>
-              <a:rPr b="0" i="0" lang="de" sz="1800" u="none" cap="none" strike="noStrike">
+              <a:rPr lang="de" sz="1800" b="0" i="0" u="none" strike="noStrike" cap="none">
                 <a:solidFill>
                   <a:schemeClr val="dk1"/>
                 </a:solidFill>
@@ -3426,7 +3510,7 @@
               </a:rPr>
               <a:t>   </a:t>
             </a:r>
-            <a:endParaRPr b="0" i="0" sz="1400" u="none" cap="none" strike="noStrike">
+            <a:endParaRPr sz="1400" b="0" i="0" u="none" strike="noStrike" cap="none">
               <a:solidFill>
                 <a:srgbClr val="000000"/>
               </a:solidFill>
@@ -3441,7 +3525,9 @@
       <p:sp>
         <p:nvSpPr>
           <p:cNvPr id="65" name="Google Shape;65;p13"/>
-          <p:cNvSpPr txBox="1"/>
+          <p:cNvSpPr txBox="1">
+            <a:spLocks noGrp="1"/>
+          </p:cNvSpPr>
           <p:nvPr>
             <p:ph type="ctrTitle"/>
           </p:nvPr>
@@ -3460,7 +3546,7 @@
           </a:ln>
         </p:spPr>
         <p:txBody>
-          <a:bodyPr anchorCtr="0" anchor="b" bIns="0" lIns="0" spcFirstLastPara="1" rIns="0" wrap="square" tIns="0">
+          <a:bodyPr spcFirstLastPara="1" wrap="square" lIns="0" tIns="0" rIns="0" bIns="0" anchor="b" anchorCtr="0">
             <a:noAutofit/>
           </a:bodyPr>
           <a:lstStyle>
@@ -3595,15 +3681,19 @@
               <a:defRPr/>
             </a:lvl9pPr>
           </a:lstStyle>
-          <a:p/>
+          <a:p>
+            <a:endParaRPr/>
+          </a:p>
         </p:txBody>
       </p:sp>
       <p:sp>
         <p:nvSpPr>
           <p:cNvPr id="66" name="Google Shape;66;p13"/>
-          <p:cNvSpPr txBox="1"/>
+          <p:cNvSpPr txBox="1">
+            <a:spLocks noGrp="1"/>
+          </p:cNvSpPr>
           <p:nvPr>
-            <p:ph idx="1" type="subTitle"/>
+            <p:ph type="subTitle" idx="1"/>
           </p:nvPr>
         </p:nvSpPr>
         <p:spPr>
@@ -3620,7 +3710,7 @@
           </a:ln>
         </p:spPr>
         <p:txBody>
-          <a:bodyPr anchorCtr="0" anchor="t" bIns="0" lIns="0" spcFirstLastPara="1" rIns="0" wrap="square" tIns="0">
+          <a:bodyPr spcFirstLastPara="1" wrap="square" lIns="0" tIns="0" rIns="0" bIns="0" anchor="t" anchorCtr="0">
             <a:noAutofit/>
           </a:bodyPr>
           <a:lstStyle>
@@ -3767,12 +3857,14 @@
               <a:defRPr/>
             </a:lvl9pPr>
           </a:lstStyle>
-          <a:p/>
+          <a:p>
+            <a:endParaRPr/>
+          </a:p>
         </p:txBody>
       </p:sp>
       <p:pic>
         <p:nvPicPr>
-          <p:cNvPr descr="TUBS_CO_70vH_150dpi" id="67" name="Google Shape;67;p13"/>
+          <p:cNvPr id="67" name="Google Shape;67;p13" descr="TUBS_CO_70vH_150dpi"/>
           <p:cNvPicPr preferRelativeResize="0"/>
           <p:nvPr/>
         </p:nvPicPr>
@@ -3780,7 +3872,7 @@
           <a:blip r:embed="rId2">
             <a:alphaModFix/>
           </a:blip>
-          <a:srcRect b="0" l="0" r="0" t="0"/>
+          <a:srcRect/>
           <a:stretch/>
         </p:blipFill>
         <p:spPr>
@@ -3819,12 +3911,12 @@
           </a:ln>
         </p:spPr>
         <p:txBody>
-          <a:bodyPr anchorCtr="0" anchor="ctr" bIns="45700" lIns="91425" spcFirstLastPara="1" rIns="91425" wrap="square" tIns="45700">
+          <a:bodyPr spcFirstLastPara="1" wrap="square" lIns="91425" tIns="45700" rIns="91425" bIns="45700" anchor="ctr" anchorCtr="0">
             <a:noAutofit/>
           </a:bodyPr>
           <a:lstStyle/>
           <a:p>
-            <a:pPr indent="0" lvl="0" marL="0" marR="0" rtl="0" algn="ctr">
+            <a:pPr marL="0" marR="0" lvl="0" indent="0" algn="ctr" rtl="0">
               <a:lnSpc>
                 <a:spcPct val="100000"/>
               </a:lnSpc>
@@ -3841,10 +3933,7 @@
               <a:buFont typeface="Arial"/>
               <a:buNone/>
             </a:pPr>
-            <a:r>
-              <a:t/>
-            </a:r>
-            <a:endParaRPr b="0" i="0" sz="1800" u="none" cap="none" strike="noStrike">
+            <a:endParaRPr sz="1800" b="0" i="0" u="none" strike="noStrike" cap="none">
               <a:solidFill>
                 <a:schemeClr val="lt1"/>
               </a:solidFill>
@@ -3859,9 +3948,11 @@
       <p:sp>
         <p:nvSpPr>
           <p:cNvPr id="69" name="Google Shape;69;p13"/>
-          <p:cNvSpPr/>
+          <p:cNvSpPr>
+            <a:spLocks noGrp="1"/>
+          </p:cNvSpPr>
           <p:nvPr>
-            <p:ph idx="2" type="pic"/>
+            <p:ph type="pic" idx="2"/>
           </p:nvPr>
         </p:nvSpPr>
         <p:spPr>
@@ -3887,11 +3978,11 @@
 </file>
 
 <file path=ppt/slideLayouts/slideLayout13.xml><?xml version="1.0" encoding="utf-8"?>
-<p:sldLayout xmlns:a="http://schemas.openxmlformats.org/drawingml/2006/main" xmlns:r="http://schemas.openxmlformats.org/officeDocument/2006/relationships" xmlns:mc="http://schemas.openxmlformats.org/markup-compatibility/2006" xmlns:mv="urn:schemas-microsoft-com:mac:vml" xmlns:p="http://schemas.openxmlformats.org/presentationml/2006/main" xmlns:c="http://schemas.openxmlformats.org/drawingml/2006/chart" xmlns:dgm="http://schemas.openxmlformats.org/drawingml/2006/diagram" xmlns:o="urn:schemas-microsoft-com:office:office" xmlns:v="urn:schemas-microsoft-com:vml" xmlns:pvml="urn:schemas-microsoft-com:office:powerpoint" xmlns:com="http://schemas.openxmlformats.org/drawingml/2006/compatibility" xmlns:p14="http://schemas.microsoft.com/office/powerpoint/2010/main" xmlns:p15="http://schemas.microsoft.com/office/powerpoint/2012/main" xmlns:ahyp="http://schemas.microsoft.com/office/drawing/2018/hyperlinkcolor" matchingName="1_Nur Titel">
+<p:sldLayout xmlns:a="http://schemas.openxmlformats.org/drawingml/2006/main" xmlns:r="http://schemas.openxmlformats.org/officeDocument/2006/relationships" xmlns:p="http://schemas.openxmlformats.org/presentationml/2006/main" matchingName="1_Nur Titel">
   <p:cSld name="1_Nur Titel">
     <p:spTree>
       <p:nvGrpSpPr>
-        <p:cNvPr id="70" name="Shape 70"/>
+        <p:cNvPr id="1" name="Shape 70"/>
         <p:cNvGrpSpPr/>
         <p:nvPr/>
       </p:nvGrpSpPr>
@@ -3925,12 +4016,12 @@
           </a:ln>
         </p:spPr>
         <p:txBody>
-          <a:bodyPr anchorCtr="0" anchor="ctr" bIns="45700" lIns="91425" spcFirstLastPara="1" rIns="91425" wrap="square" tIns="45700">
+          <a:bodyPr spcFirstLastPara="1" wrap="square" lIns="91425" tIns="45700" rIns="91425" bIns="45700" anchor="ctr" anchorCtr="0">
             <a:noAutofit/>
           </a:bodyPr>
           <a:lstStyle/>
           <a:p>
-            <a:pPr indent="0" lvl="0" marL="0" marR="0" rtl="0" algn="ctr">
+            <a:pPr marL="0" marR="0" lvl="0" indent="0" algn="ctr" rtl="0">
               <a:lnSpc>
                 <a:spcPct val="100000"/>
               </a:lnSpc>
@@ -3947,10 +4038,7 @@
               <a:buFont typeface="Arial"/>
               <a:buNone/>
             </a:pPr>
-            <a:r>
-              <a:t/>
-            </a:r>
-            <a:endParaRPr b="0" i="0" sz="1800" u="none" cap="none" strike="noStrike">
+            <a:endParaRPr sz="1800" b="0" i="0" u="none" strike="noStrike" cap="none">
               <a:solidFill>
                 <a:schemeClr val="accent2"/>
               </a:solidFill>
@@ -3965,7 +4053,9 @@
       <p:sp>
         <p:nvSpPr>
           <p:cNvPr id="72" name="Google Shape;72;p14"/>
-          <p:cNvSpPr txBox="1"/>
+          <p:cNvSpPr txBox="1">
+            <a:spLocks noGrp="1"/>
+          </p:cNvSpPr>
           <p:nvPr>
             <p:ph type="title"/>
           </p:nvPr>
@@ -3984,7 +4074,7 @@
           </a:ln>
         </p:spPr>
         <p:txBody>
-          <a:bodyPr anchorCtr="0" anchor="b" bIns="0" lIns="0" spcFirstLastPara="1" rIns="0" wrap="square" tIns="0">
+          <a:bodyPr spcFirstLastPara="1" wrap="square" lIns="0" tIns="0" rIns="0" bIns="0" anchor="b" anchorCtr="0">
             <a:noAutofit/>
           </a:bodyPr>
           <a:lstStyle>
@@ -4115,7 +4205,9 @@
               <a:defRPr/>
             </a:lvl9pPr>
           </a:lstStyle>
-          <a:p/>
+          <a:p>
+            <a:endParaRPr/>
+          </a:p>
         </p:txBody>
       </p:sp>
     </p:spTree>
@@ -4127,11 +4219,11 @@
 </file>
 
 <file path=ppt/slideLayouts/slideLayout14.xml><?xml version="1.0" encoding="utf-8"?>
-<p:sldLayout xmlns:a="http://schemas.openxmlformats.org/drawingml/2006/main" xmlns:r="http://schemas.openxmlformats.org/officeDocument/2006/relationships" xmlns:mc="http://schemas.openxmlformats.org/markup-compatibility/2006" xmlns:mv="urn:schemas-microsoft-com:mac:vml" xmlns:p="http://schemas.openxmlformats.org/presentationml/2006/main" xmlns:c="http://schemas.openxmlformats.org/drawingml/2006/chart" xmlns:dgm="http://schemas.openxmlformats.org/drawingml/2006/diagram" xmlns:o="urn:schemas-microsoft-com:office:office" xmlns:v="urn:schemas-microsoft-com:vml" xmlns:pvml="urn:schemas-microsoft-com:office:powerpoint" xmlns:com="http://schemas.openxmlformats.org/drawingml/2006/compatibility" xmlns:p14="http://schemas.microsoft.com/office/powerpoint/2010/main" xmlns:p15="http://schemas.microsoft.com/office/powerpoint/2012/main" xmlns:ahyp="http://schemas.microsoft.com/office/drawing/2018/hyperlinkcolor" matchingName="Zwischentitel_2">
+<p:sldLayout xmlns:a="http://schemas.openxmlformats.org/drawingml/2006/main" xmlns:r="http://schemas.openxmlformats.org/officeDocument/2006/relationships" xmlns:p="http://schemas.openxmlformats.org/presentationml/2006/main" matchingName="Zwischentitel_2">
   <p:cSld name="Zwischentitel_2">
     <p:spTree>
       <p:nvGrpSpPr>
-        <p:cNvPr id="73" name="Shape 73"/>
+        <p:cNvPr id="1" name="Shape 73"/>
         <p:cNvGrpSpPr/>
         <p:nvPr/>
       </p:nvGrpSpPr>
@@ -4165,12 +4257,12 @@
           </a:ln>
         </p:spPr>
         <p:txBody>
-          <a:bodyPr anchorCtr="0" anchor="ctr" bIns="45700" lIns="91425" spcFirstLastPara="1" rIns="91425" wrap="square" tIns="45700">
+          <a:bodyPr spcFirstLastPara="1" wrap="square" lIns="91425" tIns="45700" rIns="91425" bIns="45700" anchor="ctr" anchorCtr="0">
             <a:noAutofit/>
           </a:bodyPr>
           <a:lstStyle/>
           <a:p>
-            <a:pPr indent="0" lvl="0" marL="0" marR="0" rtl="0" algn="ctr">
+            <a:pPr marL="0" marR="0" lvl="0" indent="0" algn="ctr" rtl="0">
               <a:lnSpc>
                 <a:spcPct val="100000"/>
               </a:lnSpc>
@@ -4188,7 +4280,7 @@
               <a:buNone/>
             </a:pPr>
             <a:r>
-              <a:rPr b="0" i="0" lang="de" sz="1800" u="none" cap="none" strike="noStrike">
+              <a:rPr lang="de" sz="1800" b="0" i="0" u="none" strike="noStrike" cap="none">
                 <a:solidFill>
                   <a:schemeClr val="dk1"/>
                 </a:solidFill>
@@ -4199,7 +4291,7 @@
               </a:rPr>
               <a:t>   </a:t>
             </a:r>
-            <a:endParaRPr b="0" i="0" sz="1400" u="none" cap="none" strike="noStrike">
+            <a:endParaRPr sz="1400" b="0" i="0" u="none" strike="noStrike" cap="none">
               <a:solidFill>
                 <a:srgbClr val="000000"/>
               </a:solidFill>
@@ -4214,7 +4306,9 @@
       <p:sp>
         <p:nvSpPr>
           <p:cNvPr id="75" name="Google Shape;75;p15"/>
-          <p:cNvSpPr txBox="1"/>
+          <p:cNvSpPr txBox="1">
+            <a:spLocks noGrp="1"/>
+          </p:cNvSpPr>
           <p:nvPr>
             <p:ph type="ctrTitle"/>
           </p:nvPr>
@@ -4233,7 +4327,7 @@
           </a:ln>
         </p:spPr>
         <p:txBody>
-          <a:bodyPr anchorCtr="0" anchor="b" bIns="0" lIns="0" spcFirstLastPara="1" rIns="0" wrap="square" tIns="0">
+          <a:bodyPr spcFirstLastPara="1" wrap="square" lIns="0" tIns="0" rIns="0" bIns="0" anchor="b" anchorCtr="0">
             <a:noAutofit/>
           </a:bodyPr>
           <a:lstStyle>
@@ -4368,15 +4462,19 @@
               <a:defRPr/>
             </a:lvl9pPr>
           </a:lstStyle>
-          <a:p/>
+          <a:p>
+            <a:endParaRPr/>
+          </a:p>
         </p:txBody>
       </p:sp>
       <p:sp>
         <p:nvSpPr>
           <p:cNvPr id="76" name="Google Shape;76;p15"/>
-          <p:cNvSpPr txBox="1"/>
+          <p:cNvSpPr txBox="1">
+            <a:spLocks noGrp="1"/>
+          </p:cNvSpPr>
           <p:nvPr>
-            <p:ph idx="1" type="subTitle"/>
+            <p:ph type="subTitle" idx="1"/>
           </p:nvPr>
         </p:nvSpPr>
         <p:spPr>
@@ -4393,7 +4491,7 @@
           </a:ln>
         </p:spPr>
         <p:txBody>
-          <a:bodyPr anchorCtr="0" anchor="t" bIns="0" lIns="0" spcFirstLastPara="1" rIns="0" wrap="square" tIns="0">
+          <a:bodyPr spcFirstLastPara="1" wrap="square" lIns="0" tIns="0" rIns="0" bIns="0" anchor="t" anchorCtr="0">
             <a:noAutofit/>
           </a:bodyPr>
           <a:lstStyle>
@@ -4540,12 +4638,14 @@
               <a:defRPr/>
             </a:lvl9pPr>
           </a:lstStyle>
-          <a:p/>
+          <a:p>
+            <a:endParaRPr/>
+          </a:p>
         </p:txBody>
       </p:sp>
       <p:pic>
         <p:nvPicPr>
-          <p:cNvPr descr="TUBS_CO_70vH_150dpi" id="77" name="Google Shape;77;p15"/>
+          <p:cNvPr id="77" name="Google Shape;77;p15" descr="TUBS_CO_70vH_150dpi"/>
           <p:cNvPicPr preferRelativeResize="0"/>
           <p:nvPr/>
         </p:nvPicPr>
@@ -4553,7 +4653,7 @@
           <a:blip r:embed="rId2">
             <a:alphaModFix/>
           </a:blip>
-          <a:srcRect b="0" l="0" r="0" t="0"/>
+          <a:srcRect/>
           <a:stretch/>
         </p:blipFill>
         <p:spPr>
@@ -4592,12 +4692,12 @@
           </a:ln>
         </p:spPr>
         <p:txBody>
-          <a:bodyPr anchorCtr="0" anchor="ctr" bIns="45700" lIns="91425" spcFirstLastPara="1" rIns="91425" wrap="square" tIns="45700">
+          <a:bodyPr spcFirstLastPara="1" wrap="square" lIns="91425" tIns="45700" rIns="91425" bIns="45700" anchor="ctr" anchorCtr="0">
             <a:noAutofit/>
           </a:bodyPr>
           <a:lstStyle/>
           <a:p>
-            <a:pPr indent="0" lvl="0" marL="0" marR="0" rtl="0" algn="ctr">
+            <a:pPr marL="0" marR="0" lvl="0" indent="0" algn="ctr" rtl="0">
               <a:lnSpc>
                 <a:spcPct val="100000"/>
               </a:lnSpc>
@@ -4614,10 +4714,7 @@
               <a:buFont typeface="Arial"/>
               <a:buNone/>
             </a:pPr>
-            <a:r>
-              <a:t/>
-            </a:r>
-            <a:endParaRPr b="0" i="0" sz="1800" u="none" cap="none" strike="noStrike">
+            <a:endParaRPr sz="1800" b="0" i="0" u="none" strike="noStrike" cap="none">
               <a:solidFill>
                 <a:schemeClr val="lt1"/>
               </a:solidFill>
@@ -4639,7 +4736,7 @@
           <a:blip r:embed="rId3">
             <a:alphaModFix/>
           </a:blip>
-          <a:srcRect b="645" l="0" r="0" t="0"/>
+          <a:srcRect b="645"/>
           <a:stretch/>
         </p:blipFill>
         <p:spPr>
@@ -4667,11 +4764,11 @@
 </file>
 
 <file path=ppt/slideLayouts/slideLayout2.xml><?xml version="1.0" encoding="utf-8"?>
-<p:sldLayout xmlns:a="http://schemas.openxmlformats.org/drawingml/2006/main" xmlns:r="http://schemas.openxmlformats.org/officeDocument/2006/relationships" xmlns:mc="http://schemas.openxmlformats.org/markup-compatibility/2006" xmlns:mv="urn:schemas-microsoft-com:mac:vml" xmlns:p="http://schemas.openxmlformats.org/presentationml/2006/main" xmlns:c="http://schemas.openxmlformats.org/drawingml/2006/chart" xmlns:dgm="http://schemas.openxmlformats.org/drawingml/2006/diagram" xmlns:o="urn:schemas-microsoft-com:office:office" xmlns:v="urn:schemas-microsoft-com:vml" xmlns:pvml="urn:schemas-microsoft-com:office:powerpoint" xmlns:com="http://schemas.openxmlformats.org/drawingml/2006/compatibility" xmlns:p14="http://schemas.microsoft.com/office/powerpoint/2010/main" xmlns:p15="http://schemas.microsoft.com/office/powerpoint/2012/main" xmlns:ahyp="http://schemas.microsoft.com/office/drawing/2018/hyperlinkcolor" matchingName="1_Titel und Diagramm">
+<p:sldLayout xmlns:a="http://schemas.openxmlformats.org/drawingml/2006/main" xmlns:r="http://schemas.openxmlformats.org/officeDocument/2006/relationships" xmlns:p="http://schemas.openxmlformats.org/presentationml/2006/main" matchingName="1_Titel und Diagramm">
   <p:cSld name="1_Titel und Diagramm">
     <p:spTree>
       <p:nvGrpSpPr>
-        <p:cNvPr id="20" name="Shape 20"/>
+        <p:cNvPr id="1" name="Shape 20"/>
         <p:cNvGrpSpPr/>
         <p:nvPr/>
       </p:nvGrpSpPr>
@@ -4705,12 +4802,12 @@
           </a:ln>
         </p:spPr>
         <p:txBody>
-          <a:bodyPr anchorCtr="0" anchor="ctr" bIns="45700" lIns="91425" spcFirstLastPara="1" rIns="91425" wrap="square" tIns="45700">
+          <a:bodyPr spcFirstLastPara="1" wrap="square" lIns="91425" tIns="45700" rIns="91425" bIns="45700" anchor="ctr" anchorCtr="0">
             <a:noAutofit/>
           </a:bodyPr>
           <a:lstStyle/>
           <a:p>
-            <a:pPr indent="0" lvl="0" marL="0" marR="0" rtl="0" algn="ctr">
+            <a:pPr marL="0" marR="0" lvl="0" indent="0" algn="ctr" rtl="0">
               <a:lnSpc>
                 <a:spcPct val="100000"/>
               </a:lnSpc>
@@ -4727,10 +4824,7 @@
               <a:buFont typeface="Arial"/>
               <a:buNone/>
             </a:pPr>
-            <a:r>
-              <a:t/>
-            </a:r>
-            <a:endParaRPr b="0" i="0" sz="1800" u="none" cap="none" strike="noStrike">
+            <a:endParaRPr sz="1800" b="0" i="0" u="none" strike="noStrike" cap="none">
               <a:solidFill>
                 <a:schemeClr val="accent2"/>
               </a:solidFill>
@@ -4745,7 +4839,9 @@
       <p:sp>
         <p:nvSpPr>
           <p:cNvPr id="22" name="Google Shape;22;p3"/>
-          <p:cNvSpPr txBox="1"/>
+          <p:cNvSpPr txBox="1">
+            <a:spLocks noGrp="1"/>
+          </p:cNvSpPr>
           <p:nvPr>
             <p:ph type="title"/>
           </p:nvPr>
@@ -4764,7 +4860,7 @@
           </a:ln>
         </p:spPr>
         <p:txBody>
-          <a:bodyPr anchorCtr="0" anchor="b" bIns="0" lIns="0" spcFirstLastPara="1" rIns="0" wrap="square" tIns="0">
+          <a:bodyPr spcFirstLastPara="1" wrap="square" lIns="0" tIns="0" rIns="0" bIns="0" anchor="b" anchorCtr="0">
             <a:noAutofit/>
           </a:bodyPr>
           <a:lstStyle>
@@ -4895,15 +4991,19 @@
               <a:defRPr/>
             </a:lvl9pPr>
           </a:lstStyle>
-          <a:p/>
+          <a:p>
+            <a:endParaRPr/>
+          </a:p>
         </p:txBody>
       </p:sp>
       <p:sp>
         <p:nvSpPr>
           <p:cNvPr id="23" name="Google Shape;23;p3"/>
-          <p:cNvSpPr/>
+          <p:cNvSpPr>
+            <a:spLocks noGrp="1"/>
+          </p:cNvSpPr>
           <p:nvPr>
-            <p:ph idx="2" type="chart"/>
+            <p:ph type="chart" idx="2"/>
           </p:nvPr>
         </p:nvSpPr>
         <p:spPr>
@@ -4920,11 +5020,11 @@
           </a:ln>
         </p:spPr>
         <p:txBody>
-          <a:bodyPr anchorCtr="0" anchor="t" bIns="0" lIns="0" spcFirstLastPara="1" rIns="0" wrap="square" tIns="0">
+          <a:bodyPr spcFirstLastPara="1" wrap="square" lIns="0" tIns="0" rIns="0" bIns="0" anchor="t" anchorCtr="0">
             <a:noAutofit/>
           </a:bodyPr>
           <a:lstStyle>
-            <a:lvl1pPr lvl="0" marR="0" rtl="0" algn="l">
+            <a:lvl1pPr marR="0" lvl="0" algn="l" rtl="0">
               <a:lnSpc>
                 <a:spcPct val="100000"/>
               </a:lnSpc>
@@ -4940,7 +5040,7 @@
               <a:buSzPts val="1400"/>
               <a:buFont typeface="Arial"/>
               <a:buNone/>
-              <a:defRPr b="0" i="0" sz="1600" u="none" cap="none" strike="noStrike">
+              <a:defRPr sz="1600" b="0" i="0" u="none" strike="noStrike" cap="none">
                 <a:solidFill>
                   <a:schemeClr val="dk1"/>
                 </a:solidFill>
@@ -4950,7 +5050,7 @@
                 <a:sym typeface="Arial"/>
               </a:defRPr>
             </a:lvl1pPr>
-            <a:lvl2pPr lvl="1" marR="0" rtl="0" algn="l">
+            <a:lvl2pPr marR="0" lvl="1" algn="l" rtl="0">
               <a:lnSpc>
                 <a:spcPct val="100000"/>
               </a:lnSpc>
@@ -4966,7 +5066,7 @@
               <a:buSzPts val="1600"/>
               <a:buFont typeface="Noto Sans Symbols"/>
               <a:buChar char="▪"/>
-              <a:defRPr b="0" i="0" sz="1600" u="none" cap="none" strike="noStrike">
+              <a:defRPr sz="1600" b="0" i="0" u="none" strike="noStrike" cap="none">
                 <a:solidFill>
                   <a:schemeClr val="dk1"/>
                 </a:solidFill>
@@ -4976,7 +5076,7 @@
                 <a:sym typeface="Arial"/>
               </a:defRPr>
             </a:lvl2pPr>
-            <a:lvl3pPr lvl="2" marR="0" rtl="0" algn="l">
+            <a:lvl3pPr marR="0" lvl="2" algn="l" rtl="0">
               <a:lnSpc>
                 <a:spcPct val="100000"/>
               </a:lnSpc>
@@ -4992,7 +5092,7 @@
               <a:buSzPts val="1600"/>
               <a:buFont typeface="Noto Sans Symbols"/>
               <a:buChar char="▪"/>
-              <a:defRPr b="0" i="0" sz="1600" u="none" cap="none" strike="noStrike">
+              <a:defRPr sz="1600" b="0" i="0" u="none" strike="noStrike" cap="none">
                 <a:solidFill>
                   <a:schemeClr val="dk1"/>
                 </a:solidFill>
@@ -5002,7 +5102,7 @@
                 <a:sym typeface="Arial"/>
               </a:defRPr>
             </a:lvl3pPr>
-            <a:lvl4pPr lvl="3" marR="0" rtl="0" algn="l">
+            <a:lvl4pPr marR="0" lvl="3" algn="l" rtl="0">
               <a:lnSpc>
                 <a:spcPct val="100000"/>
               </a:lnSpc>
@@ -5018,7 +5118,7 @@
               <a:buSzPts val="1600"/>
               <a:buFont typeface="Noto Sans Symbols"/>
               <a:buChar char="▪"/>
-              <a:defRPr b="0" i="0" sz="1600" u="none" cap="none" strike="noStrike">
+              <a:defRPr sz="1600" b="0" i="0" u="none" strike="noStrike" cap="none">
                 <a:solidFill>
                   <a:schemeClr val="dk1"/>
                 </a:solidFill>
@@ -5028,7 +5128,7 @@
                 <a:sym typeface="Arial"/>
               </a:defRPr>
             </a:lvl4pPr>
-            <a:lvl5pPr lvl="4" marR="0" rtl="0" algn="l">
+            <a:lvl5pPr marR="0" lvl="4" algn="l" rtl="0">
               <a:lnSpc>
                 <a:spcPct val="100000"/>
               </a:lnSpc>
@@ -5044,7 +5144,7 @@
               <a:buSzPts val="1600"/>
               <a:buFont typeface="Noto Sans Symbols"/>
               <a:buChar char="▪"/>
-              <a:defRPr b="0" i="0" sz="1600" u="none" cap="none" strike="noStrike">
+              <a:defRPr sz="1600" b="0" i="0" u="none" strike="noStrike" cap="none">
                 <a:solidFill>
                   <a:schemeClr val="dk1"/>
                 </a:solidFill>
@@ -5054,7 +5154,7 @@
                 <a:sym typeface="Arial"/>
               </a:defRPr>
             </a:lvl5pPr>
-            <a:lvl6pPr lvl="5" marR="0" rtl="0" algn="l">
+            <a:lvl6pPr marR="0" lvl="5" algn="l" rtl="0">
               <a:lnSpc>
                 <a:spcPct val="100000"/>
               </a:lnSpc>
@@ -5070,7 +5170,7 @@
               <a:buSzPts val="1600"/>
               <a:buFont typeface="Noto Sans Symbols"/>
               <a:buChar char="▪"/>
-              <a:defRPr b="0" i="0" sz="1600" u="none" cap="none" strike="noStrike">
+              <a:defRPr sz="1600" b="0" i="0" u="none" strike="noStrike" cap="none">
                 <a:solidFill>
                   <a:schemeClr val="dk1"/>
                 </a:solidFill>
@@ -5080,7 +5180,7 @@
                 <a:sym typeface="Arial"/>
               </a:defRPr>
             </a:lvl6pPr>
-            <a:lvl7pPr lvl="6" marR="0" rtl="0" algn="l">
+            <a:lvl7pPr marR="0" lvl="6" algn="l" rtl="0">
               <a:lnSpc>
                 <a:spcPct val="100000"/>
               </a:lnSpc>
@@ -5096,7 +5196,7 @@
               <a:buSzPts val="1600"/>
               <a:buFont typeface="Noto Sans Symbols"/>
               <a:buChar char="▪"/>
-              <a:defRPr b="0" i="0" sz="1600" u="none" cap="none" strike="noStrike">
+              <a:defRPr sz="1600" b="0" i="0" u="none" strike="noStrike" cap="none">
                 <a:solidFill>
                   <a:schemeClr val="dk1"/>
                 </a:solidFill>
@@ -5106,7 +5206,7 @@
                 <a:sym typeface="Arial"/>
               </a:defRPr>
             </a:lvl7pPr>
-            <a:lvl8pPr lvl="7" marR="0" rtl="0" algn="l">
+            <a:lvl8pPr marR="0" lvl="7" algn="l" rtl="0">
               <a:lnSpc>
                 <a:spcPct val="100000"/>
               </a:lnSpc>
@@ -5122,7 +5222,7 @@
               <a:buSzPts val="1600"/>
               <a:buFont typeface="Noto Sans Symbols"/>
               <a:buChar char="▪"/>
-              <a:defRPr b="0" i="0" sz="1600" u="none" cap="none" strike="noStrike">
+              <a:defRPr sz="1600" b="0" i="0" u="none" strike="noStrike" cap="none">
                 <a:solidFill>
                   <a:schemeClr val="dk1"/>
                 </a:solidFill>
@@ -5132,7 +5232,7 @@
                 <a:sym typeface="Arial"/>
               </a:defRPr>
             </a:lvl8pPr>
-            <a:lvl9pPr lvl="8" marR="0" rtl="0" algn="l">
+            <a:lvl9pPr marR="0" lvl="8" algn="l" rtl="0">
               <a:lnSpc>
                 <a:spcPct val="100000"/>
               </a:lnSpc>
@@ -5148,7 +5248,7 @@
               <a:buSzPts val="1600"/>
               <a:buFont typeface="Noto Sans Symbols"/>
               <a:buChar char="▪"/>
-              <a:defRPr b="0" i="0" sz="1600" u="none" cap="none" strike="noStrike">
+              <a:defRPr sz="1600" b="0" i="0" u="none" strike="noStrike" cap="none">
                 <a:solidFill>
                   <a:schemeClr val="dk1"/>
                 </a:solidFill>
@@ -5159,7 +5259,9 @@
               </a:defRPr>
             </a:lvl9pPr>
           </a:lstStyle>
-          <a:p/>
+          <a:p>
+            <a:endParaRPr/>
+          </a:p>
         </p:txBody>
       </p:sp>
     </p:spTree>
@@ -5171,11 +5273,11 @@
 </file>
 
 <file path=ppt/slideLayouts/slideLayout3.xml><?xml version="1.0" encoding="utf-8"?>
-<p:sldLayout xmlns:a="http://schemas.openxmlformats.org/drawingml/2006/main" xmlns:r="http://schemas.openxmlformats.org/officeDocument/2006/relationships" xmlns:mc="http://schemas.openxmlformats.org/markup-compatibility/2006" xmlns:mv="urn:schemas-microsoft-com:mac:vml" xmlns:p="http://schemas.openxmlformats.org/presentationml/2006/main" xmlns:c="http://schemas.openxmlformats.org/drawingml/2006/chart" xmlns:dgm="http://schemas.openxmlformats.org/drawingml/2006/diagram" xmlns:o="urn:schemas-microsoft-com:office:office" xmlns:v="urn:schemas-microsoft-com:vml" xmlns:pvml="urn:schemas-microsoft-com:office:powerpoint" xmlns:com="http://schemas.openxmlformats.org/drawingml/2006/compatibility" xmlns:p14="http://schemas.microsoft.com/office/powerpoint/2010/main" xmlns:p15="http://schemas.microsoft.com/office/powerpoint/2012/main" xmlns:ahyp="http://schemas.microsoft.com/office/drawing/2018/hyperlinkcolor" matchingName="1_Titel und Inhalt">
+<p:sldLayout xmlns:a="http://schemas.openxmlformats.org/drawingml/2006/main" xmlns:r="http://schemas.openxmlformats.org/officeDocument/2006/relationships" xmlns:p="http://schemas.openxmlformats.org/presentationml/2006/main" matchingName="1_Titel und Inhalt">
   <p:cSld name="1_Titel und Inhalt">
     <p:spTree>
       <p:nvGrpSpPr>
-        <p:cNvPr id="24" name="Shape 24"/>
+        <p:cNvPr id="1" name="Shape 24"/>
         <p:cNvGrpSpPr/>
         <p:nvPr/>
       </p:nvGrpSpPr>
@@ -5209,12 +5311,12 @@
           </a:ln>
         </p:spPr>
         <p:txBody>
-          <a:bodyPr anchorCtr="0" anchor="ctr" bIns="45700" lIns="91425" spcFirstLastPara="1" rIns="91425" wrap="square" tIns="45700">
+          <a:bodyPr spcFirstLastPara="1" wrap="square" lIns="91425" tIns="45700" rIns="91425" bIns="45700" anchor="ctr" anchorCtr="0">
             <a:noAutofit/>
           </a:bodyPr>
           <a:lstStyle/>
           <a:p>
-            <a:pPr indent="0" lvl="0" marL="0" marR="0" rtl="0" algn="ctr">
+            <a:pPr marL="0" marR="0" lvl="0" indent="0" algn="ctr" rtl="0">
               <a:lnSpc>
                 <a:spcPct val="100000"/>
               </a:lnSpc>
@@ -5231,10 +5333,7 @@
               <a:buFont typeface="Arial"/>
               <a:buNone/>
             </a:pPr>
-            <a:r>
-              <a:t/>
-            </a:r>
-            <a:endParaRPr b="0" i="0" sz="1800" u="none" cap="none" strike="noStrike">
+            <a:endParaRPr sz="1800" b="0" i="0" u="none" strike="noStrike" cap="none">
               <a:solidFill>
                 <a:schemeClr val="accent2"/>
               </a:solidFill>
@@ -5249,7 +5348,9 @@
       <p:sp>
         <p:nvSpPr>
           <p:cNvPr id="26" name="Google Shape;26;p4"/>
-          <p:cNvSpPr txBox="1"/>
+          <p:cNvSpPr txBox="1">
+            <a:spLocks noGrp="1"/>
+          </p:cNvSpPr>
           <p:nvPr>
             <p:ph type="title"/>
           </p:nvPr>
@@ -5268,7 +5369,7 @@
           </a:ln>
         </p:spPr>
         <p:txBody>
-          <a:bodyPr anchorCtr="0" anchor="b" bIns="0" lIns="0" spcFirstLastPara="1" rIns="0" wrap="square" tIns="0">
+          <a:bodyPr spcFirstLastPara="1" wrap="square" lIns="0" tIns="0" rIns="0" bIns="0" anchor="b" anchorCtr="0">
             <a:noAutofit/>
           </a:bodyPr>
           <a:lstStyle>
@@ -5399,15 +5500,19 @@
               <a:defRPr/>
             </a:lvl9pPr>
           </a:lstStyle>
-          <a:p/>
+          <a:p>
+            <a:endParaRPr/>
+          </a:p>
         </p:txBody>
       </p:sp>
       <p:sp>
         <p:nvSpPr>
           <p:cNvPr id="27" name="Google Shape;27;p4"/>
-          <p:cNvSpPr txBox="1"/>
+          <p:cNvSpPr txBox="1">
+            <a:spLocks noGrp="1"/>
+          </p:cNvSpPr>
           <p:nvPr>
-            <p:ph idx="1" type="body"/>
+            <p:ph type="body" idx="1"/>
           </p:nvPr>
         </p:nvSpPr>
         <p:spPr>
@@ -5424,11 +5529,11 @@
           </a:ln>
         </p:spPr>
         <p:txBody>
-          <a:bodyPr anchorCtr="0" anchor="t" bIns="0" lIns="0" spcFirstLastPara="1" rIns="0" wrap="square" tIns="0">
+          <a:bodyPr spcFirstLastPara="1" wrap="square" lIns="0" tIns="0" rIns="0" bIns="0" anchor="t" anchorCtr="0">
             <a:noAutofit/>
           </a:bodyPr>
           <a:lstStyle>
-            <a:lvl1pPr indent="-317500" lvl="0" marL="457200" algn="l">
+            <a:lvl1pPr marL="457200" lvl="0" indent="-317500" algn="l">
               <a:lnSpc>
                 <a:spcPct val="100000"/>
               </a:lnSpc>
@@ -5442,7 +5547,7 @@
               <a:buChar char="●"/>
               <a:defRPr/>
             </a:lvl1pPr>
-            <a:lvl2pPr indent="-342900" lvl="1" marL="914400" algn="l">
+            <a:lvl2pPr marL="914400" lvl="1" indent="-342900" algn="l">
               <a:lnSpc>
                 <a:spcPct val="100000"/>
               </a:lnSpc>
@@ -5456,7 +5561,7 @@
               <a:buChar char="-"/>
               <a:defRPr/>
             </a:lvl2pPr>
-            <a:lvl3pPr indent="-342900" lvl="2" marL="1371600" algn="l">
+            <a:lvl3pPr marL="1371600" lvl="2" indent="-342900" algn="l">
               <a:lnSpc>
                 <a:spcPct val="100000"/>
               </a:lnSpc>
@@ -5470,7 +5575,7 @@
               <a:buChar char="■"/>
               <a:defRPr/>
             </a:lvl3pPr>
-            <a:lvl4pPr indent="-342900" lvl="3" marL="1828800" algn="l">
+            <a:lvl4pPr marL="1828800" lvl="3" indent="-342900" algn="l">
               <a:lnSpc>
                 <a:spcPct val="100000"/>
               </a:lnSpc>
@@ -5484,7 +5589,7 @@
               <a:buChar char="●"/>
               <a:defRPr/>
             </a:lvl4pPr>
-            <a:lvl5pPr indent="-342900" lvl="4" marL="2286000" algn="l">
+            <a:lvl5pPr marL="2286000" lvl="4" indent="-342900" algn="l">
               <a:lnSpc>
                 <a:spcPct val="100000"/>
               </a:lnSpc>
@@ -5498,7 +5603,7 @@
               <a:buChar char="○"/>
               <a:defRPr/>
             </a:lvl5pPr>
-            <a:lvl6pPr indent="-342900" lvl="5" marL="2743200" algn="l">
+            <a:lvl6pPr marL="2743200" lvl="5" indent="-342900" algn="l">
               <a:lnSpc>
                 <a:spcPct val="100000"/>
               </a:lnSpc>
@@ -5515,7 +5620,7 @@
               <a:buChar char="■"/>
               <a:defRPr/>
             </a:lvl6pPr>
-            <a:lvl7pPr indent="-342900" lvl="6" marL="3200400" algn="l">
+            <a:lvl7pPr marL="3200400" lvl="6" indent="-342900" algn="l">
               <a:lnSpc>
                 <a:spcPct val="100000"/>
               </a:lnSpc>
@@ -5532,7 +5637,7 @@
               <a:buChar char="●"/>
               <a:defRPr/>
             </a:lvl7pPr>
-            <a:lvl8pPr indent="-342900" lvl="7" marL="3657600" algn="l">
+            <a:lvl8pPr marL="3657600" lvl="7" indent="-342900" algn="l">
               <a:lnSpc>
                 <a:spcPct val="100000"/>
               </a:lnSpc>
@@ -5549,7 +5654,7 @@
               <a:buChar char="○"/>
               <a:defRPr/>
             </a:lvl8pPr>
-            <a:lvl9pPr indent="-342900" lvl="8" marL="4114800" algn="l">
+            <a:lvl9pPr marL="4114800" lvl="8" indent="-342900" algn="l">
               <a:lnSpc>
                 <a:spcPct val="100000"/>
               </a:lnSpc>
@@ -5567,7 +5672,9 @@
               <a:defRPr/>
             </a:lvl9pPr>
           </a:lstStyle>
-          <a:p/>
+          <a:p>
+            <a:endParaRPr/>
+          </a:p>
         </p:txBody>
       </p:sp>
     </p:spTree>
@@ -5579,11 +5686,11 @@
 </file>
 
 <file path=ppt/slideLayouts/slideLayout4.xml><?xml version="1.0" encoding="utf-8"?>
-<p:sldLayout xmlns:a="http://schemas.openxmlformats.org/drawingml/2006/main" xmlns:r="http://schemas.openxmlformats.org/officeDocument/2006/relationships" xmlns:mc="http://schemas.openxmlformats.org/markup-compatibility/2006" xmlns:mv="urn:schemas-microsoft-com:mac:vml" xmlns:p="http://schemas.openxmlformats.org/presentationml/2006/main" xmlns:c="http://schemas.openxmlformats.org/drawingml/2006/chart" xmlns:dgm="http://schemas.openxmlformats.org/drawingml/2006/diagram" xmlns:o="urn:schemas-microsoft-com:office:office" xmlns:v="urn:schemas-microsoft-com:vml" xmlns:pvml="urn:schemas-microsoft-com:office:powerpoint" xmlns:com="http://schemas.openxmlformats.org/drawingml/2006/compatibility" xmlns:p14="http://schemas.microsoft.com/office/powerpoint/2010/main" xmlns:p15="http://schemas.microsoft.com/office/powerpoint/2012/main" xmlns:ahyp="http://schemas.microsoft.com/office/drawing/2018/hyperlinkcolor" matchingName="Titel und Inhalt">
+<p:sldLayout xmlns:a="http://schemas.openxmlformats.org/drawingml/2006/main" xmlns:r="http://schemas.openxmlformats.org/officeDocument/2006/relationships" xmlns:p="http://schemas.openxmlformats.org/presentationml/2006/main" matchingName="Titel und Inhalt">
   <p:cSld name="Titel und Inhalt">
     <p:spTree>
       <p:nvGrpSpPr>
-        <p:cNvPr id="28" name="Shape 28"/>
+        <p:cNvPr id="1" name="Shape 28"/>
         <p:cNvGrpSpPr/>
         <p:nvPr/>
       </p:nvGrpSpPr>
@@ -5598,7 +5705,9 @@
       <p:sp>
         <p:nvSpPr>
           <p:cNvPr id="29" name="Google Shape;29;p5"/>
-          <p:cNvSpPr txBox="1"/>
+          <p:cNvSpPr txBox="1">
+            <a:spLocks noGrp="1"/>
+          </p:cNvSpPr>
           <p:nvPr>
             <p:ph type="title"/>
           </p:nvPr>
@@ -5617,7 +5726,7 @@
           </a:ln>
         </p:spPr>
         <p:txBody>
-          <a:bodyPr anchorCtr="0" anchor="b" bIns="0" lIns="0" spcFirstLastPara="1" rIns="0" wrap="square" tIns="0">
+          <a:bodyPr spcFirstLastPara="1" wrap="square" lIns="0" tIns="0" rIns="0" bIns="0" anchor="b" anchorCtr="0">
             <a:noAutofit/>
           </a:bodyPr>
           <a:lstStyle>
@@ -5748,15 +5857,19 @@
               <a:defRPr/>
             </a:lvl9pPr>
           </a:lstStyle>
-          <a:p/>
+          <a:p>
+            <a:endParaRPr/>
+          </a:p>
         </p:txBody>
       </p:sp>
       <p:sp>
         <p:nvSpPr>
           <p:cNvPr id="30" name="Google Shape;30;p5"/>
-          <p:cNvSpPr txBox="1"/>
+          <p:cNvSpPr txBox="1">
+            <a:spLocks noGrp="1"/>
+          </p:cNvSpPr>
           <p:nvPr>
-            <p:ph idx="1" type="body"/>
+            <p:ph type="body" idx="1"/>
           </p:nvPr>
         </p:nvSpPr>
         <p:spPr>
@@ -5773,11 +5886,11 @@
           </a:ln>
         </p:spPr>
         <p:txBody>
-          <a:bodyPr anchorCtr="0" anchor="t" bIns="0" lIns="0" spcFirstLastPara="1" rIns="0" wrap="square" tIns="0">
+          <a:bodyPr spcFirstLastPara="1" wrap="square" lIns="0" tIns="0" rIns="0" bIns="0" anchor="t" anchorCtr="0">
             <a:noAutofit/>
           </a:bodyPr>
           <a:lstStyle>
-            <a:lvl1pPr indent="-228600" lvl="0" marL="457200" algn="l">
+            <a:lvl1pPr marL="457200" lvl="0" indent="-228600" algn="l">
               <a:lnSpc>
                 <a:spcPct val="100000"/>
               </a:lnSpc>
@@ -5791,7 +5904,7 @@
               <a:buNone/>
               <a:defRPr/>
             </a:lvl1pPr>
-            <a:lvl2pPr indent="-342900" lvl="1" marL="914400" algn="l">
+            <a:lvl2pPr marL="914400" lvl="1" indent="-342900" algn="l">
               <a:lnSpc>
                 <a:spcPct val="100000"/>
               </a:lnSpc>
@@ -5805,7 +5918,7 @@
               <a:buChar char="▪"/>
               <a:defRPr/>
             </a:lvl2pPr>
-            <a:lvl3pPr indent="-342900" lvl="2" marL="1371600" algn="l">
+            <a:lvl3pPr marL="1371600" lvl="2" indent="-342900" algn="l">
               <a:lnSpc>
                 <a:spcPct val="100000"/>
               </a:lnSpc>
@@ -5819,7 +5932,7 @@
               <a:buChar char="▪"/>
               <a:defRPr/>
             </a:lvl3pPr>
-            <a:lvl4pPr indent="-342900" lvl="3" marL="1828800" algn="l">
+            <a:lvl4pPr marL="1828800" lvl="3" indent="-342900" algn="l">
               <a:lnSpc>
                 <a:spcPct val="100000"/>
               </a:lnSpc>
@@ -5833,7 +5946,7 @@
               <a:buChar char="▪"/>
               <a:defRPr/>
             </a:lvl4pPr>
-            <a:lvl5pPr indent="-342900" lvl="4" marL="2286000" algn="l">
+            <a:lvl5pPr marL="2286000" lvl="4" indent="-342900" algn="l">
               <a:lnSpc>
                 <a:spcPct val="100000"/>
               </a:lnSpc>
@@ -5847,7 +5960,7 @@
               <a:buChar char="▪"/>
               <a:defRPr/>
             </a:lvl5pPr>
-            <a:lvl6pPr indent="-342900" lvl="5" marL="2743200" algn="l">
+            <a:lvl6pPr marL="2743200" lvl="5" indent="-342900" algn="l">
               <a:lnSpc>
                 <a:spcPct val="100000"/>
               </a:lnSpc>
@@ -5864,7 +5977,7 @@
               <a:buChar char="▪"/>
               <a:defRPr/>
             </a:lvl6pPr>
-            <a:lvl7pPr indent="-342900" lvl="6" marL="3200400" algn="l">
+            <a:lvl7pPr marL="3200400" lvl="6" indent="-342900" algn="l">
               <a:lnSpc>
                 <a:spcPct val="100000"/>
               </a:lnSpc>
@@ -5881,7 +5994,7 @@
               <a:buChar char="▪"/>
               <a:defRPr/>
             </a:lvl7pPr>
-            <a:lvl8pPr indent="-342900" lvl="7" marL="3657600" algn="l">
+            <a:lvl8pPr marL="3657600" lvl="7" indent="-342900" algn="l">
               <a:lnSpc>
                 <a:spcPct val="100000"/>
               </a:lnSpc>
@@ -5898,7 +6011,7 @@
               <a:buChar char="▪"/>
               <a:defRPr/>
             </a:lvl8pPr>
-            <a:lvl9pPr indent="-342900" lvl="8" marL="4114800" algn="l">
+            <a:lvl9pPr marL="4114800" lvl="8" indent="-342900" algn="l">
               <a:lnSpc>
                 <a:spcPct val="100000"/>
               </a:lnSpc>
@@ -5916,7 +6029,9 @@
               <a:defRPr/>
             </a:lvl9pPr>
           </a:lstStyle>
-          <a:p/>
+          <a:p>
+            <a:endParaRPr/>
+          </a:p>
         </p:txBody>
       </p:sp>
     </p:spTree>
@@ -5928,11 +6043,11 @@
 </file>
 
 <file path=ppt/slideLayouts/slideLayout5.xml><?xml version="1.0" encoding="utf-8"?>
-<p:sldLayout xmlns:a="http://schemas.openxmlformats.org/drawingml/2006/main" xmlns:r="http://schemas.openxmlformats.org/officeDocument/2006/relationships" xmlns:mc="http://schemas.openxmlformats.org/markup-compatibility/2006" xmlns:mv="urn:schemas-microsoft-com:mac:vml" xmlns:p="http://schemas.openxmlformats.org/presentationml/2006/main" xmlns:c="http://schemas.openxmlformats.org/drawingml/2006/chart" xmlns:dgm="http://schemas.openxmlformats.org/drawingml/2006/diagram" xmlns:o="urn:schemas-microsoft-com:office:office" xmlns:v="urn:schemas-microsoft-com:vml" xmlns:pvml="urn:schemas-microsoft-com:office:powerpoint" xmlns:com="http://schemas.openxmlformats.org/drawingml/2006/compatibility" xmlns:p14="http://schemas.microsoft.com/office/powerpoint/2010/main" xmlns:p15="http://schemas.microsoft.com/office/powerpoint/2012/main" xmlns:ahyp="http://schemas.microsoft.com/office/drawing/2018/hyperlinkcolor" matchingName="2_Titel und Inhalt">
+<p:sldLayout xmlns:a="http://schemas.openxmlformats.org/drawingml/2006/main" xmlns:r="http://schemas.openxmlformats.org/officeDocument/2006/relationships" xmlns:p="http://schemas.openxmlformats.org/presentationml/2006/main" matchingName="2_Titel und Inhalt">
   <p:cSld name="2_Titel und Inhalt">
     <p:spTree>
       <p:nvGrpSpPr>
-        <p:cNvPr id="31" name="Shape 31"/>
+        <p:cNvPr id="1" name="Shape 31"/>
         <p:cNvGrpSpPr/>
         <p:nvPr/>
       </p:nvGrpSpPr>
@@ -5947,7 +6062,9 @@
       <p:sp>
         <p:nvSpPr>
           <p:cNvPr id="32" name="Google Shape;32;p6"/>
-          <p:cNvSpPr txBox="1"/>
+          <p:cNvSpPr txBox="1">
+            <a:spLocks noGrp="1"/>
+          </p:cNvSpPr>
           <p:nvPr>
             <p:ph type="title"/>
           </p:nvPr>
@@ -5966,7 +6083,7 @@
           </a:ln>
         </p:spPr>
         <p:txBody>
-          <a:bodyPr anchorCtr="0" anchor="b" bIns="0" lIns="0" spcFirstLastPara="1" rIns="0" wrap="square" tIns="0">
+          <a:bodyPr spcFirstLastPara="1" wrap="square" lIns="0" tIns="0" rIns="0" bIns="0" anchor="b" anchorCtr="0">
             <a:noAutofit/>
           </a:bodyPr>
           <a:lstStyle>
@@ -6097,15 +6214,19 @@
               <a:defRPr/>
             </a:lvl9pPr>
           </a:lstStyle>
-          <a:p/>
+          <a:p>
+            <a:endParaRPr/>
+          </a:p>
         </p:txBody>
       </p:sp>
       <p:sp>
         <p:nvSpPr>
           <p:cNvPr id="33" name="Google Shape;33;p6"/>
-          <p:cNvSpPr txBox="1"/>
+          <p:cNvSpPr txBox="1">
+            <a:spLocks noGrp="1"/>
+          </p:cNvSpPr>
           <p:nvPr>
-            <p:ph idx="1" type="body"/>
+            <p:ph type="body" idx="1"/>
           </p:nvPr>
         </p:nvSpPr>
         <p:spPr>
@@ -6122,11 +6243,11 @@
           </a:ln>
         </p:spPr>
         <p:txBody>
-          <a:bodyPr anchorCtr="0" anchor="t" bIns="0" lIns="0" spcFirstLastPara="1" rIns="0" wrap="square" tIns="0">
+          <a:bodyPr spcFirstLastPara="1" wrap="square" lIns="0" tIns="0" rIns="0" bIns="0" anchor="t" anchorCtr="0">
             <a:noAutofit/>
           </a:bodyPr>
           <a:lstStyle>
-            <a:lvl1pPr indent="-228600" lvl="0" marL="457200" algn="l">
+            <a:lvl1pPr marL="457200" lvl="0" indent="-228600" algn="l">
               <a:lnSpc>
                 <a:spcPct val="100000"/>
               </a:lnSpc>
@@ -6140,7 +6261,7 @@
               <a:buNone/>
               <a:defRPr/>
             </a:lvl1pPr>
-            <a:lvl2pPr indent="-342900" lvl="1" marL="914400" algn="l">
+            <a:lvl2pPr marL="914400" lvl="1" indent="-342900" algn="l">
               <a:lnSpc>
                 <a:spcPct val="100000"/>
               </a:lnSpc>
@@ -6154,7 +6275,7 @@
               <a:buChar char="▪"/>
               <a:defRPr/>
             </a:lvl2pPr>
-            <a:lvl3pPr indent="-342900" lvl="2" marL="1371600" algn="l">
+            <a:lvl3pPr marL="1371600" lvl="2" indent="-342900" algn="l">
               <a:lnSpc>
                 <a:spcPct val="100000"/>
               </a:lnSpc>
@@ -6168,7 +6289,7 @@
               <a:buChar char="▪"/>
               <a:defRPr/>
             </a:lvl3pPr>
-            <a:lvl4pPr indent="-342900" lvl="3" marL="1828800" algn="l">
+            <a:lvl4pPr marL="1828800" lvl="3" indent="-342900" algn="l">
               <a:lnSpc>
                 <a:spcPct val="100000"/>
               </a:lnSpc>
@@ -6182,7 +6303,7 @@
               <a:buChar char="▪"/>
               <a:defRPr/>
             </a:lvl4pPr>
-            <a:lvl5pPr indent="-342900" lvl="4" marL="2286000" algn="l">
+            <a:lvl5pPr marL="2286000" lvl="4" indent="-342900" algn="l">
               <a:lnSpc>
                 <a:spcPct val="100000"/>
               </a:lnSpc>
@@ -6196,7 +6317,7 @@
               <a:buChar char="▪"/>
               <a:defRPr/>
             </a:lvl5pPr>
-            <a:lvl6pPr indent="-342900" lvl="5" marL="2743200" algn="l">
+            <a:lvl6pPr marL="2743200" lvl="5" indent="-342900" algn="l">
               <a:lnSpc>
                 <a:spcPct val="100000"/>
               </a:lnSpc>
@@ -6213,7 +6334,7 @@
               <a:buChar char="▪"/>
               <a:defRPr/>
             </a:lvl6pPr>
-            <a:lvl7pPr indent="-342900" lvl="6" marL="3200400" algn="l">
+            <a:lvl7pPr marL="3200400" lvl="6" indent="-342900" algn="l">
               <a:lnSpc>
                 <a:spcPct val="100000"/>
               </a:lnSpc>
@@ -6230,7 +6351,7 @@
               <a:buChar char="▪"/>
               <a:defRPr/>
             </a:lvl7pPr>
-            <a:lvl8pPr indent="-342900" lvl="7" marL="3657600" algn="l">
+            <a:lvl8pPr marL="3657600" lvl="7" indent="-342900" algn="l">
               <a:lnSpc>
                 <a:spcPct val="100000"/>
               </a:lnSpc>
@@ -6247,7 +6368,7 @@
               <a:buChar char="▪"/>
               <a:defRPr/>
             </a:lvl8pPr>
-            <a:lvl9pPr indent="-342900" lvl="8" marL="4114800" algn="l">
+            <a:lvl9pPr marL="4114800" lvl="8" indent="-342900" algn="l">
               <a:lnSpc>
                 <a:spcPct val="100000"/>
               </a:lnSpc>
@@ -6265,15 +6386,19 @@
               <a:defRPr/>
             </a:lvl9pPr>
           </a:lstStyle>
-          <a:p/>
+          <a:p>
+            <a:endParaRPr/>
+          </a:p>
         </p:txBody>
       </p:sp>
       <p:sp>
         <p:nvSpPr>
           <p:cNvPr id="34" name="Google Shape;34;p6"/>
-          <p:cNvSpPr txBox="1"/>
+          <p:cNvSpPr txBox="1">
+            <a:spLocks noGrp="1"/>
+          </p:cNvSpPr>
           <p:nvPr>
-            <p:ph idx="2" type="body"/>
+            <p:ph type="body" idx="2"/>
           </p:nvPr>
         </p:nvSpPr>
         <p:spPr>
@@ -6290,11 +6415,11 @@
           </a:ln>
         </p:spPr>
         <p:txBody>
-          <a:bodyPr anchorCtr="0" anchor="t" bIns="0" lIns="0" spcFirstLastPara="1" rIns="0" wrap="square" tIns="0">
+          <a:bodyPr spcFirstLastPara="1" wrap="square" lIns="0" tIns="0" rIns="0" bIns="0" anchor="t" anchorCtr="0">
             <a:noAutofit/>
           </a:bodyPr>
           <a:lstStyle>
-            <a:lvl1pPr indent="-228600" lvl="0" marL="457200" algn="l">
+            <a:lvl1pPr marL="457200" lvl="0" indent="-228600" algn="l">
               <a:lnSpc>
                 <a:spcPct val="100000"/>
               </a:lnSpc>
@@ -6308,7 +6433,7 @@
               <a:buNone/>
               <a:defRPr/>
             </a:lvl1pPr>
-            <a:lvl2pPr indent="-342900" lvl="1" marL="914400" algn="l">
+            <a:lvl2pPr marL="914400" lvl="1" indent="-342900" algn="l">
               <a:lnSpc>
                 <a:spcPct val="100000"/>
               </a:lnSpc>
@@ -6322,7 +6447,7 @@
               <a:buChar char="▪"/>
               <a:defRPr/>
             </a:lvl2pPr>
-            <a:lvl3pPr indent="-342900" lvl="2" marL="1371600" algn="l">
+            <a:lvl3pPr marL="1371600" lvl="2" indent="-342900" algn="l">
               <a:lnSpc>
                 <a:spcPct val="100000"/>
               </a:lnSpc>
@@ -6336,7 +6461,7 @@
               <a:buChar char="▪"/>
               <a:defRPr/>
             </a:lvl3pPr>
-            <a:lvl4pPr indent="-342900" lvl="3" marL="1828800" algn="l">
+            <a:lvl4pPr marL="1828800" lvl="3" indent="-342900" algn="l">
               <a:lnSpc>
                 <a:spcPct val="100000"/>
               </a:lnSpc>
@@ -6350,7 +6475,7 @@
               <a:buChar char="▪"/>
               <a:defRPr/>
             </a:lvl4pPr>
-            <a:lvl5pPr indent="-342900" lvl="4" marL="2286000" algn="l">
+            <a:lvl5pPr marL="2286000" lvl="4" indent="-342900" algn="l">
               <a:lnSpc>
                 <a:spcPct val="100000"/>
               </a:lnSpc>
@@ -6364,7 +6489,7 @@
               <a:buChar char="▪"/>
               <a:defRPr/>
             </a:lvl5pPr>
-            <a:lvl6pPr indent="-342900" lvl="5" marL="2743200" algn="l">
+            <a:lvl6pPr marL="2743200" lvl="5" indent="-342900" algn="l">
               <a:lnSpc>
                 <a:spcPct val="100000"/>
               </a:lnSpc>
@@ -6381,7 +6506,7 @@
               <a:buChar char="▪"/>
               <a:defRPr/>
             </a:lvl6pPr>
-            <a:lvl7pPr indent="-342900" lvl="6" marL="3200400" algn="l">
+            <a:lvl7pPr marL="3200400" lvl="6" indent="-342900" algn="l">
               <a:lnSpc>
                 <a:spcPct val="100000"/>
               </a:lnSpc>
@@ -6398,7 +6523,7 @@
               <a:buChar char="▪"/>
               <a:defRPr/>
             </a:lvl7pPr>
-            <a:lvl8pPr indent="-342900" lvl="7" marL="3657600" algn="l">
+            <a:lvl8pPr marL="3657600" lvl="7" indent="-342900" algn="l">
               <a:lnSpc>
                 <a:spcPct val="100000"/>
               </a:lnSpc>
@@ -6415,7 +6540,7 @@
               <a:buChar char="▪"/>
               <a:defRPr/>
             </a:lvl8pPr>
-            <a:lvl9pPr indent="-342900" lvl="8" marL="4114800" algn="l">
+            <a:lvl9pPr marL="4114800" lvl="8" indent="-342900" algn="l">
               <a:lnSpc>
                 <a:spcPct val="100000"/>
               </a:lnSpc>
@@ -6433,7 +6558,9 @@
               <a:defRPr/>
             </a:lvl9pPr>
           </a:lstStyle>
-          <a:p/>
+          <a:p>
+            <a:endParaRPr/>
+          </a:p>
         </p:txBody>
       </p:sp>
     </p:spTree>
@@ -6445,11 +6572,11 @@
 </file>
 
 <file path=ppt/slideLayouts/slideLayout6.xml><?xml version="1.0" encoding="utf-8"?>
-<p:sldLayout xmlns:a="http://schemas.openxmlformats.org/drawingml/2006/main" xmlns:r="http://schemas.openxmlformats.org/officeDocument/2006/relationships" xmlns:mc="http://schemas.openxmlformats.org/markup-compatibility/2006" xmlns:mv="urn:schemas-microsoft-com:mac:vml" xmlns:p="http://schemas.openxmlformats.org/presentationml/2006/main" xmlns:c="http://schemas.openxmlformats.org/drawingml/2006/chart" xmlns:dgm="http://schemas.openxmlformats.org/drawingml/2006/diagram" xmlns:o="urn:schemas-microsoft-com:office:office" xmlns:v="urn:schemas-microsoft-com:vml" xmlns:pvml="urn:schemas-microsoft-com:office:powerpoint" xmlns:com="http://schemas.openxmlformats.org/drawingml/2006/compatibility" xmlns:p14="http://schemas.microsoft.com/office/powerpoint/2010/main" xmlns:p15="http://schemas.microsoft.com/office/powerpoint/2012/main" xmlns:ahyp="http://schemas.microsoft.com/office/drawing/2018/hyperlinkcolor" matchingName="Titel und Diagramm" type="chart">
+<p:sldLayout xmlns:a="http://schemas.openxmlformats.org/drawingml/2006/main" xmlns:r="http://schemas.openxmlformats.org/officeDocument/2006/relationships" xmlns:p="http://schemas.openxmlformats.org/presentationml/2006/main" matchingName="Titel und Diagramm" type="chart">
   <p:cSld name="CHART">
     <p:spTree>
       <p:nvGrpSpPr>
-        <p:cNvPr id="35" name="Shape 35"/>
+        <p:cNvPr id="1" name="Shape 35"/>
         <p:cNvGrpSpPr/>
         <p:nvPr/>
       </p:nvGrpSpPr>
@@ -6464,7 +6591,9 @@
       <p:sp>
         <p:nvSpPr>
           <p:cNvPr id="36" name="Google Shape;36;p7"/>
-          <p:cNvSpPr txBox="1"/>
+          <p:cNvSpPr txBox="1">
+            <a:spLocks noGrp="1"/>
+          </p:cNvSpPr>
           <p:nvPr>
             <p:ph type="title"/>
           </p:nvPr>
@@ -6483,7 +6612,7 @@
           </a:ln>
         </p:spPr>
         <p:txBody>
-          <a:bodyPr anchorCtr="0" anchor="b" bIns="0" lIns="0" spcFirstLastPara="1" rIns="0" wrap="square" tIns="0">
+          <a:bodyPr spcFirstLastPara="1" wrap="square" lIns="0" tIns="0" rIns="0" bIns="0" anchor="b" anchorCtr="0">
             <a:noAutofit/>
           </a:bodyPr>
           <a:lstStyle>
@@ -6614,15 +6743,19 @@
               <a:defRPr/>
             </a:lvl9pPr>
           </a:lstStyle>
-          <a:p/>
+          <a:p>
+            <a:endParaRPr/>
+          </a:p>
         </p:txBody>
       </p:sp>
       <p:sp>
         <p:nvSpPr>
           <p:cNvPr id="37" name="Google Shape;37;p7"/>
-          <p:cNvSpPr/>
+          <p:cNvSpPr>
+            <a:spLocks noGrp="1"/>
+          </p:cNvSpPr>
           <p:nvPr>
-            <p:ph idx="2" type="chart"/>
+            <p:ph type="chart" idx="2"/>
           </p:nvPr>
         </p:nvSpPr>
         <p:spPr>
@@ -6639,11 +6772,11 @@
           </a:ln>
         </p:spPr>
         <p:txBody>
-          <a:bodyPr anchorCtr="0" anchor="t" bIns="0" lIns="0" spcFirstLastPara="1" rIns="0" wrap="square" tIns="0">
+          <a:bodyPr spcFirstLastPara="1" wrap="square" lIns="0" tIns="0" rIns="0" bIns="0" anchor="t" anchorCtr="0">
             <a:noAutofit/>
           </a:bodyPr>
           <a:lstStyle>
-            <a:lvl1pPr lvl="0" marR="0" rtl="0" algn="l">
+            <a:lvl1pPr marR="0" lvl="0" algn="l" rtl="0">
               <a:lnSpc>
                 <a:spcPct val="100000"/>
               </a:lnSpc>
@@ -6659,7 +6792,7 @@
               <a:buSzPts val="1400"/>
               <a:buFont typeface="Arial"/>
               <a:buNone/>
-              <a:defRPr b="0" i="0" sz="1600" u="none" cap="none" strike="noStrike">
+              <a:defRPr sz="1600" b="0" i="0" u="none" strike="noStrike" cap="none">
                 <a:solidFill>
                   <a:schemeClr val="dk1"/>
                 </a:solidFill>
@@ -6669,7 +6802,7 @@
                 <a:sym typeface="Arial"/>
               </a:defRPr>
             </a:lvl1pPr>
-            <a:lvl2pPr lvl="1" marR="0" rtl="0" algn="l">
+            <a:lvl2pPr marR="0" lvl="1" algn="l" rtl="0">
               <a:lnSpc>
                 <a:spcPct val="100000"/>
               </a:lnSpc>
@@ -6685,7 +6818,7 @@
               <a:buSzPts val="1600"/>
               <a:buFont typeface="Noto Sans Symbols"/>
               <a:buChar char="▪"/>
-              <a:defRPr b="0" i="0" sz="1600" u="none" cap="none" strike="noStrike">
+              <a:defRPr sz="1600" b="0" i="0" u="none" strike="noStrike" cap="none">
                 <a:solidFill>
                   <a:schemeClr val="dk1"/>
                 </a:solidFill>
@@ -6695,7 +6828,7 @@
                 <a:sym typeface="Arial"/>
               </a:defRPr>
             </a:lvl2pPr>
-            <a:lvl3pPr lvl="2" marR="0" rtl="0" algn="l">
+            <a:lvl3pPr marR="0" lvl="2" algn="l" rtl="0">
               <a:lnSpc>
                 <a:spcPct val="100000"/>
               </a:lnSpc>
@@ -6711,7 +6844,7 @@
               <a:buSzPts val="1600"/>
               <a:buFont typeface="Noto Sans Symbols"/>
               <a:buChar char="▪"/>
-              <a:defRPr b="0" i="0" sz="1600" u="none" cap="none" strike="noStrike">
+              <a:defRPr sz="1600" b="0" i="0" u="none" strike="noStrike" cap="none">
                 <a:solidFill>
                   <a:schemeClr val="dk1"/>
                 </a:solidFill>
@@ -6721,7 +6854,7 @@
                 <a:sym typeface="Arial"/>
               </a:defRPr>
             </a:lvl3pPr>
-            <a:lvl4pPr lvl="3" marR="0" rtl="0" algn="l">
+            <a:lvl4pPr marR="0" lvl="3" algn="l" rtl="0">
               <a:lnSpc>
                 <a:spcPct val="100000"/>
               </a:lnSpc>
@@ -6737,7 +6870,7 @@
               <a:buSzPts val="1600"/>
               <a:buFont typeface="Noto Sans Symbols"/>
               <a:buChar char="▪"/>
-              <a:defRPr b="0" i="0" sz="1600" u="none" cap="none" strike="noStrike">
+              <a:defRPr sz="1600" b="0" i="0" u="none" strike="noStrike" cap="none">
                 <a:solidFill>
                   <a:schemeClr val="dk1"/>
                 </a:solidFill>
@@ -6747,7 +6880,7 @@
                 <a:sym typeface="Arial"/>
               </a:defRPr>
             </a:lvl4pPr>
-            <a:lvl5pPr lvl="4" marR="0" rtl="0" algn="l">
+            <a:lvl5pPr marR="0" lvl="4" algn="l" rtl="0">
               <a:lnSpc>
                 <a:spcPct val="100000"/>
               </a:lnSpc>
@@ -6763,7 +6896,7 @@
               <a:buSzPts val="1600"/>
               <a:buFont typeface="Noto Sans Symbols"/>
               <a:buChar char="▪"/>
-              <a:defRPr b="0" i="0" sz="1600" u="none" cap="none" strike="noStrike">
+              <a:defRPr sz="1600" b="0" i="0" u="none" strike="noStrike" cap="none">
                 <a:solidFill>
                   <a:schemeClr val="dk1"/>
                 </a:solidFill>
@@ -6773,7 +6906,7 @@
                 <a:sym typeface="Arial"/>
               </a:defRPr>
             </a:lvl5pPr>
-            <a:lvl6pPr lvl="5" marR="0" rtl="0" algn="l">
+            <a:lvl6pPr marR="0" lvl="5" algn="l" rtl="0">
               <a:lnSpc>
                 <a:spcPct val="100000"/>
               </a:lnSpc>
@@ -6789,7 +6922,7 @@
               <a:buSzPts val="1600"/>
               <a:buFont typeface="Noto Sans Symbols"/>
               <a:buChar char="▪"/>
-              <a:defRPr b="0" i="0" sz="1600" u="none" cap="none" strike="noStrike">
+              <a:defRPr sz="1600" b="0" i="0" u="none" strike="noStrike" cap="none">
                 <a:solidFill>
                   <a:schemeClr val="dk1"/>
                 </a:solidFill>
@@ -6799,7 +6932,7 @@
                 <a:sym typeface="Arial"/>
               </a:defRPr>
             </a:lvl6pPr>
-            <a:lvl7pPr lvl="6" marR="0" rtl="0" algn="l">
+            <a:lvl7pPr marR="0" lvl="6" algn="l" rtl="0">
               <a:lnSpc>
                 <a:spcPct val="100000"/>
               </a:lnSpc>
@@ -6815,7 +6948,7 @@
               <a:buSzPts val="1600"/>
               <a:buFont typeface="Noto Sans Symbols"/>
               <a:buChar char="▪"/>
-              <a:defRPr b="0" i="0" sz="1600" u="none" cap="none" strike="noStrike">
+              <a:defRPr sz="1600" b="0" i="0" u="none" strike="noStrike" cap="none">
                 <a:solidFill>
                   <a:schemeClr val="dk1"/>
                 </a:solidFill>
@@ -6825,7 +6958,7 @@
                 <a:sym typeface="Arial"/>
               </a:defRPr>
             </a:lvl7pPr>
-            <a:lvl8pPr lvl="7" marR="0" rtl="0" algn="l">
+            <a:lvl8pPr marR="0" lvl="7" algn="l" rtl="0">
               <a:lnSpc>
                 <a:spcPct val="100000"/>
               </a:lnSpc>
@@ -6841,7 +6974,7 @@
               <a:buSzPts val="1600"/>
               <a:buFont typeface="Noto Sans Symbols"/>
               <a:buChar char="▪"/>
-              <a:defRPr b="0" i="0" sz="1600" u="none" cap="none" strike="noStrike">
+              <a:defRPr sz="1600" b="0" i="0" u="none" strike="noStrike" cap="none">
                 <a:solidFill>
                   <a:schemeClr val="dk1"/>
                 </a:solidFill>
@@ -6851,7 +6984,7 @@
                 <a:sym typeface="Arial"/>
               </a:defRPr>
             </a:lvl8pPr>
-            <a:lvl9pPr lvl="8" marR="0" rtl="0" algn="l">
+            <a:lvl9pPr marR="0" lvl="8" algn="l" rtl="0">
               <a:lnSpc>
                 <a:spcPct val="100000"/>
               </a:lnSpc>
@@ -6867,7 +7000,7 @@
               <a:buSzPts val="1600"/>
               <a:buFont typeface="Noto Sans Symbols"/>
               <a:buChar char="▪"/>
-              <a:defRPr b="0" i="0" sz="1600" u="none" cap="none" strike="noStrike">
+              <a:defRPr sz="1600" b="0" i="0" u="none" strike="noStrike" cap="none">
                 <a:solidFill>
                   <a:schemeClr val="dk1"/>
                 </a:solidFill>
@@ -6878,7 +7011,9 @@
               </a:defRPr>
             </a:lvl9pPr>
           </a:lstStyle>
-          <a:p/>
+          <a:p>
+            <a:endParaRPr/>
+          </a:p>
         </p:txBody>
       </p:sp>
     </p:spTree>
@@ -6890,11 +7025,11 @@
 </file>
 
 <file path=ppt/slideLayouts/slideLayout7.xml><?xml version="1.0" encoding="utf-8"?>
-<p:sldLayout xmlns:a="http://schemas.openxmlformats.org/drawingml/2006/main" xmlns:r="http://schemas.openxmlformats.org/officeDocument/2006/relationships" xmlns:mc="http://schemas.openxmlformats.org/markup-compatibility/2006" xmlns:mv="urn:schemas-microsoft-com:mac:vml" xmlns:p="http://schemas.openxmlformats.org/presentationml/2006/main" xmlns:c="http://schemas.openxmlformats.org/drawingml/2006/chart" xmlns:dgm="http://schemas.openxmlformats.org/drawingml/2006/diagram" xmlns:o="urn:schemas-microsoft-com:office:office" xmlns:v="urn:schemas-microsoft-com:vml" xmlns:pvml="urn:schemas-microsoft-com:office:powerpoint" xmlns:com="http://schemas.openxmlformats.org/drawingml/2006/compatibility" xmlns:p14="http://schemas.microsoft.com/office/powerpoint/2010/main" xmlns:p15="http://schemas.microsoft.com/office/powerpoint/2012/main" xmlns:ahyp="http://schemas.microsoft.com/office/drawing/2018/hyperlinkcolor" matchingName="Nur Titel" type="titleOnly">
+<p:sldLayout xmlns:a="http://schemas.openxmlformats.org/drawingml/2006/main" xmlns:r="http://schemas.openxmlformats.org/officeDocument/2006/relationships" xmlns:p="http://schemas.openxmlformats.org/presentationml/2006/main" matchingName="Nur Titel" type="titleOnly">
   <p:cSld name="TITLE_ONLY">
     <p:spTree>
       <p:nvGrpSpPr>
-        <p:cNvPr id="38" name="Shape 38"/>
+        <p:cNvPr id="1" name="Shape 38"/>
         <p:cNvGrpSpPr/>
         <p:nvPr/>
       </p:nvGrpSpPr>
@@ -6909,7 +7044,9 @@
       <p:sp>
         <p:nvSpPr>
           <p:cNvPr id="39" name="Google Shape;39;p8"/>
-          <p:cNvSpPr txBox="1"/>
+          <p:cNvSpPr txBox="1">
+            <a:spLocks noGrp="1"/>
+          </p:cNvSpPr>
           <p:nvPr>
             <p:ph type="title"/>
           </p:nvPr>
@@ -6928,7 +7065,7 @@
           </a:ln>
         </p:spPr>
         <p:txBody>
-          <a:bodyPr anchorCtr="0" anchor="b" bIns="0" lIns="0" spcFirstLastPara="1" rIns="0" wrap="square" tIns="0">
+          <a:bodyPr spcFirstLastPara="1" wrap="square" lIns="0" tIns="0" rIns="0" bIns="0" anchor="b" anchorCtr="0">
             <a:noAutofit/>
           </a:bodyPr>
           <a:lstStyle>
@@ -7059,7 +7196,9 @@
               <a:defRPr/>
             </a:lvl9pPr>
           </a:lstStyle>
-          <a:p/>
+          <a:p>
+            <a:endParaRPr/>
+          </a:p>
         </p:txBody>
       </p:sp>
     </p:spTree>
@@ -7071,11 +7210,11 @@
 </file>
 
 <file path=ppt/slideLayouts/slideLayout8.xml><?xml version="1.0" encoding="utf-8"?>
-<p:sldLayout xmlns:a="http://schemas.openxmlformats.org/drawingml/2006/main" xmlns:r="http://schemas.openxmlformats.org/officeDocument/2006/relationships" xmlns:mc="http://schemas.openxmlformats.org/markup-compatibility/2006" xmlns:mv="urn:schemas-microsoft-com:mac:vml" xmlns:p="http://schemas.openxmlformats.org/presentationml/2006/main" xmlns:c="http://schemas.openxmlformats.org/drawingml/2006/chart" xmlns:dgm="http://schemas.openxmlformats.org/drawingml/2006/diagram" xmlns:o="urn:schemas-microsoft-com:office:office" xmlns:v="urn:schemas-microsoft-com:vml" xmlns:pvml="urn:schemas-microsoft-com:office:powerpoint" xmlns:com="http://schemas.openxmlformats.org/drawingml/2006/compatibility" xmlns:p14="http://schemas.microsoft.com/office/powerpoint/2010/main" xmlns:p15="http://schemas.microsoft.com/office/powerpoint/2012/main" xmlns:ahyp="http://schemas.microsoft.com/office/drawing/2018/hyperlinkcolor" matchingName="3_Titel und Inhalt">
+<p:sldLayout xmlns:a="http://schemas.openxmlformats.org/drawingml/2006/main" xmlns:r="http://schemas.openxmlformats.org/officeDocument/2006/relationships" xmlns:p="http://schemas.openxmlformats.org/presentationml/2006/main" matchingName="3_Titel und Inhalt">
   <p:cSld name="3_Titel und Inhalt">
     <p:spTree>
       <p:nvGrpSpPr>
-        <p:cNvPr id="40" name="Shape 40"/>
+        <p:cNvPr id="1" name="Shape 40"/>
         <p:cNvGrpSpPr/>
         <p:nvPr/>
       </p:nvGrpSpPr>
@@ -7109,12 +7248,12 @@
           </a:ln>
         </p:spPr>
         <p:txBody>
-          <a:bodyPr anchorCtr="0" anchor="ctr" bIns="45700" lIns="91425" spcFirstLastPara="1" rIns="91425" wrap="square" tIns="45700">
+          <a:bodyPr spcFirstLastPara="1" wrap="square" lIns="91425" tIns="45700" rIns="91425" bIns="45700" anchor="ctr" anchorCtr="0">
             <a:noAutofit/>
           </a:bodyPr>
           <a:lstStyle/>
           <a:p>
-            <a:pPr indent="0" lvl="0" marL="0" marR="0" rtl="0" algn="ctr">
+            <a:pPr marL="0" marR="0" lvl="0" indent="0" algn="ctr" rtl="0">
               <a:lnSpc>
                 <a:spcPct val="100000"/>
               </a:lnSpc>
@@ -7131,10 +7270,7 @@
               <a:buFont typeface="Arial"/>
               <a:buNone/>
             </a:pPr>
-            <a:r>
-              <a:t/>
-            </a:r>
-            <a:endParaRPr b="0" i="0" sz="1800" u="none" cap="none" strike="noStrike">
+            <a:endParaRPr sz="1800" b="0" i="0" u="none" strike="noStrike" cap="none">
               <a:solidFill>
                 <a:schemeClr val="accent2"/>
               </a:solidFill>
@@ -7149,7 +7285,9 @@
       <p:sp>
         <p:nvSpPr>
           <p:cNvPr id="42" name="Google Shape;42;p9"/>
-          <p:cNvSpPr txBox="1"/>
+          <p:cNvSpPr txBox="1">
+            <a:spLocks noGrp="1"/>
+          </p:cNvSpPr>
           <p:nvPr>
             <p:ph type="title"/>
           </p:nvPr>
@@ -7168,7 +7306,7 @@
           </a:ln>
         </p:spPr>
         <p:txBody>
-          <a:bodyPr anchorCtr="0" anchor="b" bIns="0" lIns="0" spcFirstLastPara="1" rIns="0" wrap="square" tIns="0">
+          <a:bodyPr spcFirstLastPara="1" wrap="square" lIns="0" tIns="0" rIns="0" bIns="0" anchor="b" anchorCtr="0">
             <a:noAutofit/>
           </a:bodyPr>
           <a:lstStyle>
@@ -7299,15 +7437,19 @@
               <a:defRPr/>
             </a:lvl9pPr>
           </a:lstStyle>
-          <a:p/>
+          <a:p>
+            <a:endParaRPr/>
+          </a:p>
         </p:txBody>
       </p:sp>
       <p:sp>
         <p:nvSpPr>
           <p:cNvPr id="43" name="Google Shape;43;p9"/>
-          <p:cNvSpPr txBox="1"/>
+          <p:cNvSpPr txBox="1">
+            <a:spLocks noGrp="1"/>
+          </p:cNvSpPr>
           <p:nvPr>
-            <p:ph idx="1" type="body"/>
+            <p:ph type="body" idx="1"/>
           </p:nvPr>
         </p:nvSpPr>
         <p:spPr>
@@ -7324,11 +7466,11 @@
           </a:ln>
         </p:spPr>
         <p:txBody>
-          <a:bodyPr anchorCtr="0" anchor="t" bIns="0" lIns="0" spcFirstLastPara="1" rIns="0" wrap="square" tIns="0">
+          <a:bodyPr spcFirstLastPara="1" wrap="square" lIns="0" tIns="0" rIns="0" bIns="0" anchor="t" anchorCtr="0">
             <a:noAutofit/>
           </a:bodyPr>
           <a:lstStyle>
-            <a:lvl1pPr indent="-228600" lvl="0" marL="457200" algn="l">
+            <a:lvl1pPr marL="457200" lvl="0" indent="-228600" algn="l">
               <a:lnSpc>
                 <a:spcPct val="100000"/>
               </a:lnSpc>
@@ -7342,7 +7484,7 @@
               <a:buNone/>
               <a:defRPr/>
             </a:lvl1pPr>
-            <a:lvl2pPr indent="-342900" lvl="1" marL="914400" algn="l">
+            <a:lvl2pPr marL="914400" lvl="1" indent="-342900" algn="l">
               <a:lnSpc>
                 <a:spcPct val="100000"/>
               </a:lnSpc>
@@ -7356,7 +7498,7 @@
               <a:buChar char="▪"/>
               <a:defRPr/>
             </a:lvl2pPr>
-            <a:lvl3pPr indent="-342900" lvl="2" marL="1371600" algn="l">
+            <a:lvl3pPr marL="1371600" lvl="2" indent="-342900" algn="l">
               <a:lnSpc>
                 <a:spcPct val="100000"/>
               </a:lnSpc>
@@ -7370,7 +7512,7 @@
               <a:buChar char="▪"/>
               <a:defRPr/>
             </a:lvl3pPr>
-            <a:lvl4pPr indent="-342900" lvl="3" marL="1828800" algn="l">
+            <a:lvl4pPr marL="1828800" lvl="3" indent="-342900" algn="l">
               <a:lnSpc>
                 <a:spcPct val="100000"/>
               </a:lnSpc>
@@ -7384,7 +7526,7 @@
               <a:buChar char="▪"/>
               <a:defRPr/>
             </a:lvl4pPr>
-            <a:lvl5pPr indent="-342900" lvl="4" marL="2286000" algn="l">
+            <a:lvl5pPr marL="2286000" lvl="4" indent="-342900" algn="l">
               <a:lnSpc>
                 <a:spcPct val="100000"/>
               </a:lnSpc>
@@ -7398,7 +7540,7 @@
               <a:buChar char="▪"/>
               <a:defRPr/>
             </a:lvl5pPr>
-            <a:lvl6pPr indent="-342900" lvl="5" marL="2743200" algn="l">
+            <a:lvl6pPr marL="2743200" lvl="5" indent="-342900" algn="l">
               <a:lnSpc>
                 <a:spcPct val="100000"/>
               </a:lnSpc>
@@ -7415,7 +7557,7 @@
               <a:buChar char="▪"/>
               <a:defRPr/>
             </a:lvl6pPr>
-            <a:lvl7pPr indent="-342900" lvl="6" marL="3200400" algn="l">
+            <a:lvl7pPr marL="3200400" lvl="6" indent="-342900" algn="l">
               <a:lnSpc>
                 <a:spcPct val="100000"/>
               </a:lnSpc>
@@ -7432,7 +7574,7 @@
               <a:buChar char="▪"/>
               <a:defRPr/>
             </a:lvl7pPr>
-            <a:lvl8pPr indent="-342900" lvl="7" marL="3657600" algn="l">
+            <a:lvl8pPr marL="3657600" lvl="7" indent="-342900" algn="l">
               <a:lnSpc>
                 <a:spcPct val="100000"/>
               </a:lnSpc>
@@ -7449,7 +7591,7 @@
               <a:buChar char="▪"/>
               <a:defRPr/>
             </a:lvl8pPr>
-            <a:lvl9pPr indent="-342900" lvl="8" marL="4114800" algn="l">
+            <a:lvl9pPr marL="4114800" lvl="8" indent="-342900" algn="l">
               <a:lnSpc>
                 <a:spcPct val="100000"/>
               </a:lnSpc>
@@ -7467,15 +7609,19 @@
               <a:defRPr/>
             </a:lvl9pPr>
           </a:lstStyle>
-          <a:p/>
+          <a:p>
+            <a:endParaRPr/>
+          </a:p>
         </p:txBody>
       </p:sp>
       <p:sp>
         <p:nvSpPr>
           <p:cNvPr id="44" name="Google Shape;44;p9"/>
-          <p:cNvSpPr txBox="1"/>
+          <p:cNvSpPr txBox="1">
+            <a:spLocks noGrp="1"/>
+          </p:cNvSpPr>
           <p:nvPr>
-            <p:ph idx="2" type="body"/>
+            <p:ph type="body" idx="2"/>
           </p:nvPr>
         </p:nvSpPr>
         <p:spPr>
@@ -7492,11 +7638,11 @@
           </a:ln>
         </p:spPr>
         <p:txBody>
-          <a:bodyPr anchorCtr="0" anchor="t" bIns="0" lIns="0" spcFirstLastPara="1" rIns="0" wrap="square" tIns="0">
+          <a:bodyPr spcFirstLastPara="1" wrap="square" lIns="0" tIns="0" rIns="0" bIns="0" anchor="t" anchorCtr="0">
             <a:noAutofit/>
           </a:bodyPr>
           <a:lstStyle>
-            <a:lvl1pPr indent="-228600" lvl="0" marL="457200" algn="l">
+            <a:lvl1pPr marL="457200" lvl="0" indent="-228600" algn="l">
               <a:lnSpc>
                 <a:spcPct val="100000"/>
               </a:lnSpc>
@@ -7510,7 +7656,7 @@
               <a:buNone/>
               <a:defRPr/>
             </a:lvl1pPr>
-            <a:lvl2pPr indent="-342900" lvl="1" marL="914400" algn="l">
+            <a:lvl2pPr marL="914400" lvl="1" indent="-342900" algn="l">
               <a:lnSpc>
                 <a:spcPct val="100000"/>
               </a:lnSpc>
@@ -7524,7 +7670,7 @@
               <a:buChar char="▪"/>
               <a:defRPr/>
             </a:lvl2pPr>
-            <a:lvl3pPr indent="-342900" lvl="2" marL="1371600" algn="l">
+            <a:lvl3pPr marL="1371600" lvl="2" indent="-342900" algn="l">
               <a:lnSpc>
                 <a:spcPct val="100000"/>
               </a:lnSpc>
@@ -7538,7 +7684,7 @@
               <a:buChar char="▪"/>
               <a:defRPr/>
             </a:lvl3pPr>
-            <a:lvl4pPr indent="-342900" lvl="3" marL="1828800" algn="l">
+            <a:lvl4pPr marL="1828800" lvl="3" indent="-342900" algn="l">
               <a:lnSpc>
                 <a:spcPct val="100000"/>
               </a:lnSpc>
@@ -7552,7 +7698,7 @@
               <a:buChar char="▪"/>
               <a:defRPr/>
             </a:lvl4pPr>
-            <a:lvl5pPr indent="-342900" lvl="4" marL="2286000" algn="l">
+            <a:lvl5pPr marL="2286000" lvl="4" indent="-342900" algn="l">
               <a:lnSpc>
                 <a:spcPct val="100000"/>
               </a:lnSpc>
@@ -7566,7 +7712,7 @@
               <a:buChar char="▪"/>
               <a:defRPr/>
             </a:lvl5pPr>
-            <a:lvl6pPr indent="-342900" lvl="5" marL="2743200" algn="l">
+            <a:lvl6pPr marL="2743200" lvl="5" indent="-342900" algn="l">
               <a:lnSpc>
                 <a:spcPct val="100000"/>
               </a:lnSpc>
@@ -7583,7 +7729,7 @@
               <a:buChar char="▪"/>
               <a:defRPr/>
             </a:lvl6pPr>
-            <a:lvl7pPr indent="-342900" lvl="6" marL="3200400" algn="l">
+            <a:lvl7pPr marL="3200400" lvl="6" indent="-342900" algn="l">
               <a:lnSpc>
                 <a:spcPct val="100000"/>
               </a:lnSpc>
@@ -7600,7 +7746,7 @@
               <a:buChar char="▪"/>
               <a:defRPr/>
             </a:lvl7pPr>
-            <a:lvl8pPr indent="-342900" lvl="7" marL="3657600" algn="l">
+            <a:lvl8pPr marL="3657600" lvl="7" indent="-342900" algn="l">
               <a:lnSpc>
                 <a:spcPct val="100000"/>
               </a:lnSpc>
@@ -7617,7 +7763,7 @@
               <a:buChar char="▪"/>
               <a:defRPr/>
             </a:lvl8pPr>
-            <a:lvl9pPr indent="-342900" lvl="8" marL="4114800" algn="l">
+            <a:lvl9pPr marL="4114800" lvl="8" indent="-342900" algn="l">
               <a:lnSpc>
                 <a:spcPct val="100000"/>
               </a:lnSpc>
@@ -7635,7 +7781,9 @@
               <a:defRPr/>
             </a:lvl9pPr>
           </a:lstStyle>
-          <a:p/>
+          <a:p>
+            <a:endParaRPr/>
+          </a:p>
         </p:txBody>
       </p:sp>
     </p:spTree>
@@ -7647,11 +7795,11 @@
 </file>
 
 <file path=ppt/slideLayouts/slideLayout9.xml><?xml version="1.0" encoding="utf-8"?>
-<p:sldLayout xmlns:a="http://schemas.openxmlformats.org/drawingml/2006/main" xmlns:r="http://schemas.openxmlformats.org/officeDocument/2006/relationships" xmlns:mc="http://schemas.openxmlformats.org/markup-compatibility/2006" xmlns:mv="urn:schemas-microsoft-com:mac:vml" xmlns:p="http://schemas.openxmlformats.org/presentationml/2006/main" xmlns:c="http://schemas.openxmlformats.org/drawingml/2006/chart" xmlns:dgm="http://schemas.openxmlformats.org/drawingml/2006/diagram" xmlns:o="urn:schemas-microsoft-com:office:office" xmlns:v="urn:schemas-microsoft-com:vml" xmlns:pvml="urn:schemas-microsoft-com:office:powerpoint" xmlns:com="http://schemas.openxmlformats.org/drawingml/2006/compatibility" xmlns:p14="http://schemas.microsoft.com/office/powerpoint/2010/main" xmlns:p15="http://schemas.microsoft.com/office/powerpoint/2012/main" xmlns:ahyp="http://schemas.microsoft.com/office/drawing/2018/hyperlinkcolor" matchingName="Zwischentitel und Gliederung">
+<p:sldLayout xmlns:a="http://schemas.openxmlformats.org/drawingml/2006/main" xmlns:r="http://schemas.openxmlformats.org/officeDocument/2006/relationships" xmlns:p="http://schemas.openxmlformats.org/presentationml/2006/main" matchingName="Zwischentitel und Gliederung">
   <p:cSld name="Zwischentitel und Gliederung">
     <p:spTree>
       <p:nvGrpSpPr>
-        <p:cNvPr id="45" name="Shape 45"/>
+        <p:cNvPr id="1" name="Shape 45"/>
         <p:cNvGrpSpPr/>
         <p:nvPr/>
       </p:nvGrpSpPr>
@@ -7685,12 +7833,12 @@
           </a:ln>
         </p:spPr>
         <p:txBody>
-          <a:bodyPr anchorCtr="0" anchor="ctr" bIns="45700" lIns="91425" spcFirstLastPara="1" rIns="91425" wrap="square" tIns="45700">
+          <a:bodyPr spcFirstLastPara="1" wrap="square" lIns="91425" tIns="45700" rIns="91425" bIns="45700" anchor="ctr" anchorCtr="0">
             <a:noAutofit/>
           </a:bodyPr>
           <a:lstStyle/>
           <a:p>
-            <a:pPr indent="0" lvl="0" marL="0" marR="0" rtl="0" algn="ctr">
+            <a:pPr marL="0" marR="0" lvl="0" indent="0" algn="ctr" rtl="0">
               <a:lnSpc>
                 <a:spcPct val="100000"/>
               </a:lnSpc>
@@ -7707,10 +7855,7 @@
               <a:buFont typeface="Arial"/>
               <a:buNone/>
             </a:pPr>
-            <a:r>
-              <a:t/>
-            </a:r>
-            <a:endParaRPr b="0" i="0" sz="1800" u="none" cap="none" strike="noStrike">
+            <a:endParaRPr sz="1800" b="0" i="0" u="none" strike="noStrike" cap="none">
               <a:solidFill>
                 <a:schemeClr val="accent2"/>
               </a:solidFill>
@@ -7725,7 +7870,9 @@
       <p:sp>
         <p:nvSpPr>
           <p:cNvPr id="47" name="Google Shape;47;p10"/>
-          <p:cNvSpPr txBox="1"/>
+          <p:cNvSpPr txBox="1">
+            <a:spLocks noGrp="1"/>
+          </p:cNvSpPr>
           <p:nvPr>
             <p:ph type="title"/>
           </p:nvPr>
@@ -7744,7 +7891,7 @@
           </a:ln>
         </p:spPr>
         <p:txBody>
-          <a:bodyPr anchorCtr="0" anchor="b" bIns="0" lIns="0" spcFirstLastPara="1" rIns="0" wrap="square" tIns="0">
+          <a:bodyPr spcFirstLastPara="1" wrap="square" lIns="0" tIns="0" rIns="0" bIns="0" anchor="b" anchorCtr="0">
             <a:noAutofit/>
           </a:bodyPr>
           <a:lstStyle>
@@ -7879,15 +8026,19 @@
               <a:defRPr/>
             </a:lvl9pPr>
           </a:lstStyle>
-          <a:p/>
+          <a:p>
+            <a:endParaRPr/>
+          </a:p>
         </p:txBody>
       </p:sp>
       <p:sp>
         <p:nvSpPr>
           <p:cNvPr id="48" name="Google Shape;48;p10"/>
-          <p:cNvSpPr txBox="1"/>
+          <p:cNvSpPr txBox="1">
+            <a:spLocks noGrp="1"/>
+          </p:cNvSpPr>
           <p:nvPr>
-            <p:ph idx="1" type="body"/>
+            <p:ph type="body" idx="1"/>
           </p:nvPr>
         </p:nvSpPr>
         <p:spPr>
@@ -7904,11 +8055,11 @@
           </a:ln>
         </p:spPr>
         <p:txBody>
-          <a:bodyPr anchorCtr="0" anchor="t" bIns="0" lIns="0" spcFirstLastPara="1" rIns="0" wrap="square" tIns="0">
+          <a:bodyPr spcFirstLastPara="1" wrap="square" lIns="0" tIns="0" rIns="0" bIns="0" anchor="t" anchorCtr="0">
             <a:noAutofit/>
           </a:bodyPr>
           <a:lstStyle>
-            <a:lvl1pPr indent="-228600" lvl="0" marL="457200" algn="l">
+            <a:lvl1pPr marL="457200" lvl="0" indent="-228600" algn="l">
               <a:lnSpc>
                 <a:spcPct val="100000"/>
               </a:lnSpc>
@@ -7922,7 +8073,7 @@
               <a:buNone/>
               <a:defRPr/>
             </a:lvl1pPr>
-            <a:lvl2pPr indent="-342900" lvl="1" marL="914400" algn="l">
+            <a:lvl2pPr marL="914400" lvl="1" indent="-342900" algn="l">
               <a:lnSpc>
                 <a:spcPct val="100000"/>
               </a:lnSpc>
@@ -7936,7 +8087,7 @@
               <a:buChar char="▪"/>
               <a:defRPr/>
             </a:lvl2pPr>
-            <a:lvl3pPr indent="-342900" lvl="2" marL="1371600" algn="l">
+            <a:lvl3pPr marL="1371600" lvl="2" indent="-342900" algn="l">
               <a:lnSpc>
                 <a:spcPct val="100000"/>
               </a:lnSpc>
@@ -7950,7 +8101,7 @@
               <a:buChar char="▪"/>
               <a:defRPr/>
             </a:lvl3pPr>
-            <a:lvl4pPr indent="-342900" lvl="3" marL="1828800" algn="l">
+            <a:lvl4pPr marL="1828800" lvl="3" indent="-342900" algn="l">
               <a:lnSpc>
                 <a:spcPct val="100000"/>
               </a:lnSpc>
@@ -7964,7 +8115,7 @@
               <a:buChar char="▪"/>
               <a:defRPr/>
             </a:lvl4pPr>
-            <a:lvl5pPr indent="-342900" lvl="4" marL="2286000" algn="l">
+            <a:lvl5pPr marL="2286000" lvl="4" indent="-342900" algn="l">
               <a:lnSpc>
                 <a:spcPct val="100000"/>
               </a:lnSpc>
@@ -7978,7 +8129,7 @@
               <a:buChar char="▪"/>
               <a:defRPr/>
             </a:lvl5pPr>
-            <a:lvl6pPr indent="-342900" lvl="5" marL="2743200" algn="l">
+            <a:lvl6pPr marL="2743200" lvl="5" indent="-342900" algn="l">
               <a:lnSpc>
                 <a:spcPct val="100000"/>
               </a:lnSpc>
@@ -7995,7 +8146,7 @@
               <a:buChar char="▪"/>
               <a:defRPr/>
             </a:lvl6pPr>
-            <a:lvl7pPr indent="-342900" lvl="6" marL="3200400" algn="l">
+            <a:lvl7pPr marL="3200400" lvl="6" indent="-342900" algn="l">
               <a:lnSpc>
                 <a:spcPct val="100000"/>
               </a:lnSpc>
@@ -8012,7 +8163,7 @@
               <a:buChar char="▪"/>
               <a:defRPr/>
             </a:lvl7pPr>
-            <a:lvl8pPr indent="-342900" lvl="7" marL="3657600" algn="l">
+            <a:lvl8pPr marL="3657600" lvl="7" indent="-342900" algn="l">
               <a:lnSpc>
                 <a:spcPct val="100000"/>
               </a:lnSpc>
@@ -8029,7 +8180,7 @@
               <a:buChar char="▪"/>
               <a:defRPr/>
             </a:lvl8pPr>
-            <a:lvl9pPr indent="-342900" lvl="8" marL="4114800" algn="l">
+            <a:lvl9pPr marL="4114800" lvl="8" indent="-342900" algn="l">
               <a:lnSpc>
                 <a:spcPct val="100000"/>
               </a:lnSpc>
@@ -8047,7 +8198,9 @@
               <a:defRPr/>
             </a:lvl9pPr>
           </a:lstStyle>
-          <a:p/>
+          <a:p>
+            <a:endParaRPr/>
+          </a:p>
         </p:txBody>
       </p:sp>
     </p:spTree>
@@ -8059,18 +8212,19 @@
 </file>
 
 <file path=ppt/slideMasters/slideMaster1.xml><?xml version="1.0" encoding="utf-8"?>
-<p:sldMaster xmlns:a="http://schemas.openxmlformats.org/drawingml/2006/main" xmlns:r="http://schemas.openxmlformats.org/officeDocument/2006/relationships" xmlns:mc="http://schemas.openxmlformats.org/markup-compatibility/2006" xmlns:mv="urn:schemas-microsoft-com:mac:vml" xmlns:p="http://schemas.openxmlformats.org/presentationml/2006/main" xmlns:c="http://schemas.openxmlformats.org/drawingml/2006/chart" xmlns:dgm="http://schemas.openxmlformats.org/drawingml/2006/diagram" xmlns:o="urn:schemas-microsoft-com:office:office" xmlns:v="urn:schemas-microsoft-com:vml" xmlns:pvml="urn:schemas-microsoft-com:office:powerpoint" xmlns:com="http://schemas.openxmlformats.org/drawingml/2006/compatibility" xmlns:p14="http://schemas.microsoft.com/office/powerpoint/2010/main" xmlns:p15="http://schemas.microsoft.com/office/powerpoint/2012/main" xmlns:ahyp="http://schemas.microsoft.com/office/drawing/2018/hyperlinkcolor">
+<p:sldMaster xmlns:a="http://schemas.openxmlformats.org/drawingml/2006/main" xmlns:r="http://schemas.openxmlformats.org/officeDocument/2006/relationships" xmlns:p="http://schemas.openxmlformats.org/presentationml/2006/main">
   <p:cSld>
     <p:bg>
       <p:bgPr>
         <a:solidFill>
           <a:schemeClr val="lt1"/>
         </a:solidFill>
+        <a:effectLst/>
       </p:bgPr>
     </p:bg>
     <p:spTree>
       <p:nvGrpSpPr>
-        <p:cNvPr id="5" name="Shape 5"/>
+        <p:cNvPr id="1" name="Shape 5"/>
         <p:cNvGrpSpPr/>
         <p:nvPr/>
       </p:nvGrpSpPr>
@@ -8085,7 +8239,9 @@
       <p:sp>
         <p:nvSpPr>
           <p:cNvPr id="6" name="Google Shape;6;p1"/>
-          <p:cNvSpPr txBox="1"/>
+          <p:cNvSpPr txBox="1">
+            <a:spLocks noGrp="1"/>
+          </p:cNvSpPr>
           <p:nvPr>
             <p:ph type="title"/>
           </p:nvPr>
@@ -8104,11 +8260,11 @@
           </a:ln>
         </p:spPr>
         <p:txBody>
-          <a:bodyPr anchorCtr="0" anchor="b" bIns="0" lIns="0" spcFirstLastPara="1" rIns="0" wrap="square" tIns="0">
+          <a:bodyPr spcFirstLastPara="1" wrap="square" lIns="0" tIns="0" rIns="0" bIns="0" anchor="b" anchorCtr="0">
             <a:noAutofit/>
           </a:bodyPr>
           <a:lstStyle>
-            <a:lvl1pPr lvl="0" marR="0" rtl="0" algn="l">
+            <a:lvl1pPr marR="0" lvl="0" algn="l" rtl="0">
               <a:lnSpc>
                 <a:spcPct val="100000"/>
               </a:lnSpc>
@@ -8124,7 +8280,7 @@
               <a:buSzPts val="1400"/>
               <a:buFont typeface="Arial"/>
               <a:buNone/>
-              <a:defRPr b="1" i="0" sz="2200" u="none" cap="none" strike="noStrike">
+              <a:defRPr sz="2200" b="1" i="0" u="none" strike="noStrike" cap="none">
                 <a:solidFill>
                   <a:schemeClr val="dk1"/>
                 </a:solidFill>
@@ -8134,7 +8290,7 @@
                 <a:sym typeface="Arial"/>
               </a:defRPr>
             </a:lvl1pPr>
-            <a:lvl2pPr lvl="1" marR="0" rtl="0" algn="l">
+            <a:lvl2pPr marR="0" lvl="1" algn="l" rtl="0">
               <a:lnSpc>
                 <a:spcPct val="100000"/>
               </a:lnSpc>
@@ -8150,7 +8306,7 @@
               <a:buSzPts val="1400"/>
               <a:buFont typeface="Arial"/>
               <a:buNone/>
-              <a:defRPr b="1" i="0" sz="2200" u="none" cap="none" strike="noStrike">
+              <a:defRPr sz="2200" b="1" i="0" u="none" strike="noStrike" cap="none">
                 <a:solidFill>
                   <a:schemeClr val="dk1"/>
                 </a:solidFill>
@@ -8160,7 +8316,7 @@
                 <a:sym typeface="Arial"/>
               </a:defRPr>
             </a:lvl2pPr>
-            <a:lvl3pPr lvl="2" marR="0" rtl="0" algn="l">
+            <a:lvl3pPr marR="0" lvl="2" algn="l" rtl="0">
               <a:lnSpc>
                 <a:spcPct val="100000"/>
               </a:lnSpc>
@@ -8176,7 +8332,7 @@
               <a:buSzPts val="1400"/>
               <a:buFont typeface="Arial"/>
               <a:buNone/>
-              <a:defRPr b="1" i="0" sz="2200" u="none" cap="none" strike="noStrike">
+              <a:defRPr sz="2200" b="1" i="0" u="none" strike="noStrike" cap="none">
                 <a:solidFill>
                   <a:schemeClr val="dk1"/>
                 </a:solidFill>
@@ -8186,7 +8342,7 @@
                 <a:sym typeface="Arial"/>
               </a:defRPr>
             </a:lvl3pPr>
-            <a:lvl4pPr lvl="3" marR="0" rtl="0" algn="l">
+            <a:lvl4pPr marR="0" lvl="3" algn="l" rtl="0">
               <a:lnSpc>
                 <a:spcPct val="100000"/>
               </a:lnSpc>
@@ -8202,7 +8358,7 @@
               <a:buSzPts val="1400"/>
               <a:buFont typeface="Arial"/>
               <a:buNone/>
-              <a:defRPr b="1" i="0" sz="2200" u="none" cap="none" strike="noStrike">
+              <a:defRPr sz="2200" b="1" i="0" u="none" strike="noStrike" cap="none">
                 <a:solidFill>
                   <a:schemeClr val="dk1"/>
                 </a:solidFill>
@@ -8212,7 +8368,7 @@
                 <a:sym typeface="Arial"/>
               </a:defRPr>
             </a:lvl4pPr>
-            <a:lvl5pPr lvl="4" marR="0" rtl="0" algn="l">
+            <a:lvl5pPr marR="0" lvl="4" algn="l" rtl="0">
               <a:lnSpc>
                 <a:spcPct val="100000"/>
               </a:lnSpc>
@@ -8228,7 +8384,7 @@
               <a:buSzPts val="1400"/>
               <a:buFont typeface="Arial"/>
               <a:buNone/>
-              <a:defRPr b="1" i="0" sz="2200" u="none" cap="none" strike="noStrike">
+              <a:defRPr sz="2200" b="1" i="0" u="none" strike="noStrike" cap="none">
                 <a:solidFill>
                   <a:schemeClr val="dk1"/>
                 </a:solidFill>
@@ -8238,7 +8394,7 @@
                 <a:sym typeface="Arial"/>
               </a:defRPr>
             </a:lvl5pPr>
-            <a:lvl6pPr lvl="5" marR="0" rtl="0" algn="l">
+            <a:lvl6pPr marR="0" lvl="5" algn="l" rtl="0">
               <a:lnSpc>
                 <a:spcPct val="100000"/>
               </a:lnSpc>
@@ -8254,7 +8410,7 @@
               <a:buSzPts val="1400"/>
               <a:buFont typeface="Arial"/>
               <a:buNone/>
-              <a:defRPr b="1" i="0" sz="2200" u="none" cap="none" strike="noStrike">
+              <a:defRPr sz="2200" b="1" i="0" u="none" strike="noStrike" cap="none">
                 <a:solidFill>
                   <a:schemeClr val="dk1"/>
                 </a:solidFill>
@@ -8264,7 +8420,7 @@
                 <a:sym typeface="Arial"/>
               </a:defRPr>
             </a:lvl6pPr>
-            <a:lvl7pPr lvl="6" marR="0" rtl="0" algn="l">
+            <a:lvl7pPr marR="0" lvl="6" algn="l" rtl="0">
               <a:lnSpc>
                 <a:spcPct val="100000"/>
               </a:lnSpc>
@@ -8280,7 +8436,7 @@
               <a:buSzPts val="1400"/>
               <a:buFont typeface="Arial"/>
               <a:buNone/>
-              <a:defRPr b="1" i="0" sz="2200" u="none" cap="none" strike="noStrike">
+              <a:defRPr sz="2200" b="1" i="0" u="none" strike="noStrike" cap="none">
                 <a:solidFill>
                   <a:schemeClr val="dk1"/>
                 </a:solidFill>
@@ -8290,7 +8446,7 @@
                 <a:sym typeface="Arial"/>
               </a:defRPr>
             </a:lvl7pPr>
-            <a:lvl8pPr lvl="7" marR="0" rtl="0" algn="l">
+            <a:lvl8pPr marR="0" lvl="7" algn="l" rtl="0">
               <a:lnSpc>
                 <a:spcPct val="100000"/>
               </a:lnSpc>
@@ -8306,7 +8462,7 @@
               <a:buSzPts val="1400"/>
               <a:buFont typeface="Arial"/>
               <a:buNone/>
-              <a:defRPr b="1" i="0" sz="2200" u="none" cap="none" strike="noStrike">
+              <a:defRPr sz="2200" b="1" i="0" u="none" strike="noStrike" cap="none">
                 <a:solidFill>
                   <a:schemeClr val="dk1"/>
                 </a:solidFill>
@@ -8316,7 +8472,7 @@
                 <a:sym typeface="Arial"/>
               </a:defRPr>
             </a:lvl8pPr>
-            <a:lvl9pPr lvl="8" marR="0" rtl="0" algn="l">
+            <a:lvl9pPr marR="0" lvl="8" algn="l" rtl="0">
               <a:lnSpc>
                 <a:spcPct val="100000"/>
               </a:lnSpc>
@@ -8332,7 +8488,7 @@
               <a:buSzPts val="1400"/>
               <a:buFont typeface="Arial"/>
               <a:buNone/>
-              <a:defRPr b="1" i="0" sz="2200" u="none" cap="none" strike="noStrike">
+              <a:defRPr sz="2200" b="1" i="0" u="none" strike="noStrike" cap="none">
                 <a:solidFill>
                   <a:schemeClr val="dk1"/>
                 </a:solidFill>
@@ -8343,15 +8499,19 @@
               </a:defRPr>
             </a:lvl9pPr>
           </a:lstStyle>
-          <a:p/>
+          <a:p>
+            <a:endParaRPr/>
+          </a:p>
         </p:txBody>
       </p:sp>
       <p:sp>
         <p:nvSpPr>
           <p:cNvPr id="7" name="Google Shape;7;p1"/>
-          <p:cNvSpPr txBox="1"/>
+          <p:cNvSpPr txBox="1">
+            <a:spLocks noGrp="1"/>
+          </p:cNvSpPr>
           <p:nvPr>
-            <p:ph idx="1" type="body"/>
+            <p:ph type="body" idx="1"/>
           </p:nvPr>
         </p:nvSpPr>
         <p:spPr>
@@ -8368,11 +8528,11 @@
           </a:ln>
         </p:spPr>
         <p:txBody>
-          <a:bodyPr anchorCtr="0" anchor="t" bIns="0" lIns="0" spcFirstLastPara="1" rIns="0" wrap="square" tIns="0">
+          <a:bodyPr spcFirstLastPara="1" wrap="square" lIns="0" tIns="0" rIns="0" bIns="0" anchor="t" anchorCtr="0">
             <a:noAutofit/>
           </a:bodyPr>
           <a:lstStyle>
-            <a:lvl1pPr indent="-228600" lvl="0" marL="457200" marR="0" rtl="0" algn="l">
+            <a:lvl1pPr marL="457200" marR="0" lvl="0" indent="-228600" algn="l" rtl="0">
               <a:lnSpc>
                 <a:spcPct val="100000"/>
               </a:lnSpc>
@@ -8388,7 +8548,7 @@
               <a:buSzPts val="1400"/>
               <a:buFont typeface="Arial"/>
               <a:buNone/>
-              <a:defRPr b="0" i="0" sz="1600" u="none" cap="none" strike="noStrike">
+              <a:defRPr sz="1600" b="0" i="0" u="none" strike="noStrike" cap="none">
                 <a:solidFill>
                   <a:schemeClr val="dk1"/>
                 </a:solidFill>
@@ -8398,7 +8558,7 @@
                 <a:sym typeface="Arial"/>
               </a:defRPr>
             </a:lvl1pPr>
-            <a:lvl2pPr indent="-330200" lvl="1" marL="914400" marR="0" rtl="0" algn="l">
+            <a:lvl2pPr marL="914400" marR="0" lvl="1" indent="-330200" algn="l" rtl="0">
               <a:lnSpc>
                 <a:spcPct val="100000"/>
               </a:lnSpc>
@@ -8414,7 +8574,7 @@
               <a:buSzPts val="1600"/>
               <a:buFont typeface="Noto Sans Symbols"/>
               <a:buChar char="▪"/>
-              <a:defRPr b="0" i="0" sz="1600" u="none" cap="none" strike="noStrike">
+              <a:defRPr sz="1600" b="0" i="0" u="none" strike="noStrike" cap="none">
                 <a:solidFill>
                   <a:schemeClr val="dk1"/>
                 </a:solidFill>
@@ -8424,7 +8584,7 @@
                 <a:sym typeface="Arial"/>
               </a:defRPr>
             </a:lvl2pPr>
-            <a:lvl3pPr indent="-330200" lvl="2" marL="1371600" marR="0" rtl="0" algn="l">
+            <a:lvl3pPr marL="1371600" marR="0" lvl="2" indent="-330200" algn="l" rtl="0">
               <a:lnSpc>
                 <a:spcPct val="100000"/>
               </a:lnSpc>
@@ -8440,7 +8600,7 @@
               <a:buSzPts val="1600"/>
               <a:buFont typeface="Noto Sans Symbols"/>
               <a:buChar char="▪"/>
-              <a:defRPr b="0" i="0" sz="1600" u="none" cap="none" strike="noStrike">
+              <a:defRPr sz="1600" b="0" i="0" u="none" strike="noStrike" cap="none">
                 <a:solidFill>
                   <a:schemeClr val="dk1"/>
                 </a:solidFill>
@@ -8450,7 +8610,7 @@
                 <a:sym typeface="Arial"/>
               </a:defRPr>
             </a:lvl3pPr>
-            <a:lvl4pPr indent="-330200" lvl="3" marL="1828800" marR="0" rtl="0" algn="l">
+            <a:lvl4pPr marL="1828800" marR="0" lvl="3" indent="-330200" algn="l" rtl="0">
               <a:lnSpc>
                 <a:spcPct val="100000"/>
               </a:lnSpc>
@@ -8466,7 +8626,7 @@
               <a:buSzPts val="1600"/>
               <a:buFont typeface="Noto Sans Symbols"/>
               <a:buChar char="▪"/>
-              <a:defRPr b="0" i="0" sz="1600" u="none" cap="none" strike="noStrike">
+              <a:defRPr sz="1600" b="0" i="0" u="none" strike="noStrike" cap="none">
                 <a:solidFill>
                   <a:schemeClr val="dk1"/>
                 </a:solidFill>
@@ -8476,7 +8636,7 @@
                 <a:sym typeface="Arial"/>
               </a:defRPr>
             </a:lvl4pPr>
-            <a:lvl5pPr indent="-330200" lvl="4" marL="2286000" marR="0" rtl="0" algn="l">
+            <a:lvl5pPr marL="2286000" marR="0" lvl="4" indent="-330200" algn="l" rtl="0">
               <a:lnSpc>
                 <a:spcPct val="100000"/>
               </a:lnSpc>
@@ -8492,7 +8652,7 @@
               <a:buSzPts val="1600"/>
               <a:buFont typeface="Noto Sans Symbols"/>
               <a:buChar char="▪"/>
-              <a:defRPr b="0" i="0" sz="1600" u="none" cap="none" strike="noStrike">
+              <a:defRPr sz="1600" b="0" i="0" u="none" strike="noStrike" cap="none">
                 <a:solidFill>
                   <a:schemeClr val="dk1"/>
                 </a:solidFill>
@@ -8502,7 +8662,7 @@
                 <a:sym typeface="Arial"/>
               </a:defRPr>
             </a:lvl5pPr>
-            <a:lvl6pPr indent="-330200" lvl="5" marL="2743200" marR="0" rtl="0" algn="l">
+            <a:lvl6pPr marL="2743200" marR="0" lvl="5" indent="-330200" algn="l" rtl="0">
               <a:lnSpc>
                 <a:spcPct val="100000"/>
               </a:lnSpc>
@@ -8518,7 +8678,7 @@
               <a:buSzPts val="1600"/>
               <a:buFont typeface="Noto Sans Symbols"/>
               <a:buChar char="▪"/>
-              <a:defRPr b="0" i="0" sz="1600" u="none" cap="none" strike="noStrike">
+              <a:defRPr sz="1600" b="0" i="0" u="none" strike="noStrike" cap="none">
                 <a:solidFill>
                   <a:schemeClr val="dk1"/>
                 </a:solidFill>
@@ -8528,7 +8688,7 @@
                 <a:sym typeface="Arial"/>
               </a:defRPr>
             </a:lvl6pPr>
-            <a:lvl7pPr indent="-330200" lvl="6" marL="3200400" marR="0" rtl="0" algn="l">
+            <a:lvl7pPr marL="3200400" marR="0" lvl="6" indent="-330200" algn="l" rtl="0">
               <a:lnSpc>
                 <a:spcPct val="100000"/>
               </a:lnSpc>
@@ -8544,7 +8704,7 @@
               <a:buSzPts val="1600"/>
               <a:buFont typeface="Noto Sans Symbols"/>
               <a:buChar char="▪"/>
-              <a:defRPr b="0" i="0" sz="1600" u="none" cap="none" strike="noStrike">
+              <a:defRPr sz="1600" b="0" i="0" u="none" strike="noStrike" cap="none">
                 <a:solidFill>
                   <a:schemeClr val="dk1"/>
                 </a:solidFill>
@@ -8554,7 +8714,7 @@
                 <a:sym typeface="Arial"/>
               </a:defRPr>
             </a:lvl7pPr>
-            <a:lvl8pPr indent="-330200" lvl="7" marL="3657600" marR="0" rtl="0" algn="l">
+            <a:lvl8pPr marL="3657600" marR="0" lvl="7" indent="-330200" algn="l" rtl="0">
               <a:lnSpc>
                 <a:spcPct val="100000"/>
               </a:lnSpc>
@@ -8570,7 +8730,7 @@
               <a:buSzPts val="1600"/>
               <a:buFont typeface="Noto Sans Symbols"/>
               <a:buChar char="▪"/>
-              <a:defRPr b="0" i="0" sz="1600" u="none" cap="none" strike="noStrike">
+              <a:defRPr sz="1600" b="0" i="0" u="none" strike="noStrike" cap="none">
                 <a:solidFill>
                   <a:schemeClr val="dk1"/>
                 </a:solidFill>
@@ -8580,7 +8740,7 @@
                 <a:sym typeface="Arial"/>
               </a:defRPr>
             </a:lvl8pPr>
-            <a:lvl9pPr indent="-330200" lvl="8" marL="4114800" marR="0" rtl="0" algn="l">
+            <a:lvl9pPr marL="4114800" marR="0" lvl="8" indent="-330200" algn="l" rtl="0">
               <a:lnSpc>
                 <a:spcPct val="100000"/>
               </a:lnSpc>
@@ -8596,7 +8756,7 @@
               <a:buSzPts val="1600"/>
               <a:buFont typeface="Noto Sans Symbols"/>
               <a:buChar char="▪"/>
-              <a:defRPr b="0" i="0" sz="1600" u="none" cap="none" strike="noStrike">
+              <a:defRPr sz="1600" b="0" i="0" u="none" strike="noStrike" cap="none">
                 <a:solidFill>
                   <a:schemeClr val="dk1"/>
                 </a:solidFill>
@@ -8607,7 +8767,9 @@
               </a:defRPr>
             </a:lvl9pPr>
           </a:lstStyle>
-          <a:p/>
+          <a:p>
+            <a:endParaRPr/>
+          </a:p>
         </p:txBody>
       </p:sp>
       <p:sp>
@@ -8630,12 +8792,12 @@
           </a:ln>
         </p:spPr>
         <p:txBody>
-          <a:bodyPr anchorCtr="0" anchor="t" bIns="0" lIns="0" spcFirstLastPara="1" rIns="0" wrap="square" tIns="0">
+          <a:bodyPr spcFirstLastPara="1" wrap="square" lIns="0" tIns="0" rIns="0" bIns="0" anchor="t" anchorCtr="0">
             <a:spAutoFit/>
           </a:bodyPr>
           <a:lstStyle/>
           <a:p>
-            <a:pPr indent="0" lvl="0" marL="0" marR="0" rtl="0" algn="l">
+            <a:pPr marL="0" marR="0" lvl="0" indent="0" algn="l" rtl="0">
               <a:lnSpc>
                 <a:spcPct val="100000"/>
               </a:lnSpc>
@@ -8653,7 +8815,7 @@
               <a:buNone/>
             </a:pPr>
             <a:r>
-              <a:rPr b="0" i="0" lang="de" sz="800" u="none" cap="none" strike="noStrike">
+              <a:rPr lang="de" sz="800" b="0" i="0" u="none" strike="noStrike" cap="none">
                 <a:solidFill>
                   <a:schemeClr val="dk1"/>
                 </a:solidFill>
@@ -8665,7 +8827,7 @@
               <a:t>David Gemen | Seite </a:t>
             </a:r>
             <a:fld id="{00000000-1234-1234-1234-123412341234}" type="slidenum">
-              <a:rPr b="0" i="0" lang="de" sz="800" u="none" cap="none" strike="noStrike">
+              <a:rPr lang="de" sz="800" b="0" i="0" u="none" strike="noStrike" cap="none">
                 <a:solidFill>
                   <a:schemeClr val="dk1"/>
                 </a:solidFill>
@@ -8674,9 +8836,9 @@
                 <a:cs typeface="Arial"/>
                 <a:sym typeface="Arial"/>
               </a:rPr>
-              <a:t>‹#›</a:t>
+              <a:t>‹Nr.›</a:t>
             </a:fld>
-            <a:endParaRPr b="0" i="0" sz="800" u="none" cap="none" strike="noStrike">
+            <a:endParaRPr sz="800" b="0" i="0" u="none" strike="noStrike" cap="none">
               <a:solidFill>
                 <a:schemeClr val="dk1"/>
               </a:solidFill>
@@ -8687,7 +8849,7 @@
             </a:endParaRPr>
           </a:p>
           <a:p>
-            <a:pPr indent="0" lvl="0" marL="0" marR="0" rtl="0" algn="l">
+            <a:pPr marL="0" marR="0" lvl="0" indent="0" algn="l" rtl="0">
               <a:lnSpc>
                 <a:spcPct val="100000"/>
               </a:lnSpc>
@@ -8704,10 +8866,7 @@
               <a:buFont typeface="Arial"/>
               <a:buNone/>
             </a:pPr>
-            <a:r>
-              <a:t/>
-            </a:r>
-            <a:endParaRPr b="0" i="0" sz="800" u="none" cap="none" strike="noStrike">
+            <a:endParaRPr sz="800" b="0" i="0" u="none" strike="noStrike" cap="none">
               <a:solidFill>
                 <a:schemeClr val="dk1"/>
               </a:solidFill>
@@ -8734,28 +8893,28 @@
             <a:avLst/>
           </a:prstGeom>
           <a:noFill/>
-          <a:ln cap="flat" cmpd="sng" w="9525">
+          <a:ln w="9525" cap="flat" cmpd="sng">
             <a:solidFill>
               <a:srgbClr val="BE1E3C"/>
             </a:solidFill>
             <a:prstDash val="solid"/>
             <a:round/>
-            <a:headEnd len="sm" w="sm" type="none"/>
-            <a:tailEnd len="sm" w="sm" type="none"/>
+            <a:headEnd type="none" w="sm" len="sm"/>
+            <a:tailEnd type="none" w="sm" len="sm"/>
           </a:ln>
         </p:spPr>
       </p:cxnSp>
       <p:pic>
         <p:nvPicPr>
-          <p:cNvPr descr="TUBS_CO_70vH_150dpi" id="10" name="Google Shape;10;p1"/>
+          <p:cNvPr id="10" name="Google Shape;10;p1" descr="TUBS_CO_70vH_150dpi"/>
           <p:cNvPicPr preferRelativeResize="0"/>
           <p:nvPr/>
         </p:nvPicPr>
         <p:blipFill rotWithShape="1">
-          <a:blip r:embed="rId1">
+          <a:blip r:embed="rId16">
             <a:alphaModFix/>
           </a:blip>
-          <a:srcRect b="0" l="0" r="0" t="0"/>
+          <a:srcRect/>
           <a:stretch/>
         </p:blipFill>
         <p:spPr>
@@ -8779,10 +8938,10 @@
           <p:nvPr/>
         </p:nvPicPr>
         <p:blipFill rotWithShape="1">
-          <a:blip r:embed="rId2">
+          <a:blip r:embed="rId17">
             <a:alphaModFix/>
           </a:blip>
-          <a:srcRect b="0" l="0" r="0" t="0"/>
+          <a:srcRect/>
           <a:stretch/>
         </p:blipFill>
         <p:spPr>
@@ -8801,27 +8960,27 @@
       </p:pic>
     </p:spTree>
   </p:cSld>
-  <p:clrMap accent1="accent1" accent2="accent2" accent3="accent3" accent4="accent4" accent5="accent5" accent6="accent6" bg1="lt1" bg2="dk2" tx1="dk1" tx2="lt2" folHlink="folHlink" hlink="hlink"/>
+  <p:clrMap bg1="lt1" tx1="dk1" bg2="dk2" tx2="lt2" accent1="accent1" accent2="accent2" accent3="accent3" accent4="accent4" accent5="accent5" accent6="accent6" hlink="hlink" folHlink="folHlink"/>
   <p:sldLayoutIdLst>
-    <p:sldLayoutId id="2147483648" r:id="rId3"/>
-    <p:sldLayoutId id="2147483649" r:id="rId4"/>
-    <p:sldLayoutId id="2147483650" r:id="rId5"/>
-    <p:sldLayoutId id="2147483651" r:id="rId6"/>
-    <p:sldLayoutId id="2147483652" r:id="rId7"/>
-    <p:sldLayoutId id="2147483653" r:id="rId8"/>
-    <p:sldLayoutId id="2147483654" r:id="rId9"/>
-    <p:sldLayoutId id="2147483655" r:id="rId10"/>
-    <p:sldLayoutId id="2147483656" r:id="rId11"/>
-    <p:sldLayoutId id="2147483657" r:id="rId12"/>
-    <p:sldLayoutId id="2147483658" r:id="rId13"/>
-    <p:sldLayoutId id="2147483659" r:id="rId14"/>
-    <p:sldLayoutId id="2147483660" r:id="rId15"/>
-    <p:sldLayoutId id="2147483661" r:id="rId16"/>
+    <p:sldLayoutId id="2147483648" r:id="rId1"/>
+    <p:sldLayoutId id="2147483649" r:id="rId2"/>
+    <p:sldLayoutId id="2147483650" r:id="rId3"/>
+    <p:sldLayoutId id="2147483651" r:id="rId4"/>
+    <p:sldLayoutId id="2147483652" r:id="rId5"/>
+    <p:sldLayoutId id="2147483653" r:id="rId6"/>
+    <p:sldLayoutId id="2147483654" r:id="rId7"/>
+    <p:sldLayoutId id="2147483655" r:id="rId8"/>
+    <p:sldLayoutId id="2147483656" r:id="rId9"/>
+    <p:sldLayoutId id="2147483657" r:id="rId10"/>
+    <p:sldLayoutId id="2147483658" r:id="rId11"/>
+    <p:sldLayoutId id="2147483659" r:id="rId12"/>
+    <p:sldLayoutId id="2147483660" r:id="rId13"/>
+    <p:sldLayoutId id="2147483661" r:id="rId14"/>
   </p:sldLayoutIdLst>
-  <p:hf dt="0" ftr="0" hdr="0" sldNum="0"/>
+  <p:hf sldNum="0" hdr="0" ftr="0" dt="0"/>
   <p:txStyles>
     <p:titleStyle>
-      <a:defPPr lvl="0" marR="0" rtl="0" algn="l">
+      <a:defPPr marR="0" lvl="0" algn="l" rtl="0">
         <a:lnSpc>
           <a:spcPct val="100000"/>
         </a:lnSpc>
@@ -8832,7 +8991,7 @@
           <a:spcPts val="0"/>
         </a:spcAft>
       </a:defPPr>
-      <a:lvl1pPr lvl="0" marR="0" rtl="0" algn="l">
+      <a:lvl1pPr marR="0" lvl="0" algn="l" rtl="0">
         <a:lnSpc>
           <a:spcPct val="100000"/>
         </a:lnSpc>
@@ -8846,7 +9005,7 @@
           <a:srgbClr val="000000"/>
         </a:buClr>
         <a:buFont typeface="Arial"/>
-        <a:defRPr b="0" i="0" sz="1400" u="none" cap="none" strike="noStrike">
+        <a:defRPr sz="1400" b="0" i="0" u="none" strike="noStrike" cap="none">
           <a:solidFill>
             <a:srgbClr val="000000"/>
           </a:solidFill>
@@ -8856,7 +9015,7 @@
           <a:sym typeface="Arial"/>
         </a:defRPr>
       </a:lvl1pPr>
-      <a:lvl2pPr lvl="1" marR="0" rtl="0" algn="l">
+      <a:lvl2pPr marR="0" lvl="1" algn="l" rtl="0">
         <a:lnSpc>
           <a:spcPct val="100000"/>
         </a:lnSpc>
@@ -8870,7 +9029,7 @@
           <a:srgbClr val="000000"/>
         </a:buClr>
         <a:buFont typeface="Arial"/>
-        <a:defRPr b="0" i="0" sz="1400" u="none" cap="none" strike="noStrike">
+        <a:defRPr sz="1400" b="0" i="0" u="none" strike="noStrike" cap="none">
           <a:solidFill>
             <a:srgbClr val="000000"/>
           </a:solidFill>
@@ -8880,7 +9039,7 @@
           <a:sym typeface="Arial"/>
         </a:defRPr>
       </a:lvl2pPr>
-      <a:lvl3pPr lvl="2" marR="0" rtl="0" algn="l">
+      <a:lvl3pPr marR="0" lvl="2" algn="l" rtl="0">
         <a:lnSpc>
           <a:spcPct val="100000"/>
         </a:lnSpc>
@@ -8894,7 +9053,7 @@
           <a:srgbClr val="000000"/>
         </a:buClr>
         <a:buFont typeface="Arial"/>
-        <a:defRPr b="0" i="0" sz="1400" u="none" cap="none" strike="noStrike">
+        <a:defRPr sz="1400" b="0" i="0" u="none" strike="noStrike" cap="none">
           <a:solidFill>
             <a:srgbClr val="000000"/>
           </a:solidFill>
@@ -8904,7 +9063,7 @@
           <a:sym typeface="Arial"/>
         </a:defRPr>
       </a:lvl3pPr>
-      <a:lvl4pPr lvl="3" marR="0" rtl="0" algn="l">
+      <a:lvl4pPr marR="0" lvl="3" algn="l" rtl="0">
         <a:lnSpc>
           <a:spcPct val="100000"/>
         </a:lnSpc>
@@ -8918,7 +9077,7 @@
           <a:srgbClr val="000000"/>
         </a:buClr>
         <a:buFont typeface="Arial"/>
-        <a:defRPr b="0" i="0" sz="1400" u="none" cap="none" strike="noStrike">
+        <a:defRPr sz="1400" b="0" i="0" u="none" strike="noStrike" cap="none">
           <a:solidFill>
             <a:srgbClr val="000000"/>
           </a:solidFill>
@@ -8928,7 +9087,7 @@
           <a:sym typeface="Arial"/>
         </a:defRPr>
       </a:lvl4pPr>
-      <a:lvl5pPr lvl="4" marR="0" rtl="0" algn="l">
+      <a:lvl5pPr marR="0" lvl="4" algn="l" rtl="0">
         <a:lnSpc>
           <a:spcPct val="100000"/>
         </a:lnSpc>
@@ -8942,7 +9101,7 @@
           <a:srgbClr val="000000"/>
         </a:buClr>
         <a:buFont typeface="Arial"/>
-        <a:defRPr b="0" i="0" sz="1400" u="none" cap="none" strike="noStrike">
+        <a:defRPr sz="1400" b="0" i="0" u="none" strike="noStrike" cap="none">
           <a:solidFill>
             <a:srgbClr val="000000"/>
           </a:solidFill>
@@ -8952,7 +9111,7 @@
           <a:sym typeface="Arial"/>
         </a:defRPr>
       </a:lvl5pPr>
-      <a:lvl6pPr lvl="5" marR="0" rtl="0" algn="l">
+      <a:lvl6pPr marR="0" lvl="5" algn="l" rtl="0">
         <a:lnSpc>
           <a:spcPct val="100000"/>
         </a:lnSpc>
@@ -8966,7 +9125,7 @@
           <a:srgbClr val="000000"/>
         </a:buClr>
         <a:buFont typeface="Arial"/>
-        <a:defRPr b="0" i="0" sz="1400" u="none" cap="none" strike="noStrike">
+        <a:defRPr sz="1400" b="0" i="0" u="none" strike="noStrike" cap="none">
           <a:solidFill>
             <a:srgbClr val="000000"/>
           </a:solidFill>
@@ -8976,7 +9135,7 @@
           <a:sym typeface="Arial"/>
         </a:defRPr>
       </a:lvl6pPr>
-      <a:lvl7pPr lvl="6" marR="0" rtl="0" algn="l">
+      <a:lvl7pPr marR="0" lvl="6" algn="l" rtl="0">
         <a:lnSpc>
           <a:spcPct val="100000"/>
         </a:lnSpc>
@@ -8990,7 +9149,7 @@
           <a:srgbClr val="000000"/>
         </a:buClr>
         <a:buFont typeface="Arial"/>
-        <a:defRPr b="0" i="0" sz="1400" u="none" cap="none" strike="noStrike">
+        <a:defRPr sz="1400" b="0" i="0" u="none" strike="noStrike" cap="none">
           <a:solidFill>
             <a:srgbClr val="000000"/>
           </a:solidFill>
@@ -9000,7 +9159,7 @@
           <a:sym typeface="Arial"/>
         </a:defRPr>
       </a:lvl7pPr>
-      <a:lvl8pPr lvl="7" marR="0" rtl="0" algn="l">
+      <a:lvl8pPr marR="0" lvl="7" algn="l" rtl="0">
         <a:lnSpc>
           <a:spcPct val="100000"/>
         </a:lnSpc>
@@ -9014,7 +9173,7 @@
           <a:srgbClr val="000000"/>
         </a:buClr>
         <a:buFont typeface="Arial"/>
-        <a:defRPr b="0" i="0" sz="1400" u="none" cap="none" strike="noStrike">
+        <a:defRPr sz="1400" b="0" i="0" u="none" strike="noStrike" cap="none">
           <a:solidFill>
             <a:srgbClr val="000000"/>
           </a:solidFill>
@@ -9024,7 +9183,7 @@
           <a:sym typeface="Arial"/>
         </a:defRPr>
       </a:lvl8pPr>
-      <a:lvl9pPr lvl="8" marR="0" rtl="0" algn="l">
+      <a:lvl9pPr marR="0" lvl="8" algn="l" rtl="0">
         <a:lnSpc>
           <a:spcPct val="100000"/>
         </a:lnSpc>
@@ -9038,7 +9197,7 @@
           <a:srgbClr val="000000"/>
         </a:buClr>
         <a:buFont typeface="Arial"/>
-        <a:defRPr b="0" i="0" sz="1400" u="none" cap="none" strike="noStrike">
+        <a:defRPr sz="1400" b="0" i="0" u="none" strike="noStrike" cap="none">
           <a:solidFill>
             <a:srgbClr val="000000"/>
           </a:solidFill>
@@ -9050,7 +9209,7 @@
       </a:lvl9pPr>
     </p:titleStyle>
     <p:bodyStyle>
-      <a:defPPr lvl="0" marR="0" rtl="0" algn="l">
+      <a:defPPr marR="0" lvl="0" algn="l" rtl="0">
         <a:lnSpc>
           <a:spcPct val="100000"/>
         </a:lnSpc>
@@ -9061,7 +9220,7 @@
           <a:spcPts val="0"/>
         </a:spcAft>
       </a:defPPr>
-      <a:lvl1pPr lvl="0" marR="0" rtl="0" algn="l">
+      <a:lvl1pPr marR="0" lvl="0" algn="l" rtl="0">
         <a:lnSpc>
           <a:spcPct val="100000"/>
         </a:lnSpc>
@@ -9075,7 +9234,7 @@
           <a:srgbClr val="000000"/>
         </a:buClr>
         <a:buFont typeface="Arial"/>
-        <a:defRPr b="0" i="0" sz="1400" u="none" cap="none" strike="noStrike">
+        <a:defRPr sz="1400" b="0" i="0" u="none" strike="noStrike" cap="none">
           <a:solidFill>
             <a:srgbClr val="000000"/>
           </a:solidFill>
@@ -9085,7 +9244,7 @@
           <a:sym typeface="Arial"/>
         </a:defRPr>
       </a:lvl1pPr>
-      <a:lvl2pPr lvl="1" marR="0" rtl="0" algn="l">
+      <a:lvl2pPr marR="0" lvl="1" algn="l" rtl="0">
         <a:lnSpc>
           <a:spcPct val="100000"/>
         </a:lnSpc>
@@ -9099,7 +9258,7 @@
           <a:srgbClr val="000000"/>
         </a:buClr>
         <a:buFont typeface="Arial"/>
-        <a:defRPr b="0" i="0" sz="1400" u="none" cap="none" strike="noStrike">
+        <a:defRPr sz="1400" b="0" i="0" u="none" strike="noStrike" cap="none">
           <a:solidFill>
             <a:srgbClr val="000000"/>
           </a:solidFill>
@@ -9109,7 +9268,7 @@
           <a:sym typeface="Arial"/>
         </a:defRPr>
       </a:lvl2pPr>
-      <a:lvl3pPr lvl="2" marR="0" rtl="0" algn="l">
+      <a:lvl3pPr marR="0" lvl="2" algn="l" rtl="0">
         <a:lnSpc>
           <a:spcPct val="100000"/>
         </a:lnSpc>
@@ -9123,7 +9282,7 @@
           <a:srgbClr val="000000"/>
         </a:buClr>
         <a:buFont typeface="Arial"/>
-        <a:defRPr b="0" i="0" sz="1400" u="none" cap="none" strike="noStrike">
+        <a:defRPr sz="1400" b="0" i="0" u="none" strike="noStrike" cap="none">
           <a:solidFill>
             <a:srgbClr val="000000"/>
           </a:solidFill>
@@ -9133,7 +9292,7 @@
           <a:sym typeface="Arial"/>
         </a:defRPr>
       </a:lvl3pPr>
-      <a:lvl4pPr lvl="3" marR="0" rtl="0" algn="l">
+      <a:lvl4pPr marR="0" lvl="3" algn="l" rtl="0">
         <a:lnSpc>
           <a:spcPct val="100000"/>
         </a:lnSpc>
@@ -9147,7 +9306,7 @@
           <a:srgbClr val="000000"/>
         </a:buClr>
         <a:buFont typeface="Arial"/>
-        <a:defRPr b="0" i="0" sz="1400" u="none" cap="none" strike="noStrike">
+        <a:defRPr sz="1400" b="0" i="0" u="none" strike="noStrike" cap="none">
           <a:solidFill>
             <a:srgbClr val="000000"/>
           </a:solidFill>
@@ -9157,7 +9316,7 @@
           <a:sym typeface="Arial"/>
         </a:defRPr>
       </a:lvl4pPr>
-      <a:lvl5pPr lvl="4" marR="0" rtl="0" algn="l">
+      <a:lvl5pPr marR="0" lvl="4" algn="l" rtl="0">
         <a:lnSpc>
           <a:spcPct val="100000"/>
         </a:lnSpc>
@@ -9171,7 +9330,7 @@
           <a:srgbClr val="000000"/>
         </a:buClr>
         <a:buFont typeface="Arial"/>
-        <a:defRPr b="0" i="0" sz="1400" u="none" cap="none" strike="noStrike">
+        <a:defRPr sz="1400" b="0" i="0" u="none" strike="noStrike" cap="none">
           <a:solidFill>
             <a:srgbClr val="000000"/>
           </a:solidFill>
@@ -9181,7 +9340,7 @@
           <a:sym typeface="Arial"/>
         </a:defRPr>
       </a:lvl5pPr>
-      <a:lvl6pPr lvl="5" marR="0" rtl="0" algn="l">
+      <a:lvl6pPr marR="0" lvl="5" algn="l" rtl="0">
         <a:lnSpc>
           <a:spcPct val="100000"/>
         </a:lnSpc>
@@ -9195,7 +9354,7 @@
           <a:srgbClr val="000000"/>
         </a:buClr>
         <a:buFont typeface="Arial"/>
-        <a:defRPr b="0" i="0" sz="1400" u="none" cap="none" strike="noStrike">
+        <a:defRPr sz="1400" b="0" i="0" u="none" strike="noStrike" cap="none">
           <a:solidFill>
             <a:srgbClr val="000000"/>
           </a:solidFill>
@@ -9205,7 +9364,7 @@
           <a:sym typeface="Arial"/>
         </a:defRPr>
       </a:lvl6pPr>
-      <a:lvl7pPr lvl="6" marR="0" rtl="0" algn="l">
+      <a:lvl7pPr marR="0" lvl="6" algn="l" rtl="0">
         <a:lnSpc>
           <a:spcPct val="100000"/>
         </a:lnSpc>
@@ -9219,7 +9378,7 @@
           <a:srgbClr val="000000"/>
         </a:buClr>
         <a:buFont typeface="Arial"/>
-        <a:defRPr b="0" i="0" sz="1400" u="none" cap="none" strike="noStrike">
+        <a:defRPr sz="1400" b="0" i="0" u="none" strike="noStrike" cap="none">
           <a:solidFill>
             <a:srgbClr val="000000"/>
           </a:solidFill>
@@ -9229,7 +9388,7 @@
           <a:sym typeface="Arial"/>
         </a:defRPr>
       </a:lvl7pPr>
-      <a:lvl8pPr lvl="7" marR="0" rtl="0" algn="l">
+      <a:lvl8pPr marR="0" lvl="7" algn="l" rtl="0">
         <a:lnSpc>
           <a:spcPct val="100000"/>
         </a:lnSpc>
@@ -9243,7 +9402,7 @@
           <a:srgbClr val="000000"/>
         </a:buClr>
         <a:buFont typeface="Arial"/>
-        <a:defRPr b="0" i="0" sz="1400" u="none" cap="none" strike="noStrike">
+        <a:defRPr sz="1400" b="0" i="0" u="none" strike="noStrike" cap="none">
           <a:solidFill>
             <a:srgbClr val="000000"/>
           </a:solidFill>
@@ -9253,7 +9412,7 @@
           <a:sym typeface="Arial"/>
         </a:defRPr>
       </a:lvl8pPr>
-      <a:lvl9pPr lvl="8" marR="0" rtl="0" algn="l">
+      <a:lvl9pPr marR="0" lvl="8" algn="l" rtl="0">
         <a:lnSpc>
           <a:spcPct val="100000"/>
         </a:lnSpc>
@@ -9267,7 +9426,7 @@
           <a:srgbClr val="000000"/>
         </a:buClr>
         <a:buFont typeface="Arial"/>
-        <a:defRPr b="0" i="0" sz="1400" u="none" cap="none" strike="noStrike">
+        <a:defRPr sz="1400" b="0" i="0" u="none" strike="noStrike" cap="none">
           <a:solidFill>
             <a:srgbClr val="000000"/>
           </a:solidFill>
@@ -9279,7 +9438,7 @@
       </a:lvl9pPr>
     </p:bodyStyle>
     <p:otherStyle>
-      <a:defPPr lvl="0" marR="0" rtl="0" algn="l">
+      <a:defPPr marR="0" lvl="0" algn="l" rtl="0">
         <a:lnSpc>
           <a:spcPct val="100000"/>
         </a:lnSpc>
@@ -9290,7 +9449,7 @@
           <a:spcPts val="0"/>
         </a:spcAft>
       </a:defPPr>
-      <a:lvl1pPr lvl="0" marR="0" rtl="0" algn="l">
+      <a:lvl1pPr marR="0" lvl="0" algn="l" rtl="0">
         <a:lnSpc>
           <a:spcPct val="100000"/>
         </a:lnSpc>
@@ -9304,7 +9463,7 @@
           <a:srgbClr val="000000"/>
         </a:buClr>
         <a:buFont typeface="Arial"/>
-        <a:defRPr b="0" i="0" sz="1400" u="none" cap="none" strike="noStrike">
+        <a:defRPr sz="1400" b="0" i="0" u="none" strike="noStrike" cap="none">
           <a:solidFill>
             <a:srgbClr val="000000"/>
           </a:solidFill>
@@ -9314,7 +9473,7 @@
           <a:sym typeface="Arial"/>
         </a:defRPr>
       </a:lvl1pPr>
-      <a:lvl2pPr lvl="1" marR="0" rtl="0" algn="l">
+      <a:lvl2pPr marR="0" lvl="1" algn="l" rtl="0">
         <a:lnSpc>
           <a:spcPct val="100000"/>
         </a:lnSpc>
@@ -9328,7 +9487,7 @@
           <a:srgbClr val="000000"/>
         </a:buClr>
         <a:buFont typeface="Arial"/>
-        <a:defRPr b="0" i="0" sz="1400" u="none" cap="none" strike="noStrike">
+        <a:defRPr sz="1400" b="0" i="0" u="none" strike="noStrike" cap="none">
           <a:solidFill>
             <a:srgbClr val="000000"/>
           </a:solidFill>
@@ -9338,7 +9497,7 @@
           <a:sym typeface="Arial"/>
         </a:defRPr>
       </a:lvl2pPr>
-      <a:lvl3pPr lvl="2" marR="0" rtl="0" algn="l">
+      <a:lvl3pPr marR="0" lvl="2" algn="l" rtl="0">
         <a:lnSpc>
           <a:spcPct val="100000"/>
         </a:lnSpc>
@@ -9352,7 +9511,7 @@
           <a:srgbClr val="000000"/>
         </a:buClr>
         <a:buFont typeface="Arial"/>
-        <a:defRPr b="0" i="0" sz="1400" u="none" cap="none" strike="noStrike">
+        <a:defRPr sz="1400" b="0" i="0" u="none" strike="noStrike" cap="none">
           <a:solidFill>
             <a:srgbClr val="000000"/>
           </a:solidFill>
@@ -9362,7 +9521,7 @@
           <a:sym typeface="Arial"/>
         </a:defRPr>
       </a:lvl3pPr>
-      <a:lvl4pPr lvl="3" marR="0" rtl="0" algn="l">
+      <a:lvl4pPr marR="0" lvl="3" algn="l" rtl="0">
         <a:lnSpc>
           <a:spcPct val="100000"/>
         </a:lnSpc>
@@ -9376,7 +9535,7 @@
           <a:srgbClr val="000000"/>
         </a:buClr>
         <a:buFont typeface="Arial"/>
-        <a:defRPr b="0" i="0" sz="1400" u="none" cap="none" strike="noStrike">
+        <a:defRPr sz="1400" b="0" i="0" u="none" strike="noStrike" cap="none">
           <a:solidFill>
             <a:srgbClr val="000000"/>
           </a:solidFill>
@@ -9386,7 +9545,7 @@
           <a:sym typeface="Arial"/>
         </a:defRPr>
       </a:lvl4pPr>
-      <a:lvl5pPr lvl="4" marR="0" rtl="0" algn="l">
+      <a:lvl5pPr marR="0" lvl="4" algn="l" rtl="0">
         <a:lnSpc>
           <a:spcPct val="100000"/>
         </a:lnSpc>
@@ -9400,7 +9559,7 @@
           <a:srgbClr val="000000"/>
         </a:buClr>
         <a:buFont typeface="Arial"/>
-        <a:defRPr b="0" i="0" sz="1400" u="none" cap="none" strike="noStrike">
+        <a:defRPr sz="1400" b="0" i="0" u="none" strike="noStrike" cap="none">
           <a:solidFill>
             <a:srgbClr val="000000"/>
           </a:solidFill>
@@ -9410,7 +9569,7 @@
           <a:sym typeface="Arial"/>
         </a:defRPr>
       </a:lvl5pPr>
-      <a:lvl6pPr lvl="5" marR="0" rtl="0" algn="l">
+      <a:lvl6pPr marR="0" lvl="5" algn="l" rtl="0">
         <a:lnSpc>
           <a:spcPct val="100000"/>
         </a:lnSpc>
@@ -9424,7 +9583,7 @@
           <a:srgbClr val="000000"/>
         </a:buClr>
         <a:buFont typeface="Arial"/>
-        <a:defRPr b="0" i="0" sz="1400" u="none" cap="none" strike="noStrike">
+        <a:defRPr sz="1400" b="0" i="0" u="none" strike="noStrike" cap="none">
           <a:solidFill>
             <a:srgbClr val="000000"/>
           </a:solidFill>
@@ -9434,7 +9593,7 @@
           <a:sym typeface="Arial"/>
         </a:defRPr>
       </a:lvl6pPr>
-      <a:lvl7pPr lvl="6" marR="0" rtl="0" algn="l">
+      <a:lvl7pPr marR="0" lvl="6" algn="l" rtl="0">
         <a:lnSpc>
           <a:spcPct val="100000"/>
         </a:lnSpc>
@@ -9448,7 +9607,7 @@
           <a:srgbClr val="000000"/>
         </a:buClr>
         <a:buFont typeface="Arial"/>
-        <a:defRPr b="0" i="0" sz="1400" u="none" cap="none" strike="noStrike">
+        <a:defRPr sz="1400" b="0" i="0" u="none" strike="noStrike" cap="none">
           <a:solidFill>
             <a:srgbClr val="000000"/>
           </a:solidFill>
@@ -9458,7 +9617,7 @@
           <a:sym typeface="Arial"/>
         </a:defRPr>
       </a:lvl7pPr>
-      <a:lvl8pPr lvl="7" marR="0" rtl="0" algn="l">
+      <a:lvl8pPr marR="0" lvl="7" algn="l" rtl="0">
         <a:lnSpc>
           <a:spcPct val="100000"/>
         </a:lnSpc>
@@ -9472,7 +9631,7 @@
           <a:srgbClr val="000000"/>
         </a:buClr>
         <a:buFont typeface="Arial"/>
-        <a:defRPr b="0" i="0" sz="1400" u="none" cap="none" strike="noStrike">
+        <a:defRPr sz="1400" b="0" i="0" u="none" strike="noStrike" cap="none">
           <a:solidFill>
             <a:srgbClr val="000000"/>
           </a:solidFill>
@@ -9482,7 +9641,7 @@
           <a:sym typeface="Arial"/>
         </a:defRPr>
       </a:lvl8pPr>
-      <a:lvl9pPr lvl="8" marR="0" rtl="0" algn="l">
+      <a:lvl9pPr marR="0" lvl="8" algn="l" rtl="0">
         <a:lnSpc>
           <a:spcPct val="100000"/>
         </a:lnSpc>
@@ -9496,7 +9655,7 @@
           <a:srgbClr val="000000"/>
         </a:buClr>
         <a:buFont typeface="Arial"/>
-        <a:defRPr b="0" i="0" sz="1400" u="none" cap="none" strike="noStrike">
+        <a:defRPr sz="1400" b="0" i="0" u="none" strike="noStrike" cap="none">
           <a:solidFill>
             <a:srgbClr val="000000"/>
           </a:solidFill>
@@ -9512,11 +9671,11 @@
 </file>
 
 <file path=ppt/slides/slide1.xml><?xml version="1.0" encoding="utf-8"?>
-<p:sld xmlns:a="http://schemas.openxmlformats.org/drawingml/2006/main" xmlns:r="http://schemas.openxmlformats.org/officeDocument/2006/relationships" xmlns:mc="http://schemas.openxmlformats.org/markup-compatibility/2006" xmlns:mv="urn:schemas-microsoft-com:mac:vml" xmlns:p="http://schemas.openxmlformats.org/presentationml/2006/main" xmlns:c="http://schemas.openxmlformats.org/drawingml/2006/chart" xmlns:dgm="http://schemas.openxmlformats.org/drawingml/2006/diagram" xmlns:o="urn:schemas-microsoft-com:office:office" xmlns:v="urn:schemas-microsoft-com:vml" xmlns:pvml="urn:schemas-microsoft-com:office:powerpoint" xmlns:com="http://schemas.openxmlformats.org/drawingml/2006/compatibility" xmlns:p14="http://schemas.microsoft.com/office/powerpoint/2010/main" xmlns:p15="http://schemas.microsoft.com/office/powerpoint/2012/main" xmlns:ahyp="http://schemas.microsoft.com/office/drawing/2018/hyperlinkcolor">
+<p:sld xmlns:a="http://schemas.openxmlformats.org/drawingml/2006/main" xmlns:r="http://schemas.openxmlformats.org/officeDocument/2006/relationships" xmlns:p="http://schemas.openxmlformats.org/presentationml/2006/main">
   <p:cSld>
     <p:spTree>
       <p:nvGrpSpPr>
-        <p:cNvPr id="83" name="Shape 83"/>
+        <p:cNvPr id="1" name="Shape 83"/>
         <p:cNvGrpSpPr/>
         <p:nvPr/>
       </p:nvGrpSpPr>
@@ -9531,7 +9690,9 @@
       <p:sp>
         <p:nvSpPr>
           <p:cNvPr id="84" name="Google Shape;84;p16"/>
-          <p:cNvSpPr txBox="1"/>
+          <p:cNvSpPr txBox="1">
+            <a:spLocks noGrp="1"/>
+          </p:cNvSpPr>
           <p:nvPr>
             <p:ph type="ctrTitle"/>
           </p:nvPr>
@@ -9546,12 +9707,12 @@
           </a:prstGeom>
         </p:spPr>
         <p:txBody>
-          <a:bodyPr anchorCtr="0" anchor="b" bIns="0" lIns="0" spcFirstLastPara="1" rIns="0" wrap="square" tIns="0">
+          <a:bodyPr spcFirstLastPara="1" wrap="square" lIns="0" tIns="0" rIns="0" bIns="0" anchor="b" anchorCtr="0">
             <a:noAutofit/>
           </a:bodyPr>
           <a:lstStyle/>
           <a:p>
-            <a:pPr indent="0" lvl="0" marL="0" rtl="0" algn="l">
+            <a:pPr marL="0" lvl="0" indent="0" algn="l" rtl="0">
               <a:spcBef>
                 <a:spcPts val="0"/>
               </a:spcBef>
@@ -9571,9 +9732,11 @@
       <p:sp>
         <p:nvSpPr>
           <p:cNvPr id="85" name="Google Shape;85;p16"/>
-          <p:cNvSpPr txBox="1"/>
+          <p:cNvSpPr txBox="1">
+            <a:spLocks noGrp="1"/>
+          </p:cNvSpPr>
           <p:nvPr>
-            <p:ph idx="1" type="subTitle"/>
+            <p:ph type="subTitle" idx="1"/>
           </p:nvPr>
         </p:nvSpPr>
         <p:spPr>
@@ -9586,12 +9749,12 @@
           </a:prstGeom>
         </p:spPr>
         <p:txBody>
-          <a:bodyPr anchorCtr="0" anchor="t" bIns="0" lIns="0" spcFirstLastPara="1" rIns="0" wrap="square" tIns="0">
+          <a:bodyPr spcFirstLastPara="1" wrap="square" lIns="0" tIns="0" rIns="0" bIns="0" anchor="t" anchorCtr="0">
             <a:noAutofit/>
           </a:bodyPr>
           <a:lstStyle/>
           <a:p>
-            <a:pPr indent="0" lvl="0" marL="0" rtl="0" algn="l">
+            <a:pPr marL="0" lvl="0" indent="0" algn="l" rtl="0">
               <a:spcBef>
                 <a:spcPts val="320"/>
               </a:spcBef>
@@ -9617,11 +9780,571 @@
 </file>
 
 <file path=ppt/slides/slide10.xml><?xml version="1.0" encoding="utf-8"?>
-<p:sld xmlns:a="http://schemas.openxmlformats.org/drawingml/2006/main" xmlns:r="http://schemas.openxmlformats.org/officeDocument/2006/relationships" xmlns:mc="http://schemas.openxmlformats.org/markup-compatibility/2006" xmlns:mv="urn:schemas-microsoft-com:mac:vml" xmlns:p="http://schemas.openxmlformats.org/presentationml/2006/main" xmlns:c="http://schemas.openxmlformats.org/drawingml/2006/chart" xmlns:dgm="http://schemas.openxmlformats.org/drawingml/2006/diagram" xmlns:o="urn:schemas-microsoft-com:office:office" xmlns:v="urn:schemas-microsoft-com:vml" xmlns:pvml="urn:schemas-microsoft-com:office:powerpoint" xmlns:com="http://schemas.openxmlformats.org/drawingml/2006/compatibility" xmlns:p14="http://schemas.microsoft.com/office/powerpoint/2010/main" xmlns:p15="http://schemas.microsoft.com/office/powerpoint/2012/main" xmlns:ahyp="http://schemas.microsoft.com/office/drawing/2018/hyperlinkcolor">
+<p:sld xmlns:a="http://schemas.openxmlformats.org/drawingml/2006/main" xmlns:r="http://schemas.openxmlformats.org/officeDocument/2006/relationships" xmlns:p="http://schemas.openxmlformats.org/presentationml/2006/main">
   <p:cSld>
     <p:spTree>
       <p:nvGrpSpPr>
-        <p:cNvPr id="148" name="Shape 148"/>
+        <p:cNvPr id="1" name="Shape 134"/>
+        <p:cNvGrpSpPr/>
+        <p:nvPr/>
+      </p:nvGrpSpPr>
+      <p:grpSpPr>
+        <a:xfrm>
+          <a:off x="0" y="0"/>
+          <a:ext cx="0" cy="0"/>
+          <a:chOff x="0" y="0"/>
+          <a:chExt cx="0" cy="0"/>
+        </a:xfrm>
+      </p:grpSpPr>
+      <p:sp>
+        <p:nvSpPr>
+          <p:cNvPr id="135" name="Google Shape;135;p23"/>
+          <p:cNvSpPr txBox="1">
+            <a:spLocks noGrp="1"/>
+          </p:cNvSpPr>
+          <p:nvPr>
+            <p:ph type="title"/>
+          </p:nvPr>
+        </p:nvSpPr>
+        <p:spPr>
+          <a:xfrm>
+            <a:off x="431800" y="83344"/>
+            <a:ext cx="8375700" cy="531000"/>
+          </a:xfrm>
+          <a:prstGeom prst="rect">
+            <a:avLst/>
+          </a:prstGeom>
+          <a:noFill/>
+          <a:ln>
+            <a:noFill/>
+          </a:ln>
+        </p:spPr>
+        <p:txBody>
+          <a:bodyPr spcFirstLastPara="1" wrap="square" lIns="0" tIns="0" rIns="0" bIns="0" anchor="b" anchorCtr="0">
+            <a:noAutofit/>
+          </a:bodyPr>
+          <a:lstStyle/>
+          <a:p>
+            <a:pPr marL="0" lvl="0" indent="0" algn="l" rtl="0">
+              <a:lnSpc>
+                <a:spcPct val="100000"/>
+              </a:lnSpc>
+              <a:spcBef>
+                <a:spcPts val="0"/>
+              </a:spcBef>
+              <a:spcAft>
+                <a:spcPts val="0"/>
+              </a:spcAft>
+              <a:buClr>
+                <a:schemeClr val="dk1"/>
+              </a:buClr>
+              <a:buSzPts val="1100"/>
+              <a:buFont typeface="Arial"/>
+              <a:buNone/>
+            </a:pPr>
+            <a:r>
+              <a:rPr lang="de"/>
+              <a:t>2.2. Parametrisierung - Scanner-Klasse</a:t>
+            </a:r>
+            <a:endParaRPr/>
+          </a:p>
+        </p:txBody>
+      </p:sp>
+      <p:sp>
+        <p:nvSpPr>
+          <p:cNvPr id="136" name="Google Shape;136;p23"/>
+          <p:cNvSpPr>
+            <a:spLocks noGrp="1"/>
+          </p:cNvSpPr>
+          <p:nvPr>
+            <p:ph type="chart" idx="2"/>
+          </p:nvPr>
+        </p:nvSpPr>
+        <p:spPr>
+          <a:xfrm>
+            <a:off x="431800" y="782241"/>
+            <a:ext cx="8375700" cy="3579000"/>
+          </a:xfrm>
+          <a:prstGeom prst="rect">
+            <a:avLst/>
+          </a:prstGeom>
+          <a:noFill/>
+          <a:ln>
+            <a:noFill/>
+          </a:ln>
+        </p:spPr>
+        <p:txBody>
+          <a:bodyPr spcFirstLastPara="1" wrap="square" lIns="0" tIns="0" rIns="0" bIns="0" anchor="t" anchorCtr="0">
+            <a:noAutofit/>
+          </a:bodyPr>
+          <a:lstStyle/>
+          <a:p>
+            <a:pPr marL="0" marR="0" lvl="0" indent="0" algn="l" rtl="0">
+              <a:lnSpc>
+                <a:spcPct val="100000"/>
+              </a:lnSpc>
+              <a:spcBef>
+                <a:spcPts val="320"/>
+              </a:spcBef>
+              <a:spcAft>
+                <a:spcPts val="0"/>
+              </a:spcAft>
+              <a:buNone/>
+            </a:pPr>
+            <a:r>
+              <a:rPr lang="de" sz="1600" b="0" i="0" u="none" strike="noStrike" cap="none">
+                <a:solidFill>
+                  <a:schemeClr val="dk1"/>
+                </a:solidFill>
+                <a:latin typeface="Arial"/>
+                <a:ea typeface="Arial"/>
+                <a:cs typeface="Arial"/>
+                <a:sym typeface="Arial"/>
+              </a:rPr>
+              <a:t>Parameter können auch zur Laufzeit des Programms vom Benutzer angefragt werden.</a:t>
+            </a:r>
+            <a:endParaRPr sz="1600" b="0" i="0" u="none" strike="noStrike" cap="none">
+              <a:solidFill>
+                <a:schemeClr val="dk1"/>
+              </a:solidFill>
+              <a:latin typeface="Arial"/>
+              <a:ea typeface="Arial"/>
+              <a:cs typeface="Arial"/>
+              <a:sym typeface="Arial"/>
+            </a:endParaRPr>
+          </a:p>
+          <a:p>
+            <a:pPr marL="0" marR="0" lvl="0" indent="0" algn="l" rtl="0">
+              <a:lnSpc>
+                <a:spcPct val="100000"/>
+              </a:lnSpc>
+              <a:spcBef>
+                <a:spcPts val="0"/>
+              </a:spcBef>
+              <a:spcAft>
+                <a:spcPts val="0"/>
+              </a:spcAft>
+              <a:buNone/>
+            </a:pPr>
+            <a:r>
+              <a:rPr lang="de" sz="1600" b="0" i="0" u="none" strike="noStrike" cap="none">
+                <a:solidFill>
+                  <a:schemeClr val="dk1"/>
+                </a:solidFill>
+                <a:latin typeface="Arial"/>
+                <a:ea typeface="Arial"/>
+                <a:cs typeface="Arial"/>
+                <a:sym typeface="Arial"/>
+              </a:rPr>
+              <a:t>Dazu gibt es die Scanner-Klasse, die wie folgt verwendet wird</a:t>
+            </a:r>
+            <a:br>
+              <a:rPr lang="de" sz="1600" b="0" i="0" u="none" strike="noStrike" cap="none">
+                <a:solidFill>
+                  <a:schemeClr val="dk1"/>
+                </a:solidFill>
+                <a:latin typeface="Arial"/>
+                <a:ea typeface="Arial"/>
+                <a:cs typeface="Arial"/>
+                <a:sym typeface="Arial"/>
+              </a:rPr>
+            </a:br>
+            <a:br>
+              <a:rPr lang="de" sz="1600" b="0" i="0" u="none" strike="noStrike" cap="none">
+                <a:solidFill>
+                  <a:schemeClr val="dk1"/>
+                </a:solidFill>
+                <a:latin typeface="Arial"/>
+                <a:ea typeface="Arial"/>
+                <a:cs typeface="Arial"/>
+                <a:sym typeface="Arial"/>
+              </a:rPr>
+            </a:br>
+            <a:br>
+              <a:rPr lang="de" sz="1600" b="0" i="0" u="none" strike="noStrike" cap="none">
+                <a:solidFill>
+                  <a:schemeClr val="dk1"/>
+                </a:solidFill>
+                <a:latin typeface="Arial"/>
+                <a:ea typeface="Arial"/>
+                <a:cs typeface="Arial"/>
+                <a:sym typeface="Arial"/>
+              </a:rPr>
+            </a:br>
+            <a:br>
+              <a:rPr lang="de" sz="1600" b="0" i="0" u="none" strike="noStrike" cap="none">
+                <a:solidFill>
+                  <a:schemeClr val="dk1"/>
+                </a:solidFill>
+                <a:latin typeface="Arial"/>
+                <a:ea typeface="Arial"/>
+                <a:cs typeface="Arial"/>
+                <a:sym typeface="Arial"/>
+              </a:rPr>
+            </a:br>
+            <a:endParaRPr sz="1600" b="0" i="0" u="none" strike="noStrike" cap="none">
+              <a:solidFill>
+                <a:schemeClr val="dk1"/>
+              </a:solidFill>
+              <a:latin typeface="Arial"/>
+              <a:ea typeface="Arial"/>
+              <a:cs typeface="Arial"/>
+              <a:sym typeface="Arial"/>
+            </a:endParaRPr>
+          </a:p>
+          <a:p>
+            <a:pPr marL="0" marR="0" lvl="0" indent="0" algn="l" rtl="0">
+              <a:lnSpc>
+                <a:spcPct val="100000"/>
+              </a:lnSpc>
+              <a:spcBef>
+                <a:spcPts val="0"/>
+              </a:spcBef>
+              <a:spcAft>
+                <a:spcPts val="0"/>
+              </a:spcAft>
+              <a:buNone/>
+            </a:pPr>
+            <a:r>
+              <a:rPr lang="de" sz="1600" b="0" i="0" u="none" strike="noStrike" cap="none">
+                <a:solidFill>
+                  <a:schemeClr val="dk1"/>
+                </a:solidFill>
+                <a:latin typeface="Arial"/>
+                <a:ea typeface="Arial"/>
+                <a:cs typeface="Arial"/>
+                <a:sym typeface="Arial"/>
+              </a:rPr>
+              <a:t>Das Programm stoppt beim Aufruf von scanner.next() und wartet auf eine Eingabe auf der Kommandozeile. Das ist ein beliebiger String, der mit der Enter-Taste bestätigt wird</a:t>
+            </a:r>
+            <a:endParaRPr sz="1600" b="0" i="0" u="none" strike="noStrike" cap="none">
+              <a:solidFill>
+                <a:schemeClr val="dk1"/>
+              </a:solidFill>
+              <a:latin typeface="Arial"/>
+              <a:ea typeface="Arial"/>
+              <a:cs typeface="Arial"/>
+              <a:sym typeface="Arial"/>
+            </a:endParaRPr>
+          </a:p>
+          <a:p>
+            <a:pPr marL="0" marR="0" lvl="0" indent="0" algn="l" rtl="0">
+              <a:lnSpc>
+                <a:spcPct val="100000"/>
+              </a:lnSpc>
+              <a:spcBef>
+                <a:spcPts val="0"/>
+              </a:spcBef>
+              <a:spcAft>
+                <a:spcPts val="0"/>
+              </a:spcAft>
+              <a:buNone/>
+            </a:pPr>
+            <a:r>
+              <a:rPr lang="de"/>
+              <a:t>Die Scanner Klasse kann über das import-Statement über der Klassendeklaration eingebunden werden.</a:t>
+            </a:r>
+            <a:endParaRPr/>
+          </a:p>
+        </p:txBody>
+      </p:sp>
+      <p:pic>
+        <p:nvPicPr>
+          <p:cNvPr id="137" name="Google Shape;137;p23"/>
+          <p:cNvPicPr preferRelativeResize="0"/>
+          <p:nvPr/>
+        </p:nvPicPr>
+        <p:blipFill rotWithShape="1">
+          <a:blip r:embed="rId3">
+            <a:alphaModFix/>
+          </a:blip>
+          <a:srcRect/>
+          <a:stretch/>
+        </p:blipFill>
+        <p:spPr>
+          <a:xfrm>
+            <a:off x="2286226" y="1356600"/>
+            <a:ext cx="4408225" cy="757100"/>
+          </a:xfrm>
+          <a:prstGeom prst="rect">
+            <a:avLst/>
+          </a:prstGeom>
+          <a:noFill/>
+          <a:ln>
+            <a:noFill/>
+          </a:ln>
+        </p:spPr>
+      </p:pic>
+      <p:pic>
+        <p:nvPicPr>
+          <p:cNvPr id="138" name="Google Shape;138;p23"/>
+          <p:cNvPicPr preferRelativeResize="0"/>
+          <p:nvPr/>
+        </p:nvPicPr>
+        <p:blipFill>
+          <a:blip r:embed="rId4">
+            <a:alphaModFix/>
+          </a:blip>
+          <a:stretch>
+            <a:fillRect/>
+          </a:stretch>
+        </p:blipFill>
+        <p:spPr>
+          <a:xfrm>
+            <a:off x="3723500" y="3368600"/>
+            <a:ext cx="2970950" cy="584450"/>
+          </a:xfrm>
+          <a:prstGeom prst="rect">
+            <a:avLst/>
+          </a:prstGeom>
+          <a:noFill/>
+          <a:ln>
+            <a:noFill/>
+          </a:ln>
+        </p:spPr>
+      </p:pic>
+    </p:spTree>
+  </p:cSld>
+  <p:clrMapOvr>
+    <a:masterClrMapping/>
+  </p:clrMapOvr>
+</p:sld>
+</file>
+
+<file path=ppt/slides/slide11.xml><?xml version="1.0" encoding="utf-8"?>
+<p:sld xmlns:a="http://schemas.openxmlformats.org/drawingml/2006/main" xmlns:r="http://schemas.openxmlformats.org/officeDocument/2006/relationships" xmlns:p="http://schemas.openxmlformats.org/presentationml/2006/main">
+  <p:cSld>
+    <p:spTree>
+      <p:nvGrpSpPr>
+        <p:cNvPr id="1" name="Shape 142"/>
+        <p:cNvGrpSpPr/>
+        <p:nvPr/>
+      </p:nvGrpSpPr>
+      <p:grpSpPr>
+        <a:xfrm>
+          <a:off x="0" y="0"/>
+          <a:ext cx="0" cy="0"/>
+          <a:chOff x="0" y="0"/>
+          <a:chExt cx="0" cy="0"/>
+        </a:xfrm>
+      </p:grpSpPr>
+      <p:sp>
+        <p:nvSpPr>
+          <p:cNvPr id="143" name="Google Shape;143;p24"/>
+          <p:cNvSpPr txBox="1">
+            <a:spLocks noGrp="1"/>
+          </p:cNvSpPr>
+          <p:nvPr>
+            <p:ph type="title"/>
+          </p:nvPr>
+        </p:nvSpPr>
+        <p:spPr>
+          <a:xfrm>
+            <a:off x="431800" y="83344"/>
+            <a:ext cx="8375700" cy="531000"/>
+          </a:xfrm>
+          <a:prstGeom prst="rect">
+            <a:avLst/>
+          </a:prstGeom>
+        </p:spPr>
+        <p:txBody>
+          <a:bodyPr spcFirstLastPara="1" wrap="square" lIns="0" tIns="0" rIns="0" bIns="0" anchor="b" anchorCtr="0">
+            <a:noAutofit/>
+          </a:bodyPr>
+          <a:lstStyle/>
+          <a:p>
+            <a:pPr marL="0" lvl="0" indent="0" algn="l" rtl="0">
+              <a:spcBef>
+                <a:spcPts val="0"/>
+              </a:spcBef>
+              <a:spcAft>
+                <a:spcPts val="0"/>
+              </a:spcAft>
+              <a:buNone/>
+            </a:pPr>
+            <a:r>
+              <a:rPr lang="de"/>
+              <a:t>Fragen</a:t>
+            </a:r>
+            <a:endParaRPr/>
+          </a:p>
+        </p:txBody>
+      </p:sp>
+      <p:sp>
+        <p:nvSpPr>
+          <p:cNvPr id="144" name="Google Shape;144;p24"/>
+          <p:cNvSpPr>
+            <a:spLocks noGrp="1"/>
+          </p:cNvSpPr>
+          <p:nvPr>
+            <p:ph type="chart" idx="2"/>
+          </p:nvPr>
+        </p:nvSpPr>
+        <p:spPr>
+          <a:xfrm>
+            <a:off x="431800" y="782241"/>
+            <a:ext cx="8375700" cy="3579000"/>
+          </a:xfrm>
+          <a:prstGeom prst="rect">
+            <a:avLst/>
+          </a:prstGeom>
+        </p:spPr>
+        <p:txBody>
+          <a:bodyPr spcFirstLastPara="1" wrap="square" lIns="0" tIns="0" rIns="0" bIns="0" anchor="t" anchorCtr="0">
+            <a:noAutofit/>
+          </a:bodyPr>
+          <a:lstStyle/>
+          <a:p>
+            <a:pPr marL="0" lvl="0" indent="0" algn="ctr" rtl="0">
+              <a:spcBef>
+                <a:spcPts val="320"/>
+              </a:spcBef>
+              <a:spcAft>
+                <a:spcPts val="0"/>
+              </a:spcAft>
+              <a:buClr>
+                <a:schemeClr val="dk1"/>
+              </a:buClr>
+              <a:buSzPts val="1100"/>
+              <a:buFont typeface="Arial"/>
+              <a:buNone/>
+            </a:pPr>
+            <a:endParaRPr/>
+          </a:p>
+          <a:p>
+            <a:pPr marL="0" lvl="0" indent="0" algn="ctr" rtl="0">
+              <a:spcBef>
+                <a:spcPts val="320"/>
+              </a:spcBef>
+              <a:spcAft>
+                <a:spcPts val="0"/>
+              </a:spcAft>
+              <a:buClr>
+                <a:schemeClr val="dk1"/>
+              </a:buClr>
+              <a:buSzPts val="1100"/>
+              <a:buFont typeface="Arial"/>
+              <a:buNone/>
+            </a:pPr>
+            <a:endParaRPr/>
+          </a:p>
+          <a:p>
+            <a:pPr marL="0" lvl="0" indent="0" algn="ctr" rtl="0">
+              <a:spcBef>
+                <a:spcPts val="320"/>
+              </a:spcBef>
+              <a:spcAft>
+                <a:spcPts val="0"/>
+              </a:spcAft>
+              <a:buClr>
+                <a:schemeClr val="dk1"/>
+              </a:buClr>
+              <a:buSzPts val="1100"/>
+              <a:buFont typeface="Arial"/>
+              <a:buNone/>
+            </a:pPr>
+            <a:endParaRPr/>
+          </a:p>
+          <a:p>
+            <a:pPr marL="0" lvl="0" indent="0" algn="ctr" rtl="0">
+              <a:spcBef>
+                <a:spcPts val="320"/>
+              </a:spcBef>
+              <a:spcAft>
+                <a:spcPts val="0"/>
+              </a:spcAft>
+              <a:buClr>
+                <a:schemeClr val="dk1"/>
+              </a:buClr>
+              <a:buSzPts val="1100"/>
+              <a:buFont typeface="Arial"/>
+              <a:buNone/>
+            </a:pPr>
+            <a:endParaRPr/>
+          </a:p>
+          <a:p>
+            <a:pPr marL="0" lvl="0" indent="0" algn="ctr" rtl="0">
+              <a:spcBef>
+                <a:spcPts val="320"/>
+              </a:spcBef>
+              <a:spcAft>
+                <a:spcPts val="0"/>
+              </a:spcAft>
+              <a:buClr>
+                <a:schemeClr val="dk1"/>
+              </a:buClr>
+              <a:buSzPts val="1100"/>
+              <a:buFont typeface="Arial"/>
+              <a:buNone/>
+            </a:pPr>
+            <a:endParaRPr/>
+          </a:p>
+          <a:p>
+            <a:pPr marL="0" lvl="0" indent="0" algn="ctr" rtl="0">
+              <a:spcBef>
+                <a:spcPts val="320"/>
+              </a:spcBef>
+              <a:spcAft>
+                <a:spcPts val="0"/>
+              </a:spcAft>
+              <a:buClr>
+                <a:schemeClr val="dk1"/>
+              </a:buClr>
+              <a:buSzPts val="1100"/>
+              <a:buFont typeface="Arial"/>
+              <a:buNone/>
+            </a:pPr>
+            <a:endParaRPr/>
+          </a:p>
+          <a:p>
+            <a:pPr marL="0" lvl="0" indent="0" algn="ctr" rtl="0">
+              <a:spcBef>
+                <a:spcPts val="320"/>
+              </a:spcBef>
+              <a:spcAft>
+                <a:spcPts val="0"/>
+              </a:spcAft>
+              <a:buClr>
+                <a:schemeClr val="dk1"/>
+              </a:buClr>
+              <a:buSzPts val="1100"/>
+              <a:buFont typeface="Arial"/>
+              <a:buNone/>
+            </a:pPr>
+            <a:r>
+              <a:rPr lang="de" sz="3600"/>
+              <a:t>Fragen</a:t>
+            </a:r>
+            <a:endParaRPr sz="3600"/>
+          </a:p>
+          <a:p>
+            <a:pPr marL="0" lvl="0" indent="0" algn="l" rtl="0">
+              <a:spcBef>
+                <a:spcPts val="320"/>
+              </a:spcBef>
+              <a:spcAft>
+                <a:spcPts val="0"/>
+              </a:spcAft>
+              <a:buNone/>
+            </a:pPr>
+            <a:endParaRPr/>
+          </a:p>
+        </p:txBody>
+      </p:sp>
+    </p:spTree>
+  </p:cSld>
+  <p:clrMapOvr>
+    <a:masterClrMapping/>
+  </p:clrMapOvr>
+</p:sld>
+</file>
+
+<file path=ppt/slides/slide12.xml><?xml version="1.0" encoding="utf-8"?>
+<p:sld xmlns:a="http://schemas.openxmlformats.org/drawingml/2006/main" xmlns:r="http://schemas.openxmlformats.org/officeDocument/2006/relationships" xmlns:p="http://schemas.openxmlformats.org/presentationml/2006/main">
+  <p:cSld>
+    <p:spTree>
+      <p:nvGrpSpPr>
+        <p:cNvPr id="1" name="Shape 148"/>
         <p:cNvGrpSpPr/>
         <p:nvPr/>
       </p:nvGrpSpPr>
@@ -9636,7 +10359,9 @@
       <p:sp>
         <p:nvSpPr>
           <p:cNvPr id="149" name="Google Shape;149;p25"/>
-          <p:cNvSpPr txBox="1"/>
+          <p:cNvSpPr txBox="1">
+            <a:spLocks noGrp="1"/>
+          </p:cNvSpPr>
           <p:nvPr>
             <p:ph type="title"/>
           </p:nvPr>
@@ -9651,12 +10376,12 @@
           </a:prstGeom>
         </p:spPr>
         <p:txBody>
-          <a:bodyPr anchorCtr="0" anchor="b" bIns="0" lIns="0" spcFirstLastPara="1" rIns="0" wrap="square" tIns="0">
+          <a:bodyPr spcFirstLastPara="1" wrap="square" lIns="0" tIns="0" rIns="0" bIns="0" anchor="b" anchorCtr="0">
             <a:noAutofit/>
           </a:bodyPr>
           <a:lstStyle/>
           <a:p>
-            <a:pPr indent="0" lvl="0" marL="0" rtl="0" algn="l">
+            <a:pPr marL="0" lvl="0" indent="0" algn="l" rtl="0">
               <a:spcBef>
                 <a:spcPts val="0"/>
               </a:spcBef>
@@ -9676,9 +10401,11 @@
       <p:sp>
         <p:nvSpPr>
           <p:cNvPr id="150" name="Google Shape;150;p25"/>
-          <p:cNvSpPr/>
+          <p:cNvSpPr>
+            <a:spLocks noGrp="1"/>
+          </p:cNvSpPr>
           <p:nvPr>
-            <p:ph idx="2" type="chart"/>
+            <p:ph type="chart" idx="2"/>
           </p:nvPr>
         </p:nvSpPr>
         <p:spPr>
@@ -9691,12 +10418,12 @@
           </a:prstGeom>
         </p:spPr>
         <p:txBody>
-          <a:bodyPr anchorCtr="0" anchor="t" bIns="0" lIns="0" spcFirstLastPara="1" rIns="0" wrap="square" tIns="0">
+          <a:bodyPr spcFirstLastPara="1" wrap="square" lIns="0" tIns="0" rIns="0" bIns="0" anchor="t" anchorCtr="0">
             <a:noAutofit/>
           </a:bodyPr>
           <a:lstStyle/>
           <a:p>
-            <a:pPr indent="0" lvl="0" marL="0" rtl="0" algn="l">
+            <a:pPr marL="0" lvl="0" indent="0" algn="l" rtl="0">
               <a:spcBef>
                 <a:spcPts val="320"/>
               </a:spcBef>
@@ -9712,7 +10439,7 @@
             <a:endParaRPr/>
           </a:p>
           <a:p>
-            <a:pPr indent="-317500" lvl="0" marL="457200" rtl="0" algn="l">
+            <a:pPr marL="457200" lvl="0" indent="-317500" algn="l" rtl="0">
               <a:spcBef>
                 <a:spcPts val="320"/>
               </a:spcBef>
@@ -9729,7 +10456,7 @@
             <a:endParaRPr/>
           </a:p>
           <a:p>
-            <a:pPr indent="-317500" lvl="0" marL="457200" rtl="0" algn="l">
+            <a:pPr marL="457200" lvl="0" indent="-317500" algn="l" rtl="0">
               <a:spcBef>
                 <a:spcPts val="0"/>
               </a:spcBef>
@@ -9746,7 +10473,7 @@
             <a:endParaRPr/>
           </a:p>
           <a:p>
-            <a:pPr indent="-317500" lvl="0" marL="457200" rtl="0" algn="l">
+            <a:pPr marL="457200" lvl="0" indent="-317500" algn="l" rtl="0">
               <a:spcBef>
                 <a:spcPts val="0"/>
               </a:spcBef>
@@ -9763,7 +10490,7 @@
             <a:endParaRPr/>
           </a:p>
           <a:p>
-            <a:pPr indent="-317500" lvl="0" marL="457200" rtl="0" algn="l">
+            <a:pPr marL="457200" lvl="0" indent="-317500" algn="l" rtl="0">
               <a:spcBef>
                 <a:spcPts val="0"/>
               </a:spcBef>
@@ -9780,7 +10507,7 @@
             <a:endParaRPr/>
           </a:p>
           <a:p>
-            <a:pPr indent="-330200" lvl="1" marL="914400" rtl="0" algn="l">
+            <a:pPr marL="914400" lvl="1" indent="-330200" algn="l" rtl="0">
               <a:spcBef>
                 <a:spcPts val="0"/>
               </a:spcBef>
@@ -9797,7 +10524,7 @@
             <a:endParaRPr/>
           </a:p>
           <a:p>
-            <a:pPr indent="-330200" lvl="1" marL="914400" rtl="0" algn="l">
+            <a:pPr marL="914400" lvl="1" indent="-330200" algn="l" rtl="0">
               <a:spcBef>
                 <a:spcPts val="0"/>
               </a:spcBef>
@@ -9809,16 +10536,12 @@
             </a:pPr>
             <a:r>
               <a:rPr lang="de"/>
-              <a:t>Ist die Antwort “ja”, so soll </a:t>
-            </a:r>
-            <a:r>
-              <a:rPr lang="de"/>
-              <a:t>“Du kommst rein.” ausgegeben werden.</a:t>
+              <a:t>Ist die Antwort “ja”, so soll “Du kommst rein.” ausgegeben werden.</a:t>
             </a:r>
             <a:endParaRPr/>
           </a:p>
           <a:p>
-            <a:pPr indent="-330200" lvl="1" marL="914400" rtl="0" algn="l">
+            <a:pPr marL="914400" lvl="1" indent="-330200" algn="l" rtl="0">
               <a:spcBef>
                 <a:spcPts val="0"/>
               </a:spcBef>
@@ -9838,7 +10561,7 @@
             <a:endParaRPr/>
           </a:p>
           <a:p>
-            <a:pPr indent="-317500" lvl="0" marL="457200" rtl="0" algn="l">
+            <a:pPr marL="457200" lvl="0" indent="-317500" algn="l" rtl="0">
               <a:spcBef>
                 <a:spcPts val="0"/>
               </a:spcBef>
@@ -9855,7 +10578,7 @@
             <a:endParaRPr/>
           </a:p>
           <a:p>
-            <a:pPr indent="-330200" lvl="1" marL="914400" rtl="0" algn="l">
+            <a:pPr marL="914400" lvl="1" indent="-330200" algn="l" rtl="0">
               <a:spcBef>
                 <a:spcPts val="0"/>
               </a:spcBef>
@@ -9866,7 +10589,7 @@
               <a:buChar char="-"/>
             </a:pPr>
             <a:r>
-              <a:rPr b="1" lang="de"/>
+              <a:rPr lang="de" b="1"/>
               <a:t>&lt;string1&gt;.equals(&lt;string2&gt;)</a:t>
             </a:r>
             <a:r>
@@ -9886,11 +10609,11 @@
 </file>
 
 <file path=ppt/slides/slide2.xml><?xml version="1.0" encoding="utf-8"?>
-<p:sld xmlns:a="http://schemas.openxmlformats.org/drawingml/2006/main" xmlns:r="http://schemas.openxmlformats.org/officeDocument/2006/relationships" xmlns:mc="http://schemas.openxmlformats.org/markup-compatibility/2006" xmlns:mv="urn:schemas-microsoft-com:mac:vml" xmlns:p="http://schemas.openxmlformats.org/presentationml/2006/main" xmlns:c="http://schemas.openxmlformats.org/drawingml/2006/chart" xmlns:dgm="http://schemas.openxmlformats.org/drawingml/2006/diagram" xmlns:o="urn:schemas-microsoft-com:office:office" xmlns:v="urn:schemas-microsoft-com:vml" xmlns:pvml="urn:schemas-microsoft-com:office:powerpoint" xmlns:com="http://schemas.openxmlformats.org/drawingml/2006/compatibility" xmlns:p14="http://schemas.microsoft.com/office/powerpoint/2010/main" xmlns:p15="http://schemas.microsoft.com/office/powerpoint/2012/main" xmlns:ahyp="http://schemas.microsoft.com/office/drawing/2018/hyperlinkcolor">
+<p:sld xmlns:a="http://schemas.openxmlformats.org/drawingml/2006/main" xmlns:r="http://schemas.openxmlformats.org/officeDocument/2006/relationships" xmlns:p="http://schemas.openxmlformats.org/presentationml/2006/main">
   <p:cSld>
     <p:spTree>
       <p:nvGrpSpPr>
-        <p:cNvPr id="89" name="Shape 89"/>
+        <p:cNvPr id="1" name="Shape 89"/>
         <p:cNvGrpSpPr/>
         <p:nvPr/>
       </p:nvGrpSpPr>
@@ -9905,7 +10628,9 @@
       <p:sp>
         <p:nvSpPr>
           <p:cNvPr id="90" name="Google Shape;90;p17"/>
-          <p:cNvSpPr txBox="1"/>
+          <p:cNvSpPr txBox="1">
+            <a:spLocks noGrp="1"/>
+          </p:cNvSpPr>
           <p:nvPr>
             <p:ph type="title"/>
           </p:nvPr>
@@ -9920,12 +10645,12 @@
           </a:prstGeom>
         </p:spPr>
         <p:txBody>
-          <a:bodyPr anchorCtr="0" anchor="b" bIns="0" lIns="0" spcFirstLastPara="1" rIns="0" wrap="square" tIns="0">
+          <a:bodyPr spcFirstLastPara="1" wrap="square" lIns="0" tIns="0" rIns="0" bIns="0" anchor="b" anchorCtr="0">
             <a:noAutofit/>
           </a:bodyPr>
           <a:lstStyle/>
           <a:p>
-            <a:pPr indent="0" lvl="0" marL="0" rtl="0" algn="l">
+            <a:pPr marL="0" lvl="0" indent="0" algn="l" rtl="0">
               <a:spcBef>
                 <a:spcPts val="0"/>
               </a:spcBef>
@@ -9945,9 +10670,11 @@
       <p:sp>
         <p:nvSpPr>
           <p:cNvPr id="91" name="Google Shape;91;p17"/>
-          <p:cNvSpPr/>
+          <p:cNvSpPr>
+            <a:spLocks noGrp="1"/>
+          </p:cNvSpPr>
           <p:nvPr>
-            <p:ph idx="2" type="chart"/>
+            <p:ph type="chart" idx="2"/>
           </p:nvPr>
         </p:nvSpPr>
         <p:spPr>
@@ -9960,12 +10687,12 @@
           </a:prstGeom>
         </p:spPr>
         <p:txBody>
-          <a:bodyPr anchorCtr="0" anchor="t" bIns="0" lIns="0" spcFirstLastPara="1" rIns="0" wrap="square" tIns="0">
+          <a:bodyPr spcFirstLastPara="1" wrap="square" lIns="0" tIns="0" rIns="0" bIns="0" anchor="t" anchorCtr="0">
             <a:noAutofit/>
           </a:bodyPr>
           <a:lstStyle/>
           <a:p>
-            <a:pPr indent="-330200" lvl="0" marL="457200" rtl="0" algn="l">
+            <a:pPr marL="457200" lvl="0" indent="-330200" algn="l" rtl="0">
               <a:spcBef>
                 <a:spcPts val="320"/>
               </a:spcBef>
@@ -9985,7 +10712,7 @@
             <a:endParaRPr/>
           </a:p>
           <a:p>
-            <a:pPr indent="-330200" lvl="1" marL="914400" rtl="0" algn="l">
+            <a:pPr marL="914400" lvl="1" indent="-330200" algn="l" rtl="0">
               <a:spcBef>
                 <a:spcPts val="0"/>
               </a:spcBef>
@@ -10002,7 +10729,7 @@
             <a:endParaRPr/>
           </a:p>
           <a:p>
-            <a:pPr indent="-330200" lvl="1" marL="914400" rtl="0" algn="l">
+            <a:pPr marL="914400" lvl="1" indent="-330200" algn="l" rtl="0">
               <a:spcBef>
                 <a:spcPts val="0"/>
               </a:spcBef>
@@ -10019,7 +10746,7 @@
             <a:endParaRPr/>
           </a:p>
           <a:p>
-            <a:pPr indent="-330200" lvl="1" marL="914400" rtl="0" algn="l">
+            <a:pPr marL="914400" lvl="1" indent="-330200" algn="l" rtl="0">
               <a:spcBef>
                 <a:spcPts val="0"/>
               </a:spcBef>
@@ -10039,7 +10766,7 @@
             <a:endParaRPr/>
           </a:p>
           <a:p>
-            <a:pPr indent="-330200" lvl="0" marL="457200" rtl="0" algn="l">
+            <a:pPr marL="457200" lvl="0" indent="-330200" algn="l" rtl="0">
               <a:spcBef>
                 <a:spcPts val="0"/>
               </a:spcBef>
@@ -10059,7 +10786,7 @@
             <a:endParaRPr/>
           </a:p>
           <a:p>
-            <a:pPr indent="-330200" lvl="1" marL="914400" rtl="0" algn="l">
+            <a:pPr marL="914400" lvl="1" indent="-330200" algn="l" rtl="0">
               <a:spcBef>
                 <a:spcPts val="0"/>
               </a:spcBef>
@@ -10076,7 +10803,7 @@
             <a:endParaRPr/>
           </a:p>
           <a:p>
-            <a:pPr indent="-330200" lvl="1" marL="914400" rtl="0" algn="l">
+            <a:pPr marL="914400" lvl="1" indent="-330200" algn="l" rtl="0">
               <a:spcBef>
                 <a:spcPts val="0"/>
               </a:spcBef>
@@ -10096,7 +10823,7 @@
             <a:endParaRPr/>
           </a:p>
           <a:p>
-            <a:pPr indent="-330200" lvl="0" marL="457200" rtl="0" algn="l">
+            <a:pPr marL="457200" lvl="0" indent="-330200" algn="l" rtl="0">
               <a:spcBef>
                 <a:spcPts val="0"/>
               </a:spcBef>
@@ -10119,7 +10846,7 @@
             <a:endParaRPr/>
           </a:p>
           <a:p>
-            <a:pPr indent="-330200" lvl="0" marL="457200" rtl="0" algn="l">
+            <a:pPr marL="457200" lvl="0" indent="-330200" algn="l" rtl="0">
               <a:spcBef>
                 <a:spcPts val="0"/>
               </a:spcBef>
@@ -10149,11 +10876,11 @@
 </file>
 
 <file path=ppt/slides/slide3.xml><?xml version="1.0" encoding="utf-8"?>
-<p:sld xmlns:a="http://schemas.openxmlformats.org/drawingml/2006/main" xmlns:r="http://schemas.openxmlformats.org/officeDocument/2006/relationships" xmlns:mc="http://schemas.openxmlformats.org/markup-compatibility/2006" xmlns:mv="urn:schemas-microsoft-com:mac:vml" xmlns:p="http://schemas.openxmlformats.org/presentationml/2006/main" xmlns:c="http://schemas.openxmlformats.org/drawingml/2006/chart" xmlns:dgm="http://schemas.openxmlformats.org/drawingml/2006/diagram" xmlns:o="urn:schemas-microsoft-com:office:office" xmlns:v="urn:schemas-microsoft-com:vml" xmlns:pvml="urn:schemas-microsoft-com:office:powerpoint" xmlns:com="http://schemas.openxmlformats.org/drawingml/2006/compatibility" xmlns:p14="http://schemas.microsoft.com/office/powerpoint/2010/main" xmlns:p15="http://schemas.microsoft.com/office/powerpoint/2012/main" xmlns:ahyp="http://schemas.microsoft.com/office/drawing/2018/hyperlinkcolor">
+<p:sld xmlns:a="http://schemas.openxmlformats.org/drawingml/2006/main" xmlns:r="http://schemas.openxmlformats.org/officeDocument/2006/relationships" xmlns:p="http://schemas.openxmlformats.org/presentationml/2006/main">
   <p:cSld>
     <p:spTree>
       <p:nvGrpSpPr>
-        <p:cNvPr id="95" name="Shape 95"/>
+        <p:cNvPr id="1" name="Shape 95"/>
         <p:cNvGrpSpPr/>
         <p:nvPr/>
       </p:nvGrpSpPr>
@@ -10168,7 +10895,9 @@
       <p:sp>
         <p:nvSpPr>
           <p:cNvPr id="96" name="Google Shape;96;p18"/>
-          <p:cNvSpPr txBox="1"/>
+          <p:cNvSpPr txBox="1">
+            <a:spLocks noGrp="1"/>
+          </p:cNvSpPr>
           <p:nvPr>
             <p:ph type="title"/>
           </p:nvPr>
@@ -10183,12 +10912,12 @@
           </a:prstGeom>
         </p:spPr>
         <p:txBody>
-          <a:bodyPr anchorCtr="0" anchor="b" bIns="0" lIns="0" spcFirstLastPara="1" rIns="0" wrap="square" tIns="0">
+          <a:bodyPr spcFirstLastPara="1" wrap="square" lIns="0" tIns="0" rIns="0" bIns="0" anchor="b" anchorCtr="0">
             <a:noAutofit/>
           </a:bodyPr>
           <a:lstStyle/>
           <a:p>
-            <a:pPr indent="0" lvl="0" marL="0" rtl="0" algn="l">
+            <a:pPr marL="0" lvl="0" indent="0" algn="l" rtl="0">
               <a:spcBef>
                 <a:spcPts val="0"/>
               </a:spcBef>
@@ -10199,11 +10928,7 @@
             </a:pPr>
             <a:r>
               <a:rPr lang="de"/>
-              <a:t>1</a:t>
-            </a:r>
-            <a:r>
-              <a:rPr lang="de"/>
-              <a:t>.1. if-else</a:t>
+              <a:t>1.1. if-else</a:t>
             </a:r>
             <a:endParaRPr/>
           </a:p>
@@ -10212,9 +10937,11 @@
       <p:sp>
         <p:nvSpPr>
           <p:cNvPr id="97" name="Google Shape;97;p18"/>
-          <p:cNvSpPr/>
+          <p:cNvSpPr>
+            <a:spLocks noGrp="1"/>
+          </p:cNvSpPr>
           <p:nvPr>
-            <p:ph idx="2" type="chart"/>
+            <p:ph type="chart" idx="2"/>
           </p:nvPr>
         </p:nvSpPr>
         <p:spPr>
@@ -10227,12 +10954,12 @@
           </a:prstGeom>
         </p:spPr>
         <p:txBody>
-          <a:bodyPr anchorCtr="0" anchor="t" bIns="0" lIns="0" spcFirstLastPara="1" rIns="0" wrap="square" tIns="0">
+          <a:bodyPr spcFirstLastPara="1" wrap="square" lIns="0" tIns="0" rIns="0" bIns="0" anchor="t" anchorCtr="0">
             <a:noAutofit/>
           </a:bodyPr>
           <a:lstStyle/>
           <a:p>
-            <a:pPr indent="0" lvl="0" marL="0" rtl="0" algn="l">
+            <a:pPr marL="0" lvl="0" indent="0" algn="l" rtl="0">
               <a:spcBef>
                 <a:spcPts val="320"/>
               </a:spcBef>
@@ -10246,7 +10973,7 @@
               <a:t>Es können Programmschnipsel bedingt ausgeführt werden. Die Bedingungen müssen immer den </a:t>
             </a:r>
             <a:r>
-              <a:rPr b="1" lang="de"/>
+              <a:rPr lang="de" b="1"/>
               <a:t>bool’schen Datentypen</a:t>
             </a:r>
             <a:r>
@@ -10256,7 +10983,7 @@
             <a:endParaRPr/>
           </a:p>
           <a:p>
-            <a:pPr indent="0" lvl="0" marL="0" rtl="0" algn="l">
+            <a:pPr marL="0" lvl="0" indent="0" algn="l" rtl="0">
               <a:spcBef>
                 <a:spcPts val="320"/>
               </a:spcBef>
@@ -10270,7 +10997,7 @@
               <a:t>Der “if-Block” wird ausgeführt, wenn die Bedingung den Wert “true” hat. Der </a:t>
             </a:r>
             <a:r>
-              <a:rPr b="1" lang="de"/>
+              <a:rPr lang="de" b="1"/>
               <a:t>optionale</a:t>
             </a:r>
             <a:r>
@@ -10318,11 +11045,11 @@
 </file>
 
 <file path=ppt/slides/slide4.xml><?xml version="1.0" encoding="utf-8"?>
-<p:sld xmlns:a="http://schemas.openxmlformats.org/drawingml/2006/main" xmlns:r="http://schemas.openxmlformats.org/officeDocument/2006/relationships" xmlns:mc="http://schemas.openxmlformats.org/markup-compatibility/2006" xmlns:mv="urn:schemas-microsoft-com:mac:vml" xmlns:p="http://schemas.openxmlformats.org/presentationml/2006/main" xmlns:c="http://schemas.openxmlformats.org/drawingml/2006/chart" xmlns:dgm="http://schemas.openxmlformats.org/drawingml/2006/diagram" xmlns:o="urn:schemas-microsoft-com:office:office" xmlns:v="urn:schemas-microsoft-com:vml" xmlns:pvml="urn:schemas-microsoft-com:office:powerpoint" xmlns:com="http://schemas.openxmlformats.org/drawingml/2006/compatibility" xmlns:p14="http://schemas.microsoft.com/office/powerpoint/2010/main" xmlns:p15="http://schemas.microsoft.com/office/powerpoint/2012/main" xmlns:ahyp="http://schemas.microsoft.com/office/drawing/2018/hyperlinkcolor">
+<p:sld xmlns:a="http://schemas.openxmlformats.org/drawingml/2006/main" xmlns:r="http://schemas.openxmlformats.org/officeDocument/2006/relationships" xmlns:p="http://schemas.openxmlformats.org/presentationml/2006/main">
   <p:cSld>
     <p:spTree>
       <p:nvGrpSpPr>
-        <p:cNvPr id="102" name="Shape 102"/>
+        <p:cNvPr id="1" name="Shape 102"/>
         <p:cNvGrpSpPr/>
         <p:nvPr/>
       </p:nvGrpSpPr>
@@ -10365,7 +11092,9 @@
       <p:sp>
         <p:nvSpPr>
           <p:cNvPr id="104" name="Google Shape;104;p19"/>
-          <p:cNvSpPr txBox="1"/>
+          <p:cNvSpPr txBox="1">
+            <a:spLocks noGrp="1"/>
+          </p:cNvSpPr>
           <p:nvPr>
             <p:ph type="title"/>
           </p:nvPr>
@@ -10380,12 +11109,12 @@
           </a:prstGeom>
         </p:spPr>
         <p:txBody>
-          <a:bodyPr anchorCtr="0" anchor="b" bIns="0" lIns="0" spcFirstLastPara="1" rIns="0" wrap="square" tIns="0">
+          <a:bodyPr spcFirstLastPara="1" wrap="square" lIns="0" tIns="0" rIns="0" bIns="0" anchor="b" anchorCtr="0">
             <a:noAutofit/>
           </a:bodyPr>
           <a:lstStyle/>
           <a:p>
-            <a:pPr indent="0" lvl="0" marL="0" rtl="0" algn="l">
+            <a:pPr marL="0" lvl="0" indent="0" algn="l" rtl="0">
               <a:spcBef>
                 <a:spcPts val="0"/>
               </a:spcBef>
@@ -10396,11 +11125,7 @@
             </a:pPr>
             <a:r>
               <a:rPr lang="de"/>
-              <a:t>1</a:t>
-            </a:r>
-            <a:r>
-              <a:rPr lang="de"/>
-              <a:t>.1. if-else</a:t>
+              <a:t>1.1. if-else</a:t>
             </a:r>
             <a:endParaRPr/>
           </a:p>
@@ -10409,9 +11134,11 @@
       <p:sp>
         <p:nvSpPr>
           <p:cNvPr id="105" name="Google Shape;105;p19"/>
-          <p:cNvSpPr/>
+          <p:cNvSpPr>
+            <a:spLocks noGrp="1"/>
+          </p:cNvSpPr>
           <p:nvPr>
-            <p:ph idx="2" type="chart"/>
+            <p:ph type="chart" idx="2"/>
           </p:nvPr>
         </p:nvSpPr>
         <p:spPr>
@@ -10424,12 +11151,12 @@
           </a:prstGeom>
         </p:spPr>
         <p:txBody>
-          <a:bodyPr anchorCtr="0" anchor="t" bIns="0" lIns="0" spcFirstLastPara="1" rIns="0" wrap="square" tIns="0">
+          <a:bodyPr spcFirstLastPara="1" wrap="square" lIns="0" tIns="0" rIns="0" bIns="0" anchor="t" anchorCtr="0">
             <a:noAutofit/>
           </a:bodyPr>
           <a:lstStyle/>
           <a:p>
-            <a:pPr indent="0" lvl="0" marL="0" rtl="0" algn="l">
+            <a:pPr marL="0" lvl="0" indent="0" algn="l" rtl="0">
               <a:spcBef>
                 <a:spcPts val="320"/>
               </a:spcBef>
@@ -10439,10 +11166,10 @@
               <a:buNone/>
             </a:pPr>
             <a:r>
-              <a:rPr lang="de"/>
+              <a:rPr lang="de" dirty="0"/>
               <a:t>Man kann in if-else-Anweisungen auch mehr als zwei mögliche Programmpfade haben, indem man einen oder mehrere “else-if” Blöcke mit der entsprechenden Bedingung formuliert.</a:t>
             </a:r>
-            <a:endParaRPr/>
+            <a:endParaRPr dirty="0"/>
           </a:p>
         </p:txBody>
       </p:sp>
@@ -10453,7 +11180,7 @@
           <p:nvPr/>
         </p:nvCxnSpPr>
         <p:spPr>
-          <a:xfrm flipH="1" rot="10800000">
+          <a:xfrm rot="10800000" flipH="1">
             <a:off x="2632975" y="2252075"/>
             <a:ext cx="1360800" cy="374100"/>
           </a:xfrm>
@@ -10461,14 +11188,14 @@
             <a:avLst/>
           </a:prstGeom>
           <a:noFill/>
-          <a:ln cap="flat" cmpd="sng" w="9525">
+          <a:ln w="9525" cap="flat" cmpd="sng">
             <a:solidFill>
               <a:schemeClr val="accent1"/>
             </a:solidFill>
             <a:prstDash val="solid"/>
             <a:round/>
-            <a:headEnd len="med" w="med" type="none"/>
-            <a:tailEnd len="med" w="med" type="triangle"/>
+            <a:headEnd type="none" w="med" len="med"/>
+            <a:tailEnd type="triangle" w="med" len="med"/>
           </a:ln>
         </p:spPr>
       </p:cxnSp>
@@ -10492,12 +11219,12 @@
           </a:ln>
         </p:spPr>
         <p:txBody>
-          <a:bodyPr anchorCtr="0" anchor="t" bIns="91425" lIns="91425" spcFirstLastPara="1" rIns="91425" wrap="square" tIns="91425">
+          <a:bodyPr spcFirstLastPara="1" wrap="square" lIns="91425" tIns="91425" rIns="91425" bIns="91425" anchor="t" anchorCtr="0">
             <a:spAutoFit/>
           </a:bodyPr>
           <a:lstStyle/>
           <a:p>
-            <a:pPr indent="0" lvl="0" marL="0" rtl="0" algn="l">
+            <a:pPr marL="0" lvl="0" indent="0" algn="l" rtl="0">
               <a:spcBef>
                 <a:spcPts val="0"/>
               </a:spcBef>
@@ -10513,7 +11240,7 @@
             <a:endParaRPr/>
           </a:p>
           <a:p>
-            <a:pPr indent="0" lvl="0" marL="0" rtl="0" algn="l">
+            <a:pPr marL="0" lvl="0" indent="0" algn="l" rtl="0">
               <a:spcBef>
                 <a:spcPts val="0"/>
               </a:spcBef>
@@ -10539,11 +11266,293 @@
 </file>
 
 <file path=ppt/slides/slide5.xml><?xml version="1.0" encoding="utf-8"?>
-<p:sld xmlns:a="http://schemas.openxmlformats.org/drawingml/2006/main" xmlns:r="http://schemas.openxmlformats.org/officeDocument/2006/relationships" xmlns:mc="http://schemas.openxmlformats.org/markup-compatibility/2006" xmlns:mv="urn:schemas-microsoft-com:mac:vml" xmlns:p="http://schemas.openxmlformats.org/presentationml/2006/main" xmlns:c="http://schemas.openxmlformats.org/drawingml/2006/chart" xmlns:dgm="http://schemas.openxmlformats.org/drawingml/2006/diagram" xmlns:o="urn:schemas-microsoft-com:office:office" xmlns:v="urn:schemas-microsoft-com:vml" xmlns:pvml="urn:schemas-microsoft-com:office:powerpoint" xmlns:com="http://schemas.openxmlformats.org/drawingml/2006/compatibility" xmlns:p14="http://schemas.microsoft.com/office/powerpoint/2010/main" xmlns:p15="http://schemas.microsoft.com/office/powerpoint/2012/main" xmlns:ahyp="http://schemas.microsoft.com/office/drawing/2018/hyperlinkcolor">
+<p:sld xmlns:a="http://schemas.openxmlformats.org/drawingml/2006/main" xmlns:r="http://schemas.openxmlformats.org/officeDocument/2006/relationships" xmlns:p="http://schemas.openxmlformats.org/presentationml/2006/main">
   <p:cSld>
     <p:spTree>
       <p:nvGrpSpPr>
-        <p:cNvPr id="111" name="Shape 111"/>
+        <p:cNvPr id="1" name=""/>
+        <p:cNvGrpSpPr/>
+        <p:nvPr/>
+      </p:nvGrpSpPr>
+      <p:grpSpPr>
+        <a:xfrm>
+          <a:off x="0" y="0"/>
+          <a:ext cx="0" cy="0"/>
+          <a:chOff x="0" y="0"/>
+          <a:chExt cx="0" cy="0"/>
+        </a:xfrm>
+      </p:grpSpPr>
+      <p:sp>
+        <p:nvSpPr>
+          <p:cNvPr id="2" name="Titel 1">
+            <a:extLst>
+              <a:ext uri="{FF2B5EF4-FFF2-40B4-BE49-F238E27FC236}">
+                <a16:creationId xmlns:a16="http://schemas.microsoft.com/office/drawing/2014/main" id="{8B69110C-CE4F-BE8F-BE2D-BA91003F9BD9}"/>
+              </a:ext>
+            </a:extLst>
+          </p:cNvPr>
+          <p:cNvSpPr>
+            <a:spLocks noGrp="1"/>
+          </p:cNvSpPr>
+          <p:nvPr>
+            <p:ph type="title"/>
+          </p:nvPr>
+        </p:nvSpPr>
+        <p:spPr/>
+        <p:txBody>
+          <a:bodyPr/>
+          <a:lstStyle/>
+          <a:p>
+            <a:r>
+              <a:rPr lang="de-DE" dirty="0"/>
+              <a:t>1.1 </a:t>
+            </a:r>
+            <a:r>
+              <a:rPr lang="de-DE" dirty="0" err="1"/>
+              <a:t>If-else</a:t>
+            </a:r>
+            <a:r>
+              <a:rPr lang="de-DE" dirty="0"/>
+              <a:t> – Tipps und Warnungen</a:t>
+            </a:r>
+          </a:p>
+        </p:txBody>
+      </p:sp>
+      <p:pic>
+        <p:nvPicPr>
+          <p:cNvPr id="10" name="Grafik 9">
+            <a:extLst>
+              <a:ext uri="{FF2B5EF4-FFF2-40B4-BE49-F238E27FC236}">
+                <a16:creationId xmlns:a16="http://schemas.microsoft.com/office/drawing/2014/main" id="{A3E012F1-803D-F5EB-F0BA-4A14833F4677}"/>
+              </a:ext>
+            </a:extLst>
+          </p:cNvPr>
+          <p:cNvPicPr>
+            <a:picLocks noChangeAspect="1"/>
+          </p:cNvPicPr>
+          <p:nvPr/>
+        </p:nvPicPr>
+        <p:blipFill>
+          <a:blip r:embed="rId2"/>
+          <a:stretch>
+            <a:fillRect/>
+          </a:stretch>
+        </p:blipFill>
+        <p:spPr>
+          <a:xfrm>
+            <a:off x="4083509" y="767025"/>
+            <a:ext cx="4647054" cy="1215578"/>
+          </a:xfrm>
+          <a:prstGeom prst="rect">
+            <a:avLst/>
+          </a:prstGeom>
+        </p:spPr>
+      </p:pic>
+      <p:pic>
+        <p:nvPicPr>
+          <p:cNvPr id="12" name="Grafik 11">
+            <a:extLst>
+              <a:ext uri="{FF2B5EF4-FFF2-40B4-BE49-F238E27FC236}">
+                <a16:creationId xmlns:a16="http://schemas.microsoft.com/office/drawing/2014/main" id="{210D4F8B-417E-833C-20FF-B167E833D500}"/>
+              </a:ext>
+            </a:extLst>
+          </p:cNvPr>
+          <p:cNvPicPr>
+            <a:picLocks noChangeAspect="1"/>
+          </p:cNvPicPr>
+          <p:nvPr/>
+        </p:nvPicPr>
+        <p:blipFill>
+          <a:blip r:embed="rId3"/>
+          <a:stretch>
+            <a:fillRect/>
+          </a:stretch>
+        </p:blipFill>
+        <p:spPr>
+          <a:xfrm>
+            <a:off x="323065" y="767025"/>
+            <a:ext cx="3584508" cy="3360875"/>
+          </a:xfrm>
+          <a:prstGeom prst="rect">
+            <a:avLst/>
+          </a:prstGeom>
+        </p:spPr>
+      </p:pic>
+    </p:spTree>
+    <p:extLst>
+      <p:ext uri="{BB962C8B-B14F-4D97-AF65-F5344CB8AC3E}">
+        <p14:creationId xmlns:p14="http://schemas.microsoft.com/office/powerpoint/2010/main" val="2769528654"/>
+      </p:ext>
+    </p:extLst>
+  </p:cSld>
+  <p:clrMapOvr>
+    <a:masterClrMapping/>
+  </p:clrMapOvr>
+</p:sld>
+</file>
+
+<file path=ppt/slides/slide6.xml><?xml version="1.0" encoding="utf-8"?>
+<p:sld xmlns:a="http://schemas.openxmlformats.org/drawingml/2006/main" xmlns:r="http://schemas.openxmlformats.org/officeDocument/2006/relationships" xmlns:p="http://schemas.openxmlformats.org/presentationml/2006/main">
+  <p:cSld>
+    <p:spTree>
+      <p:nvGrpSpPr>
+        <p:cNvPr id="1" name=""/>
+        <p:cNvGrpSpPr/>
+        <p:nvPr/>
+      </p:nvGrpSpPr>
+      <p:grpSpPr>
+        <a:xfrm>
+          <a:off x="0" y="0"/>
+          <a:ext cx="0" cy="0"/>
+          <a:chOff x="0" y="0"/>
+          <a:chExt cx="0" cy="0"/>
+        </a:xfrm>
+      </p:grpSpPr>
+      <p:sp>
+        <p:nvSpPr>
+          <p:cNvPr id="2" name="Titel 1">
+            <a:extLst>
+              <a:ext uri="{FF2B5EF4-FFF2-40B4-BE49-F238E27FC236}">
+                <a16:creationId xmlns:a16="http://schemas.microsoft.com/office/drawing/2014/main" id="{3075DC24-61FE-F0F9-D6E1-138C7EE37517}"/>
+              </a:ext>
+            </a:extLst>
+          </p:cNvPr>
+          <p:cNvSpPr>
+            <a:spLocks noGrp="1"/>
+          </p:cNvSpPr>
+          <p:nvPr>
+            <p:ph type="title"/>
+          </p:nvPr>
+        </p:nvSpPr>
+        <p:spPr/>
+        <p:txBody>
+          <a:bodyPr/>
+          <a:lstStyle/>
+          <a:p>
+            <a:r>
+              <a:rPr lang="de-DE" dirty="0"/>
+              <a:t>1.1 </a:t>
+            </a:r>
+            <a:r>
+              <a:rPr lang="de-DE" dirty="0" err="1"/>
+              <a:t>If-else</a:t>
+            </a:r>
+            <a:r>
+              <a:rPr lang="de-DE" dirty="0"/>
+              <a:t> – Tipps und Warnungen</a:t>
+            </a:r>
+          </a:p>
+        </p:txBody>
+      </p:sp>
+      <p:pic>
+        <p:nvPicPr>
+          <p:cNvPr id="11" name="Grafik 10">
+            <a:extLst>
+              <a:ext uri="{FF2B5EF4-FFF2-40B4-BE49-F238E27FC236}">
+                <a16:creationId xmlns:a16="http://schemas.microsoft.com/office/drawing/2014/main" id="{C06761DC-68C8-AC8E-F406-10B1D5AC15BB}"/>
+              </a:ext>
+            </a:extLst>
+          </p:cNvPr>
+          <p:cNvPicPr>
+            <a:picLocks noChangeAspect="1"/>
+          </p:cNvPicPr>
+          <p:nvPr/>
+        </p:nvPicPr>
+        <p:blipFill>
+          <a:blip r:embed="rId2"/>
+          <a:stretch>
+            <a:fillRect/>
+          </a:stretch>
+        </p:blipFill>
+        <p:spPr>
+          <a:xfrm>
+            <a:off x="4262114" y="2554928"/>
+            <a:ext cx="2921923" cy="684345"/>
+          </a:xfrm>
+          <a:prstGeom prst="rect">
+            <a:avLst/>
+          </a:prstGeom>
+        </p:spPr>
+      </p:pic>
+      <p:pic>
+        <p:nvPicPr>
+          <p:cNvPr id="13" name="Grafik 12">
+            <a:extLst>
+              <a:ext uri="{FF2B5EF4-FFF2-40B4-BE49-F238E27FC236}">
+                <a16:creationId xmlns:a16="http://schemas.microsoft.com/office/drawing/2014/main" id="{B3668296-B4FA-B202-EE37-7A87E934EE55}"/>
+              </a:ext>
+            </a:extLst>
+          </p:cNvPr>
+          <p:cNvPicPr>
+            <a:picLocks noChangeAspect="1"/>
+          </p:cNvPicPr>
+          <p:nvPr/>
+        </p:nvPicPr>
+        <p:blipFill>
+          <a:blip r:embed="rId3"/>
+          <a:stretch>
+            <a:fillRect/>
+          </a:stretch>
+        </p:blipFill>
+        <p:spPr>
+          <a:xfrm>
+            <a:off x="453819" y="643377"/>
+            <a:ext cx="2420075" cy="3791823"/>
+          </a:xfrm>
+          <a:prstGeom prst="rect">
+            <a:avLst/>
+          </a:prstGeom>
+        </p:spPr>
+      </p:pic>
+      <p:pic>
+        <p:nvPicPr>
+          <p:cNvPr id="15" name="Grafik 14">
+            <a:extLst>
+              <a:ext uri="{FF2B5EF4-FFF2-40B4-BE49-F238E27FC236}">
+                <a16:creationId xmlns:a16="http://schemas.microsoft.com/office/drawing/2014/main" id="{C9C791D0-3A3D-9797-73A3-907D426D0B4F}"/>
+              </a:ext>
+            </a:extLst>
+          </p:cNvPr>
+          <p:cNvPicPr>
+            <a:picLocks noChangeAspect="1"/>
+          </p:cNvPicPr>
+          <p:nvPr/>
+        </p:nvPicPr>
+        <p:blipFill>
+          <a:blip r:embed="rId4"/>
+          <a:stretch>
+            <a:fillRect/>
+          </a:stretch>
+        </p:blipFill>
+        <p:spPr>
+          <a:xfrm>
+            <a:off x="4262114" y="904612"/>
+            <a:ext cx="4545386" cy="1341788"/>
+          </a:xfrm>
+          <a:prstGeom prst="rect">
+            <a:avLst/>
+          </a:prstGeom>
+        </p:spPr>
+      </p:pic>
+    </p:spTree>
+    <p:extLst>
+      <p:ext uri="{BB962C8B-B14F-4D97-AF65-F5344CB8AC3E}">
+        <p14:creationId xmlns:p14="http://schemas.microsoft.com/office/powerpoint/2010/main" val="1145939977"/>
+      </p:ext>
+    </p:extLst>
+  </p:cSld>
+  <p:clrMapOvr>
+    <a:masterClrMapping/>
+  </p:clrMapOvr>
+</p:sld>
+</file>
+
+<file path=ppt/slides/slide7.xml><?xml version="1.0" encoding="utf-8"?>
+<p:sld xmlns:a="http://schemas.openxmlformats.org/drawingml/2006/main" xmlns:r="http://schemas.openxmlformats.org/officeDocument/2006/relationships" xmlns:p="http://schemas.openxmlformats.org/presentationml/2006/main">
+  <p:cSld>
+    <p:spTree>
+      <p:nvGrpSpPr>
+        <p:cNvPr id="1" name="Shape 111"/>
         <p:cNvGrpSpPr/>
         <p:nvPr/>
       </p:nvGrpSpPr>
@@ -10558,7 +11567,9 @@
       <p:sp>
         <p:nvSpPr>
           <p:cNvPr id="112" name="Google Shape;112;p20"/>
-          <p:cNvSpPr txBox="1"/>
+          <p:cNvSpPr txBox="1">
+            <a:spLocks noGrp="1"/>
+          </p:cNvSpPr>
           <p:nvPr>
             <p:ph type="title"/>
           </p:nvPr>
@@ -10573,12 +11584,12 @@
           </a:prstGeom>
         </p:spPr>
         <p:txBody>
-          <a:bodyPr anchorCtr="0" anchor="b" bIns="0" lIns="0" spcFirstLastPara="1" rIns="0" wrap="square" tIns="0">
+          <a:bodyPr spcFirstLastPara="1" wrap="square" lIns="0" tIns="0" rIns="0" bIns="0" anchor="b" anchorCtr="0">
             <a:noAutofit/>
           </a:bodyPr>
           <a:lstStyle/>
           <a:p>
-            <a:pPr indent="0" lvl="0" marL="0" rtl="0" algn="l">
+            <a:pPr marL="0" lvl="0" indent="0" algn="l" rtl="0">
               <a:spcBef>
                 <a:spcPts val="0"/>
               </a:spcBef>
@@ -10589,11 +11600,7 @@
             </a:pPr>
             <a:r>
               <a:rPr lang="de"/>
-              <a:t>1</a:t>
-            </a:r>
-            <a:r>
-              <a:rPr lang="de"/>
-              <a:t>.2. switch-case</a:t>
+              <a:t>1.2. switch-case</a:t>
             </a:r>
             <a:endParaRPr/>
           </a:p>
@@ -10602,9 +11609,11 @@
       <p:sp>
         <p:nvSpPr>
           <p:cNvPr id="113" name="Google Shape;113;p20"/>
-          <p:cNvSpPr/>
+          <p:cNvSpPr>
+            <a:spLocks noGrp="1"/>
+          </p:cNvSpPr>
           <p:nvPr>
-            <p:ph idx="2" type="chart"/>
+            <p:ph type="chart" idx="2"/>
           </p:nvPr>
         </p:nvSpPr>
         <p:spPr>
@@ -10617,12 +11626,12 @@
           </a:prstGeom>
         </p:spPr>
         <p:txBody>
-          <a:bodyPr anchorCtr="0" anchor="t" bIns="0" lIns="0" spcFirstLastPara="1" rIns="0" wrap="square" tIns="0">
+          <a:bodyPr spcFirstLastPara="1" wrap="square" lIns="0" tIns="0" rIns="0" bIns="0" anchor="t" anchorCtr="0">
             <a:noAutofit/>
           </a:bodyPr>
           <a:lstStyle/>
           <a:p>
-            <a:pPr indent="0" lvl="0" marL="0" rtl="0" algn="l">
+            <a:pPr marL="0" lvl="0" indent="0" algn="l" rtl="0">
               <a:spcBef>
                 <a:spcPts val="320"/>
               </a:spcBef>
@@ -10638,7 +11647,7 @@
             <a:endParaRPr/>
           </a:p>
           <a:p>
-            <a:pPr indent="0" lvl="0" marL="0" rtl="0" algn="l">
+            <a:pPr marL="0" lvl="0" indent="0" algn="l" rtl="0">
               <a:spcBef>
                 <a:spcPts val="320"/>
               </a:spcBef>
@@ -10647,9 +11656,6 @@
               </a:spcAft>
               <a:buNone/>
             </a:pPr>
-            <a:r>
-              <a:t/>
-            </a:r>
             <a:endParaRPr/>
           </a:p>
         </p:txBody>
@@ -10718,12 +11724,12 @@
 </p:sld>
 </file>
 
-<file path=ppt/slides/slide6.xml><?xml version="1.0" encoding="utf-8"?>
-<p:sld xmlns:a="http://schemas.openxmlformats.org/drawingml/2006/main" xmlns:r="http://schemas.openxmlformats.org/officeDocument/2006/relationships" xmlns:mc="http://schemas.openxmlformats.org/markup-compatibility/2006" xmlns:mv="urn:schemas-microsoft-com:mac:vml" xmlns:p="http://schemas.openxmlformats.org/presentationml/2006/main" xmlns:c="http://schemas.openxmlformats.org/drawingml/2006/chart" xmlns:dgm="http://schemas.openxmlformats.org/drawingml/2006/diagram" xmlns:o="urn:schemas-microsoft-com:office:office" xmlns:v="urn:schemas-microsoft-com:vml" xmlns:pvml="urn:schemas-microsoft-com:office:powerpoint" xmlns:com="http://schemas.openxmlformats.org/drawingml/2006/compatibility" xmlns:p14="http://schemas.microsoft.com/office/powerpoint/2010/main" xmlns:p15="http://schemas.microsoft.com/office/powerpoint/2012/main" xmlns:ahyp="http://schemas.microsoft.com/office/drawing/2018/hyperlinkcolor">
+<file path=ppt/slides/slide8.xml><?xml version="1.0" encoding="utf-8"?>
+<p:sld xmlns:a="http://schemas.openxmlformats.org/drawingml/2006/main" xmlns:r="http://schemas.openxmlformats.org/officeDocument/2006/relationships" xmlns:p="http://schemas.openxmlformats.org/presentationml/2006/main">
   <p:cSld>
     <p:spTree>
       <p:nvGrpSpPr>
-        <p:cNvPr id="119" name="Shape 119"/>
+        <p:cNvPr id="1" name="Shape 119"/>
         <p:cNvGrpSpPr/>
         <p:nvPr/>
       </p:nvGrpSpPr>
@@ -10738,7 +11744,9 @@
       <p:sp>
         <p:nvSpPr>
           <p:cNvPr id="120" name="Google Shape;120;p21"/>
-          <p:cNvSpPr txBox="1"/>
+          <p:cNvSpPr txBox="1">
+            <a:spLocks noGrp="1"/>
+          </p:cNvSpPr>
           <p:nvPr>
             <p:ph type="title"/>
           </p:nvPr>
@@ -10753,12 +11761,12 @@
           </a:prstGeom>
         </p:spPr>
         <p:txBody>
-          <a:bodyPr anchorCtr="0" anchor="b" bIns="0" lIns="0" spcFirstLastPara="1" rIns="0" wrap="square" tIns="0">
+          <a:bodyPr spcFirstLastPara="1" wrap="square" lIns="0" tIns="0" rIns="0" bIns="0" anchor="b" anchorCtr="0">
             <a:noAutofit/>
           </a:bodyPr>
           <a:lstStyle/>
           <a:p>
-            <a:pPr indent="0" lvl="0" marL="0" rtl="0" algn="l">
+            <a:pPr marL="0" lvl="0" indent="0" algn="l" rtl="0">
               <a:spcBef>
                 <a:spcPts val="0"/>
               </a:spcBef>
@@ -10769,11 +11777,7 @@
             </a:pPr>
             <a:r>
               <a:rPr lang="de"/>
-              <a:t>1</a:t>
-            </a:r>
-            <a:r>
-              <a:rPr lang="de"/>
-              <a:t>.3 ternärer Operator</a:t>
+              <a:t>1.3 ternärer Operator</a:t>
             </a:r>
             <a:endParaRPr/>
           </a:p>
@@ -10782,9 +11786,11 @@
       <p:sp>
         <p:nvSpPr>
           <p:cNvPr id="121" name="Google Shape;121;p21"/>
-          <p:cNvSpPr/>
+          <p:cNvSpPr>
+            <a:spLocks noGrp="1"/>
+          </p:cNvSpPr>
           <p:nvPr>
-            <p:ph idx="2" type="chart"/>
+            <p:ph type="chart" idx="2"/>
           </p:nvPr>
         </p:nvSpPr>
         <p:spPr>
@@ -10797,12 +11803,12 @@
           </a:prstGeom>
         </p:spPr>
         <p:txBody>
-          <a:bodyPr anchorCtr="0" anchor="t" bIns="0" lIns="0" spcFirstLastPara="1" rIns="0" wrap="square" tIns="0">
+          <a:bodyPr spcFirstLastPara="1" wrap="square" lIns="0" tIns="0" rIns="0" bIns="0" anchor="t" anchorCtr="0">
             <a:noAutofit/>
           </a:bodyPr>
           <a:lstStyle/>
           <a:p>
-            <a:pPr indent="0" lvl="0" marL="0" rtl="0" algn="l">
+            <a:pPr marL="0" lvl="0" indent="0" algn="l" rtl="0">
               <a:spcBef>
                 <a:spcPts val="320"/>
               </a:spcBef>
@@ -10818,7 +11824,7 @@
             <a:endParaRPr/>
           </a:p>
           <a:p>
-            <a:pPr indent="0" lvl="0" marL="0" rtl="0" algn="l">
+            <a:pPr marL="0" lvl="0" indent="0" algn="l" rtl="0">
               <a:spcBef>
                 <a:spcPts val="320"/>
               </a:spcBef>
@@ -10827,13 +11833,10 @@
               </a:spcAft>
               <a:buNone/>
             </a:pPr>
-            <a:r>
-              <a:t/>
-            </a:r>
             <a:endParaRPr/>
           </a:p>
           <a:p>
-            <a:pPr indent="0" lvl="0" marL="0" rtl="0" algn="l">
+            <a:pPr marL="0" lvl="0" indent="0" algn="l" rtl="0">
               <a:spcBef>
                 <a:spcPts val="320"/>
               </a:spcBef>
@@ -10842,13 +11845,10 @@
               </a:spcAft>
               <a:buNone/>
             </a:pPr>
-            <a:r>
-              <a:t/>
-            </a:r>
             <a:endParaRPr/>
           </a:p>
           <a:p>
-            <a:pPr indent="0" lvl="0" marL="0" rtl="0" algn="l">
+            <a:pPr marL="0" lvl="0" indent="0" algn="l" rtl="0">
               <a:spcBef>
                 <a:spcPts val="320"/>
               </a:spcBef>
@@ -10857,13 +11857,10 @@
               </a:spcAft>
               <a:buNone/>
             </a:pPr>
-            <a:r>
-              <a:t/>
-            </a:r>
             <a:endParaRPr/>
           </a:p>
           <a:p>
-            <a:pPr indent="0" lvl="0" marL="0" rtl="0" algn="l">
+            <a:pPr marL="0" lvl="0" indent="0" algn="l" rtl="0">
               <a:spcBef>
                 <a:spcPts val="320"/>
               </a:spcBef>
@@ -10872,13 +11869,10 @@
               </a:spcAft>
               <a:buNone/>
             </a:pPr>
-            <a:r>
-              <a:t/>
-            </a:r>
             <a:endParaRPr/>
           </a:p>
           <a:p>
-            <a:pPr indent="0" lvl="0" marL="0" rtl="0" algn="l">
+            <a:pPr marL="0" lvl="0" indent="0" algn="l" rtl="0">
               <a:spcBef>
                 <a:spcPts val="320"/>
               </a:spcBef>
@@ -10887,13 +11881,10 @@
               </a:spcAft>
               <a:buNone/>
             </a:pPr>
-            <a:r>
-              <a:t/>
-            </a:r>
             <a:endParaRPr/>
           </a:p>
           <a:p>
-            <a:pPr indent="0" lvl="0" marL="0" rtl="0" algn="l">
+            <a:pPr marL="0" lvl="0" indent="0" algn="l" rtl="0">
               <a:spcBef>
                 <a:spcPts val="320"/>
               </a:spcBef>
@@ -10946,12 +11937,12 @@
 </p:sld>
 </file>
 
-<file path=ppt/slides/slide7.xml><?xml version="1.0" encoding="utf-8"?>
-<p:sld xmlns:a="http://schemas.openxmlformats.org/drawingml/2006/main" xmlns:r="http://schemas.openxmlformats.org/officeDocument/2006/relationships" xmlns:mc="http://schemas.openxmlformats.org/markup-compatibility/2006" xmlns:mv="urn:schemas-microsoft-com:mac:vml" xmlns:p="http://schemas.openxmlformats.org/presentationml/2006/main" xmlns:c="http://schemas.openxmlformats.org/drawingml/2006/chart" xmlns:dgm="http://schemas.openxmlformats.org/drawingml/2006/diagram" xmlns:o="urn:schemas-microsoft-com:office:office" xmlns:v="urn:schemas-microsoft-com:vml" xmlns:pvml="urn:schemas-microsoft-com:office:powerpoint" xmlns:com="http://schemas.openxmlformats.org/drawingml/2006/compatibility" xmlns:p14="http://schemas.microsoft.com/office/powerpoint/2010/main" xmlns:p15="http://schemas.microsoft.com/office/powerpoint/2012/main" xmlns:ahyp="http://schemas.microsoft.com/office/drawing/2018/hyperlinkcolor">
+<file path=ppt/slides/slide9.xml><?xml version="1.0" encoding="utf-8"?>
+<p:sld xmlns:a="http://schemas.openxmlformats.org/drawingml/2006/main" xmlns:r="http://schemas.openxmlformats.org/officeDocument/2006/relationships" xmlns:p="http://schemas.openxmlformats.org/presentationml/2006/main">
   <p:cSld>
     <p:spTree>
       <p:nvGrpSpPr>
-        <p:cNvPr id="126" name="Shape 126"/>
+        <p:cNvPr id="1" name="Shape 126"/>
         <p:cNvGrpSpPr/>
         <p:nvPr/>
       </p:nvGrpSpPr>
@@ -10966,7 +11957,9 @@
       <p:sp>
         <p:nvSpPr>
           <p:cNvPr id="127" name="Google Shape;127;p22"/>
-          <p:cNvSpPr txBox="1"/>
+          <p:cNvSpPr txBox="1">
+            <a:spLocks noGrp="1"/>
+          </p:cNvSpPr>
           <p:nvPr>
             <p:ph type="title"/>
           </p:nvPr>
@@ -10985,12 +11978,12 @@
           </a:ln>
         </p:spPr>
         <p:txBody>
-          <a:bodyPr anchorCtr="0" anchor="b" bIns="0" lIns="0" spcFirstLastPara="1" rIns="0" wrap="square" tIns="0">
+          <a:bodyPr spcFirstLastPara="1" wrap="square" lIns="0" tIns="0" rIns="0" bIns="0" anchor="b" anchorCtr="0">
             <a:noAutofit/>
           </a:bodyPr>
           <a:lstStyle/>
           <a:p>
-            <a:pPr indent="0" lvl="0" marL="0" rtl="0" algn="l">
+            <a:pPr marL="0" lvl="0" indent="0" algn="l" rtl="0">
               <a:lnSpc>
                 <a:spcPct val="100000"/>
               </a:lnSpc>
@@ -11005,15 +11998,7 @@
             </a:pPr>
             <a:r>
               <a:rPr lang="de"/>
-              <a:t>2</a:t>
-            </a:r>
-            <a:r>
-              <a:rPr lang="de"/>
-              <a:t>.1. Parametrisierung - </a:t>
-            </a:r>
-            <a:r>
-              <a:rPr lang="de"/>
-              <a:t>Kommandozeilenparameter</a:t>
+              <a:t>2.1. Parametrisierung - Kommandozeilenparameter</a:t>
             </a:r>
             <a:endParaRPr/>
           </a:p>
@@ -11022,9 +12007,11 @@
       <p:sp>
         <p:nvSpPr>
           <p:cNvPr id="128" name="Google Shape;128;p22"/>
-          <p:cNvSpPr/>
+          <p:cNvSpPr>
+            <a:spLocks noGrp="1"/>
+          </p:cNvSpPr>
           <p:nvPr>
-            <p:ph idx="2" type="chart"/>
+            <p:ph type="chart" idx="2"/>
           </p:nvPr>
         </p:nvSpPr>
         <p:spPr>
@@ -11041,12 +12028,12 @@
           </a:ln>
         </p:spPr>
         <p:txBody>
-          <a:bodyPr anchorCtr="0" anchor="t" bIns="0" lIns="0" spcFirstLastPara="1" rIns="0" wrap="square" tIns="0">
+          <a:bodyPr spcFirstLastPara="1" wrap="square" lIns="0" tIns="0" rIns="0" bIns="0" anchor="t" anchorCtr="0">
             <a:noAutofit/>
           </a:bodyPr>
           <a:lstStyle/>
           <a:p>
-            <a:pPr indent="0" lvl="0" marL="0" marR="0" rtl="0" algn="l">
+            <a:pPr marL="0" marR="0" lvl="0" indent="0" algn="l" rtl="0">
               <a:lnSpc>
                 <a:spcPct val="100000"/>
               </a:lnSpc>
@@ -11059,7 +12046,7 @@
               <a:buNone/>
             </a:pPr>
             <a:r>
-              <a:rPr b="0" i="0" lang="de" sz="1600" u="none" cap="none" strike="noStrike">
+              <a:rPr lang="de" sz="1600" b="0" i="0" u="none" strike="noStrike" cap="none">
                 <a:solidFill>
                   <a:schemeClr val="dk1"/>
                 </a:solidFill>
@@ -11071,7 +12058,7 @@
               <a:t>Man kann ein Java-Programm mit Parametern aufrufen</a:t>
             </a:r>
             <a:br>
-              <a:rPr b="0" i="0" lang="de" sz="1600" u="none" cap="none" strike="noStrike">
+              <a:rPr lang="de" sz="1600" b="0" i="0" u="none" strike="noStrike" cap="none">
                 <a:solidFill>
                   <a:schemeClr val="dk1"/>
                 </a:solidFill>
@@ -11084,7 +12071,7 @@
             <a:endParaRPr/>
           </a:p>
           <a:p>
-            <a:pPr indent="0" lvl="0" marL="457200" marR="0" rtl="0" algn="l">
+            <a:pPr marL="457200" marR="0" lvl="0" indent="0" algn="l" rtl="0">
               <a:lnSpc>
                 <a:spcPct val="100000"/>
               </a:lnSpc>
@@ -11096,13 +12083,10 @@
               </a:spcAft>
               <a:buNone/>
             </a:pPr>
-            <a:r>
-              <a:t/>
-            </a:r>
             <a:endParaRPr/>
           </a:p>
           <a:p>
-            <a:pPr indent="0" lvl="0" marL="0" marR="0" rtl="0" algn="l">
+            <a:pPr marL="0" marR="0" lvl="0" indent="0" algn="l" rtl="0">
               <a:lnSpc>
                 <a:spcPct val="100000"/>
               </a:lnSpc>
@@ -11115,7 +12099,7 @@
               <a:buNone/>
             </a:pPr>
             <a:r>
-              <a:rPr b="0" i="0" lang="de" sz="1600" u="none" cap="none" strike="noStrike">
+              <a:rPr lang="de" sz="1600" b="0" i="0" u="none" strike="noStrike" cap="none">
                 <a:solidFill>
                   <a:schemeClr val="dk1"/>
                 </a:solidFill>
@@ -11126,7 +12110,7 @@
               </a:rPr>
               <a:t>Die Parameter werden dann als String-Array an die main-Funktion übergeben ( =&gt; String[ ] args )</a:t>
             </a:r>
-            <a:endParaRPr b="0" i="0" sz="1600" u="none" cap="none" strike="noStrike">
+            <a:endParaRPr sz="1600" b="0" i="0" u="none" strike="noStrike" cap="none">
               <a:solidFill>
                 <a:schemeClr val="dk1"/>
               </a:solidFill>
@@ -11137,7 +12121,7 @@
             </a:endParaRPr>
           </a:p>
           <a:p>
-            <a:pPr indent="0" lvl="0" marL="0" marR="0" rtl="0" algn="l">
+            <a:pPr marL="0" marR="0" lvl="0" indent="0" algn="l" rtl="0">
               <a:lnSpc>
                 <a:spcPct val="100000"/>
               </a:lnSpc>
@@ -11150,7 +12134,7 @@
               <a:buNone/>
             </a:pPr>
             <a:r>
-              <a:rPr b="0" i="0" lang="de" sz="1600" u="none" cap="none" strike="noStrike">
+              <a:rPr lang="de" sz="1600" b="0" i="0" u="none" strike="noStrike" cap="none">
                 <a:solidFill>
                   <a:schemeClr val="dk1"/>
                 </a:solidFill>
@@ -11162,7 +12146,7 @@
               <a:t>Variablen können, falls notwendig, zum passenden Datentypen geparst werden</a:t>
             </a:r>
             <a:br>
-              <a:rPr b="0" i="0" lang="de" sz="1600" u="none" cap="none" strike="noStrike">
+              <a:rPr lang="de" sz="1600" b="0" i="0" u="none" strike="noStrike" cap="none">
                 <a:solidFill>
                   <a:schemeClr val="dk1"/>
                 </a:solidFill>
@@ -11173,7 +12157,7 @@
               </a:rPr>
             </a:br>
             <a:br>
-              <a:rPr b="0" i="0" lang="de" sz="1600" u="none" cap="none" strike="noStrike">
+              <a:rPr lang="de" sz="1600" b="0" i="0" u="none" strike="noStrike" cap="none">
                 <a:solidFill>
                   <a:schemeClr val="dk1"/>
                 </a:solidFill>
@@ -11184,7 +12168,7 @@
               </a:rPr>
             </a:br>
             <a:br>
-              <a:rPr b="0" i="0" lang="de" sz="1600" u="none" cap="none" strike="noStrike">
+              <a:rPr lang="de" sz="1600" b="0" i="0" u="none" strike="noStrike" cap="none">
                 <a:solidFill>
                   <a:schemeClr val="dk1"/>
                 </a:solidFill>
@@ -11195,7 +12179,7 @@
               </a:rPr>
             </a:br>
             <a:br>
-              <a:rPr b="0" i="0" lang="de" sz="1600" u="none" cap="none" strike="noStrike">
+              <a:rPr lang="de" sz="1600" b="0" i="0" u="none" strike="noStrike" cap="none">
                 <a:solidFill>
                   <a:schemeClr val="dk1"/>
                 </a:solidFill>
@@ -11206,7 +12190,7 @@
               </a:rPr>
             </a:br>
             <a:br>
-              <a:rPr b="0" i="0" lang="de" sz="1600" u="none" cap="none" strike="noStrike">
+              <a:rPr lang="de" sz="1600" b="0" i="0" u="none" strike="noStrike" cap="none">
                 <a:solidFill>
                   <a:schemeClr val="dk1"/>
                 </a:solidFill>
@@ -11217,7 +12201,7 @@
               </a:rPr>
             </a:br>
             <a:br>
-              <a:rPr b="0" i="0" lang="de" sz="1600" u="none" cap="none" strike="noStrike">
+              <a:rPr lang="de" sz="1600" b="0" i="0" u="none" strike="noStrike" cap="none">
                 <a:solidFill>
                   <a:schemeClr val="dk1"/>
                 </a:solidFill>
@@ -11227,7 +12211,7 @@
                 <a:sym typeface="Arial"/>
               </a:rPr>
             </a:br>
-            <a:endParaRPr b="0" i="0" sz="1600" u="none" cap="none" strike="noStrike">
+            <a:endParaRPr sz="1600" b="0" i="0" u="none" strike="noStrike" cap="none">
               <a:solidFill>
                 <a:schemeClr val="dk1"/>
               </a:solidFill>
@@ -11238,7 +12222,7 @@
             </a:endParaRPr>
           </a:p>
           <a:p>
-            <a:pPr indent="0" lvl="0" marL="0" marR="0" rtl="0" algn="l">
+            <a:pPr marL="0" marR="0" lvl="0" indent="0" algn="l" rtl="0">
               <a:lnSpc>
                 <a:spcPct val="100000"/>
               </a:lnSpc>
@@ -11251,7 +12235,7 @@
               <a:buNone/>
             </a:pPr>
             <a:r>
-              <a:rPr b="0" i="0" lang="de" sz="1600" u="none" cap="none" strike="noStrike">
+              <a:rPr lang="de" sz="1600" b="0" i="0" u="none" strike="noStrike" cap="none">
                 <a:solidFill>
                   <a:schemeClr val="dk1"/>
                 </a:solidFill>
@@ -11262,7 +12246,7 @@
               </a:rPr>
               <a:t>Möchte man einen String mit Leerzeichen übergeben, muss man diesen in Anführungszeichen setzen, damit es als einzelner Parameter betrachtet wird</a:t>
             </a:r>
-            <a:endParaRPr b="0" i="0" sz="1600" u="none" cap="none" strike="noStrike">
+            <a:endParaRPr sz="1600" b="0" i="0" u="none" strike="noStrike" cap="none">
               <a:solidFill>
                 <a:schemeClr val="dk1"/>
               </a:solidFill>
@@ -11284,7 +12268,7 @@
           <a:blip r:embed="rId3">
             <a:alphaModFix/>
           </a:blip>
-          <a:srcRect b="0" l="0" r="0" t="0"/>
+          <a:srcRect/>
           <a:stretch/>
         </p:blipFill>
         <p:spPr>
@@ -11311,7 +12295,7 @@
           <a:blip r:embed="rId4">
             <a:alphaModFix/>
           </a:blip>
-          <a:srcRect b="0" l="0" r="0" t="0"/>
+          <a:srcRect/>
           <a:stretch/>
         </p:blipFill>
         <p:spPr>
@@ -11336,589 +12320,289 @@
 </p:sld>
 </file>
 
-<file path=ppt/slides/slide8.xml><?xml version="1.0" encoding="utf-8"?>
-<p:sld xmlns:a="http://schemas.openxmlformats.org/drawingml/2006/main" xmlns:r="http://schemas.openxmlformats.org/officeDocument/2006/relationships" xmlns:mc="http://schemas.openxmlformats.org/markup-compatibility/2006" xmlns:mv="urn:schemas-microsoft-com:mac:vml" xmlns:p="http://schemas.openxmlformats.org/presentationml/2006/main" xmlns:c="http://schemas.openxmlformats.org/drawingml/2006/chart" xmlns:dgm="http://schemas.openxmlformats.org/drawingml/2006/diagram" xmlns:o="urn:schemas-microsoft-com:office:office" xmlns:v="urn:schemas-microsoft-com:vml" xmlns:pvml="urn:schemas-microsoft-com:office:powerpoint" xmlns:com="http://schemas.openxmlformats.org/drawingml/2006/compatibility" xmlns:p14="http://schemas.microsoft.com/office/powerpoint/2010/main" xmlns:p15="http://schemas.microsoft.com/office/powerpoint/2012/main" xmlns:ahyp="http://schemas.microsoft.com/office/drawing/2018/hyperlinkcolor">
-  <p:cSld>
-    <p:spTree>
-      <p:nvGrpSpPr>
-        <p:cNvPr id="134" name="Shape 134"/>
-        <p:cNvGrpSpPr/>
-        <p:nvPr/>
-      </p:nvGrpSpPr>
-      <p:grpSpPr>
-        <a:xfrm>
-          <a:off x="0" y="0"/>
-          <a:ext cx="0" cy="0"/>
-          <a:chOff x="0" y="0"/>
-          <a:chExt cx="0" cy="0"/>
-        </a:xfrm>
-      </p:grpSpPr>
-      <p:sp>
-        <p:nvSpPr>
-          <p:cNvPr id="135" name="Google Shape;135;p23"/>
-          <p:cNvSpPr txBox="1"/>
-          <p:nvPr>
-            <p:ph type="title"/>
-          </p:nvPr>
-        </p:nvSpPr>
-        <p:spPr>
-          <a:xfrm>
-            <a:off x="431800" y="83344"/>
-            <a:ext cx="8375700" cy="531000"/>
-          </a:xfrm>
-          <a:prstGeom prst="rect">
-            <a:avLst/>
-          </a:prstGeom>
-          <a:noFill/>
-          <a:ln>
-            <a:noFill/>
-          </a:ln>
-        </p:spPr>
-        <p:txBody>
-          <a:bodyPr anchorCtr="0" anchor="b" bIns="0" lIns="0" spcFirstLastPara="1" rIns="0" wrap="square" tIns="0">
-            <a:noAutofit/>
-          </a:bodyPr>
-          <a:lstStyle/>
-          <a:p>
-            <a:pPr indent="0" lvl="0" marL="0" rtl="0" algn="l">
-              <a:lnSpc>
-                <a:spcPct val="100000"/>
-              </a:lnSpc>
-              <a:spcBef>
-                <a:spcPts val="0"/>
-              </a:spcBef>
-              <a:spcAft>
-                <a:spcPts val="0"/>
-              </a:spcAft>
-              <a:buClr>
-                <a:schemeClr val="dk1"/>
-              </a:buClr>
-              <a:buSzPts val="1100"/>
-              <a:buFont typeface="Arial"/>
-              <a:buNone/>
-            </a:pPr>
-            <a:r>
-              <a:rPr lang="de"/>
-              <a:t>2</a:t>
-            </a:r>
-            <a:r>
-              <a:rPr lang="de"/>
-              <a:t>.2. Parametrisierung - </a:t>
-            </a:r>
-            <a:r>
-              <a:rPr lang="de"/>
-              <a:t>Scanner-Klasse</a:t>
-            </a:r>
-            <a:endParaRPr/>
-          </a:p>
-        </p:txBody>
-      </p:sp>
-      <p:sp>
-        <p:nvSpPr>
-          <p:cNvPr id="136" name="Google Shape;136;p23"/>
-          <p:cNvSpPr/>
-          <p:nvPr>
-            <p:ph idx="2" type="chart"/>
-          </p:nvPr>
-        </p:nvSpPr>
-        <p:spPr>
-          <a:xfrm>
-            <a:off x="431800" y="782241"/>
-            <a:ext cx="8375700" cy="3579000"/>
-          </a:xfrm>
-          <a:prstGeom prst="rect">
-            <a:avLst/>
-          </a:prstGeom>
-          <a:noFill/>
-          <a:ln>
-            <a:noFill/>
-          </a:ln>
-        </p:spPr>
-        <p:txBody>
-          <a:bodyPr anchorCtr="0" anchor="t" bIns="0" lIns="0" spcFirstLastPara="1" rIns="0" wrap="square" tIns="0">
-            <a:noAutofit/>
-          </a:bodyPr>
-          <a:lstStyle/>
-          <a:p>
-            <a:pPr indent="0" lvl="0" marL="0" marR="0" rtl="0" algn="l">
-              <a:lnSpc>
-                <a:spcPct val="100000"/>
-              </a:lnSpc>
-              <a:spcBef>
-                <a:spcPts val="320"/>
-              </a:spcBef>
-              <a:spcAft>
-                <a:spcPts val="0"/>
-              </a:spcAft>
-              <a:buNone/>
-            </a:pPr>
-            <a:r>
-              <a:rPr b="0" i="0" lang="de" sz="1600" u="none" cap="none" strike="noStrike">
-                <a:solidFill>
-                  <a:schemeClr val="dk1"/>
-                </a:solidFill>
-                <a:latin typeface="Arial"/>
-                <a:ea typeface="Arial"/>
-                <a:cs typeface="Arial"/>
-                <a:sym typeface="Arial"/>
-              </a:rPr>
-              <a:t>Parameter können auch zur Laufzeit des Programms vom Benutzer angefragt werden.</a:t>
-            </a:r>
-            <a:endParaRPr b="0" i="0" sz="1600" u="none" cap="none" strike="noStrike">
-              <a:solidFill>
-                <a:schemeClr val="dk1"/>
-              </a:solidFill>
-              <a:latin typeface="Arial"/>
-              <a:ea typeface="Arial"/>
-              <a:cs typeface="Arial"/>
-              <a:sym typeface="Arial"/>
-            </a:endParaRPr>
-          </a:p>
-          <a:p>
-            <a:pPr indent="0" lvl="0" marL="0" marR="0" rtl="0" algn="l">
-              <a:lnSpc>
-                <a:spcPct val="100000"/>
-              </a:lnSpc>
-              <a:spcBef>
-                <a:spcPts val="0"/>
-              </a:spcBef>
-              <a:spcAft>
-                <a:spcPts val="0"/>
-              </a:spcAft>
-              <a:buNone/>
-            </a:pPr>
-            <a:r>
-              <a:rPr b="0" i="0" lang="de" sz="1600" u="none" cap="none" strike="noStrike">
-                <a:solidFill>
-                  <a:schemeClr val="dk1"/>
-                </a:solidFill>
-                <a:latin typeface="Arial"/>
-                <a:ea typeface="Arial"/>
-                <a:cs typeface="Arial"/>
-                <a:sym typeface="Arial"/>
-              </a:rPr>
-              <a:t>Dazu gibt es die Scanner-Klasse, die wie folgt verwendet wird</a:t>
-            </a:r>
-            <a:br>
-              <a:rPr b="0" i="0" lang="de" sz="1600" u="none" cap="none" strike="noStrike">
-                <a:solidFill>
-                  <a:schemeClr val="dk1"/>
-                </a:solidFill>
-                <a:latin typeface="Arial"/>
-                <a:ea typeface="Arial"/>
-                <a:cs typeface="Arial"/>
-                <a:sym typeface="Arial"/>
-              </a:rPr>
-            </a:br>
-            <a:br>
-              <a:rPr b="0" i="0" lang="de" sz="1600" u="none" cap="none" strike="noStrike">
-                <a:solidFill>
-                  <a:schemeClr val="dk1"/>
-                </a:solidFill>
-                <a:latin typeface="Arial"/>
-                <a:ea typeface="Arial"/>
-                <a:cs typeface="Arial"/>
-                <a:sym typeface="Arial"/>
-              </a:rPr>
-            </a:br>
-            <a:br>
-              <a:rPr b="0" i="0" lang="de" sz="1600" u="none" cap="none" strike="noStrike">
-                <a:solidFill>
-                  <a:schemeClr val="dk1"/>
-                </a:solidFill>
-                <a:latin typeface="Arial"/>
-                <a:ea typeface="Arial"/>
-                <a:cs typeface="Arial"/>
-                <a:sym typeface="Arial"/>
-              </a:rPr>
-            </a:br>
-            <a:br>
-              <a:rPr b="0" i="0" lang="de" sz="1600" u="none" cap="none" strike="noStrike">
-                <a:solidFill>
-                  <a:schemeClr val="dk1"/>
-                </a:solidFill>
-                <a:latin typeface="Arial"/>
-                <a:ea typeface="Arial"/>
-                <a:cs typeface="Arial"/>
-                <a:sym typeface="Arial"/>
-              </a:rPr>
-            </a:br>
-            <a:endParaRPr b="0" i="0" sz="1600" u="none" cap="none" strike="noStrike">
-              <a:solidFill>
-                <a:schemeClr val="dk1"/>
-              </a:solidFill>
-              <a:latin typeface="Arial"/>
-              <a:ea typeface="Arial"/>
-              <a:cs typeface="Arial"/>
-              <a:sym typeface="Arial"/>
-            </a:endParaRPr>
-          </a:p>
-          <a:p>
-            <a:pPr indent="0" lvl="0" marL="0" marR="0" rtl="0" algn="l">
-              <a:lnSpc>
-                <a:spcPct val="100000"/>
-              </a:lnSpc>
-              <a:spcBef>
-                <a:spcPts val="0"/>
-              </a:spcBef>
-              <a:spcAft>
-                <a:spcPts val="0"/>
-              </a:spcAft>
-              <a:buNone/>
-            </a:pPr>
-            <a:r>
-              <a:rPr b="0" i="0" lang="de" sz="1600" u="none" cap="none" strike="noStrike">
-                <a:solidFill>
-                  <a:schemeClr val="dk1"/>
-                </a:solidFill>
-                <a:latin typeface="Arial"/>
-                <a:ea typeface="Arial"/>
-                <a:cs typeface="Arial"/>
-                <a:sym typeface="Arial"/>
-              </a:rPr>
-              <a:t>Das Programm stoppt beim Aufruf von scanner.next() und wartet auf eine Eingabe auf der Kommandozeile. Das ist ein beliebiger String, der mit der Enter-Taste bestätigt wird</a:t>
-            </a:r>
-            <a:endParaRPr b="0" i="0" sz="1600" u="none" cap="none" strike="noStrike">
-              <a:solidFill>
-                <a:schemeClr val="dk1"/>
-              </a:solidFill>
-              <a:latin typeface="Arial"/>
-              <a:ea typeface="Arial"/>
-              <a:cs typeface="Arial"/>
-              <a:sym typeface="Arial"/>
-            </a:endParaRPr>
-          </a:p>
-          <a:p>
-            <a:pPr indent="0" lvl="0" marL="0" marR="0" rtl="0" algn="l">
-              <a:lnSpc>
-                <a:spcPct val="100000"/>
-              </a:lnSpc>
-              <a:spcBef>
-                <a:spcPts val="0"/>
-              </a:spcBef>
-              <a:spcAft>
-                <a:spcPts val="0"/>
-              </a:spcAft>
-              <a:buNone/>
-            </a:pPr>
-            <a:r>
-              <a:rPr lang="de"/>
-              <a:t>Die Scanner Klasse kann über das import-Statement über der Klassendeklaration eingebunden werden.</a:t>
-            </a:r>
-            <a:endParaRPr/>
-          </a:p>
-        </p:txBody>
-      </p:sp>
-      <p:pic>
-        <p:nvPicPr>
-          <p:cNvPr id="137" name="Google Shape;137;p23"/>
-          <p:cNvPicPr preferRelativeResize="0"/>
-          <p:nvPr/>
-        </p:nvPicPr>
-        <p:blipFill rotWithShape="1">
-          <a:blip r:embed="rId3">
-            <a:alphaModFix/>
-          </a:blip>
-          <a:srcRect b="0" l="0" r="0" t="0"/>
-          <a:stretch/>
-        </p:blipFill>
-        <p:spPr>
-          <a:xfrm>
-            <a:off x="2286226" y="1356600"/>
-            <a:ext cx="4408225" cy="757100"/>
-          </a:xfrm>
-          <a:prstGeom prst="rect">
-            <a:avLst/>
-          </a:prstGeom>
-          <a:noFill/>
-          <a:ln>
-            <a:noFill/>
-          </a:ln>
-        </p:spPr>
-      </p:pic>
-      <p:pic>
-        <p:nvPicPr>
-          <p:cNvPr id="138" name="Google Shape;138;p23"/>
-          <p:cNvPicPr preferRelativeResize="0"/>
-          <p:nvPr/>
-        </p:nvPicPr>
-        <p:blipFill>
-          <a:blip r:embed="rId4">
-            <a:alphaModFix/>
-          </a:blip>
-          <a:stretch>
-            <a:fillRect/>
-          </a:stretch>
-        </p:blipFill>
-        <p:spPr>
-          <a:xfrm>
-            <a:off x="3723500" y="3368600"/>
-            <a:ext cx="2970950" cy="584450"/>
-          </a:xfrm>
-          <a:prstGeom prst="rect">
-            <a:avLst/>
-          </a:prstGeom>
-          <a:noFill/>
-          <a:ln>
-            <a:noFill/>
-          </a:ln>
-        </p:spPr>
-      </p:pic>
-    </p:spTree>
-  </p:cSld>
-  <p:clrMapOvr>
-    <a:masterClrMapping/>
-  </p:clrMapOvr>
-</p:sld>
+<file path=ppt/theme/theme1.xml><?xml version="1.0" encoding="utf-8"?>
+<a:theme xmlns:a="http://schemas.openxmlformats.org/drawingml/2006/main" name="TUBraunschweig_PPT2007_Folienpool_pptx">
+  <a:themeElements>
+    <a:clrScheme name="TU Braunschweig">
+      <a:dk1>
+        <a:srgbClr val="000000"/>
+      </a:dk1>
+      <a:lt1>
+        <a:srgbClr val="FFFFFF"/>
+      </a:lt1>
+      <a:dk2>
+        <a:srgbClr val="000000"/>
+      </a:dk2>
+      <a:lt2>
+        <a:srgbClr val="DDDDDD"/>
+      </a:lt2>
+      <a:accent1>
+        <a:srgbClr val="BE1E3C"/>
+      </a:accent1>
+      <a:accent2>
+        <a:srgbClr val="4DA6CB"/>
+      </a:accent2>
+      <a:accent3>
+        <a:srgbClr val="ADBF4D"/>
+      </a:accent3>
+      <a:accent4>
+        <a:srgbClr val="FA6E00"/>
+      </a:accent4>
+      <a:accent5>
+        <a:srgbClr val="407E97"/>
+      </a:accent5>
+      <a:accent6>
+        <a:srgbClr val="984098"/>
+      </a:accent6>
+      <a:hlink>
+        <a:srgbClr val="BE1E3C"/>
+      </a:hlink>
+      <a:folHlink>
+        <a:srgbClr val="760054"/>
+      </a:folHlink>
+    </a:clrScheme>
+    <a:fontScheme name="Office">
+      <a:majorFont>
+        <a:latin typeface="Arial"/>
+        <a:ea typeface=""/>
+        <a:cs typeface=""/>
+        <a:font script="Jpan" typeface="ＭＳ Ｐゴシック"/>
+        <a:font script="Hang" typeface="맑은 고딕"/>
+        <a:font script="Hans" typeface="宋体"/>
+        <a:font script="Hant" typeface="新細明體"/>
+        <a:font script="Arab" typeface="Times New Roman"/>
+        <a:font script="Hebr" typeface="Times New Roman"/>
+        <a:font script="Thai" typeface="Angsana New"/>
+        <a:font script="Ethi" typeface="Nyala"/>
+        <a:font script="Beng" typeface="Vrinda"/>
+        <a:font script="Gujr" typeface="Shruti"/>
+        <a:font script="Khmr" typeface="MoolBoran"/>
+        <a:font script="Knda" typeface="Tunga"/>
+        <a:font script="Guru" typeface="Raavi"/>
+        <a:font script="Cans" typeface="Euphemia"/>
+        <a:font script="Cher" typeface="Plantagenet Cherokee"/>
+        <a:font script="Yiii" typeface="Microsoft Yi Baiti"/>
+        <a:font script="Tibt" typeface="Microsoft Himalaya"/>
+        <a:font script="Thaa" typeface="MV Boli"/>
+        <a:font script="Deva" typeface="Mangal"/>
+        <a:font script="Telu" typeface="Gautami"/>
+        <a:font script="Taml" typeface="Latha"/>
+        <a:font script="Syrc" typeface="Estrangelo Edessa"/>
+        <a:font script="Orya" typeface="Kalinga"/>
+        <a:font script="Mlym" typeface="Kartika"/>
+        <a:font script="Laoo" typeface="DokChampa"/>
+        <a:font script="Sinh" typeface="Iskoola Pota"/>
+        <a:font script="Mong" typeface="Mongolian Baiti"/>
+        <a:font script="Viet" typeface="Times New Roman"/>
+        <a:font script="Uigh" typeface="Microsoft Uighur"/>
+        <a:font script="Geor" typeface="Sylfaen"/>
+      </a:majorFont>
+      <a:minorFont>
+        <a:latin typeface="Arial"/>
+        <a:ea typeface=""/>
+        <a:cs typeface=""/>
+        <a:font script="Jpan" typeface="ＭＳ Ｐゴシック"/>
+        <a:font script="Hang" typeface="맑은 고딕"/>
+        <a:font script="Hans" typeface="宋体"/>
+        <a:font script="Hant" typeface="新細明體"/>
+        <a:font script="Arab" typeface="Arial"/>
+        <a:font script="Hebr" typeface="Arial"/>
+        <a:font script="Thai" typeface="Cordia New"/>
+        <a:font script="Ethi" typeface="Nyala"/>
+        <a:font script="Beng" typeface="Vrinda"/>
+        <a:font script="Gujr" typeface="Shruti"/>
+        <a:font script="Khmr" typeface="DaunPenh"/>
+        <a:font script="Knda" typeface="Tunga"/>
+        <a:font script="Guru" typeface="Raavi"/>
+        <a:font script="Cans" typeface="Euphemia"/>
+        <a:font script="Cher" typeface="Plantagenet Cherokee"/>
+        <a:font script="Yiii" typeface="Microsoft Yi Baiti"/>
+        <a:font script="Tibt" typeface="Microsoft Himalaya"/>
+        <a:font script="Thaa" typeface="MV Boli"/>
+        <a:font script="Deva" typeface="Mangal"/>
+        <a:font script="Telu" typeface="Gautami"/>
+        <a:font script="Taml" typeface="Latha"/>
+        <a:font script="Syrc" typeface="Estrangelo Edessa"/>
+        <a:font script="Orya" typeface="Kalinga"/>
+        <a:font script="Mlym" typeface="Kartika"/>
+        <a:font script="Laoo" typeface="DokChampa"/>
+        <a:font script="Sinh" typeface="Iskoola Pota"/>
+        <a:font script="Mong" typeface="Mongolian Baiti"/>
+        <a:font script="Viet" typeface="Arial"/>
+        <a:font script="Uigh" typeface="Microsoft Uighur"/>
+        <a:font script="Geor" typeface="Sylfaen"/>
+      </a:minorFont>
+    </a:fontScheme>
+    <a:fmtScheme name="Office">
+      <a:fillStyleLst>
+        <a:solidFill>
+          <a:schemeClr val="phClr"/>
+        </a:solidFill>
+        <a:gradFill rotWithShape="1">
+          <a:gsLst>
+            <a:gs pos="0">
+              <a:schemeClr val="phClr">
+                <a:tint val="50000"/>
+                <a:satMod val="300000"/>
+              </a:schemeClr>
+            </a:gs>
+            <a:gs pos="35000">
+              <a:schemeClr val="phClr">
+                <a:tint val="37000"/>
+                <a:satMod val="300000"/>
+              </a:schemeClr>
+            </a:gs>
+            <a:gs pos="100000">
+              <a:schemeClr val="phClr">
+                <a:tint val="15000"/>
+                <a:satMod val="350000"/>
+              </a:schemeClr>
+            </a:gs>
+          </a:gsLst>
+          <a:lin ang="16200000" scaled="1"/>
+        </a:gradFill>
+        <a:gradFill rotWithShape="1">
+          <a:gsLst>
+            <a:gs pos="0">
+              <a:schemeClr val="phClr">
+                <a:tint val="100000"/>
+                <a:shade val="100000"/>
+                <a:satMod val="130000"/>
+              </a:schemeClr>
+            </a:gs>
+            <a:gs pos="100000">
+              <a:schemeClr val="phClr">
+                <a:tint val="50000"/>
+                <a:shade val="100000"/>
+                <a:satMod val="350000"/>
+              </a:schemeClr>
+            </a:gs>
+          </a:gsLst>
+          <a:lin ang="16200000" scaled="0"/>
+        </a:gradFill>
+      </a:fillStyleLst>
+      <a:lnStyleLst>
+        <a:ln w="9525" cap="flat" cmpd="sng" algn="ctr">
+          <a:solidFill>
+            <a:schemeClr val="phClr">
+              <a:shade val="95000"/>
+              <a:satMod val="105000"/>
+            </a:schemeClr>
+          </a:solidFill>
+          <a:prstDash val="solid"/>
+        </a:ln>
+        <a:ln w="25400" cap="flat" cmpd="sng" algn="ctr">
+          <a:solidFill>
+            <a:schemeClr val="phClr"/>
+          </a:solidFill>
+          <a:prstDash val="solid"/>
+        </a:ln>
+        <a:ln w="38100" cap="flat" cmpd="sng" algn="ctr">
+          <a:solidFill>
+            <a:schemeClr val="phClr"/>
+          </a:solidFill>
+          <a:prstDash val="solid"/>
+        </a:ln>
+      </a:lnStyleLst>
+      <a:effectStyleLst>
+        <a:effectStyle>
+          <a:effectLst>
+            <a:outerShdw blurRad="40000" dist="20000" dir="5400000" rotWithShape="0">
+              <a:srgbClr val="000000">
+                <a:alpha val="38000"/>
+              </a:srgbClr>
+            </a:outerShdw>
+          </a:effectLst>
+        </a:effectStyle>
+        <a:effectStyle>
+          <a:effectLst>
+            <a:outerShdw blurRad="40000" dist="23000" dir="5400000" rotWithShape="0">
+              <a:srgbClr val="000000">
+                <a:alpha val="35000"/>
+              </a:srgbClr>
+            </a:outerShdw>
+          </a:effectLst>
+        </a:effectStyle>
+        <a:effectStyle>
+          <a:effectLst>
+            <a:outerShdw blurRad="40000" dist="23000" dir="5400000" rotWithShape="0">
+              <a:srgbClr val="000000">
+                <a:alpha val="35000"/>
+              </a:srgbClr>
+            </a:outerShdw>
+          </a:effectLst>
+          <a:scene3d>
+            <a:camera prst="orthographicFront">
+              <a:rot lat="0" lon="0" rev="0"/>
+            </a:camera>
+            <a:lightRig rig="threePt" dir="t">
+              <a:rot lat="0" lon="0" rev="1200000"/>
+            </a:lightRig>
+          </a:scene3d>
+          <a:sp3d>
+            <a:bevelT w="63500" h="25400"/>
+          </a:sp3d>
+        </a:effectStyle>
+      </a:effectStyleLst>
+      <a:bgFillStyleLst>
+        <a:solidFill>
+          <a:schemeClr val="phClr"/>
+        </a:solidFill>
+        <a:gradFill rotWithShape="1">
+          <a:gsLst>
+            <a:gs pos="0">
+              <a:schemeClr val="phClr">
+                <a:tint val="40000"/>
+                <a:satMod val="350000"/>
+              </a:schemeClr>
+            </a:gs>
+            <a:gs pos="40000">
+              <a:schemeClr val="phClr">
+                <a:tint val="45000"/>
+                <a:shade val="99000"/>
+                <a:satMod val="350000"/>
+              </a:schemeClr>
+            </a:gs>
+            <a:gs pos="100000">
+              <a:schemeClr val="phClr">
+                <a:shade val="20000"/>
+                <a:satMod val="255000"/>
+              </a:schemeClr>
+            </a:gs>
+          </a:gsLst>
+          <a:path path="circle">
+            <a:fillToRect l="50000" t="-80000" r="50000" b="180000"/>
+          </a:path>
+        </a:gradFill>
+        <a:gradFill rotWithShape="1">
+          <a:gsLst>
+            <a:gs pos="0">
+              <a:schemeClr val="phClr">
+                <a:tint val="80000"/>
+                <a:satMod val="300000"/>
+              </a:schemeClr>
+            </a:gs>
+            <a:gs pos="100000">
+              <a:schemeClr val="phClr">
+                <a:shade val="30000"/>
+                <a:satMod val="200000"/>
+              </a:schemeClr>
+            </a:gs>
+          </a:gsLst>
+          <a:path path="circle">
+            <a:fillToRect l="50000" t="50000" r="50000" b="50000"/>
+          </a:path>
+        </a:gradFill>
+      </a:bgFillStyleLst>
+    </a:fmtScheme>
+  </a:themeElements>
+  <a:objectDefaults/>
+  <a:extraClrSchemeLst/>
+</a:theme>
 </file>
 
-<file path=ppt/slides/slide9.xml><?xml version="1.0" encoding="utf-8"?>
-<p:sld xmlns:a="http://schemas.openxmlformats.org/drawingml/2006/main" xmlns:r="http://schemas.openxmlformats.org/officeDocument/2006/relationships" xmlns:mc="http://schemas.openxmlformats.org/markup-compatibility/2006" xmlns:mv="urn:schemas-microsoft-com:mac:vml" xmlns:p="http://schemas.openxmlformats.org/presentationml/2006/main" xmlns:c="http://schemas.openxmlformats.org/drawingml/2006/chart" xmlns:dgm="http://schemas.openxmlformats.org/drawingml/2006/diagram" xmlns:o="urn:schemas-microsoft-com:office:office" xmlns:v="urn:schemas-microsoft-com:vml" xmlns:pvml="urn:schemas-microsoft-com:office:powerpoint" xmlns:com="http://schemas.openxmlformats.org/drawingml/2006/compatibility" xmlns:p14="http://schemas.microsoft.com/office/powerpoint/2010/main" xmlns:p15="http://schemas.microsoft.com/office/powerpoint/2012/main" xmlns:ahyp="http://schemas.microsoft.com/office/drawing/2018/hyperlinkcolor">
-  <p:cSld>
-    <p:spTree>
-      <p:nvGrpSpPr>
-        <p:cNvPr id="142" name="Shape 142"/>
-        <p:cNvGrpSpPr/>
-        <p:nvPr/>
-      </p:nvGrpSpPr>
-      <p:grpSpPr>
-        <a:xfrm>
-          <a:off x="0" y="0"/>
-          <a:ext cx="0" cy="0"/>
-          <a:chOff x="0" y="0"/>
-          <a:chExt cx="0" cy="0"/>
-        </a:xfrm>
-      </p:grpSpPr>
-      <p:sp>
-        <p:nvSpPr>
-          <p:cNvPr id="143" name="Google Shape;143;p24"/>
-          <p:cNvSpPr txBox="1"/>
-          <p:nvPr>
-            <p:ph type="title"/>
-          </p:nvPr>
-        </p:nvSpPr>
-        <p:spPr>
-          <a:xfrm>
-            <a:off x="431800" y="83344"/>
-            <a:ext cx="8375700" cy="531000"/>
-          </a:xfrm>
-          <a:prstGeom prst="rect">
-            <a:avLst/>
-          </a:prstGeom>
-        </p:spPr>
-        <p:txBody>
-          <a:bodyPr anchorCtr="0" anchor="b" bIns="0" lIns="0" spcFirstLastPara="1" rIns="0" wrap="square" tIns="0">
-            <a:noAutofit/>
-          </a:bodyPr>
-          <a:lstStyle/>
-          <a:p>
-            <a:pPr indent="0" lvl="0" marL="0" rtl="0" algn="l">
-              <a:spcBef>
-                <a:spcPts val="0"/>
-              </a:spcBef>
-              <a:spcAft>
-                <a:spcPts val="0"/>
-              </a:spcAft>
-              <a:buNone/>
-            </a:pPr>
-            <a:r>
-              <a:rPr lang="de"/>
-              <a:t>Fragen</a:t>
-            </a:r>
-            <a:endParaRPr/>
-          </a:p>
-        </p:txBody>
-      </p:sp>
-      <p:sp>
-        <p:nvSpPr>
-          <p:cNvPr id="144" name="Google Shape;144;p24"/>
-          <p:cNvSpPr/>
-          <p:nvPr>
-            <p:ph idx="2" type="chart"/>
-          </p:nvPr>
-        </p:nvSpPr>
-        <p:spPr>
-          <a:xfrm>
-            <a:off x="431800" y="782241"/>
-            <a:ext cx="8375700" cy="3579000"/>
-          </a:xfrm>
-          <a:prstGeom prst="rect">
-            <a:avLst/>
-          </a:prstGeom>
-        </p:spPr>
-        <p:txBody>
-          <a:bodyPr anchorCtr="0" anchor="t" bIns="0" lIns="0" spcFirstLastPara="1" rIns="0" wrap="square" tIns="0">
-            <a:noAutofit/>
-          </a:bodyPr>
-          <a:lstStyle/>
-          <a:p>
-            <a:pPr indent="0" lvl="0" marL="0" rtl="0" algn="ctr">
-              <a:spcBef>
-                <a:spcPts val="320"/>
-              </a:spcBef>
-              <a:spcAft>
-                <a:spcPts val="0"/>
-              </a:spcAft>
-              <a:buClr>
-                <a:schemeClr val="dk1"/>
-              </a:buClr>
-              <a:buSzPts val="1100"/>
-              <a:buFont typeface="Arial"/>
-              <a:buNone/>
-            </a:pPr>
-            <a:r>
-              <a:t/>
-            </a:r>
-            <a:endParaRPr/>
-          </a:p>
-          <a:p>
-            <a:pPr indent="0" lvl="0" marL="0" rtl="0" algn="ctr">
-              <a:spcBef>
-                <a:spcPts val="320"/>
-              </a:spcBef>
-              <a:spcAft>
-                <a:spcPts val="0"/>
-              </a:spcAft>
-              <a:buClr>
-                <a:schemeClr val="dk1"/>
-              </a:buClr>
-              <a:buSzPts val="1100"/>
-              <a:buFont typeface="Arial"/>
-              <a:buNone/>
-            </a:pPr>
-            <a:r>
-              <a:t/>
-            </a:r>
-            <a:endParaRPr/>
-          </a:p>
-          <a:p>
-            <a:pPr indent="0" lvl="0" marL="0" rtl="0" algn="ctr">
-              <a:spcBef>
-                <a:spcPts val="320"/>
-              </a:spcBef>
-              <a:spcAft>
-                <a:spcPts val="0"/>
-              </a:spcAft>
-              <a:buClr>
-                <a:schemeClr val="dk1"/>
-              </a:buClr>
-              <a:buSzPts val="1100"/>
-              <a:buFont typeface="Arial"/>
-              <a:buNone/>
-            </a:pPr>
-            <a:r>
-              <a:t/>
-            </a:r>
-            <a:endParaRPr/>
-          </a:p>
-          <a:p>
-            <a:pPr indent="0" lvl="0" marL="0" rtl="0" algn="ctr">
-              <a:spcBef>
-                <a:spcPts val="320"/>
-              </a:spcBef>
-              <a:spcAft>
-                <a:spcPts val="0"/>
-              </a:spcAft>
-              <a:buClr>
-                <a:schemeClr val="dk1"/>
-              </a:buClr>
-              <a:buSzPts val="1100"/>
-              <a:buFont typeface="Arial"/>
-              <a:buNone/>
-            </a:pPr>
-            <a:r>
-              <a:t/>
-            </a:r>
-            <a:endParaRPr/>
-          </a:p>
-          <a:p>
-            <a:pPr indent="0" lvl="0" marL="0" rtl="0" algn="ctr">
-              <a:spcBef>
-                <a:spcPts val="320"/>
-              </a:spcBef>
-              <a:spcAft>
-                <a:spcPts val="0"/>
-              </a:spcAft>
-              <a:buClr>
-                <a:schemeClr val="dk1"/>
-              </a:buClr>
-              <a:buSzPts val="1100"/>
-              <a:buFont typeface="Arial"/>
-              <a:buNone/>
-            </a:pPr>
-            <a:r>
-              <a:t/>
-            </a:r>
-            <a:endParaRPr/>
-          </a:p>
-          <a:p>
-            <a:pPr indent="0" lvl="0" marL="0" rtl="0" algn="ctr">
-              <a:spcBef>
-                <a:spcPts val="320"/>
-              </a:spcBef>
-              <a:spcAft>
-                <a:spcPts val="0"/>
-              </a:spcAft>
-              <a:buClr>
-                <a:schemeClr val="dk1"/>
-              </a:buClr>
-              <a:buSzPts val="1100"/>
-              <a:buFont typeface="Arial"/>
-              <a:buNone/>
-            </a:pPr>
-            <a:r>
-              <a:t/>
-            </a:r>
-            <a:endParaRPr/>
-          </a:p>
-          <a:p>
-            <a:pPr indent="0" lvl="0" marL="0" rtl="0" algn="ctr">
-              <a:spcBef>
-                <a:spcPts val="320"/>
-              </a:spcBef>
-              <a:spcAft>
-                <a:spcPts val="0"/>
-              </a:spcAft>
-              <a:buClr>
-                <a:schemeClr val="dk1"/>
-              </a:buClr>
-              <a:buSzPts val="1100"/>
-              <a:buFont typeface="Arial"/>
-              <a:buNone/>
-            </a:pPr>
-            <a:r>
-              <a:rPr lang="de" sz="3600"/>
-              <a:t>Fragen</a:t>
-            </a:r>
-            <a:endParaRPr sz="3600"/>
-          </a:p>
-          <a:p>
-            <a:pPr indent="0" lvl="0" marL="0" rtl="0" algn="l">
-              <a:spcBef>
-                <a:spcPts val="320"/>
-              </a:spcBef>
-              <a:spcAft>
-                <a:spcPts val="0"/>
-              </a:spcAft>
-              <a:buNone/>
-            </a:pPr>
-            <a:r>
-              <a:t/>
-            </a:r>
-            <a:endParaRPr/>
-          </a:p>
-        </p:txBody>
-      </p:sp>
-    </p:spTree>
-  </p:cSld>
-  <p:clrMapOvr>
-    <a:masterClrMapping/>
-  </p:clrMapOvr>
-</p:sld>
-</file>
-
-<file path=ppt/theme/theme1.xml><?xml version="1.0" encoding="utf-8"?>
-<a:theme xmlns:a="http://schemas.openxmlformats.org/drawingml/2006/main" xmlns:r="http://schemas.openxmlformats.org/officeDocument/2006/relationships">
+<file path=ppt/theme/theme2.xml><?xml version="1.0" encoding="utf-8"?>
+<a:theme xmlns:a="http://schemas.openxmlformats.org/drawingml/2006/main">
   <a:themeElements>
     <a:clrScheme name="Default">
       <a:dk1>
@@ -12193,284 +12877,7 @@
       </a:bgFillStyleLst>
     </a:fmtScheme>
   </a:themeElements>
-</a:theme>
-</file>
-
-<file path=ppt/theme/theme2.xml><?xml version="1.0" encoding="utf-8"?>
-<a:theme xmlns:a="http://schemas.openxmlformats.org/drawingml/2006/main" xmlns:r="http://schemas.openxmlformats.org/officeDocument/2006/relationships" name="TUBraunschweig_PPT2007_Folienpool_pptx">
-  <a:themeElements>
-    <a:clrScheme name="TU Braunschweig">
-      <a:dk1>
-        <a:srgbClr val="000000"/>
-      </a:dk1>
-      <a:lt1>
-        <a:srgbClr val="FFFFFF"/>
-      </a:lt1>
-      <a:dk2>
-        <a:srgbClr val="000000"/>
-      </a:dk2>
-      <a:lt2>
-        <a:srgbClr val="DDDDDD"/>
-      </a:lt2>
-      <a:accent1>
-        <a:srgbClr val="BE1E3C"/>
-      </a:accent1>
-      <a:accent2>
-        <a:srgbClr val="4DA6CB"/>
-      </a:accent2>
-      <a:accent3>
-        <a:srgbClr val="ADBF4D"/>
-      </a:accent3>
-      <a:accent4>
-        <a:srgbClr val="FA6E00"/>
-      </a:accent4>
-      <a:accent5>
-        <a:srgbClr val="407E97"/>
-      </a:accent5>
-      <a:accent6>
-        <a:srgbClr val="984098"/>
-      </a:accent6>
-      <a:hlink>
-        <a:srgbClr val="BE1E3C"/>
-      </a:hlink>
-      <a:folHlink>
-        <a:srgbClr val="760054"/>
-      </a:folHlink>
-    </a:clrScheme>
-    <a:fontScheme name="Office">
-      <a:majorFont>
-        <a:latin typeface="Arial"/>
-        <a:ea typeface=""/>
-        <a:cs typeface=""/>
-        <a:font script="Jpan" typeface="ＭＳ Ｐゴシック"/>
-        <a:font script="Hang" typeface="맑은 고딕"/>
-        <a:font script="Hans" typeface="宋体"/>
-        <a:font script="Hant" typeface="新細明體"/>
-        <a:font script="Arab" typeface="Times New Roman"/>
-        <a:font script="Hebr" typeface="Times New Roman"/>
-        <a:font script="Thai" typeface="Angsana New"/>
-        <a:font script="Ethi" typeface="Nyala"/>
-        <a:font script="Beng" typeface="Vrinda"/>
-        <a:font script="Gujr" typeface="Shruti"/>
-        <a:font script="Khmr" typeface="MoolBoran"/>
-        <a:font script="Knda" typeface="Tunga"/>
-        <a:font script="Guru" typeface="Raavi"/>
-        <a:font script="Cans" typeface="Euphemia"/>
-        <a:font script="Cher" typeface="Plantagenet Cherokee"/>
-        <a:font script="Yiii" typeface="Microsoft Yi Baiti"/>
-        <a:font script="Tibt" typeface="Microsoft Himalaya"/>
-        <a:font script="Thaa" typeface="MV Boli"/>
-        <a:font script="Deva" typeface="Mangal"/>
-        <a:font script="Telu" typeface="Gautami"/>
-        <a:font script="Taml" typeface="Latha"/>
-        <a:font script="Syrc" typeface="Estrangelo Edessa"/>
-        <a:font script="Orya" typeface="Kalinga"/>
-        <a:font script="Mlym" typeface="Kartika"/>
-        <a:font script="Laoo" typeface="DokChampa"/>
-        <a:font script="Sinh" typeface="Iskoola Pota"/>
-        <a:font script="Mong" typeface="Mongolian Baiti"/>
-        <a:font script="Viet" typeface="Times New Roman"/>
-        <a:font script="Uigh" typeface="Microsoft Uighur"/>
-        <a:font script="Geor" typeface="Sylfaen"/>
-      </a:majorFont>
-      <a:minorFont>
-        <a:latin typeface="Arial"/>
-        <a:ea typeface=""/>
-        <a:cs typeface=""/>
-        <a:font script="Jpan" typeface="ＭＳ Ｐゴシック"/>
-        <a:font script="Hang" typeface="맑은 고딕"/>
-        <a:font script="Hans" typeface="宋体"/>
-        <a:font script="Hant" typeface="新細明體"/>
-        <a:font script="Arab" typeface="Arial"/>
-        <a:font script="Hebr" typeface="Arial"/>
-        <a:font script="Thai" typeface="Cordia New"/>
-        <a:font script="Ethi" typeface="Nyala"/>
-        <a:font script="Beng" typeface="Vrinda"/>
-        <a:font script="Gujr" typeface="Shruti"/>
-        <a:font script="Khmr" typeface="DaunPenh"/>
-        <a:font script="Knda" typeface="Tunga"/>
-        <a:font script="Guru" typeface="Raavi"/>
-        <a:font script="Cans" typeface="Euphemia"/>
-        <a:font script="Cher" typeface="Plantagenet Cherokee"/>
-        <a:font script="Yiii" typeface="Microsoft Yi Baiti"/>
-        <a:font script="Tibt" typeface="Microsoft Himalaya"/>
-        <a:font script="Thaa" typeface="MV Boli"/>
-        <a:font script="Deva" typeface="Mangal"/>
-        <a:font script="Telu" typeface="Gautami"/>
-        <a:font script="Taml" typeface="Latha"/>
-        <a:font script="Syrc" typeface="Estrangelo Edessa"/>
-        <a:font script="Orya" typeface="Kalinga"/>
-        <a:font script="Mlym" typeface="Kartika"/>
-        <a:font script="Laoo" typeface="DokChampa"/>
-        <a:font script="Sinh" typeface="Iskoola Pota"/>
-        <a:font script="Mong" typeface="Mongolian Baiti"/>
-        <a:font script="Viet" typeface="Arial"/>
-        <a:font script="Uigh" typeface="Microsoft Uighur"/>
-        <a:font script="Geor" typeface="Sylfaen"/>
-      </a:minorFont>
-    </a:fontScheme>
-    <a:fmtScheme name="Office">
-      <a:fillStyleLst>
-        <a:solidFill>
-          <a:schemeClr val="phClr"/>
-        </a:solidFill>
-        <a:gradFill rotWithShape="1">
-          <a:gsLst>
-            <a:gs pos="0">
-              <a:schemeClr val="phClr">
-                <a:tint val="50000"/>
-                <a:satMod val="300000"/>
-              </a:schemeClr>
-            </a:gs>
-            <a:gs pos="35000">
-              <a:schemeClr val="phClr">
-                <a:tint val="37000"/>
-                <a:satMod val="300000"/>
-              </a:schemeClr>
-            </a:gs>
-            <a:gs pos="100000">
-              <a:schemeClr val="phClr">
-                <a:tint val="15000"/>
-                <a:satMod val="350000"/>
-              </a:schemeClr>
-            </a:gs>
-          </a:gsLst>
-          <a:lin ang="16200000" scaled="1"/>
-        </a:gradFill>
-        <a:gradFill rotWithShape="1">
-          <a:gsLst>
-            <a:gs pos="0">
-              <a:schemeClr val="phClr">
-                <a:tint val="100000"/>
-                <a:shade val="100000"/>
-                <a:satMod val="130000"/>
-              </a:schemeClr>
-            </a:gs>
-            <a:gs pos="100000">
-              <a:schemeClr val="phClr">
-                <a:tint val="50000"/>
-                <a:shade val="100000"/>
-                <a:satMod val="350000"/>
-              </a:schemeClr>
-            </a:gs>
-          </a:gsLst>
-          <a:lin ang="16200000" scaled="0"/>
-        </a:gradFill>
-      </a:fillStyleLst>
-      <a:lnStyleLst>
-        <a:ln w="9525" cap="flat" cmpd="sng" algn="ctr">
-          <a:solidFill>
-            <a:schemeClr val="phClr">
-              <a:shade val="95000"/>
-              <a:satMod val="105000"/>
-            </a:schemeClr>
-          </a:solidFill>
-          <a:prstDash val="solid"/>
-        </a:ln>
-        <a:ln w="25400" cap="flat" cmpd="sng" algn="ctr">
-          <a:solidFill>
-            <a:schemeClr val="phClr"/>
-          </a:solidFill>
-          <a:prstDash val="solid"/>
-        </a:ln>
-        <a:ln w="38100" cap="flat" cmpd="sng" algn="ctr">
-          <a:solidFill>
-            <a:schemeClr val="phClr"/>
-          </a:solidFill>
-          <a:prstDash val="solid"/>
-        </a:ln>
-      </a:lnStyleLst>
-      <a:effectStyleLst>
-        <a:effectStyle>
-          <a:effectLst>
-            <a:outerShdw blurRad="40000" dist="20000" dir="5400000" rotWithShape="0">
-              <a:srgbClr val="000000">
-                <a:alpha val="38000"/>
-              </a:srgbClr>
-            </a:outerShdw>
-          </a:effectLst>
-        </a:effectStyle>
-        <a:effectStyle>
-          <a:effectLst>
-            <a:outerShdw blurRad="40000" dist="23000" dir="5400000" rotWithShape="0">
-              <a:srgbClr val="000000">
-                <a:alpha val="35000"/>
-              </a:srgbClr>
-            </a:outerShdw>
-          </a:effectLst>
-        </a:effectStyle>
-        <a:effectStyle>
-          <a:effectLst>
-            <a:outerShdw blurRad="40000" dist="23000" dir="5400000" rotWithShape="0">
-              <a:srgbClr val="000000">
-                <a:alpha val="35000"/>
-              </a:srgbClr>
-            </a:outerShdw>
-          </a:effectLst>
-          <a:scene3d>
-            <a:camera prst="orthographicFront">
-              <a:rot lat="0" lon="0" rev="0"/>
-            </a:camera>
-            <a:lightRig rig="threePt" dir="t">
-              <a:rot lat="0" lon="0" rev="1200000"/>
-            </a:lightRig>
-          </a:scene3d>
-          <a:sp3d>
-            <a:bevelT w="63500" h="25400"/>
-          </a:sp3d>
-        </a:effectStyle>
-      </a:effectStyleLst>
-      <a:bgFillStyleLst>
-        <a:solidFill>
-          <a:schemeClr val="phClr"/>
-        </a:solidFill>
-        <a:gradFill rotWithShape="1">
-          <a:gsLst>
-            <a:gs pos="0">
-              <a:schemeClr val="phClr">
-                <a:tint val="40000"/>
-                <a:satMod val="350000"/>
-              </a:schemeClr>
-            </a:gs>
-            <a:gs pos="40000">
-              <a:schemeClr val="phClr">
-                <a:tint val="45000"/>
-                <a:shade val="99000"/>
-                <a:satMod val="350000"/>
-              </a:schemeClr>
-            </a:gs>
-            <a:gs pos="100000">
-              <a:schemeClr val="phClr">
-                <a:shade val="20000"/>
-                <a:satMod val="255000"/>
-              </a:schemeClr>
-            </a:gs>
-          </a:gsLst>
-          <a:path path="circle">
-            <a:fillToRect l="50000" t="-80000" r="50000" b="180000"/>
-          </a:path>
-        </a:gradFill>
-        <a:gradFill rotWithShape="1">
-          <a:gsLst>
-            <a:gs pos="0">
-              <a:schemeClr val="phClr">
-                <a:tint val="80000"/>
-                <a:satMod val="300000"/>
-              </a:schemeClr>
-            </a:gs>
-            <a:gs pos="100000">
-              <a:schemeClr val="phClr">
-                <a:shade val="30000"/>
-                <a:satMod val="200000"/>
-              </a:schemeClr>
-            </a:gs>
-          </a:gsLst>
-          <a:path path="circle">
-            <a:fillToRect l="50000" t="50000" r="50000" b="50000"/>
-          </a:path>
-        </a:gradFill>
-      </a:bgFillStyleLst>
-    </a:fmtScheme>
-  </a:themeElements>
+  <a:objectDefaults/>
+  <a:extraClrSchemeLst/>
 </a:theme>
 </file>
--- a/slides/02_conditions_parameterization.pptx
+++ b/slides/02_conditions_parameterization.pptx
@@ -11378,6 +11378,72 @@
           </a:prstGeom>
         </p:spPr>
       </p:pic>
+      <p:pic>
+        <p:nvPicPr>
+          <p:cNvPr id="4" name="Grafik 3">
+            <a:extLst>
+              <a:ext uri="{FF2B5EF4-FFF2-40B4-BE49-F238E27FC236}">
+                <a16:creationId xmlns:a16="http://schemas.microsoft.com/office/drawing/2014/main" id="{1423BD68-6EA2-0EFF-EFC3-AB207BB3B6E9}"/>
+              </a:ext>
+            </a:extLst>
+          </p:cNvPr>
+          <p:cNvPicPr>
+            <a:picLocks noChangeAspect="1"/>
+          </p:cNvPicPr>
+          <p:nvPr/>
+        </p:nvPicPr>
+        <p:blipFill>
+          <a:blip r:embed="rId4"/>
+          <a:stretch>
+            <a:fillRect/>
+          </a:stretch>
+        </p:blipFill>
+        <p:spPr>
+          <a:xfrm>
+            <a:off x="4285110" y="2192523"/>
+            <a:ext cx="3213456" cy="2142304"/>
+          </a:xfrm>
+          <a:prstGeom prst="rect">
+            <a:avLst/>
+          </a:prstGeom>
+        </p:spPr>
+      </p:pic>
+      <p:cxnSp>
+        <p:nvCxnSpPr>
+          <p:cNvPr id="6" name="Gerader Verbinder 5">
+            <a:extLst>
+              <a:ext uri="{FF2B5EF4-FFF2-40B4-BE49-F238E27FC236}">
+                <a16:creationId xmlns:a16="http://schemas.microsoft.com/office/drawing/2014/main" id="{B80A06F9-D839-70C8-8A2A-9CB5AF755D1A}"/>
+              </a:ext>
+            </a:extLst>
+          </p:cNvPr>
+          <p:cNvCxnSpPr/>
+          <p:nvPr/>
+        </p:nvCxnSpPr>
+        <p:spPr>
+          <a:xfrm>
+            <a:off x="4083509" y="2040203"/>
+            <a:ext cx="4723991" cy="0"/>
+          </a:xfrm>
+          <a:prstGeom prst="line">
+            <a:avLst/>
+          </a:prstGeom>
+        </p:spPr>
+        <p:style>
+          <a:lnRef idx="1">
+            <a:schemeClr val="dk1"/>
+          </a:lnRef>
+          <a:fillRef idx="0">
+            <a:schemeClr val="dk1"/>
+          </a:fillRef>
+          <a:effectRef idx="0">
+            <a:schemeClr val="dk1"/>
+          </a:effectRef>
+          <a:fontRef idx="minor">
+            <a:schemeClr val="tx1"/>
+          </a:fontRef>
+        </p:style>
+      </p:cxnSp>
     </p:spTree>
     <p:extLst>
       <p:ext uri="{BB962C8B-B14F-4D97-AF65-F5344CB8AC3E}">

--- a/slides/02_conditions_parameterization.pptx
+++ b/slides/02_conditions_parameterization.pptx
@@ -5,7 +5,7 @@
     <p:sldMasterId id="2147483662" r:id="rId1"/>
   </p:sldMasterIdLst>
   <p:notesMasterIdLst>
-    <p:notesMasterId r:id="rId14"/>
+    <p:notesMasterId r:id="rId15"/>
   </p:notesMasterIdLst>
   <p:sldIdLst>
     <p:sldId id="256" r:id="rId2"/>
@@ -14,12 +14,13 @@
     <p:sldId id="259" r:id="rId5"/>
     <p:sldId id="266" r:id="rId6"/>
     <p:sldId id="267" r:id="rId7"/>
-    <p:sldId id="260" r:id="rId8"/>
-    <p:sldId id="261" r:id="rId9"/>
-    <p:sldId id="262" r:id="rId10"/>
-    <p:sldId id="263" r:id="rId11"/>
-    <p:sldId id="264" r:id="rId12"/>
-    <p:sldId id="265" r:id="rId13"/>
+    <p:sldId id="268" r:id="rId8"/>
+    <p:sldId id="260" r:id="rId9"/>
+    <p:sldId id="261" r:id="rId10"/>
+    <p:sldId id="262" r:id="rId11"/>
+    <p:sldId id="263" r:id="rId12"/>
+    <p:sldId id="264" r:id="rId13"/>
+    <p:sldId id="265" r:id="rId14"/>
   </p:sldIdLst>
   <p:sldSz cx="9144000" cy="5143500" type="screen16x9"/>
   <p:notesSz cx="6858000" cy="9144000"/>
@@ -9784,6 +9785,389 @@
   <p:cSld>
     <p:spTree>
       <p:nvGrpSpPr>
+        <p:cNvPr id="1" name="Shape 126"/>
+        <p:cNvGrpSpPr/>
+        <p:nvPr/>
+      </p:nvGrpSpPr>
+      <p:grpSpPr>
+        <a:xfrm>
+          <a:off x="0" y="0"/>
+          <a:ext cx="0" cy="0"/>
+          <a:chOff x="0" y="0"/>
+          <a:chExt cx="0" cy="0"/>
+        </a:xfrm>
+      </p:grpSpPr>
+      <p:sp>
+        <p:nvSpPr>
+          <p:cNvPr id="127" name="Google Shape;127;p22"/>
+          <p:cNvSpPr txBox="1">
+            <a:spLocks noGrp="1"/>
+          </p:cNvSpPr>
+          <p:nvPr>
+            <p:ph type="title"/>
+          </p:nvPr>
+        </p:nvSpPr>
+        <p:spPr>
+          <a:xfrm>
+            <a:off x="431800" y="83344"/>
+            <a:ext cx="8375700" cy="531000"/>
+          </a:xfrm>
+          <a:prstGeom prst="rect">
+            <a:avLst/>
+          </a:prstGeom>
+          <a:noFill/>
+          <a:ln>
+            <a:noFill/>
+          </a:ln>
+        </p:spPr>
+        <p:txBody>
+          <a:bodyPr spcFirstLastPara="1" wrap="square" lIns="0" tIns="0" rIns="0" bIns="0" anchor="b" anchorCtr="0">
+            <a:noAutofit/>
+          </a:bodyPr>
+          <a:lstStyle/>
+          <a:p>
+            <a:pPr marL="0" lvl="0" indent="0" algn="l" rtl="0">
+              <a:lnSpc>
+                <a:spcPct val="100000"/>
+              </a:lnSpc>
+              <a:spcBef>
+                <a:spcPts val="0"/>
+              </a:spcBef>
+              <a:spcAft>
+                <a:spcPts val="0"/>
+              </a:spcAft>
+              <a:buSzPts val="1400"/>
+              <a:buNone/>
+            </a:pPr>
+            <a:r>
+              <a:rPr lang="de"/>
+              <a:t>2.1. Parametrisierung - Kommandozeilenparameter</a:t>
+            </a:r>
+            <a:endParaRPr/>
+          </a:p>
+        </p:txBody>
+      </p:sp>
+      <p:sp>
+        <p:nvSpPr>
+          <p:cNvPr id="128" name="Google Shape;128;p22"/>
+          <p:cNvSpPr>
+            <a:spLocks noGrp="1"/>
+          </p:cNvSpPr>
+          <p:nvPr>
+            <p:ph type="chart" idx="2"/>
+          </p:nvPr>
+        </p:nvSpPr>
+        <p:spPr>
+          <a:xfrm>
+            <a:off x="431800" y="782241"/>
+            <a:ext cx="8375700" cy="3579000"/>
+          </a:xfrm>
+          <a:prstGeom prst="rect">
+            <a:avLst/>
+          </a:prstGeom>
+          <a:noFill/>
+          <a:ln>
+            <a:noFill/>
+          </a:ln>
+        </p:spPr>
+        <p:txBody>
+          <a:bodyPr spcFirstLastPara="1" wrap="square" lIns="0" tIns="0" rIns="0" bIns="0" anchor="t" anchorCtr="0">
+            <a:noAutofit/>
+          </a:bodyPr>
+          <a:lstStyle/>
+          <a:p>
+            <a:pPr marL="0" marR="0" lvl="0" indent="0" algn="l" rtl="0">
+              <a:lnSpc>
+                <a:spcPct val="100000"/>
+              </a:lnSpc>
+              <a:spcBef>
+                <a:spcPts val="0"/>
+              </a:spcBef>
+              <a:spcAft>
+                <a:spcPts val="0"/>
+              </a:spcAft>
+              <a:buNone/>
+            </a:pPr>
+            <a:r>
+              <a:rPr lang="de" sz="1600" b="0" i="0" u="none" strike="noStrike" cap="none">
+                <a:solidFill>
+                  <a:schemeClr val="dk1"/>
+                </a:solidFill>
+                <a:latin typeface="Arial"/>
+                <a:ea typeface="Arial"/>
+                <a:cs typeface="Arial"/>
+                <a:sym typeface="Arial"/>
+              </a:rPr>
+              <a:t>Man kann ein Java-Programm mit Parametern aufrufen</a:t>
+            </a:r>
+            <a:br>
+              <a:rPr lang="de" sz="1600" b="0" i="0" u="none" strike="noStrike" cap="none">
+                <a:solidFill>
+                  <a:schemeClr val="dk1"/>
+                </a:solidFill>
+                <a:latin typeface="Arial"/>
+                <a:ea typeface="Arial"/>
+                <a:cs typeface="Arial"/>
+                <a:sym typeface="Arial"/>
+              </a:rPr>
+            </a:br>
+            <a:endParaRPr/>
+          </a:p>
+          <a:p>
+            <a:pPr marL="457200" marR="0" lvl="0" indent="0" algn="l" rtl="0">
+              <a:lnSpc>
+                <a:spcPct val="100000"/>
+              </a:lnSpc>
+              <a:spcBef>
+                <a:spcPts val="0"/>
+              </a:spcBef>
+              <a:spcAft>
+                <a:spcPts val="0"/>
+              </a:spcAft>
+              <a:buNone/>
+            </a:pPr>
+            <a:endParaRPr/>
+          </a:p>
+          <a:p>
+            <a:pPr marL="0" marR="0" lvl="0" indent="0" algn="l" rtl="0">
+              <a:lnSpc>
+                <a:spcPct val="100000"/>
+              </a:lnSpc>
+              <a:spcBef>
+                <a:spcPts val="0"/>
+              </a:spcBef>
+              <a:spcAft>
+                <a:spcPts val="0"/>
+              </a:spcAft>
+              <a:buNone/>
+            </a:pPr>
+            <a:r>
+              <a:rPr lang="de" sz="1600" b="0" i="0" u="none" strike="noStrike" cap="none">
+                <a:solidFill>
+                  <a:schemeClr val="dk1"/>
+                </a:solidFill>
+                <a:latin typeface="Arial"/>
+                <a:ea typeface="Arial"/>
+                <a:cs typeface="Arial"/>
+                <a:sym typeface="Arial"/>
+              </a:rPr>
+              <a:t>Die Parameter werden dann als String-Array an die main-Funktion übergeben ( =&gt; String[ ] args )</a:t>
+            </a:r>
+            <a:endParaRPr sz="1600" b="0" i="0" u="none" strike="noStrike" cap="none">
+              <a:solidFill>
+                <a:schemeClr val="dk1"/>
+              </a:solidFill>
+              <a:latin typeface="Arial"/>
+              <a:ea typeface="Arial"/>
+              <a:cs typeface="Arial"/>
+              <a:sym typeface="Arial"/>
+            </a:endParaRPr>
+          </a:p>
+          <a:p>
+            <a:pPr marL="0" marR="0" lvl="0" indent="0" algn="l" rtl="0">
+              <a:lnSpc>
+                <a:spcPct val="100000"/>
+              </a:lnSpc>
+              <a:spcBef>
+                <a:spcPts val="0"/>
+              </a:spcBef>
+              <a:spcAft>
+                <a:spcPts val="0"/>
+              </a:spcAft>
+              <a:buNone/>
+            </a:pPr>
+            <a:r>
+              <a:rPr lang="de" sz="1600" b="0" i="0" u="none" strike="noStrike" cap="none">
+                <a:solidFill>
+                  <a:schemeClr val="dk1"/>
+                </a:solidFill>
+                <a:latin typeface="Arial"/>
+                <a:ea typeface="Arial"/>
+                <a:cs typeface="Arial"/>
+                <a:sym typeface="Arial"/>
+              </a:rPr>
+              <a:t>Variablen können, falls notwendig, zum passenden Datentypen geparst werden</a:t>
+            </a:r>
+            <a:br>
+              <a:rPr lang="de" sz="1600" b="0" i="0" u="none" strike="noStrike" cap="none">
+                <a:solidFill>
+                  <a:schemeClr val="dk1"/>
+                </a:solidFill>
+                <a:latin typeface="Arial"/>
+                <a:ea typeface="Arial"/>
+                <a:cs typeface="Arial"/>
+                <a:sym typeface="Arial"/>
+              </a:rPr>
+            </a:br>
+            <a:br>
+              <a:rPr lang="de" sz="1600" b="0" i="0" u="none" strike="noStrike" cap="none">
+                <a:solidFill>
+                  <a:schemeClr val="dk1"/>
+                </a:solidFill>
+                <a:latin typeface="Arial"/>
+                <a:ea typeface="Arial"/>
+                <a:cs typeface="Arial"/>
+                <a:sym typeface="Arial"/>
+              </a:rPr>
+            </a:br>
+            <a:br>
+              <a:rPr lang="de" sz="1600" b="0" i="0" u="none" strike="noStrike" cap="none">
+                <a:solidFill>
+                  <a:schemeClr val="dk1"/>
+                </a:solidFill>
+                <a:latin typeface="Arial"/>
+                <a:ea typeface="Arial"/>
+                <a:cs typeface="Arial"/>
+                <a:sym typeface="Arial"/>
+              </a:rPr>
+            </a:br>
+            <a:br>
+              <a:rPr lang="de" sz="1600" b="0" i="0" u="none" strike="noStrike" cap="none">
+                <a:solidFill>
+                  <a:schemeClr val="dk1"/>
+                </a:solidFill>
+                <a:latin typeface="Arial"/>
+                <a:ea typeface="Arial"/>
+                <a:cs typeface="Arial"/>
+                <a:sym typeface="Arial"/>
+              </a:rPr>
+            </a:br>
+            <a:br>
+              <a:rPr lang="de" sz="1600" b="0" i="0" u="none" strike="noStrike" cap="none">
+                <a:solidFill>
+                  <a:schemeClr val="dk1"/>
+                </a:solidFill>
+                <a:latin typeface="Arial"/>
+                <a:ea typeface="Arial"/>
+                <a:cs typeface="Arial"/>
+                <a:sym typeface="Arial"/>
+              </a:rPr>
+            </a:br>
+            <a:br>
+              <a:rPr lang="de" sz="1600" b="0" i="0" u="none" strike="noStrike" cap="none">
+                <a:solidFill>
+                  <a:schemeClr val="dk1"/>
+                </a:solidFill>
+                <a:latin typeface="Arial"/>
+                <a:ea typeface="Arial"/>
+                <a:cs typeface="Arial"/>
+                <a:sym typeface="Arial"/>
+              </a:rPr>
+            </a:br>
+            <a:endParaRPr sz="1600" b="0" i="0" u="none" strike="noStrike" cap="none">
+              <a:solidFill>
+                <a:schemeClr val="dk1"/>
+              </a:solidFill>
+              <a:latin typeface="Arial"/>
+              <a:ea typeface="Arial"/>
+              <a:cs typeface="Arial"/>
+              <a:sym typeface="Arial"/>
+            </a:endParaRPr>
+          </a:p>
+          <a:p>
+            <a:pPr marL="0" marR="0" lvl="0" indent="0" algn="l" rtl="0">
+              <a:lnSpc>
+                <a:spcPct val="100000"/>
+              </a:lnSpc>
+              <a:spcBef>
+                <a:spcPts val="0"/>
+              </a:spcBef>
+              <a:spcAft>
+                <a:spcPts val="0"/>
+              </a:spcAft>
+              <a:buNone/>
+            </a:pPr>
+            <a:r>
+              <a:rPr lang="de" sz="1600" b="0" i="0" u="none" strike="noStrike" cap="none">
+                <a:solidFill>
+                  <a:schemeClr val="dk1"/>
+                </a:solidFill>
+                <a:latin typeface="Arial"/>
+                <a:ea typeface="Arial"/>
+                <a:cs typeface="Arial"/>
+                <a:sym typeface="Arial"/>
+              </a:rPr>
+              <a:t>Möchte man einen String mit Leerzeichen übergeben, muss man diesen in Anführungszeichen setzen, damit es als einzelner Parameter betrachtet wird</a:t>
+            </a:r>
+            <a:endParaRPr sz="1600" b="0" i="0" u="none" strike="noStrike" cap="none">
+              <a:solidFill>
+                <a:schemeClr val="dk1"/>
+              </a:solidFill>
+              <a:latin typeface="Arial"/>
+              <a:ea typeface="Arial"/>
+              <a:cs typeface="Arial"/>
+              <a:sym typeface="Arial"/>
+            </a:endParaRPr>
+          </a:p>
+        </p:txBody>
+      </p:sp>
+      <p:pic>
+        <p:nvPicPr>
+          <p:cNvPr id="129" name="Google Shape;129;p22"/>
+          <p:cNvPicPr preferRelativeResize="0"/>
+          <p:nvPr/>
+        </p:nvPicPr>
+        <p:blipFill rotWithShape="1">
+          <a:blip r:embed="rId3">
+            <a:alphaModFix/>
+          </a:blip>
+          <a:srcRect/>
+          <a:stretch/>
+        </p:blipFill>
+        <p:spPr>
+          <a:xfrm>
+            <a:off x="1354638" y="1121573"/>
+            <a:ext cx="6530024" cy="259625"/>
+          </a:xfrm>
+          <a:prstGeom prst="rect">
+            <a:avLst/>
+          </a:prstGeom>
+          <a:noFill/>
+          <a:ln>
+            <a:noFill/>
+          </a:ln>
+        </p:spPr>
+      </p:pic>
+      <p:pic>
+        <p:nvPicPr>
+          <p:cNvPr id="130" name="Google Shape;130;p22"/>
+          <p:cNvPicPr preferRelativeResize="0"/>
+          <p:nvPr/>
+        </p:nvPicPr>
+        <p:blipFill rotWithShape="1">
+          <a:blip r:embed="rId4">
+            <a:alphaModFix/>
+          </a:blip>
+          <a:srcRect/>
+          <a:stretch/>
+        </p:blipFill>
+        <p:spPr>
+          <a:xfrm>
+            <a:off x="2581650" y="2320025"/>
+            <a:ext cx="3790200" cy="1259025"/>
+          </a:xfrm>
+          <a:prstGeom prst="rect">
+            <a:avLst/>
+          </a:prstGeom>
+          <a:noFill/>
+          <a:ln>
+            <a:noFill/>
+          </a:ln>
+        </p:spPr>
+      </p:pic>
+    </p:spTree>
+  </p:cSld>
+  <p:clrMapOvr>
+    <a:masterClrMapping/>
+  </p:clrMapOvr>
+</p:sld>
+</file>
+
+<file path=ppt/slides/slide11.xml><?xml version="1.0" encoding="utf-8"?>
+<p:sld xmlns:a="http://schemas.openxmlformats.org/drawingml/2006/main" xmlns:r="http://schemas.openxmlformats.org/officeDocument/2006/relationships" xmlns:p="http://schemas.openxmlformats.org/presentationml/2006/main">
+  <p:cSld>
+    <p:spTree>
+      <p:nvGrpSpPr>
         <p:cNvPr id="1" name="Shape 134"/>
         <p:cNvGrpSpPr/>
         <p:nvPr/>
@@ -10111,7 +10495,7 @@
 </p:sld>
 </file>
 
-<file path=ppt/slides/slide11.xml><?xml version="1.0" encoding="utf-8"?>
+<file path=ppt/slides/slide12.xml><?xml version="1.0" encoding="utf-8"?>
 <p:sld xmlns:a="http://schemas.openxmlformats.org/drawingml/2006/main" xmlns:r="http://schemas.openxmlformats.org/officeDocument/2006/relationships" xmlns:p="http://schemas.openxmlformats.org/presentationml/2006/main">
   <p:cSld>
     <p:spTree>
@@ -10339,7 +10723,7 @@
 </p:sld>
 </file>
 
-<file path=ppt/slides/slide12.xml><?xml version="1.0" encoding="utf-8"?>
+<file path=ppt/slides/slide13.xml><?xml version="1.0" encoding="utf-8"?>
 <p:sld xmlns:a="http://schemas.openxmlformats.org/drawingml/2006/main" xmlns:r="http://schemas.openxmlformats.org/officeDocument/2006/relationships" xmlns:p="http://schemas.openxmlformats.org/presentationml/2006/main">
   <p:cSld>
     <p:spTree>
@@ -11320,10 +11704,10 @@
       </p:sp>
       <p:pic>
         <p:nvPicPr>
-          <p:cNvPr id="10" name="Grafik 9">
+          <p:cNvPr id="12" name="Grafik 11">
             <a:extLst>
               <a:ext uri="{FF2B5EF4-FFF2-40B4-BE49-F238E27FC236}">
-                <a16:creationId xmlns:a16="http://schemas.microsoft.com/office/drawing/2014/main" id="{A3E012F1-803D-F5EB-F0BA-4A14833F4677}"/>
+                <a16:creationId xmlns:a16="http://schemas.microsoft.com/office/drawing/2014/main" id="{210D4F8B-417E-833C-20FF-B167E833D500}"/>
               </a:ext>
             </a:extLst>
           </p:cNvPr>
@@ -11340,68 +11724,8 @@
         </p:blipFill>
         <p:spPr>
           <a:xfrm>
-            <a:off x="4083509" y="767025"/>
-            <a:ext cx="4647054" cy="1215578"/>
-          </a:xfrm>
-          <a:prstGeom prst="rect">
-            <a:avLst/>
-          </a:prstGeom>
-        </p:spPr>
-      </p:pic>
-      <p:pic>
-        <p:nvPicPr>
-          <p:cNvPr id="12" name="Grafik 11">
-            <a:extLst>
-              <a:ext uri="{FF2B5EF4-FFF2-40B4-BE49-F238E27FC236}">
-                <a16:creationId xmlns:a16="http://schemas.microsoft.com/office/drawing/2014/main" id="{210D4F8B-417E-833C-20FF-B167E833D500}"/>
-              </a:ext>
-            </a:extLst>
-          </p:cNvPr>
-          <p:cNvPicPr>
-            <a:picLocks noChangeAspect="1"/>
-          </p:cNvPicPr>
-          <p:nvPr/>
-        </p:nvPicPr>
-        <p:blipFill>
-          <a:blip r:embed="rId3"/>
-          <a:stretch>
-            <a:fillRect/>
-          </a:stretch>
-        </p:blipFill>
-        <p:spPr>
-          <a:xfrm>
             <a:off x="323065" y="767025"/>
             <a:ext cx="3584508" cy="3360875"/>
-          </a:xfrm>
-          <a:prstGeom prst="rect">
-            <a:avLst/>
-          </a:prstGeom>
-        </p:spPr>
-      </p:pic>
-      <p:pic>
-        <p:nvPicPr>
-          <p:cNvPr id="4" name="Grafik 3">
-            <a:extLst>
-              <a:ext uri="{FF2B5EF4-FFF2-40B4-BE49-F238E27FC236}">
-                <a16:creationId xmlns:a16="http://schemas.microsoft.com/office/drawing/2014/main" id="{1423BD68-6EA2-0EFF-EFC3-AB207BB3B6E9}"/>
-              </a:ext>
-            </a:extLst>
-          </p:cNvPr>
-          <p:cNvPicPr>
-            <a:picLocks noChangeAspect="1"/>
-          </p:cNvPicPr>
-          <p:nvPr/>
-        </p:nvPicPr>
-        <p:blipFill>
-          <a:blip r:embed="rId4"/>
-          <a:stretch>
-            <a:fillRect/>
-          </a:stretch>
-        </p:blipFill>
-        <p:spPr>
-          <a:xfrm>
-            <a:off x="4285110" y="2192523"/>
-            <a:ext cx="3213456" cy="2142304"/>
           </a:xfrm>
           <a:prstGeom prst="rect">
             <a:avLst/>
@@ -11444,6 +11768,66 @@
           </a:fontRef>
         </p:style>
       </p:cxnSp>
+      <p:pic>
+        <p:nvPicPr>
+          <p:cNvPr id="5" name="Grafik 4">
+            <a:extLst>
+              <a:ext uri="{FF2B5EF4-FFF2-40B4-BE49-F238E27FC236}">
+                <a16:creationId xmlns:a16="http://schemas.microsoft.com/office/drawing/2014/main" id="{90E3C8A8-FBB4-8E15-1577-1E273C3A4F03}"/>
+              </a:ext>
+            </a:extLst>
+          </p:cNvPr>
+          <p:cNvPicPr>
+            <a:picLocks noChangeAspect="1"/>
+          </p:cNvPicPr>
+          <p:nvPr/>
+        </p:nvPicPr>
+        <p:blipFill>
+          <a:blip r:embed="rId3"/>
+          <a:stretch>
+            <a:fillRect/>
+          </a:stretch>
+        </p:blipFill>
+        <p:spPr>
+          <a:xfrm>
+            <a:off x="4083509" y="815264"/>
+            <a:ext cx="4849024" cy="1099023"/>
+          </a:xfrm>
+          <a:prstGeom prst="rect">
+            <a:avLst/>
+          </a:prstGeom>
+        </p:spPr>
+      </p:pic>
+      <p:pic>
+        <p:nvPicPr>
+          <p:cNvPr id="8" name="Grafik 7">
+            <a:extLst>
+              <a:ext uri="{FF2B5EF4-FFF2-40B4-BE49-F238E27FC236}">
+                <a16:creationId xmlns:a16="http://schemas.microsoft.com/office/drawing/2014/main" id="{C1D5EC92-9251-1011-7963-F96EF6ED7811}"/>
+              </a:ext>
+            </a:extLst>
+          </p:cNvPr>
+          <p:cNvPicPr>
+            <a:picLocks noChangeAspect="1"/>
+          </p:cNvPicPr>
+          <p:nvPr/>
+        </p:nvPicPr>
+        <p:blipFill>
+          <a:blip r:embed="rId4"/>
+          <a:stretch>
+            <a:fillRect/>
+          </a:stretch>
+        </p:blipFill>
+        <p:spPr>
+          <a:xfrm>
+            <a:off x="4213109" y="2076203"/>
+            <a:ext cx="3685291" cy="2459265"/>
+          </a:xfrm>
+          <a:prstGeom prst="rect">
+            <a:avLst/>
+          </a:prstGeom>
+        </p:spPr>
+      </p:pic>
     </p:spTree>
     <p:extLst>
       <p:ext uri="{BB962C8B-B14F-4D97-AF65-F5344CB8AC3E}">
@@ -11532,7 +11916,7 @@
         </p:blipFill>
         <p:spPr>
           <a:xfrm>
-            <a:off x="4262114" y="2554928"/>
+            <a:off x="3901512" y="2764715"/>
             <a:ext cx="2921923" cy="684345"/>
           </a:xfrm>
           <a:prstGeom prst="rect">
@@ -11572,10 +11956,10 @@
       </p:pic>
       <p:pic>
         <p:nvPicPr>
-          <p:cNvPr id="15" name="Grafik 14">
+          <p:cNvPr id="4" name="Grafik 3">
             <a:extLst>
               <a:ext uri="{FF2B5EF4-FFF2-40B4-BE49-F238E27FC236}">
-                <a16:creationId xmlns:a16="http://schemas.microsoft.com/office/drawing/2014/main" id="{C9C791D0-3A3D-9797-73A3-907D426D0B4F}"/>
+                <a16:creationId xmlns:a16="http://schemas.microsoft.com/office/drawing/2014/main" id="{44221335-8C48-811F-4C6F-1130454A1907}"/>
               </a:ext>
             </a:extLst>
           </p:cNvPr>
@@ -11592,8 +11976,8 @@
         </p:blipFill>
         <p:spPr>
           <a:xfrm>
-            <a:off x="4262114" y="904612"/>
-            <a:ext cx="4545386" cy="1341788"/>
+            <a:off x="3901512" y="777159"/>
+            <a:ext cx="5093787" cy="1512441"/>
           </a:xfrm>
           <a:prstGeom prst="rect">
             <a:avLst/>
@@ -11614,6 +11998,160 @@
 </file>
 
 <file path=ppt/slides/slide7.xml><?xml version="1.0" encoding="utf-8"?>
+<p:sld xmlns:a="http://schemas.openxmlformats.org/drawingml/2006/main" xmlns:r="http://schemas.openxmlformats.org/officeDocument/2006/relationships" xmlns:p="http://schemas.openxmlformats.org/presentationml/2006/main">
+  <p:cSld>
+    <p:spTree>
+      <p:nvGrpSpPr>
+        <p:cNvPr id="1" name=""/>
+        <p:cNvGrpSpPr/>
+        <p:nvPr/>
+      </p:nvGrpSpPr>
+      <p:grpSpPr>
+        <a:xfrm>
+          <a:off x="0" y="0"/>
+          <a:ext cx="0" cy="0"/>
+          <a:chOff x="0" y="0"/>
+          <a:chExt cx="0" cy="0"/>
+        </a:xfrm>
+      </p:grpSpPr>
+      <p:sp>
+        <p:nvSpPr>
+          <p:cNvPr id="2" name="Titel 1">
+            <a:extLst>
+              <a:ext uri="{FF2B5EF4-FFF2-40B4-BE49-F238E27FC236}">
+                <a16:creationId xmlns:a16="http://schemas.microsoft.com/office/drawing/2014/main" id="{F207AB37-1258-90D8-0E43-6DE051D67950}"/>
+              </a:ext>
+            </a:extLst>
+          </p:cNvPr>
+          <p:cNvSpPr>
+            <a:spLocks noGrp="1"/>
+          </p:cNvSpPr>
+          <p:nvPr>
+            <p:ph type="title"/>
+          </p:nvPr>
+        </p:nvSpPr>
+        <p:spPr/>
+        <p:txBody>
+          <a:bodyPr/>
+          <a:lstStyle/>
+          <a:p>
+            <a:r>
+              <a:rPr lang="de-DE" dirty="0"/>
+              <a:t>1.1 </a:t>
+            </a:r>
+            <a:r>
+              <a:rPr lang="de-DE" dirty="0" err="1"/>
+              <a:t>If-else</a:t>
+            </a:r>
+            <a:r>
+              <a:rPr lang="de-DE" dirty="0"/>
+              <a:t> – Tipps und Warnungen</a:t>
+            </a:r>
+          </a:p>
+        </p:txBody>
+      </p:sp>
+      <p:pic>
+        <p:nvPicPr>
+          <p:cNvPr id="1026" name="Picture 2" descr="Guard Clauses – Stop using Else in your code – Lars Fosdal">
+            <a:extLst>
+              <a:ext uri="{FF2B5EF4-FFF2-40B4-BE49-F238E27FC236}">
+                <a16:creationId xmlns:a16="http://schemas.microsoft.com/office/drawing/2014/main" id="{B228CAC3-E375-B737-891A-D46A3E8DE32F}"/>
+              </a:ext>
+            </a:extLst>
+          </p:cNvPr>
+          <p:cNvPicPr>
+            <a:picLocks noChangeAspect="1" noChangeArrowheads="1"/>
+          </p:cNvPicPr>
+          <p:nvPr/>
+        </p:nvPicPr>
+        <p:blipFill>
+          <a:blip r:embed="rId2">
+            <a:extLst>
+              <a:ext uri="{28A0092B-C50C-407E-A947-70E740481C1C}">
+                <a14:useLocalDpi xmlns:a14="http://schemas.microsoft.com/office/drawing/2010/main" val="0"/>
+              </a:ext>
+            </a:extLst>
+          </a:blip>
+          <a:srcRect/>
+          <a:stretch>
+            <a:fillRect/>
+          </a:stretch>
+        </p:blipFill>
+        <p:spPr bwMode="auto">
+          <a:xfrm>
+            <a:off x="2508455" y="757313"/>
+            <a:ext cx="4127090" cy="2929087"/>
+          </a:xfrm>
+          <a:prstGeom prst="rect">
+            <a:avLst/>
+          </a:prstGeom>
+          <a:noFill/>
+          <a:extLst>
+            <a:ext uri="{909E8E84-426E-40DD-AFC4-6F175D3DCCD1}">
+              <a14:hiddenFill xmlns:a14="http://schemas.microsoft.com/office/drawing/2010/main">
+                <a:solidFill>
+                  <a:srgbClr val="FFFFFF"/>
+                </a:solidFill>
+              </a14:hiddenFill>
+            </a:ext>
+          </a:extLst>
+        </p:spPr>
+      </p:pic>
+      <p:sp>
+        <p:nvSpPr>
+          <p:cNvPr id="4" name="Textfeld 3">
+            <a:extLst>
+              <a:ext uri="{FF2B5EF4-FFF2-40B4-BE49-F238E27FC236}">
+                <a16:creationId xmlns:a16="http://schemas.microsoft.com/office/drawing/2014/main" id="{90B8E8F7-6FBF-B709-12A9-29D9054D4294}"/>
+              </a:ext>
+            </a:extLst>
+          </p:cNvPr>
+          <p:cNvSpPr txBox="1"/>
+          <p:nvPr/>
+        </p:nvSpPr>
+        <p:spPr>
+          <a:xfrm>
+            <a:off x="2508455" y="3829369"/>
+            <a:ext cx="4809600" cy="215444"/>
+          </a:xfrm>
+          <a:prstGeom prst="rect">
+            <a:avLst/>
+          </a:prstGeom>
+          <a:noFill/>
+        </p:spPr>
+        <p:txBody>
+          <a:bodyPr wrap="square" rtlCol="0">
+            <a:spAutoFit/>
+          </a:bodyPr>
+          <a:lstStyle/>
+          <a:p>
+            <a:r>
+              <a:rPr lang="de-DE" sz="800" dirty="0">
+                <a:solidFill>
+                  <a:schemeClr val="tx2">
+                    <a:lumMod val="90000"/>
+                  </a:schemeClr>
+                </a:solidFill>
+              </a:rPr>
+              <a:t>Quelle: https://betterprogramming.pub/why-you-need-to-stop-using-else-statements-5b1fd09dea9e</a:t>
+            </a:r>
+          </a:p>
+        </p:txBody>
+      </p:sp>
+    </p:spTree>
+    <p:extLst>
+      <p:ext uri="{BB962C8B-B14F-4D97-AF65-F5344CB8AC3E}">
+        <p14:creationId xmlns:p14="http://schemas.microsoft.com/office/powerpoint/2010/main" val="3004116258"/>
+      </p:ext>
+    </p:extLst>
+  </p:cSld>
+  <p:clrMapOvr>
+    <a:masterClrMapping/>
+  </p:clrMapOvr>
+</p:sld>
+</file>
+
+<file path=ppt/slides/slide8.xml><?xml version="1.0" encoding="utf-8"?>
 <p:sld xmlns:a="http://schemas.openxmlformats.org/drawingml/2006/main" xmlns:r="http://schemas.openxmlformats.org/officeDocument/2006/relationships" xmlns:p="http://schemas.openxmlformats.org/presentationml/2006/main">
   <p:cSld>
     <p:spTree>
@@ -11790,7 +12328,7 @@
 </p:sld>
 </file>
 
-<file path=ppt/slides/slide8.xml><?xml version="1.0" encoding="utf-8"?>
+<file path=ppt/slides/slide9.xml><?xml version="1.0" encoding="utf-8"?>
 <p:sld xmlns:a="http://schemas.openxmlformats.org/drawingml/2006/main" xmlns:r="http://schemas.openxmlformats.org/officeDocument/2006/relationships" xmlns:p="http://schemas.openxmlformats.org/presentationml/2006/main">
   <p:cSld>
     <p:spTree>
@@ -11985,389 +12523,6 @@
           <a:xfrm>
             <a:off x="1804550" y="1553974"/>
             <a:ext cx="5534876" cy="838625"/>
-          </a:xfrm>
-          <a:prstGeom prst="rect">
-            <a:avLst/>
-          </a:prstGeom>
-          <a:noFill/>
-          <a:ln>
-            <a:noFill/>
-          </a:ln>
-        </p:spPr>
-      </p:pic>
-    </p:spTree>
-  </p:cSld>
-  <p:clrMapOvr>
-    <a:masterClrMapping/>
-  </p:clrMapOvr>
-</p:sld>
-</file>
-
-<file path=ppt/slides/slide9.xml><?xml version="1.0" encoding="utf-8"?>
-<p:sld xmlns:a="http://schemas.openxmlformats.org/drawingml/2006/main" xmlns:r="http://schemas.openxmlformats.org/officeDocument/2006/relationships" xmlns:p="http://schemas.openxmlformats.org/presentationml/2006/main">
-  <p:cSld>
-    <p:spTree>
-      <p:nvGrpSpPr>
-        <p:cNvPr id="1" name="Shape 126"/>
-        <p:cNvGrpSpPr/>
-        <p:nvPr/>
-      </p:nvGrpSpPr>
-      <p:grpSpPr>
-        <a:xfrm>
-          <a:off x="0" y="0"/>
-          <a:ext cx="0" cy="0"/>
-          <a:chOff x="0" y="0"/>
-          <a:chExt cx="0" cy="0"/>
-        </a:xfrm>
-      </p:grpSpPr>
-      <p:sp>
-        <p:nvSpPr>
-          <p:cNvPr id="127" name="Google Shape;127;p22"/>
-          <p:cNvSpPr txBox="1">
-            <a:spLocks noGrp="1"/>
-          </p:cNvSpPr>
-          <p:nvPr>
-            <p:ph type="title"/>
-          </p:nvPr>
-        </p:nvSpPr>
-        <p:spPr>
-          <a:xfrm>
-            <a:off x="431800" y="83344"/>
-            <a:ext cx="8375700" cy="531000"/>
-          </a:xfrm>
-          <a:prstGeom prst="rect">
-            <a:avLst/>
-          </a:prstGeom>
-          <a:noFill/>
-          <a:ln>
-            <a:noFill/>
-          </a:ln>
-        </p:spPr>
-        <p:txBody>
-          <a:bodyPr spcFirstLastPara="1" wrap="square" lIns="0" tIns="0" rIns="0" bIns="0" anchor="b" anchorCtr="0">
-            <a:noAutofit/>
-          </a:bodyPr>
-          <a:lstStyle/>
-          <a:p>
-            <a:pPr marL="0" lvl="0" indent="0" algn="l" rtl="0">
-              <a:lnSpc>
-                <a:spcPct val="100000"/>
-              </a:lnSpc>
-              <a:spcBef>
-                <a:spcPts val="0"/>
-              </a:spcBef>
-              <a:spcAft>
-                <a:spcPts val="0"/>
-              </a:spcAft>
-              <a:buSzPts val="1400"/>
-              <a:buNone/>
-            </a:pPr>
-            <a:r>
-              <a:rPr lang="de"/>
-              <a:t>2.1. Parametrisierung - Kommandozeilenparameter</a:t>
-            </a:r>
-            <a:endParaRPr/>
-          </a:p>
-        </p:txBody>
-      </p:sp>
-      <p:sp>
-        <p:nvSpPr>
-          <p:cNvPr id="128" name="Google Shape;128;p22"/>
-          <p:cNvSpPr>
-            <a:spLocks noGrp="1"/>
-          </p:cNvSpPr>
-          <p:nvPr>
-            <p:ph type="chart" idx="2"/>
-          </p:nvPr>
-        </p:nvSpPr>
-        <p:spPr>
-          <a:xfrm>
-            <a:off x="431800" y="782241"/>
-            <a:ext cx="8375700" cy="3579000"/>
-          </a:xfrm>
-          <a:prstGeom prst="rect">
-            <a:avLst/>
-          </a:prstGeom>
-          <a:noFill/>
-          <a:ln>
-            <a:noFill/>
-          </a:ln>
-        </p:spPr>
-        <p:txBody>
-          <a:bodyPr spcFirstLastPara="1" wrap="square" lIns="0" tIns="0" rIns="0" bIns="0" anchor="t" anchorCtr="0">
-            <a:noAutofit/>
-          </a:bodyPr>
-          <a:lstStyle/>
-          <a:p>
-            <a:pPr marL="0" marR="0" lvl="0" indent="0" algn="l" rtl="0">
-              <a:lnSpc>
-                <a:spcPct val="100000"/>
-              </a:lnSpc>
-              <a:spcBef>
-                <a:spcPts val="0"/>
-              </a:spcBef>
-              <a:spcAft>
-                <a:spcPts val="0"/>
-              </a:spcAft>
-              <a:buNone/>
-            </a:pPr>
-            <a:r>
-              <a:rPr lang="de" sz="1600" b="0" i="0" u="none" strike="noStrike" cap="none">
-                <a:solidFill>
-                  <a:schemeClr val="dk1"/>
-                </a:solidFill>
-                <a:latin typeface="Arial"/>
-                <a:ea typeface="Arial"/>
-                <a:cs typeface="Arial"/>
-                <a:sym typeface="Arial"/>
-              </a:rPr>
-              <a:t>Man kann ein Java-Programm mit Parametern aufrufen</a:t>
-            </a:r>
-            <a:br>
-              <a:rPr lang="de" sz="1600" b="0" i="0" u="none" strike="noStrike" cap="none">
-                <a:solidFill>
-                  <a:schemeClr val="dk1"/>
-                </a:solidFill>
-                <a:latin typeface="Arial"/>
-                <a:ea typeface="Arial"/>
-                <a:cs typeface="Arial"/>
-                <a:sym typeface="Arial"/>
-              </a:rPr>
-            </a:br>
-            <a:endParaRPr/>
-          </a:p>
-          <a:p>
-            <a:pPr marL="457200" marR="0" lvl="0" indent="0" algn="l" rtl="0">
-              <a:lnSpc>
-                <a:spcPct val="100000"/>
-              </a:lnSpc>
-              <a:spcBef>
-                <a:spcPts val="0"/>
-              </a:spcBef>
-              <a:spcAft>
-                <a:spcPts val="0"/>
-              </a:spcAft>
-              <a:buNone/>
-            </a:pPr>
-            <a:endParaRPr/>
-          </a:p>
-          <a:p>
-            <a:pPr marL="0" marR="0" lvl="0" indent="0" algn="l" rtl="0">
-              <a:lnSpc>
-                <a:spcPct val="100000"/>
-              </a:lnSpc>
-              <a:spcBef>
-                <a:spcPts val="0"/>
-              </a:spcBef>
-              <a:spcAft>
-                <a:spcPts val="0"/>
-              </a:spcAft>
-              <a:buNone/>
-            </a:pPr>
-            <a:r>
-              <a:rPr lang="de" sz="1600" b="0" i="0" u="none" strike="noStrike" cap="none">
-                <a:solidFill>
-                  <a:schemeClr val="dk1"/>
-                </a:solidFill>
-                <a:latin typeface="Arial"/>
-                <a:ea typeface="Arial"/>
-                <a:cs typeface="Arial"/>
-                <a:sym typeface="Arial"/>
-              </a:rPr>
-              <a:t>Die Parameter werden dann als String-Array an die main-Funktion übergeben ( =&gt; String[ ] args )</a:t>
-            </a:r>
-            <a:endParaRPr sz="1600" b="0" i="0" u="none" strike="noStrike" cap="none">
-              <a:solidFill>
-                <a:schemeClr val="dk1"/>
-              </a:solidFill>
-              <a:latin typeface="Arial"/>
-              <a:ea typeface="Arial"/>
-              <a:cs typeface="Arial"/>
-              <a:sym typeface="Arial"/>
-            </a:endParaRPr>
-          </a:p>
-          <a:p>
-            <a:pPr marL="0" marR="0" lvl="0" indent="0" algn="l" rtl="0">
-              <a:lnSpc>
-                <a:spcPct val="100000"/>
-              </a:lnSpc>
-              <a:spcBef>
-                <a:spcPts val="0"/>
-              </a:spcBef>
-              <a:spcAft>
-                <a:spcPts val="0"/>
-              </a:spcAft>
-              <a:buNone/>
-            </a:pPr>
-            <a:r>
-              <a:rPr lang="de" sz="1600" b="0" i="0" u="none" strike="noStrike" cap="none">
-                <a:solidFill>
-                  <a:schemeClr val="dk1"/>
-                </a:solidFill>
-                <a:latin typeface="Arial"/>
-                <a:ea typeface="Arial"/>
-                <a:cs typeface="Arial"/>
-                <a:sym typeface="Arial"/>
-              </a:rPr>
-              <a:t>Variablen können, falls notwendig, zum passenden Datentypen geparst werden</a:t>
-            </a:r>
-            <a:br>
-              <a:rPr lang="de" sz="1600" b="0" i="0" u="none" strike="noStrike" cap="none">
-                <a:solidFill>
-                  <a:schemeClr val="dk1"/>
-                </a:solidFill>
-                <a:latin typeface="Arial"/>
-                <a:ea typeface="Arial"/>
-                <a:cs typeface="Arial"/>
-                <a:sym typeface="Arial"/>
-              </a:rPr>
-            </a:br>
-            <a:br>
-              <a:rPr lang="de" sz="1600" b="0" i="0" u="none" strike="noStrike" cap="none">
-                <a:solidFill>
-                  <a:schemeClr val="dk1"/>
-                </a:solidFill>
-                <a:latin typeface="Arial"/>
-                <a:ea typeface="Arial"/>
-                <a:cs typeface="Arial"/>
-                <a:sym typeface="Arial"/>
-              </a:rPr>
-            </a:br>
-            <a:br>
-              <a:rPr lang="de" sz="1600" b="0" i="0" u="none" strike="noStrike" cap="none">
-                <a:solidFill>
-                  <a:schemeClr val="dk1"/>
-                </a:solidFill>
-                <a:latin typeface="Arial"/>
-                <a:ea typeface="Arial"/>
-                <a:cs typeface="Arial"/>
-                <a:sym typeface="Arial"/>
-              </a:rPr>
-            </a:br>
-            <a:br>
-              <a:rPr lang="de" sz="1600" b="0" i="0" u="none" strike="noStrike" cap="none">
-                <a:solidFill>
-                  <a:schemeClr val="dk1"/>
-                </a:solidFill>
-                <a:latin typeface="Arial"/>
-                <a:ea typeface="Arial"/>
-                <a:cs typeface="Arial"/>
-                <a:sym typeface="Arial"/>
-              </a:rPr>
-            </a:br>
-            <a:br>
-              <a:rPr lang="de" sz="1600" b="0" i="0" u="none" strike="noStrike" cap="none">
-                <a:solidFill>
-                  <a:schemeClr val="dk1"/>
-                </a:solidFill>
-                <a:latin typeface="Arial"/>
-                <a:ea typeface="Arial"/>
-                <a:cs typeface="Arial"/>
-                <a:sym typeface="Arial"/>
-              </a:rPr>
-            </a:br>
-            <a:br>
-              <a:rPr lang="de" sz="1600" b="0" i="0" u="none" strike="noStrike" cap="none">
-                <a:solidFill>
-                  <a:schemeClr val="dk1"/>
-                </a:solidFill>
-                <a:latin typeface="Arial"/>
-                <a:ea typeface="Arial"/>
-                <a:cs typeface="Arial"/>
-                <a:sym typeface="Arial"/>
-              </a:rPr>
-            </a:br>
-            <a:endParaRPr sz="1600" b="0" i="0" u="none" strike="noStrike" cap="none">
-              <a:solidFill>
-                <a:schemeClr val="dk1"/>
-              </a:solidFill>
-              <a:latin typeface="Arial"/>
-              <a:ea typeface="Arial"/>
-              <a:cs typeface="Arial"/>
-              <a:sym typeface="Arial"/>
-            </a:endParaRPr>
-          </a:p>
-          <a:p>
-            <a:pPr marL="0" marR="0" lvl="0" indent="0" algn="l" rtl="0">
-              <a:lnSpc>
-                <a:spcPct val="100000"/>
-              </a:lnSpc>
-              <a:spcBef>
-                <a:spcPts val="0"/>
-              </a:spcBef>
-              <a:spcAft>
-                <a:spcPts val="0"/>
-              </a:spcAft>
-              <a:buNone/>
-            </a:pPr>
-            <a:r>
-              <a:rPr lang="de" sz="1600" b="0" i="0" u="none" strike="noStrike" cap="none">
-                <a:solidFill>
-                  <a:schemeClr val="dk1"/>
-                </a:solidFill>
-                <a:latin typeface="Arial"/>
-                <a:ea typeface="Arial"/>
-                <a:cs typeface="Arial"/>
-                <a:sym typeface="Arial"/>
-              </a:rPr>
-              <a:t>Möchte man einen String mit Leerzeichen übergeben, muss man diesen in Anführungszeichen setzen, damit es als einzelner Parameter betrachtet wird</a:t>
-            </a:r>
-            <a:endParaRPr sz="1600" b="0" i="0" u="none" strike="noStrike" cap="none">
-              <a:solidFill>
-                <a:schemeClr val="dk1"/>
-              </a:solidFill>
-              <a:latin typeface="Arial"/>
-              <a:ea typeface="Arial"/>
-              <a:cs typeface="Arial"/>
-              <a:sym typeface="Arial"/>
-            </a:endParaRPr>
-          </a:p>
-        </p:txBody>
-      </p:sp>
-      <p:pic>
-        <p:nvPicPr>
-          <p:cNvPr id="129" name="Google Shape;129;p22"/>
-          <p:cNvPicPr preferRelativeResize="0"/>
-          <p:nvPr/>
-        </p:nvPicPr>
-        <p:blipFill rotWithShape="1">
-          <a:blip r:embed="rId3">
-            <a:alphaModFix/>
-          </a:blip>
-          <a:srcRect/>
-          <a:stretch/>
-        </p:blipFill>
-        <p:spPr>
-          <a:xfrm>
-            <a:off x="1354638" y="1121573"/>
-            <a:ext cx="6530024" cy="259625"/>
-          </a:xfrm>
-          <a:prstGeom prst="rect">
-            <a:avLst/>
-          </a:prstGeom>
-          <a:noFill/>
-          <a:ln>
-            <a:noFill/>
-          </a:ln>
-        </p:spPr>
-      </p:pic>
-      <p:pic>
-        <p:nvPicPr>
-          <p:cNvPr id="130" name="Google Shape;130;p22"/>
-          <p:cNvPicPr preferRelativeResize="0"/>
-          <p:nvPr/>
-        </p:nvPicPr>
-        <p:blipFill rotWithShape="1">
-          <a:blip r:embed="rId4">
-            <a:alphaModFix/>
-          </a:blip>
-          <a:srcRect/>
-          <a:stretch/>
-        </p:blipFill>
-        <p:spPr>
-          <a:xfrm>
-            <a:off x="2581650" y="2320025"/>
-            <a:ext cx="3790200" cy="1259025"/>
           </a:xfrm>
           <a:prstGeom prst="rect">
             <a:avLst/>
